--- a/misc/Concept.pptx
+++ b/misc/Concept.pptx
@@ -5,13 +5,15 @@
     <p:sldMasterId id="2147483648" r:id="rId1"/>
   </p:sldMasterIdLst>
   <p:notesMasterIdLst>
-    <p:notesMasterId r:id="rId6"/>
+    <p:notesMasterId r:id="rId8"/>
   </p:notesMasterIdLst>
   <p:sldIdLst>
     <p:sldId id="256" r:id="rId2"/>
     <p:sldId id="259" r:id="rId3"/>
     <p:sldId id="260" r:id="rId4"/>
     <p:sldId id="261" r:id="rId5"/>
+    <p:sldId id="262" r:id="rId6"/>
+    <p:sldId id="263" r:id="rId7"/>
   </p:sldIdLst>
   <p:sldSz cx="12192000" cy="6858000"/>
   <p:notesSz cx="6858000" cy="9144000"/>
@@ -119,6 +121,8 @@
             <p14:sldId id="259"/>
             <p14:sldId id="260"/>
             <p14:sldId id="261"/>
+            <p14:sldId id="262"/>
+            <p14:sldId id="263"/>
           </p14:sldIdLst>
         </p14:section>
       </p14:sectionLst>
@@ -713,7 +717,7 @@
           <a:p>
             <a:fld id="{24662DDC-1136-4354-A6C5-66DD31C43927}" type="datetimeFigureOut">
               <a:rPr lang="en-US" smtClean="0"/>
-              <a:t>9/22/2019</a:t>
+              <a:t>9/23/2019</a:t>
             </a:fld>
             <a:endParaRPr lang="en-US"/>
           </a:p>
@@ -913,7 +917,7 @@
           <a:p>
             <a:fld id="{24662DDC-1136-4354-A6C5-66DD31C43927}" type="datetimeFigureOut">
               <a:rPr lang="en-US" smtClean="0"/>
-              <a:t>9/22/2019</a:t>
+              <a:t>9/23/2019</a:t>
             </a:fld>
             <a:endParaRPr lang="en-US"/>
           </a:p>
@@ -1123,7 +1127,7 @@
           <a:p>
             <a:fld id="{24662DDC-1136-4354-A6C5-66DD31C43927}" type="datetimeFigureOut">
               <a:rPr lang="en-US" smtClean="0"/>
-              <a:t>9/22/2019</a:t>
+              <a:t>9/23/2019</a:t>
             </a:fld>
             <a:endParaRPr lang="en-US"/>
           </a:p>
@@ -1323,7 +1327,7 @@
           <a:p>
             <a:fld id="{24662DDC-1136-4354-A6C5-66DD31C43927}" type="datetimeFigureOut">
               <a:rPr lang="en-US" smtClean="0"/>
-              <a:t>9/22/2019</a:t>
+              <a:t>9/23/2019</a:t>
             </a:fld>
             <a:endParaRPr lang="en-US"/>
           </a:p>
@@ -1599,7 +1603,7 @@
           <a:p>
             <a:fld id="{24662DDC-1136-4354-A6C5-66DD31C43927}" type="datetimeFigureOut">
               <a:rPr lang="en-US" smtClean="0"/>
-              <a:t>9/22/2019</a:t>
+              <a:t>9/23/2019</a:t>
             </a:fld>
             <a:endParaRPr lang="en-US"/>
           </a:p>
@@ -1867,7 +1871,7 @@
           <a:p>
             <a:fld id="{24662DDC-1136-4354-A6C5-66DD31C43927}" type="datetimeFigureOut">
               <a:rPr lang="en-US" smtClean="0"/>
-              <a:t>9/22/2019</a:t>
+              <a:t>9/23/2019</a:t>
             </a:fld>
             <a:endParaRPr lang="en-US"/>
           </a:p>
@@ -2282,7 +2286,7 @@
           <a:p>
             <a:fld id="{24662DDC-1136-4354-A6C5-66DD31C43927}" type="datetimeFigureOut">
               <a:rPr lang="en-US" smtClean="0"/>
-              <a:t>9/22/2019</a:t>
+              <a:t>9/23/2019</a:t>
             </a:fld>
             <a:endParaRPr lang="en-US"/>
           </a:p>
@@ -2424,7 +2428,7 @@
           <a:p>
             <a:fld id="{24662DDC-1136-4354-A6C5-66DD31C43927}" type="datetimeFigureOut">
               <a:rPr lang="en-US" smtClean="0"/>
-              <a:t>9/22/2019</a:t>
+              <a:t>9/23/2019</a:t>
             </a:fld>
             <a:endParaRPr lang="en-US"/>
           </a:p>
@@ -2537,7 +2541,7 @@
           <a:p>
             <a:fld id="{24662DDC-1136-4354-A6C5-66DD31C43927}" type="datetimeFigureOut">
               <a:rPr lang="en-US" smtClean="0"/>
-              <a:t>9/22/2019</a:t>
+              <a:t>9/23/2019</a:t>
             </a:fld>
             <a:endParaRPr lang="en-US"/>
           </a:p>
@@ -2850,7 +2854,7 @@
           <a:p>
             <a:fld id="{24662DDC-1136-4354-A6C5-66DD31C43927}" type="datetimeFigureOut">
               <a:rPr lang="en-US" smtClean="0"/>
-              <a:t>9/22/2019</a:t>
+              <a:t>9/23/2019</a:t>
             </a:fld>
             <a:endParaRPr lang="en-US"/>
           </a:p>
@@ -3139,7 +3143,7 @@
           <a:p>
             <a:fld id="{24662DDC-1136-4354-A6C5-66DD31C43927}" type="datetimeFigureOut">
               <a:rPr lang="en-US" smtClean="0"/>
-              <a:t>9/22/2019</a:t>
+              <a:t>9/23/2019</a:t>
             </a:fld>
             <a:endParaRPr lang="en-US"/>
           </a:p>
@@ -3382,7 +3386,7 @@
           <a:p>
             <a:fld id="{24662DDC-1136-4354-A6C5-66DD31C43927}" type="datetimeFigureOut">
               <a:rPr lang="en-US" smtClean="0"/>
-              <a:t>9/22/2019</a:t>
+              <a:t>9/23/2019</a:t>
             </a:fld>
             <a:endParaRPr lang="en-US"/>
           </a:p>
@@ -3869,97 +3873,6 @@
               <a:buChar char="•"/>
             </a:pPr>
             <a:r>
-              <a:rPr lang="de-DE" sz="1801" dirty="0">
-                <a:solidFill>
-                  <a:schemeClr val="tx1"/>
-                </a:solidFill>
-              </a:rPr>
-              <a:t>Update </a:t>
-            </a:r>
-            <a:r>
-              <a:rPr lang="de-DE" sz="1801" dirty="0" err="1">
-                <a:solidFill>
-                  <a:schemeClr val="tx1"/>
-                </a:solidFill>
-              </a:rPr>
-              <a:t>receiving</a:t>
-            </a:r>
-            <a:r>
-              <a:rPr lang="de-DE" sz="1801" dirty="0">
-                <a:solidFill>
-                  <a:schemeClr val="tx1"/>
-                </a:solidFill>
-              </a:rPr>
-              <a:t> </a:t>
-            </a:r>
-            <a:r>
-              <a:rPr lang="de-DE" sz="1801" dirty="0" err="1">
-                <a:solidFill>
-                  <a:schemeClr val="tx1"/>
-                </a:solidFill>
-              </a:rPr>
-              <a:t>address</a:t>
-            </a:r>
-            <a:r>
-              <a:rPr lang="de-DE" sz="1801" dirty="0">
-                <a:solidFill>
-                  <a:schemeClr val="tx1"/>
-                </a:solidFill>
-              </a:rPr>
-              <a:t> </a:t>
-            </a:r>
-            <a:r>
-              <a:rPr lang="de-DE" sz="1801" dirty="0" err="1">
-                <a:solidFill>
-                  <a:schemeClr val="tx1"/>
-                </a:solidFill>
-              </a:rPr>
-              <a:t>for</a:t>
-            </a:r>
-            <a:r>
-              <a:rPr lang="de-DE" sz="1801" dirty="0">
-                <a:solidFill>
-                  <a:schemeClr val="tx1"/>
-                </a:solidFill>
-              </a:rPr>
-              <a:t> </a:t>
-            </a:r>
-            <a:r>
-              <a:rPr lang="de-DE" sz="1801" dirty="0" err="1">
-                <a:solidFill>
-                  <a:schemeClr val="tx1"/>
-                </a:solidFill>
-              </a:rPr>
-              <a:t>each</a:t>
-            </a:r>
-            <a:r>
-              <a:rPr lang="de-DE" sz="1801" dirty="0">
-                <a:solidFill>
-                  <a:schemeClr val="tx1"/>
-                </a:solidFill>
-              </a:rPr>
-              <a:t> </a:t>
-            </a:r>
-            <a:r>
-              <a:rPr lang="de-DE" sz="1801" dirty="0" err="1">
-                <a:solidFill>
-                  <a:schemeClr val="tx1"/>
-                </a:solidFill>
-              </a:rPr>
-              <a:t>session</a:t>
-            </a:r>
-            <a:endParaRPr lang="de-DE" sz="1801" dirty="0">
-              <a:solidFill>
-                <a:schemeClr val="tx1"/>
-              </a:solidFill>
-            </a:endParaRPr>
-          </a:p>
-          <a:p>
-            <a:pPr marL="285753" indent="-285753">
-              <a:buFont typeface="Arial" panose="020B0604020202020204" pitchFamily="34" charset="0"/>
-              <a:buChar char="•"/>
-            </a:pPr>
-            <a:r>
               <a:rPr lang="de-DE" sz="1801" dirty="0" err="1">
                 <a:solidFill>
                   <a:schemeClr val="tx1"/>
@@ -5746,7 +5659,7 @@
             </a:r>
             <a:r>
               <a:rPr lang="de-DE" sz="1801" dirty="0" err="1"/>
-              <a:t>impermutable</a:t>
+              <a:t>immutable</a:t>
             </a:r>
             <a:r>
               <a:rPr lang="de-DE" sz="1801" dirty="0"/>
@@ -8194,12 +8107,20 @@
                 <a:t>of</a:t>
               </a:r>
               <a:r>
+                <a:rPr lang="de-DE" sz="1801">
+                  <a:solidFill>
+                    <a:schemeClr val="tx1"/>
+                  </a:solidFill>
+                </a:rPr>
+                <a:t> bike in </a:t>
+              </a:r>
+              <a:r>
                 <a:rPr lang="de-DE" sz="1801" dirty="0">
                   <a:solidFill>
                     <a:schemeClr val="tx1"/>
                   </a:solidFill>
                 </a:rPr>
-                <a:t> bike network</a:t>
+                <a:t>network</a:t>
               </a:r>
             </a:p>
             <a:p>
@@ -11695,6 +11616,2254 @@
     <p:extLst>
       <p:ext uri="{BB962C8B-B14F-4D97-AF65-F5344CB8AC3E}">
         <p14:creationId xmlns:p14="http://schemas.microsoft.com/office/powerpoint/2010/main" val="3746467053"/>
+      </p:ext>
+    </p:extLst>
+  </p:cSld>
+  <p:clrMapOvr>
+    <a:masterClrMapping/>
+  </p:clrMapOvr>
+</p:sld>
+</file>
+
+<file path=ppt/slides/slide5.xml><?xml version="1.0" encoding="utf-8"?>
+<p:sld xmlns:a="http://schemas.openxmlformats.org/drawingml/2006/main" xmlns:r="http://schemas.openxmlformats.org/officeDocument/2006/relationships" xmlns:p="http://schemas.openxmlformats.org/presentationml/2006/main">
+  <p:cSld>
+    <p:spTree>
+      <p:nvGrpSpPr>
+        <p:cNvPr id="1" name=""/>
+        <p:cNvGrpSpPr/>
+        <p:nvPr/>
+      </p:nvGrpSpPr>
+      <p:grpSpPr>
+        <a:xfrm>
+          <a:off x="0" y="0"/>
+          <a:ext cx="0" cy="0"/>
+          <a:chOff x="0" y="0"/>
+          <a:chExt cx="0" cy="0"/>
+        </a:xfrm>
+      </p:grpSpPr>
+      <p:sp>
+        <p:nvSpPr>
+          <p:cNvPr id="4" name="Textfeld 3">
+            <a:extLst>
+              <a:ext uri="{FF2B5EF4-FFF2-40B4-BE49-F238E27FC236}">
+                <a16:creationId xmlns:a16="http://schemas.microsoft.com/office/drawing/2014/main" id="{0EF4412C-46AC-4D8C-BF80-DE172C93B4CE}"/>
+              </a:ext>
+            </a:extLst>
+          </p:cNvPr>
+          <p:cNvSpPr txBox="1"/>
+          <p:nvPr/>
+        </p:nvSpPr>
+        <p:spPr>
+          <a:xfrm>
+            <a:off x="133351" y="123825"/>
+            <a:ext cx="3876676" cy="369460"/>
+          </a:xfrm>
+          <a:prstGeom prst="rect">
+            <a:avLst/>
+          </a:prstGeom>
+          <a:noFill/>
+        </p:spPr>
+        <p:txBody>
+          <a:bodyPr wrap="square" rtlCol="0">
+            <a:spAutoFit/>
+          </a:bodyPr>
+          <a:lstStyle/>
+          <a:p>
+            <a:r>
+              <a:rPr lang="de-DE" sz="1801" b="1" i="1" dirty="0"/>
+              <a:t>Database</a:t>
+            </a:r>
+            <a:endParaRPr lang="en-US" sz="1801" b="1" i="1" dirty="0"/>
+          </a:p>
+        </p:txBody>
+      </p:sp>
+      <p:sp>
+        <p:nvSpPr>
+          <p:cNvPr id="5" name="Rechteck 4">
+            <a:extLst>
+              <a:ext uri="{FF2B5EF4-FFF2-40B4-BE49-F238E27FC236}">
+                <a16:creationId xmlns:a16="http://schemas.microsoft.com/office/drawing/2014/main" id="{B02C0076-C204-43B1-9B28-629CF13BC588}"/>
+              </a:ext>
+            </a:extLst>
+          </p:cNvPr>
+          <p:cNvSpPr/>
+          <p:nvPr/>
+        </p:nvSpPr>
+        <p:spPr>
+          <a:xfrm>
+            <a:off x="1012054" y="801093"/>
+            <a:ext cx="3239520" cy="330002"/>
+          </a:xfrm>
+          <a:prstGeom prst="rect">
+            <a:avLst/>
+          </a:prstGeom>
+          <a:solidFill>
+            <a:schemeClr val="accent1">
+              <a:lumMod val="40000"/>
+              <a:lumOff val="60000"/>
+            </a:schemeClr>
+          </a:solidFill>
+          <a:ln>
+            <a:solidFill>
+              <a:schemeClr val="accent5"/>
+            </a:solidFill>
+          </a:ln>
+        </p:spPr>
+        <p:style>
+          <a:lnRef idx="2">
+            <a:schemeClr val="accent1">
+              <a:shade val="50000"/>
+            </a:schemeClr>
+          </a:lnRef>
+          <a:fillRef idx="1">
+            <a:schemeClr val="accent1"/>
+          </a:fillRef>
+          <a:effectRef idx="0">
+            <a:schemeClr val="accent1"/>
+          </a:effectRef>
+          <a:fontRef idx="minor">
+            <a:schemeClr val="lt1"/>
+          </a:fontRef>
+        </p:style>
+        <p:txBody>
+          <a:bodyPr rtlCol="0" anchor="ctr"/>
+          <a:lstStyle/>
+          <a:p>
+            <a:pPr algn="ctr"/>
+            <a:r>
+              <a:rPr lang="de-DE" dirty="0">
+                <a:solidFill>
+                  <a:schemeClr val="tx1"/>
+                </a:solidFill>
+              </a:rPr>
+              <a:t>HARDWARE</a:t>
+            </a:r>
+          </a:p>
+        </p:txBody>
+      </p:sp>
+      <p:graphicFrame>
+        <p:nvGraphicFramePr>
+          <p:cNvPr id="6" name="Tabelle 5">
+            <a:extLst>
+              <a:ext uri="{FF2B5EF4-FFF2-40B4-BE49-F238E27FC236}">
+                <a16:creationId xmlns:a16="http://schemas.microsoft.com/office/drawing/2014/main" id="{27421C5F-EF9A-45F8-8965-E128074B1003}"/>
+              </a:ext>
+            </a:extLst>
+          </p:cNvPr>
+          <p:cNvGraphicFramePr>
+            <a:graphicFrameLocks noGrp="1"/>
+          </p:cNvGraphicFramePr>
+          <p:nvPr>
+            <p:extLst>
+              <p:ext uri="{D42A27DB-BD31-4B8C-83A1-F6EECF244321}">
+                <p14:modId xmlns:p14="http://schemas.microsoft.com/office/powerpoint/2010/main" val="1944871602"/>
+              </p:ext>
+            </p:extLst>
+          </p:nvPr>
+        </p:nvGraphicFramePr>
+        <p:xfrm>
+          <a:off x="1012054" y="1135663"/>
+          <a:ext cx="3239520" cy="703312"/>
+        </p:xfrm>
+        <a:graphic>
+          <a:graphicData uri="http://schemas.openxmlformats.org/drawingml/2006/table">
+            <a:tbl>
+              <a:tblPr firstRow="1" bandRow="1">
+                <a:tableStyleId>{5940675A-B579-460E-94D1-54222C63F5DA}</a:tableStyleId>
+              </a:tblPr>
+              <a:tblGrid>
+                <a:gridCol w="1686758">
+                  <a:extLst>
+                    <a:ext uri="{9D8B030D-6E8A-4147-A177-3AD203B41FA5}">
+                      <a16:colId xmlns:a16="http://schemas.microsoft.com/office/drawing/2014/main" val="1743332313"/>
+                    </a:ext>
+                  </a:extLst>
+                </a:gridCol>
+                <a:gridCol w="1552762">
+                  <a:extLst>
+                    <a:ext uri="{9D8B030D-6E8A-4147-A177-3AD203B41FA5}">
+                      <a16:colId xmlns:a16="http://schemas.microsoft.com/office/drawing/2014/main" val="2034490463"/>
+                    </a:ext>
+                  </a:extLst>
+                </a:gridCol>
+              </a:tblGrid>
+              <a:tr h="351656">
+                <a:tc>
+                  <a:txBody>
+                    <a:bodyPr/>
+                    <a:lstStyle/>
+                    <a:p>
+                      <a:r>
+                        <a:rPr lang="de-DE" sz="1600" dirty="0">
+                          <a:solidFill>
+                            <a:schemeClr val="tx1"/>
+                          </a:solidFill>
+                        </a:rPr>
+                        <a:t>*</a:t>
+                      </a:r>
+                      <a:r>
+                        <a:rPr lang="de-DE" sz="1600" dirty="0" err="1">
+                          <a:solidFill>
+                            <a:schemeClr val="tx1"/>
+                          </a:solidFill>
+                        </a:rPr>
+                        <a:t>hardware_id</a:t>
+                      </a:r>
+                      <a:endParaRPr lang="en-US" sz="1600" dirty="0"/>
+                    </a:p>
+                  </a:txBody>
+                  <a:tcPr>
+                    <a:lnL w="19050" cap="flat" cmpd="sng" algn="ctr">
+                      <a:solidFill>
+                        <a:schemeClr val="accent5"/>
+                      </a:solidFill>
+                      <a:prstDash val="solid"/>
+                      <a:round/>
+                      <a:headEnd type="none" w="med" len="med"/>
+                      <a:tailEnd type="none" w="med" len="med"/>
+                    </a:lnL>
+                    <a:lnR w="19050" cap="flat" cmpd="sng" algn="ctr">
+                      <a:solidFill>
+                        <a:schemeClr val="accent5"/>
+                      </a:solidFill>
+                      <a:prstDash val="solid"/>
+                      <a:round/>
+                      <a:headEnd type="none" w="med" len="med"/>
+                      <a:tailEnd type="none" w="med" len="med"/>
+                    </a:lnR>
+                    <a:lnT w="19050" cap="flat" cmpd="sng" algn="ctr">
+                      <a:solidFill>
+                        <a:schemeClr val="accent5"/>
+                      </a:solidFill>
+                      <a:prstDash val="solid"/>
+                      <a:round/>
+                      <a:headEnd type="none" w="med" len="med"/>
+                      <a:tailEnd type="none" w="med" len="med"/>
+                    </a:lnT>
+                    <a:lnB w="19050" cap="flat" cmpd="sng" algn="ctr">
+                      <a:solidFill>
+                        <a:schemeClr val="accent5"/>
+                      </a:solidFill>
+                      <a:prstDash val="solid"/>
+                      <a:round/>
+                      <a:headEnd type="none" w="med" len="med"/>
+                      <a:tailEnd type="none" w="med" len="med"/>
+                    </a:lnB>
+                    <a:solidFill>
+                      <a:schemeClr val="bg1"/>
+                    </a:solidFill>
+                  </a:tcPr>
+                </a:tc>
+                <a:tc>
+                  <a:txBody>
+                    <a:bodyPr/>
+                    <a:lstStyle/>
+                    <a:p>
+                      <a:pPr marL="0" marR="0" lvl="0" indent="0" algn="l" defTabSz="914400" rtl="0" eaLnBrk="1" fontAlgn="auto" latinLnBrk="0" hangingPunct="1">
+                        <a:lnSpc>
+                          <a:spcPct val="100000"/>
+                        </a:lnSpc>
+                        <a:spcBef>
+                          <a:spcPts val="0"/>
+                        </a:spcBef>
+                        <a:spcAft>
+                          <a:spcPts val="0"/>
+                        </a:spcAft>
+                        <a:buClrTx/>
+                        <a:buSzTx/>
+                        <a:buFontTx/>
+                        <a:buNone/>
+                        <a:tabLst/>
+                        <a:defRPr/>
+                      </a:pPr>
+                      <a:r>
+                        <a:rPr lang="de-DE" sz="1600" i="1" dirty="0">
+                          <a:solidFill>
+                            <a:schemeClr val="tx1"/>
+                          </a:solidFill>
+                        </a:rPr>
+                        <a:t>integer</a:t>
+                      </a:r>
+                    </a:p>
+                  </a:txBody>
+                  <a:tcPr>
+                    <a:lnL w="19050" cap="flat" cmpd="sng" algn="ctr">
+                      <a:solidFill>
+                        <a:schemeClr val="accent5"/>
+                      </a:solidFill>
+                      <a:prstDash val="solid"/>
+                      <a:round/>
+                      <a:headEnd type="none" w="med" len="med"/>
+                      <a:tailEnd type="none" w="med" len="med"/>
+                    </a:lnL>
+                    <a:lnR w="19050" cap="flat" cmpd="sng" algn="ctr">
+                      <a:solidFill>
+                        <a:schemeClr val="accent5"/>
+                      </a:solidFill>
+                      <a:prstDash val="solid"/>
+                      <a:round/>
+                      <a:headEnd type="none" w="med" len="med"/>
+                      <a:tailEnd type="none" w="med" len="med"/>
+                    </a:lnR>
+                    <a:lnT w="19050" cap="flat" cmpd="sng" algn="ctr">
+                      <a:solidFill>
+                        <a:schemeClr val="accent5"/>
+                      </a:solidFill>
+                      <a:prstDash val="solid"/>
+                      <a:round/>
+                      <a:headEnd type="none" w="med" len="med"/>
+                      <a:tailEnd type="none" w="med" len="med"/>
+                    </a:lnT>
+                    <a:lnB w="19050" cap="flat" cmpd="sng" algn="ctr">
+                      <a:solidFill>
+                        <a:schemeClr val="accent5"/>
+                      </a:solidFill>
+                      <a:prstDash val="solid"/>
+                      <a:round/>
+                      <a:headEnd type="none" w="med" len="med"/>
+                      <a:tailEnd type="none" w="med" len="med"/>
+                    </a:lnB>
+                    <a:solidFill>
+                      <a:schemeClr val="bg1"/>
+                    </a:solidFill>
+                  </a:tcPr>
+                </a:tc>
+                <a:extLst>
+                  <a:ext uri="{0D108BD9-81ED-4DB2-BD59-A6C34878D82A}">
+                    <a16:rowId xmlns:a16="http://schemas.microsoft.com/office/drawing/2014/main" val="3710779762"/>
+                  </a:ext>
+                </a:extLst>
+              </a:tr>
+              <a:tr h="351656">
+                <a:tc>
+                  <a:txBody>
+                    <a:bodyPr/>
+                    <a:lstStyle/>
+                    <a:p>
+                      <a:r>
+                        <a:rPr lang="de-DE" sz="1600" dirty="0" err="1"/>
+                        <a:t>session_address</a:t>
+                      </a:r>
+                      <a:endParaRPr lang="en-US" sz="1600" dirty="0"/>
+                    </a:p>
+                  </a:txBody>
+                  <a:tcPr>
+                    <a:lnL w="19050" cap="flat" cmpd="sng" algn="ctr">
+                      <a:solidFill>
+                        <a:schemeClr val="accent5"/>
+                      </a:solidFill>
+                      <a:prstDash val="solid"/>
+                      <a:round/>
+                      <a:headEnd type="none" w="med" len="med"/>
+                      <a:tailEnd type="none" w="med" len="med"/>
+                    </a:lnL>
+                    <a:lnR w="19050" cap="flat" cmpd="sng" algn="ctr">
+                      <a:solidFill>
+                        <a:schemeClr val="accent5"/>
+                      </a:solidFill>
+                      <a:prstDash val="solid"/>
+                      <a:round/>
+                      <a:headEnd type="none" w="med" len="med"/>
+                      <a:tailEnd type="none" w="med" len="med"/>
+                    </a:lnR>
+                    <a:lnT w="19050" cap="flat" cmpd="sng" algn="ctr">
+                      <a:solidFill>
+                        <a:schemeClr val="accent5"/>
+                      </a:solidFill>
+                      <a:prstDash val="solid"/>
+                      <a:round/>
+                      <a:headEnd type="none" w="med" len="med"/>
+                      <a:tailEnd type="none" w="med" len="med"/>
+                    </a:lnT>
+                    <a:lnB w="19050" cap="flat" cmpd="sng" algn="ctr">
+                      <a:solidFill>
+                        <a:schemeClr val="accent5"/>
+                      </a:solidFill>
+                      <a:prstDash val="solid"/>
+                      <a:round/>
+                      <a:headEnd type="none" w="med" len="med"/>
+                      <a:tailEnd type="none" w="med" len="med"/>
+                    </a:lnB>
+                    <a:solidFill>
+                      <a:schemeClr val="bg1"/>
+                    </a:solidFill>
+                  </a:tcPr>
+                </a:tc>
+                <a:tc>
+                  <a:txBody>
+                    <a:bodyPr/>
+                    <a:lstStyle/>
+                    <a:p>
+                      <a:pPr marL="0" marR="0" lvl="0" indent="0" algn="l" defTabSz="914400" rtl="0" eaLnBrk="1" fontAlgn="auto" latinLnBrk="0" hangingPunct="1">
+                        <a:lnSpc>
+                          <a:spcPct val="100000"/>
+                        </a:lnSpc>
+                        <a:spcBef>
+                          <a:spcPts val="0"/>
+                        </a:spcBef>
+                        <a:spcAft>
+                          <a:spcPts val="0"/>
+                        </a:spcAft>
+                        <a:buClrTx/>
+                        <a:buSzTx/>
+                        <a:buFontTx/>
+                        <a:buNone/>
+                        <a:tabLst/>
+                        <a:defRPr/>
+                      </a:pPr>
+                      <a:r>
+                        <a:rPr lang="de-DE" sz="1600" i="1" dirty="0" err="1">
+                          <a:solidFill>
+                            <a:schemeClr val="tx1"/>
+                          </a:solidFill>
+                        </a:rPr>
+                        <a:t>text</a:t>
+                      </a:r>
+                      <a:endParaRPr lang="de-DE" sz="1600" i="1" dirty="0">
+                        <a:solidFill>
+                          <a:schemeClr val="tx1"/>
+                        </a:solidFill>
+                      </a:endParaRPr>
+                    </a:p>
+                  </a:txBody>
+                  <a:tcPr>
+                    <a:lnL w="19050" cap="flat" cmpd="sng" algn="ctr">
+                      <a:solidFill>
+                        <a:schemeClr val="accent5"/>
+                      </a:solidFill>
+                      <a:prstDash val="solid"/>
+                      <a:round/>
+                      <a:headEnd type="none" w="med" len="med"/>
+                      <a:tailEnd type="none" w="med" len="med"/>
+                    </a:lnL>
+                    <a:lnR w="19050" cap="flat" cmpd="sng" algn="ctr">
+                      <a:solidFill>
+                        <a:schemeClr val="accent5"/>
+                      </a:solidFill>
+                      <a:prstDash val="solid"/>
+                      <a:round/>
+                      <a:headEnd type="none" w="med" len="med"/>
+                      <a:tailEnd type="none" w="med" len="med"/>
+                    </a:lnR>
+                    <a:lnT w="19050" cap="flat" cmpd="sng" algn="ctr">
+                      <a:solidFill>
+                        <a:schemeClr val="accent5"/>
+                      </a:solidFill>
+                      <a:prstDash val="solid"/>
+                      <a:round/>
+                      <a:headEnd type="none" w="med" len="med"/>
+                      <a:tailEnd type="none" w="med" len="med"/>
+                    </a:lnT>
+                    <a:lnB w="19050" cap="flat" cmpd="sng" algn="ctr">
+                      <a:solidFill>
+                        <a:schemeClr val="accent5"/>
+                      </a:solidFill>
+                      <a:prstDash val="solid"/>
+                      <a:round/>
+                      <a:headEnd type="none" w="med" len="med"/>
+                      <a:tailEnd type="none" w="med" len="med"/>
+                    </a:lnB>
+                    <a:solidFill>
+                      <a:schemeClr val="bg1"/>
+                    </a:solidFill>
+                  </a:tcPr>
+                </a:tc>
+                <a:extLst>
+                  <a:ext uri="{0D108BD9-81ED-4DB2-BD59-A6C34878D82A}">
+                    <a16:rowId xmlns:a16="http://schemas.microsoft.com/office/drawing/2014/main" val="148577280"/>
+                  </a:ext>
+                </a:extLst>
+              </a:tr>
+            </a:tbl>
+          </a:graphicData>
+        </a:graphic>
+      </p:graphicFrame>
+      <p:sp>
+        <p:nvSpPr>
+          <p:cNvPr id="7" name="Rechteck 6">
+            <a:extLst>
+              <a:ext uri="{FF2B5EF4-FFF2-40B4-BE49-F238E27FC236}">
+                <a16:creationId xmlns:a16="http://schemas.microsoft.com/office/drawing/2014/main" id="{6DE22A1B-47CB-4FD5-9E25-878A9EA1AECF}"/>
+              </a:ext>
+            </a:extLst>
+          </p:cNvPr>
+          <p:cNvSpPr/>
+          <p:nvPr/>
+        </p:nvSpPr>
+        <p:spPr>
+          <a:xfrm>
+            <a:off x="6078244" y="801093"/>
+            <a:ext cx="2896252" cy="330002"/>
+          </a:xfrm>
+          <a:prstGeom prst="rect">
+            <a:avLst/>
+          </a:prstGeom>
+          <a:solidFill>
+            <a:schemeClr val="accent1">
+              <a:lumMod val="40000"/>
+              <a:lumOff val="60000"/>
+            </a:schemeClr>
+          </a:solidFill>
+          <a:ln>
+            <a:solidFill>
+              <a:schemeClr val="accent5"/>
+            </a:solidFill>
+          </a:ln>
+        </p:spPr>
+        <p:style>
+          <a:lnRef idx="2">
+            <a:schemeClr val="accent1">
+              <a:shade val="50000"/>
+            </a:schemeClr>
+          </a:lnRef>
+          <a:fillRef idx="1">
+            <a:schemeClr val="accent1"/>
+          </a:fillRef>
+          <a:effectRef idx="0">
+            <a:schemeClr val="accent1"/>
+          </a:effectRef>
+          <a:fontRef idx="minor">
+            <a:schemeClr val="lt1"/>
+          </a:fontRef>
+        </p:style>
+        <p:txBody>
+          <a:bodyPr rtlCol="0" anchor="ctr"/>
+          <a:lstStyle/>
+          <a:p>
+            <a:pPr algn="ctr"/>
+            <a:r>
+              <a:rPr lang="de-DE" dirty="0">
+                <a:solidFill>
+                  <a:schemeClr val="tx1"/>
+                </a:solidFill>
+              </a:rPr>
+              <a:t>SENSOR_DATA</a:t>
+            </a:r>
+          </a:p>
+        </p:txBody>
+      </p:sp>
+      <p:graphicFrame>
+        <p:nvGraphicFramePr>
+          <p:cNvPr id="8" name="Tabelle 7">
+            <a:extLst>
+              <a:ext uri="{FF2B5EF4-FFF2-40B4-BE49-F238E27FC236}">
+                <a16:creationId xmlns:a16="http://schemas.microsoft.com/office/drawing/2014/main" id="{CBD0214C-40C9-4BDE-AB7E-93E236A43797}"/>
+              </a:ext>
+            </a:extLst>
+          </p:cNvPr>
+          <p:cNvGraphicFramePr>
+            <a:graphicFrameLocks noGrp="1"/>
+          </p:cNvGraphicFramePr>
+          <p:nvPr>
+            <p:extLst>
+              <p:ext uri="{D42A27DB-BD31-4B8C-83A1-F6EECF244321}">
+                <p14:modId xmlns:p14="http://schemas.microsoft.com/office/powerpoint/2010/main" val="1681404431"/>
+              </p:ext>
+            </p:extLst>
+          </p:nvPr>
+        </p:nvGraphicFramePr>
+        <p:xfrm>
+          <a:off x="6096000" y="1135663"/>
+          <a:ext cx="2878496" cy="2781784"/>
+        </p:xfrm>
+        <a:graphic>
+          <a:graphicData uri="http://schemas.openxmlformats.org/drawingml/2006/table">
+            <a:tbl>
+              <a:tblPr firstRow="1" bandRow="1">
+                <a:tableStyleId>{5940675A-B579-460E-94D1-54222C63F5DA}</a:tableStyleId>
+              </a:tblPr>
+              <a:tblGrid>
+                <a:gridCol w="1337907">
+                  <a:extLst>
+                    <a:ext uri="{9D8B030D-6E8A-4147-A177-3AD203B41FA5}">
+                      <a16:colId xmlns:a16="http://schemas.microsoft.com/office/drawing/2014/main" val="1743332313"/>
+                    </a:ext>
+                  </a:extLst>
+                </a:gridCol>
+                <a:gridCol w="1540589">
+                  <a:extLst>
+                    <a:ext uri="{9D8B030D-6E8A-4147-A177-3AD203B41FA5}">
+                      <a16:colId xmlns:a16="http://schemas.microsoft.com/office/drawing/2014/main" val="2034490463"/>
+                    </a:ext>
+                  </a:extLst>
+                </a:gridCol>
+              </a:tblGrid>
+              <a:tr h="351656">
+                <a:tc>
+                  <a:txBody>
+                    <a:bodyPr/>
+                    <a:lstStyle/>
+                    <a:p>
+                      <a:r>
+                        <a:rPr lang="de-DE" sz="1600" dirty="0">
+                          <a:solidFill>
+                            <a:schemeClr val="tx1"/>
+                          </a:solidFill>
+                        </a:rPr>
+                        <a:t>*</a:t>
+                      </a:r>
+                      <a:r>
+                        <a:rPr lang="de-DE" sz="1600" dirty="0" err="1">
+                          <a:solidFill>
+                            <a:schemeClr val="tx1"/>
+                          </a:solidFill>
+                        </a:rPr>
+                        <a:t>index</a:t>
+                      </a:r>
+                      <a:r>
+                        <a:rPr lang="de-DE" sz="1600" dirty="0">
+                          <a:solidFill>
+                            <a:schemeClr val="tx1"/>
+                          </a:solidFill>
+                        </a:rPr>
+                        <a:t> </a:t>
+                      </a:r>
+                      <a:endParaRPr lang="en-US" sz="1600" dirty="0"/>
+                    </a:p>
+                  </a:txBody>
+                  <a:tcPr>
+                    <a:lnL w="19050" cap="flat" cmpd="sng" algn="ctr">
+                      <a:solidFill>
+                        <a:schemeClr val="accent5"/>
+                      </a:solidFill>
+                      <a:prstDash val="solid"/>
+                      <a:round/>
+                      <a:headEnd type="none" w="med" len="med"/>
+                      <a:tailEnd type="none" w="med" len="med"/>
+                    </a:lnL>
+                    <a:lnR w="19050" cap="flat" cmpd="sng" algn="ctr">
+                      <a:solidFill>
+                        <a:schemeClr val="accent5"/>
+                      </a:solidFill>
+                      <a:prstDash val="solid"/>
+                      <a:round/>
+                      <a:headEnd type="none" w="med" len="med"/>
+                      <a:tailEnd type="none" w="med" len="med"/>
+                    </a:lnR>
+                    <a:lnT w="19050" cap="flat" cmpd="sng" algn="ctr">
+                      <a:solidFill>
+                        <a:schemeClr val="accent5"/>
+                      </a:solidFill>
+                      <a:prstDash val="solid"/>
+                      <a:round/>
+                      <a:headEnd type="none" w="med" len="med"/>
+                      <a:tailEnd type="none" w="med" len="med"/>
+                    </a:lnT>
+                    <a:lnB w="19050" cap="flat" cmpd="sng" algn="ctr">
+                      <a:solidFill>
+                        <a:schemeClr val="accent5"/>
+                      </a:solidFill>
+                      <a:prstDash val="solid"/>
+                      <a:round/>
+                      <a:headEnd type="none" w="med" len="med"/>
+                      <a:tailEnd type="none" w="med" len="med"/>
+                    </a:lnB>
+                    <a:solidFill>
+                      <a:schemeClr val="bg1"/>
+                    </a:solidFill>
+                  </a:tcPr>
+                </a:tc>
+                <a:tc>
+                  <a:txBody>
+                    <a:bodyPr/>
+                    <a:lstStyle/>
+                    <a:p>
+                      <a:pPr marL="0" marR="0" lvl="0" indent="0" algn="l" defTabSz="914400" rtl="0" eaLnBrk="1" fontAlgn="auto" latinLnBrk="0" hangingPunct="1">
+                        <a:lnSpc>
+                          <a:spcPct val="100000"/>
+                        </a:lnSpc>
+                        <a:spcBef>
+                          <a:spcPts val="0"/>
+                        </a:spcBef>
+                        <a:spcAft>
+                          <a:spcPts val="0"/>
+                        </a:spcAft>
+                        <a:buClrTx/>
+                        <a:buSzTx/>
+                        <a:buFontTx/>
+                        <a:buNone/>
+                        <a:tabLst/>
+                        <a:defRPr/>
+                      </a:pPr>
+                      <a:r>
+                        <a:rPr lang="de-DE" sz="1600" i="1" dirty="0" err="1">
+                          <a:solidFill>
+                            <a:schemeClr val="tx1"/>
+                          </a:solidFill>
+                        </a:rPr>
+                        <a:t>bigserial</a:t>
+                      </a:r>
+                      <a:endParaRPr lang="de-DE" sz="1600" dirty="0">
+                        <a:solidFill>
+                          <a:schemeClr val="tx1"/>
+                        </a:solidFill>
+                      </a:endParaRPr>
+                    </a:p>
+                  </a:txBody>
+                  <a:tcPr>
+                    <a:lnL w="19050" cap="flat" cmpd="sng" algn="ctr">
+                      <a:solidFill>
+                        <a:schemeClr val="accent5"/>
+                      </a:solidFill>
+                      <a:prstDash val="solid"/>
+                      <a:round/>
+                      <a:headEnd type="none" w="med" len="med"/>
+                      <a:tailEnd type="none" w="med" len="med"/>
+                    </a:lnL>
+                    <a:lnR w="19050" cap="flat" cmpd="sng" algn="ctr">
+                      <a:solidFill>
+                        <a:schemeClr val="accent5"/>
+                      </a:solidFill>
+                      <a:prstDash val="solid"/>
+                      <a:round/>
+                      <a:headEnd type="none" w="med" len="med"/>
+                      <a:tailEnd type="none" w="med" len="med"/>
+                    </a:lnR>
+                    <a:lnT w="19050" cap="flat" cmpd="sng" algn="ctr">
+                      <a:solidFill>
+                        <a:schemeClr val="accent5"/>
+                      </a:solidFill>
+                      <a:prstDash val="solid"/>
+                      <a:round/>
+                      <a:headEnd type="none" w="med" len="med"/>
+                      <a:tailEnd type="none" w="med" len="med"/>
+                    </a:lnT>
+                    <a:lnB w="19050" cap="flat" cmpd="sng" algn="ctr">
+                      <a:solidFill>
+                        <a:schemeClr val="accent5"/>
+                      </a:solidFill>
+                      <a:prstDash val="solid"/>
+                      <a:round/>
+                      <a:headEnd type="none" w="med" len="med"/>
+                      <a:tailEnd type="none" w="med" len="med"/>
+                    </a:lnB>
+                    <a:solidFill>
+                      <a:schemeClr val="bg1"/>
+                    </a:solidFill>
+                  </a:tcPr>
+                </a:tc>
+                <a:extLst>
+                  <a:ext uri="{0D108BD9-81ED-4DB2-BD59-A6C34878D82A}">
+                    <a16:rowId xmlns:a16="http://schemas.microsoft.com/office/drawing/2014/main" val="268233183"/>
+                  </a:ext>
+                </a:extLst>
+              </a:tr>
+              <a:tr h="351656">
+                <a:tc>
+                  <a:txBody>
+                    <a:bodyPr/>
+                    <a:lstStyle/>
+                    <a:p>
+                      <a:r>
+                        <a:rPr lang="de-DE" sz="1600" dirty="0" err="1">
+                          <a:solidFill>
+                            <a:schemeClr val="tx1"/>
+                          </a:solidFill>
+                        </a:rPr>
+                        <a:t>address</a:t>
+                      </a:r>
+                      <a:r>
+                        <a:rPr lang="de-DE" sz="1600" dirty="0">
+                          <a:solidFill>
+                            <a:schemeClr val="tx1"/>
+                          </a:solidFill>
+                        </a:rPr>
+                        <a:t> </a:t>
+                      </a:r>
+                      <a:endParaRPr lang="en-US" sz="1600" dirty="0"/>
+                    </a:p>
+                  </a:txBody>
+                  <a:tcPr>
+                    <a:lnL w="19050" cap="flat" cmpd="sng" algn="ctr">
+                      <a:solidFill>
+                        <a:schemeClr val="accent5"/>
+                      </a:solidFill>
+                      <a:prstDash val="solid"/>
+                      <a:round/>
+                      <a:headEnd type="none" w="med" len="med"/>
+                      <a:tailEnd type="none" w="med" len="med"/>
+                    </a:lnL>
+                    <a:lnR w="19050" cap="flat" cmpd="sng" algn="ctr">
+                      <a:solidFill>
+                        <a:schemeClr val="accent5"/>
+                      </a:solidFill>
+                      <a:prstDash val="solid"/>
+                      <a:round/>
+                      <a:headEnd type="none" w="med" len="med"/>
+                      <a:tailEnd type="none" w="med" len="med"/>
+                    </a:lnR>
+                    <a:lnT w="19050" cap="flat" cmpd="sng" algn="ctr">
+                      <a:solidFill>
+                        <a:schemeClr val="accent5"/>
+                      </a:solidFill>
+                      <a:prstDash val="solid"/>
+                      <a:round/>
+                      <a:headEnd type="none" w="med" len="med"/>
+                      <a:tailEnd type="none" w="med" len="med"/>
+                    </a:lnT>
+                    <a:lnB w="19050" cap="flat" cmpd="sng" algn="ctr">
+                      <a:solidFill>
+                        <a:schemeClr val="accent5"/>
+                      </a:solidFill>
+                      <a:prstDash val="solid"/>
+                      <a:round/>
+                      <a:headEnd type="none" w="med" len="med"/>
+                      <a:tailEnd type="none" w="med" len="med"/>
+                    </a:lnB>
+                    <a:solidFill>
+                      <a:schemeClr val="bg1"/>
+                    </a:solidFill>
+                  </a:tcPr>
+                </a:tc>
+                <a:tc>
+                  <a:txBody>
+                    <a:bodyPr/>
+                    <a:lstStyle/>
+                    <a:p>
+                      <a:pPr marL="0" marR="0" lvl="0" indent="0" algn="l" defTabSz="914400" rtl="0" eaLnBrk="1" fontAlgn="auto" latinLnBrk="0" hangingPunct="1">
+                        <a:lnSpc>
+                          <a:spcPct val="100000"/>
+                        </a:lnSpc>
+                        <a:spcBef>
+                          <a:spcPts val="0"/>
+                        </a:spcBef>
+                        <a:spcAft>
+                          <a:spcPts val="0"/>
+                        </a:spcAft>
+                        <a:buClrTx/>
+                        <a:buSzTx/>
+                        <a:buFontTx/>
+                        <a:buNone/>
+                        <a:tabLst/>
+                        <a:defRPr/>
+                      </a:pPr>
+                      <a:r>
+                        <a:rPr lang="de-DE" sz="1600" i="1" dirty="0" err="1">
+                          <a:solidFill>
+                            <a:schemeClr val="tx1"/>
+                          </a:solidFill>
+                        </a:rPr>
+                        <a:t>text</a:t>
+                      </a:r>
+                      <a:endParaRPr lang="de-DE" sz="1600" i="1" dirty="0">
+                        <a:solidFill>
+                          <a:schemeClr val="tx1"/>
+                        </a:solidFill>
+                      </a:endParaRPr>
+                    </a:p>
+                  </a:txBody>
+                  <a:tcPr>
+                    <a:lnL w="19050" cap="flat" cmpd="sng" algn="ctr">
+                      <a:solidFill>
+                        <a:schemeClr val="accent5"/>
+                      </a:solidFill>
+                      <a:prstDash val="solid"/>
+                      <a:round/>
+                      <a:headEnd type="none" w="med" len="med"/>
+                      <a:tailEnd type="none" w="med" len="med"/>
+                    </a:lnL>
+                    <a:lnR w="19050" cap="flat" cmpd="sng" algn="ctr">
+                      <a:solidFill>
+                        <a:schemeClr val="accent5"/>
+                      </a:solidFill>
+                      <a:prstDash val="solid"/>
+                      <a:round/>
+                      <a:headEnd type="none" w="med" len="med"/>
+                      <a:tailEnd type="none" w="med" len="med"/>
+                    </a:lnR>
+                    <a:lnT w="19050" cap="flat" cmpd="sng" algn="ctr">
+                      <a:solidFill>
+                        <a:schemeClr val="accent5"/>
+                      </a:solidFill>
+                      <a:prstDash val="solid"/>
+                      <a:round/>
+                      <a:headEnd type="none" w="med" len="med"/>
+                      <a:tailEnd type="none" w="med" len="med"/>
+                    </a:lnT>
+                    <a:lnB w="19050" cap="flat" cmpd="sng" algn="ctr">
+                      <a:solidFill>
+                        <a:schemeClr val="accent5"/>
+                      </a:solidFill>
+                      <a:prstDash val="solid"/>
+                      <a:round/>
+                      <a:headEnd type="none" w="med" len="med"/>
+                      <a:tailEnd type="none" w="med" len="med"/>
+                    </a:lnB>
+                    <a:solidFill>
+                      <a:schemeClr val="bg1"/>
+                    </a:solidFill>
+                  </a:tcPr>
+                </a:tc>
+                <a:extLst>
+                  <a:ext uri="{0D108BD9-81ED-4DB2-BD59-A6C34878D82A}">
+                    <a16:rowId xmlns:a16="http://schemas.microsoft.com/office/drawing/2014/main" val="3710779762"/>
+                  </a:ext>
+                </a:extLst>
+              </a:tr>
+              <a:tr h="374838">
+                <a:tc>
+                  <a:txBody>
+                    <a:bodyPr/>
+                    <a:lstStyle/>
+                    <a:p>
+                      <a:pPr marL="0" marR="0" lvl="0" indent="0" algn="l" defTabSz="914400" rtl="0" eaLnBrk="1" fontAlgn="auto" latinLnBrk="0" hangingPunct="1">
+                        <a:lnSpc>
+                          <a:spcPct val="100000"/>
+                        </a:lnSpc>
+                        <a:spcBef>
+                          <a:spcPts val="0"/>
+                        </a:spcBef>
+                        <a:spcAft>
+                          <a:spcPts val="0"/>
+                        </a:spcAft>
+                        <a:buClrTx/>
+                        <a:buSzTx/>
+                        <a:buFontTx/>
+                        <a:buNone/>
+                        <a:tabLst/>
+                        <a:defRPr/>
+                      </a:pPr>
+                      <a:r>
+                        <a:rPr lang="de-DE" sz="1600" dirty="0" err="1">
+                          <a:solidFill>
+                            <a:schemeClr val="tx1"/>
+                          </a:solidFill>
+                        </a:rPr>
+                        <a:t>timestamp</a:t>
+                      </a:r>
+                      <a:endParaRPr lang="de-DE" sz="1600" dirty="0">
+                        <a:solidFill>
+                          <a:schemeClr val="tx1"/>
+                        </a:solidFill>
+                      </a:endParaRPr>
+                    </a:p>
+                  </a:txBody>
+                  <a:tcPr>
+                    <a:lnL w="19050" cap="flat" cmpd="sng" algn="ctr">
+                      <a:solidFill>
+                        <a:schemeClr val="accent5"/>
+                      </a:solidFill>
+                      <a:prstDash val="solid"/>
+                      <a:round/>
+                      <a:headEnd type="none" w="med" len="med"/>
+                      <a:tailEnd type="none" w="med" len="med"/>
+                    </a:lnL>
+                    <a:lnR w="19050" cap="flat" cmpd="sng" algn="ctr">
+                      <a:solidFill>
+                        <a:schemeClr val="accent5"/>
+                      </a:solidFill>
+                      <a:prstDash val="solid"/>
+                      <a:round/>
+                      <a:headEnd type="none" w="med" len="med"/>
+                      <a:tailEnd type="none" w="med" len="med"/>
+                    </a:lnR>
+                    <a:lnT w="19050" cap="flat" cmpd="sng" algn="ctr">
+                      <a:solidFill>
+                        <a:schemeClr val="accent5"/>
+                      </a:solidFill>
+                      <a:prstDash val="solid"/>
+                      <a:round/>
+                      <a:headEnd type="none" w="med" len="med"/>
+                      <a:tailEnd type="none" w="med" len="med"/>
+                    </a:lnT>
+                    <a:lnB w="19050" cap="flat" cmpd="sng" algn="ctr">
+                      <a:solidFill>
+                        <a:schemeClr val="accent5"/>
+                      </a:solidFill>
+                      <a:prstDash val="solid"/>
+                      <a:round/>
+                      <a:headEnd type="none" w="med" len="med"/>
+                      <a:tailEnd type="none" w="med" len="med"/>
+                    </a:lnB>
+                    <a:solidFill>
+                      <a:schemeClr val="bg1"/>
+                    </a:solidFill>
+                  </a:tcPr>
+                </a:tc>
+                <a:tc>
+                  <a:txBody>
+                    <a:bodyPr/>
+                    <a:lstStyle/>
+                    <a:p>
+                      <a:r>
+                        <a:rPr lang="de-DE" sz="1600" i="1" dirty="0" err="1">
+                          <a:solidFill>
+                            <a:schemeClr val="tx1"/>
+                          </a:solidFill>
+                        </a:rPr>
+                        <a:t>timestamp</a:t>
+                      </a:r>
+                      <a:r>
+                        <a:rPr lang="de-DE" sz="1600" i="1" dirty="0">
+                          <a:solidFill>
+                            <a:schemeClr val="tx1"/>
+                          </a:solidFill>
+                        </a:rPr>
+                        <a:t> </a:t>
+                      </a:r>
+                      <a:r>
+                        <a:rPr lang="de-DE" sz="1600" i="1" dirty="0" err="1">
+                          <a:solidFill>
+                            <a:schemeClr val="tx1"/>
+                          </a:solidFill>
+                        </a:rPr>
+                        <a:t>with</a:t>
+                      </a:r>
+                      <a:r>
+                        <a:rPr lang="de-DE" sz="1600" i="1" dirty="0">
+                          <a:solidFill>
+                            <a:schemeClr val="tx1"/>
+                          </a:solidFill>
+                        </a:rPr>
+                        <a:t> </a:t>
+                      </a:r>
+                      <a:r>
+                        <a:rPr lang="de-DE" sz="1600" i="1" dirty="0" err="1">
+                          <a:solidFill>
+                            <a:schemeClr val="tx1"/>
+                          </a:solidFill>
+                        </a:rPr>
+                        <a:t>timezone</a:t>
+                      </a:r>
+                      <a:endParaRPr lang="de-DE" sz="1600" i="1" dirty="0">
+                        <a:solidFill>
+                          <a:schemeClr val="tx1"/>
+                        </a:solidFill>
+                      </a:endParaRPr>
+                    </a:p>
+                  </a:txBody>
+                  <a:tcPr>
+                    <a:lnL w="19050" cap="flat" cmpd="sng" algn="ctr">
+                      <a:solidFill>
+                        <a:schemeClr val="accent5"/>
+                      </a:solidFill>
+                      <a:prstDash val="solid"/>
+                      <a:round/>
+                      <a:headEnd type="none" w="med" len="med"/>
+                      <a:tailEnd type="none" w="med" len="med"/>
+                    </a:lnL>
+                    <a:lnR w="19050" cap="flat" cmpd="sng" algn="ctr">
+                      <a:solidFill>
+                        <a:schemeClr val="accent5"/>
+                      </a:solidFill>
+                      <a:prstDash val="solid"/>
+                      <a:round/>
+                      <a:headEnd type="none" w="med" len="med"/>
+                      <a:tailEnd type="none" w="med" len="med"/>
+                    </a:lnR>
+                    <a:lnT w="19050" cap="flat" cmpd="sng" algn="ctr">
+                      <a:solidFill>
+                        <a:schemeClr val="accent5"/>
+                      </a:solidFill>
+                      <a:prstDash val="solid"/>
+                      <a:round/>
+                      <a:headEnd type="none" w="med" len="med"/>
+                      <a:tailEnd type="none" w="med" len="med"/>
+                    </a:lnT>
+                    <a:lnB w="19050" cap="flat" cmpd="sng" algn="ctr">
+                      <a:solidFill>
+                        <a:schemeClr val="accent5"/>
+                      </a:solidFill>
+                      <a:prstDash val="solid"/>
+                      <a:round/>
+                      <a:headEnd type="none" w="med" len="med"/>
+                      <a:tailEnd type="none" w="med" len="med"/>
+                    </a:lnB>
+                    <a:solidFill>
+                      <a:schemeClr val="bg1"/>
+                    </a:solidFill>
+                  </a:tcPr>
+                </a:tc>
+                <a:extLst>
+                  <a:ext uri="{0D108BD9-81ED-4DB2-BD59-A6C34878D82A}">
+                    <a16:rowId xmlns:a16="http://schemas.microsoft.com/office/drawing/2014/main" val="3377560836"/>
+                  </a:ext>
+                </a:extLst>
+              </a:tr>
+              <a:tr h="374838">
+                <a:tc>
+                  <a:txBody>
+                    <a:bodyPr/>
+                    <a:lstStyle/>
+                    <a:p>
+                      <a:pPr marL="0" marR="0" lvl="0" indent="0" algn="l" defTabSz="914400" rtl="0" eaLnBrk="1" fontAlgn="auto" latinLnBrk="0" hangingPunct="1">
+                        <a:lnSpc>
+                          <a:spcPct val="100000"/>
+                        </a:lnSpc>
+                        <a:spcBef>
+                          <a:spcPts val="0"/>
+                        </a:spcBef>
+                        <a:spcAft>
+                          <a:spcPts val="0"/>
+                        </a:spcAft>
+                        <a:buClrTx/>
+                        <a:buSzTx/>
+                        <a:buFontTx/>
+                        <a:buNone/>
+                        <a:tabLst/>
+                        <a:defRPr/>
+                      </a:pPr>
+                      <a:r>
+                        <a:rPr lang="de-DE" sz="1600" dirty="0" err="1">
+                          <a:solidFill>
+                            <a:schemeClr val="tx1"/>
+                          </a:solidFill>
+                        </a:rPr>
+                        <a:t>latitude</a:t>
+                      </a:r>
+                      <a:endParaRPr lang="de-DE" sz="1600" dirty="0">
+                        <a:solidFill>
+                          <a:schemeClr val="tx1"/>
+                        </a:solidFill>
+                      </a:endParaRPr>
+                    </a:p>
+                  </a:txBody>
+                  <a:tcPr>
+                    <a:lnL w="19050" cap="flat" cmpd="sng" algn="ctr">
+                      <a:solidFill>
+                        <a:schemeClr val="accent5"/>
+                      </a:solidFill>
+                      <a:prstDash val="solid"/>
+                      <a:round/>
+                      <a:headEnd type="none" w="med" len="med"/>
+                      <a:tailEnd type="none" w="med" len="med"/>
+                    </a:lnL>
+                    <a:lnR w="19050" cap="flat" cmpd="sng" algn="ctr">
+                      <a:solidFill>
+                        <a:schemeClr val="accent5"/>
+                      </a:solidFill>
+                      <a:prstDash val="solid"/>
+                      <a:round/>
+                      <a:headEnd type="none" w="med" len="med"/>
+                      <a:tailEnd type="none" w="med" len="med"/>
+                    </a:lnR>
+                    <a:lnT w="19050" cap="flat" cmpd="sng" algn="ctr">
+                      <a:solidFill>
+                        <a:schemeClr val="accent5"/>
+                      </a:solidFill>
+                      <a:prstDash val="solid"/>
+                      <a:round/>
+                      <a:headEnd type="none" w="med" len="med"/>
+                      <a:tailEnd type="none" w="med" len="med"/>
+                    </a:lnT>
+                    <a:lnB w="19050" cap="flat" cmpd="sng" algn="ctr">
+                      <a:solidFill>
+                        <a:schemeClr val="accent5"/>
+                      </a:solidFill>
+                      <a:prstDash val="solid"/>
+                      <a:round/>
+                      <a:headEnd type="none" w="med" len="med"/>
+                      <a:tailEnd type="none" w="med" len="med"/>
+                    </a:lnB>
+                    <a:solidFill>
+                      <a:schemeClr val="bg1"/>
+                    </a:solidFill>
+                  </a:tcPr>
+                </a:tc>
+                <a:tc>
+                  <a:txBody>
+                    <a:bodyPr/>
+                    <a:lstStyle/>
+                    <a:p>
+                      <a:r>
+                        <a:rPr lang="de-DE" sz="1600" i="1" dirty="0">
+                          <a:solidFill>
+                            <a:schemeClr val="tx1"/>
+                          </a:solidFill>
+                        </a:rPr>
+                        <a:t>real</a:t>
+                      </a:r>
+                    </a:p>
+                  </a:txBody>
+                  <a:tcPr>
+                    <a:lnL w="19050" cap="flat" cmpd="sng" algn="ctr">
+                      <a:solidFill>
+                        <a:schemeClr val="accent5"/>
+                      </a:solidFill>
+                      <a:prstDash val="solid"/>
+                      <a:round/>
+                      <a:headEnd type="none" w="med" len="med"/>
+                      <a:tailEnd type="none" w="med" len="med"/>
+                    </a:lnL>
+                    <a:lnR w="19050" cap="flat" cmpd="sng" algn="ctr">
+                      <a:solidFill>
+                        <a:schemeClr val="accent5"/>
+                      </a:solidFill>
+                      <a:prstDash val="solid"/>
+                      <a:round/>
+                      <a:headEnd type="none" w="med" len="med"/>
+                      <a:tailEnd type="none" w="med" len="med"/>
+                    </a:lnR>
+                    <a:lnT w="19050" cap="flat" cmpd="sng" algn="ctr">
+                      <a:solidFill>
+                        <a:schemeClr val="accent5"/>
+                      </a:solidFill>
+                      <a:prstDash val="solid"/>
+                      <a:round/>
+                      <a:headEnd type="none" w="med" len="med"/>
+                      <a:tailEnd type="none" w="med" len="med"/>
+                    </a:lnT>
+                    <a:lnB w="19050" cap="flat" cmpd="sng" algn="ctr">
+                      <a:solidFill>
+                        <a:schemeClr val="accent5"/>
+                      </a:solidFill>
+                      <a:prstDash val="solid"/>
+                      <a:round/>
+                      <a:headEnd type="none" w="med" len="med"/>
+                      <a:tailEnd type="none" w="med" len="med"/>
+                    </a:lnB>
+                    <a:solidFill>
+                      <a:schemeClr val="bg1"/>
+                    </a:solidFill>
+                  </a:tcPr>
+                </a:tc>
+                <a:extLst>
+                  <a:ext uri="{0D108BD9-81ED-4DB2-BD59-A6C34878D82A}">
+                    <a16:rowId xmlns:a16="http://schemas.microsoft.com/office/drawing/2014/main" val="1317545513"/>
+                  </a:ext>
+                </a:extLst>
+              </a:tr>
+              <a:tr h="374838">
+                <a:tc>
+                  <a:txBody>
+                    <a:bodyPr/>
+                    <a:lstStyle/>
+                    <a:p>
+                      <a:pPr marL="0" marR="0" lvl="0" indent="0" algn="l" defTabSz="914400" rtl="0" eaLnBrk="1" fontAlgn="auto" latinLnBrk="0" hangingPunct="1">
+                        <a:lnSpc>
+                          <a:spcPct val="100000"/>
+                        </a:lnSpc>
+                        <a:spcBef>
+                          <a:spcPts val="0"/>
+                        </a:spcBef>
+                        <a:spcAft>
+                          <a:spcPts val="0"/>
+                        </a:spcAft>
+                        <a:buClrTx/>
+                        <a:buSzTx/>
+                        <a:buFontTx/>
+                        <a:buNone/>
+                        <a:tabLst/>
+                        <a:defRPr/>
+                      </a:pPr>
+                      <a:r>
+                        <a:rPr lang="de-DE" sz="1600" dirty="0" err="1">
+                          <a:solidFill>
+                            <a:schemeClr val="tx1"/>
+                          </a:solidFill>
+                        </a:rPr>
+                        <a:t>longitude</a:t>
+                      </a:r>
+                      <a:endParaRPr lang="de-DE" sz="1600" dirty="0">
+                        <a:solidFill>
+                          <a:schemeClr val="tx1"/>
+                        </a:solidFill>
+                      </a:endParaRPr>
+                    </a:p>
+                  </a:txBody>
+                  <a:tcPr>
+                    <a:lnL w="19050" cap="flat" cmpd="sng" algn="ctr">
+                      <a:solidFill>
+                        <a:schemeClr val="accent5"/>
+                      </a:solidFill>
+                      <a:prstDash val="solid"/>
+                      <a:round/>
+                      <a:headEnd type="none" w="med" len="med"/>
+                      <a:tailEnd type="none" w="med" len="med"/>
+                    </a:lnL>
+                    <a:lnR w="19050" cap="flat" cmpd="sng" algn="ctr">
+                      <a:solidFill>
+                        <a:schemeClr val="accent5"/>
+                      </a:solidFill>
+                      <a:prstDash val="solid"/>
+                      <a:round/>
+                      <a:headEnd type="none" w="med" len="med"/>
+                      <a:tailEnd type="none" w="med" len="med"/>
+                    </a:lnR>
+                    <a:lnT w="19050" cap="flat" cmpd="sng" algn="ctr">
+                      <a:solidFill>
+                        <a:schemeClr val="accent5"/>
+                      </a:solidFill>
+                      <a:prstDash val="solid"/>
+                      <a:round/>
+                      <a:headEnd type="none" w="med" len="med"/>
+                      <a:tailEnd type="none" w="med" len="med"/>
+                    </a:lnT>
+                    <a:lnB w="19050" cap="flat" cmpd="sng" algn="ctr">
+                      <a:solidFill>
+                        <a:schemeClr val="accent5"/>
+                      </a:solidFill>
+                      <a:prstDash val="solid"/>
+                      <a:round/>
+                      <a:headEnd type="none" w="med" len="med"/>
+                      <a:tailEnd type="none" w="med" len="med"/>
+                    </a:lnB>
+                    <a:solidFill>
+                      <a:schemeClr val="bg1"/>
+                    </a:solidFill>
+                  </a:tcPr>
+                </a:tc>
+                <a:tc>
+                  <a:txBody>
+                    <a:bodyPr/>
+                    <a:lstStyle/>
+                    <a:p>
+                      <a:r>
+                        <a:rPr lang="de-DE" sz="1600" i="1" dirty="0">
+                          <a:solidFill>
+                            <a:schemeClr val="tx1"/>
+                          </a:solidFill>
+                        </a:rPr>
+                        <a:t>real</a:t>
+                      </a:r>
+                    </a:p>
+                  </a:txBody>
+                  <a:tcPr>
+                    <a:lnL w="19050" cap="flat" cmpd="sng" algn="ctr">
+                      <a:solidFill>
+                        <a:schemeClr val="accent5"/>
+                      </a:solidFill>
+                      <a:prstDash val="solid"/>
+                      <a:round/>
+                      <a:headEnd type="none" w="med" len="med"/>
+                      <a:tailEnd type="none" w="med" len="med"/>
+                    </a:lnL>
+                    <a:lnR w="19050" cap="flat" cmpd="sng" algn="ctr">
+                      <a:solidFill>
+                        <a:schemeClr val="accent5"/>
+                      </a:solidFill>
+                      <a:prstDash val="solid"/>
+                      <a:round/>
+                      <a:headEnd type="none" w="med" len="med"/>
+                      <a:tailEnd type="none" w="med" len="med"/>
+                    </a:lnR>
+                    <a:lnT w="19050" cap="flat" cmpd="sng" algn="ctr">
+                      <a:solidFill>
+                        <a:schemeClr val="accent5"/>
+                      </a:solidFill>
+                      <a:prstDash val="solid"/>
+                      <a:round/>
+                      <a:headEnd type="none" w="med" len="med"/>
+                      <a:tailEnd type="none" w="med" len="med"/>
+                    </a:lnT>
+                    <a:lnB w="19050" cap="flat" cmpd="sng" algn="ctr">
+                      <a:solidFill>
+                        <a:schemeClr val="accent5"/>
+                      </a:solidFill>
+                      <a:prstDash val="solid"/>
+                      <a:round/>
+                      <a:headEnd type="none" w="med" len="med"/>
+                      <a:tailEnd type="none" w="med" len="med"/>
+                    </a:lnB>
+                    <a:solidFill>
+                      <a:schemeClr val="bg1"/>
+                    </a:solidFill>
+                  </a:tcPr>
+                </a:tc>
+                <a:extLst>
+                  <a:ext uri="{0D108BD9-81ED-4DB2-BD59-A6C34878D82A}">
+                    <a16:rowId xmlns:a16="http://schemas.microsoft.com/office/drawing/2014/main" val="1368692569"/>
+                  </a:ext>
+                </a:extLst>
+              </a:tr>
+              <a:tr h="374838">
+                <a:tc>
+                  <a:txBody>
+                    <a:bodyPr/>
+                    <a:lstStyle/>
+                    <a:p>
+                      <a:pPr marL="0" marR="0" lvl="0" indent="0" algn="l" defTabSz="914400" rtl="0" eaLnBrk="1" fontAlgn="auto" latinLnBrk="0" hangingPunct="1">
+                        <a:lnSpc>
+                          <a:spcPct val="100000"/>
+                        </a:lnSpc>
+                        <a:spcBef>
+                          <a:spcPts val="0"/>
+                        </a:spcBef>
+                        <a:spcAft>
+                          <a:spcPts val="0"/>
+                        </a:spcAft>
+                        <a:buClrTx/>
+                        <a:buSzTx/>
+                        <a:buFontTx/>
+                        <a:buNone/>
+                        <a:tabLst/>
+                        <a:defRPr/>
+                      </a:pPr>
+                      <a:r>
+                        <a:rPr lang="de-DE" sz="1600" dirty="0" err="1">
+                          <a:solidFill>
+                            <a:schemeClr val="tx1"/>
+                          </a:solidFill>
+                        </a:rPr>
+                        <a:t>temperature</a:t>
+                      </a:r>
+                      <a:endParaRPr lang="de-DE" sz="1600" dirty="0">
+                        <a:solidFill>
+                          <a:schemeClr val="tx1"/>
+                        </a:solidFill>
+                      </a:endParaRPr>
+                    </a:p>
+                  </a:txBody>
+                  <a:tcPr>
+                    <a:lnL w="19050" cap="flat" cmpd="sng" algn="ctr">
+                      <a:solidFill>
+                        <a:schemeClr val="accent5"/>
+                      </a:solidFill>
+                      <a:prstDash val="solid"/>
+                      <a:round/>
+                      <a:headEnd type="none" w="med" len="med"/>
+                      <a:tailEnd type="none" w="med" len="med"/>
+                    </a:lnL>
+                    <a:lnR w="19050" cap="flat" cmpd="sng" algn="ctr">
+                      <a:solidFill>
+                        <a:schemeClr val="accent5"/>
+                      </a:solidFill>
+                      <a:prstDash val="solid"/>
+                      <a:round/>
+                      <a:headEnd type="none" w="med" len="med"/>
+                      <a:tailEnd type="none" w="med" len="med"/>
+                    </a:lnR>
+                    <a:lnT w="19050" cap="flat" cmpd="sng" algn="ctr">
+                      <a:solidFill>
+                        <a:schemeClr val="accent5"/>
+                      </a:solidFill>
+                      <a:prstDash val="solid"/>
+                      <a:round/>
+                      <a:headEnd type="none" w="med" len="med"/>
+                      <a:tailEnd type="none" w="med" len="med"/>
+                    </a:lnT>
+                    <a:lnB w="19050" cap="flat" cmpd="sng" algn="ctr">
+                      <a:solidFill>
+                        <a:schemeClr val="accent5"/>
+                      </a:solidFill>
+                      <a:prstDash val="solid"/>
+                      <a:round/>
+                      <a:headEnd type="none" w="med" len="med"/>
+                      <a:tailEnd type="none" w="med" len="med"/>
+                    </a:lnB>
+                    <a:solidFill>
+                      <a:schemeClr val="bg1"/>
+                    </a:solidFill>
+                  </a:tcPr>
+                </a:tc>
+                <a:tc>
+                  <a:txBody>
+                    <a:bodyPr/>
+                    <a:lstStyle/>
+                    <a:p>
+                      <a:r>
+                        <a:rPr lang="de-DE" sz="1600" i="1" dirty="0">
+                          <a:solidFill>
+                            <a:schemeClr val="tx1"/>
+                          </a:solidFill>
+                        </a:rPr>
+                        <a:t>real</a:t>
+                      </a:r>
+                    </a:p>
+                  </a:txBody>
+                  <a:tcPr>
+                    <a:lnL w="19050" cap="flat" cmpd="sng" algn="ctr">
+                      <a:solidFill>
+                        <a:schemeClr val="accent5"/>
+                      </a:solidFill>
+                      <a:prstDash val="solid"/>
+                      <a:round/>
+                      <a:headEnd type="none" w="med" len="med"/>
+                      <a:tailEnd type="none" w="med" len="med"/>
+                    </a:lnL>
+                    <a:lnR w="19050" cap="flat" cmpd="sng" algn="ctr">
+                      <a:solidFill>
+                        <a:schemeClr val="accent5"/>
+                      </a:solidFill>
+                      <a:prstDash val="solid"/>
+                      <a:round/>
+                      <a:headEnd type="none" w="med" len="med"/>
+                      <a:tailEnd type="none" w="med" len="med"/>
+                    </a:lnR>
+                    <a:lnT w="19050" cap="flat" cmpd="sng" algn="ctr">
+                      <a:solidFill>
+                        <a:schemeClr val="accent5"/>
+                      </a:solidFill>
+                      <a:prstDash val="solid"/>
+                      <a:round/>
+                      <a:headEnd type="none" w="med" len="med"/>
+                      <a:tailEnd type="none" w="med" len="med"/>
+                    </a:lnT>
+                    <a:lnB w="19050" cap="flat" cmpd="sng" algn="ctr">
+                      <a:solidFill>
+                        <a:schemeClr val="accent5"/>
+                      </a:solidFill>
+                      <a:prstDash val="solid"/>
+                      <a:round/>
+                      <a:headEnd type="none" w="med" len="med"/>
+                      <a:tailEnd type="none" w="med" len="med"/>
+                    </a:lnB>
+                    <a:solidFill>
+                      <a:schemeClr val="bg1"/>
+                    </a:solidFill>
+                  </a:tcPr>
+                </a:tc>
+                <a:extLst>
+                  <a:ext uri="{0D108BD9-81ED-4DB2-BD59-A6C34878D82A}">
+                    <a16:rowId xmlns:a16="http://schemas.microsoft.com/office/drawing/2014/main" val="3802273179"/>
+                  </a:ext>
+                </a:extLst>
+              </a:tr>
+              <a:tr h="374838">
+                <a:tc>
+                  <a:txBody>
+                    <a:bodyPr/>
+                    <a:lstStyle/>
+                    <a:p>
+                      <a:pPr marL="0" marR="0" lvl="0" indent="0" algn="l" defTabSz="914400" rtl="0" eaLnBrk="1" fontAlgn="auto" latinLnBrk="0" hangingPunct="1">
+                        <a:lnSpc>
+                          <a:spcPct val="100000"/>
+                        </a:lnSpc>
+                        <a:spcBef>
+                          <a:spcPts val="0"/>
+                        </a:spcBef>
+                        <a:spcAft>
+                          <a:spcPts val="0"/>
+                        </a:spcAft>
+                        <a:buClrTx/>
+                        <a:buSzTx/>
+                        <a:buFontTx/>
+                        <a:buNone/>
+                        <a:tabLst/>
+                        <a:defRPr/>
+                      </a:pPr>
+                      <a:r>
+                        <a:rPr lang="de-DE" sz="1600" dirty="0" err="1">
+                          <a:solidFill>
+                            <a:schemeClr val="tx1"/>
+                          </a:solidFill>
+                        </a:rPr>
+                        <a:t>humidity</a:t>
+                      </a:r>
+                      <a:endParaRPr lang="de-DE" sz="1600" dirty="0">
+                        <a:solidFill>
+                          <a:schemeClr val="tx1"/>
+                        </a:solidFill>
+                      </a:endParaRPr>
+                    </a:p>
+                  </a:txBody>
+                  <a:tcPr>
+                    <a:lnL w="19050" cap="flat" cmpd="sng" algn="ctr">
+                      <a:solidFill>
+                        <a:schemeClr val="accent5"/>
+                      </a:solidFill>
+                      <a:prstDash val="solid"/>
+                      <a:round/>
+                      <a:headEnd type="none" w="med" len="med"/>
+                      <a:tailEnd type="none" w="med" len="med"/>
+                    </a:lnL>
+                    <a:lnR w="19050" cap="flat" cmpd="sng" algn="ctr">
+                      <a:solidFill>
+                        <a:schemeClr val="accent5"/>
+                      </a:solidFill>
+                      <a:prstDash val="solid"/>
+                      <a:round/>
+                      <a:headEnd type="none" w="med" len="med"/>
+                      <a:tailEnd type="none" w="med" len="med"/>
+                    </a:lnR>
+                    <a:lnT w="19050" cap="flat" cmpd="sng" algn="ctr">
+                      <a:solidFill>
+                        <a:schemeClr val="accent5"/>
+                      </a:solidFill>
+                      <a:prstDash val="solid"/>
+                      <a:round/>
+                      <a:headEnd type="none" w="med" len="med"/>
+                      <a:tailEnd type="none" w="med" len="med"/>
+                    </a:lnT>
+                    <a:lnB w="19050" cap="flat" cmpd="sng" algn="ctr">
+                      <a:solidFill>
+                        <a:schemeClr val="accent5"/>
+                      </a:solidFill>
+                      <a:prstDash val="solid"/>
+                      <a:round/>
+                      <a:headEnd type="none" w="med" len="med"/>
+                      <a:tailEnd type="none" w="med" len="med"/>
+                    </a:lnB>
+                    <a:solidFill>
+                      <a:schemeClr val="bg1"/>
+                    </a:solidFill>
+                  </a:tcPr>
+                </a:tc>
+                <a:tc>
+                  <a:txBody>
+                    <a:bodyPr/>
+                    <a:lstStyle/>
+                    <a:p>
+                      <a:r>
+                        <a:rPr lang="de-DE" sz="1600" i="1" dirty="0">
+                          <a:solidFill>
+                            <a:schemeClr val="tx1"/>
+                          </a:solidFill>
+                        </a:rPr>
+                        <a:t>real</a:t>
+                      </a:r>
+                    </a:p>
+                  </a:txBody>
+                  <a:tcPr>
+                    <a:lnL w="19050" cap="flat" cmpd="sng" algn="ctr">
+                      <a:solidFill>
+                        <a:schemeClr val="accent5"/>
+                      </a:solidFill>
+                      <a:prstDash val="solid"/>
+                      <a:round/>
+                      <a:headEnd type="none" w="med" len="med"/>
+                      <a:tailEnd type="none" w="med" len="med"/>
+                    </a:lnL>
+                    <a:lnR w="19050" cap="flat" cmpd="sng" algn="ctr">
+                      <a:solidFill>
+                        <a:schemeClr val="accent5"/>
+                      </a:solidFill>
+                      <a:prstDash val="solid"/>
+                      <a:round/>
+                      <a:headEnd type="none" w="med" len="med"/>
+                      <a:tailEnd type="none" w="med" len="med"/>
+                    </a:lnR>
+                    <a:lnT w="19050" cap="flat" cmpd="sng" algn="ctr">
+                      <a:solidFill>
+                        <a:schemeClr val="accent5"/>
+                      </a:solidFill>
+                      <a:prstDash val="solid"/>
+                      <a:round/>
+                      <a:headEnd type="none" w="med" len="med"/>
+                      <a:tailEnd type="none" w="med" len="med"/>
+                    </a:lnT>
+                    <a:lnB w="19050" cap="flat" cmpd="sng" algn="ctr">
+                      <a:solidFill>
+                        <a:schemeClr val="accent5"/>
+                      </a:solidFill>
+                      <a:prstDash val="solid"/>
+                      <a:round/>
+                      <a:headEnd type="none" w="med" len="med"/>
+                      <a:tailEnd type="none" w="med" len="med"/>
+                    </a:lnB>
+                    <a:solidFill>
+                      <a:schemeClr val="bg1"/>
+                    </a:solidFill>
+                  </a:tcPr>
+                </a:tc>
+                <a:extLst>
+                  <a:ext uri="{0D108BD9-81ED-4DB2-BD59-A6C34878D82A}">
+                    <a16:rowId xmlns:a16="http://schemas.microsoft.com/office/drawing/2014/main" val="1848928614"/>
+                  </a:ext>
+                </a:extLst>
+              </a:tr>
+            </a:tbl>
+          </a:graphicData>
+        </a:graphic>
+      </p:graphicFrame>
+      <p:cxnSp>
+        <p:nvCxnSpPr>
+          <p:cNvPr id="19" name="Gerade Verbindung mit Pfeil 18">
+            <a:extLst>
+              <a:ext uri="{FF2B5EF4-FFF2-40B4-BE49-F238E27FC236}">
+                <a16:creationId xmlns:a16="http://schemas.microsoft.com/office/drawing/2014/main" id="{33C937B2-E632-42A1-9445-D057D85A992D}"/>
+              </a:ext>
+            </a:extLst>
+          </p:cNvPr>
+          <p:cNvCxnSpPr/>
+          <p:nvPr/>
+        </p:nvCxnSpPr>
+        <p:spPr>
+          <a:xfrm>
+            <a:off x="4251574" y="1677879"/>
+            <a:ext cx="1826670" cy="0"/>
+          </a:xfrm>
+          <a:prstGeom prst="straightConnector1">
+            <a:avLst/>
+          </a:prstGeom>
+          <a:ln w="38100">
+            <a:tailEnd type="triangle"/>
+          </a:ln>
+        </p:spPr>
+        <p:style>
+          <a:lnRef idx="1">
+            <a:schemeClr val="accent1"/>
+          </a:lnRef>
+          <a:fillRef idx="0">
+            <a:schemeClr val="accent1"/>
+          </a:fillRef>
+          <a:effectRef idx="0">
+            <a:schemeClr val="accent1"/>
+          </a:effectRef>
+          <a:fontRef idx="minor">
+            <a:schemeClr val="tx1"/>
+          </a:fontRef>
+        </p:style>
+      </p:cxnSp>
+    </p:spTree>
+    <p:extLst>
+      <p:ext uri="{BB962C8B-B14F-4D97-AF65-F5344CB8AC3E}">
+        <p14:creationId xmlns:p14="http://schemas.microsoft.com/office/powerpoint/2010/main" val="3701638579"/>
+      </p:ext>
+    </p:extLst>
+  </p:cSld>
+  <p:clrMapOvr>
+    <a:masterClrMapping/>
+  </p:clrMapOvr>
+</p:sld>
+</file>
+
+<file path=ppt/slides/slide6.xml><?xml version="1.0" encoding="utf-8"?>
+<p:sld xmlns:a="http://schemas.openxmlformats.org/drawingml/2006/main" xmlns:r="http://schemas.openxmlformats.org/officeDocument/2006/relationships" xmlns:p="http://schemas.openxmlformats.org/presentationml/2006/main">
+  <p:cSld>
+    <p:spTree>
+      <p:nvGrpSpPr>
+        <p:cNvPr id="1" name=""/>
+        <p:cNvGrpSpPr/>
+        <p:nvPr/>
+      </p:nvGrpSpPr>
+      <p:grpSpPr>
+        <a:xfrm>
+          <a:off x="0" y="0"/>
+          <a:ext cx="0" cy="0"/>
+          <a:chOff x="0" y="0"/>
+          <a:chExt cx="0" cy="0"/>
+        </a:xfrm>
+      </p:grpSpPr>
+      <p:sp>
+        <p:nvSpPr>
+          <p:cNvPr id="4" name="Rechteck 3">
+            <a:extLst>
+              <a:ext uri="{FF2B5EF4-FFF2-40B4-BE49-F238E27FC236}">
+                <a16:creationId xmlns:a16="http://schemas.microsoft.com/office/drawing/2014/main" id="{F40C3472-513D-4C19-9B91-0FC620332C79}"/>
+              </a:ext>
+            </a:extLst>
+          </p:cNvPr>
+          <p:cNvSpPr/>
+          <p:nvPr/>
+        </p:nvSpPr>
+        <p:spPr>
+          <a:xfrm>
+            <a:off x="784194" y="3792880"/>
+            <a:ext cx="9540536" cy="1477328"/>
+          </a:xfrm>
+          <a:prstGeom prst="rect">
+            <a:avLst/>
+          </a:prstGeom>
+        </p:spPr>
+        <p:txBody>
+          <a:bodyPr wrap="square">
+            <a:spAutoFit/>
+          </a:bodyPr>
+          <a:lstStyle/>
+          <a:p>
+            <a:r>
+              <a:rPr lang="de-DE" dirty="0">
+                <a:solidFill>
+                  <a:srgbClr val="000000"/>
+                </a:solidFill>
+                <a:latin typeface="Consolas" panose="020B0609020204030204" pitchFamily="49" charset="0"/>
+              </a:rPr>
+              <a:t>{</a:t>
+            </a:r>
+          </a:p>
+          <a:p>
+            <a:pPr lvl="1"/>
+            <a:r>
+              <a:rPr lang="de-DE" dirty="0">
+                <a:solidFill>
+                  <a:srgbClr val="000000"/>
+                </a:solidFill>
+                <a:latin typeface="Consolas" panose="020B0609020204030204" pitchFamily="49" charset="0"/>
+              </a:rPr>
+              <a:t>	</a:t>
+            </a:r>
+            <a:r>
+              <a:rPr lang="de-DE" dirty="0" err="1">
+                <a:solidFill>
+                  <a:srgbClr val="000000"/>
+                </a:solidFill>
+                <a:latin typeface="Consolas" panose="020B0609020204030204" pitchFamily="49" charset="0"/>
+              </a:rPr>
+              <a:t>hardware</a:t>
+            </a:r>
+            <a:r>
+              <a:rPr lang="de-DE" dirty="0">
+                <a:solidFill>
+                  <a:srgbClr val="000000"/>
+                </a:solidFill>
+                <a:latin typeface="Consolas" panose="020B0609020204030204" pitchFamily="49" charset="0"/>
+              </a:rPr>
+              <a:t> _</a:t>
+            </a:r>
+            <a:r>
+              <a:rPr lang="de-DE" dirty="0" err="1">
+                <a:solidFill>
+                  <a:srgbClr val="000000"/>
+                </a:solidFill>
+                <a:latin typeface="Consolas" panose="020B0609020204030204" pitchFamily="49" charset="0"/>
+              </a:rPr>
+              <a:t>id</a:t>
+            </a:r>
+            <a:r>
+              <a:rPr lang="de-DE" dirty="0">
+                <a:solidFill>
+                  <a:srgbClr val="000000"/>
+                </a:solidFill>
+                <a:latin typeface="Consolas" panose="020B0609020204030204" pitchFamily="49" charset="0"/>
+              </a:rPr>
+              <a:t>: 1; </a:t>
+            </a:r>
+            <a:r>
+              <a:rPr lang="de-DE" dirty="0">
+                <a:solidFill>
+                  <a:schemeClr val="bg1">
+                    <a:lumMod val="65000"/>
+                  </a:schemeClr>
+                </a:solidFill>
+                <a:latin typeface="Consolas" panose="020B0609020204030204" pitchFamily="49" charset="0"/>
+              </a:rPr>
+              <a:t>#Bike ID</a:t>
+            </a:r>
+          </a:p>
+          <a:p>
+            <a:pPr lvl="1"/>
+            <a:r>
+              <a:rPr lang="de-DE" dirty="0">
+                <a:solidFill>
+                  <a:schemeClr val="bg1">
+                    <a:lumMod val="65000"/>
+                  </a:schemeClr>
+                </a:solidFill>
+                <a:latin typeface="Consolas" panose="020B0609020204030204" pitchFamily="49" charset="0"/>
+              </a:rPr>
+              <a:t>	</a:t>
+            </a:r>
+            <a:r>
+              <a:rPr lang="de-DE" dirty="0" err="1">
+                <a:solidFill>
+                  <a:srgbClr val="000000"/>
+                </a:solidFill>
+                <a:latin typeface="Consolas" panose="020B0609020204030204" pitchFamily="49" charset="0"/>
+              </a:rPr>
+              <a:t>data</a:t>
+            </a:r>
+            <a:r>
+              <a:rPr lang="de-DE" dirty="0">
+                <a:solidFill>
+                  <a:srgbClr val="000000"/>
+                </a:solidFill>
+                <a:latin typeface="Consolas" panose="020B0609020204030204" pitchFamily="49" charset="0"/>
+              </a:rPr>
+              <a:t>: [52.5157, 5.8992, 23.57, 40.5]; </a:t>
+            </a:r>
+            <a:r>
+              <a:rPr lang="de-DE" dirty="0">
+                <a:solidFill>
+                  <a:schemeClr val="bg1">
+                    <a:lumMod val="65000"/>
+                  </a:schemeClr>
+                </a:solidFill>
+                <a:latin typeface="Consolas" panose="020B0609020204030204" pitchFamily="49" charset="0"/>
+              </a:rPr>
+              <a:t>#Data: </a:t>
+            </a:r>
+            <a:r>
+              <a:rPr lang="de-DE" dirty="0" err="1">
+                <a:solidFill>
+                  <a:schemeClr val="bg1">
+                    <a:lumMod val="65000"/>
+                  </a:schemeClr>
+                </a:solidFill>
+                <a:latin typeface="Consolas" panose="020B0609020204030204" pitchFamily="49" charset="0"/>
+              </a:rPr>
+              <a:t>latitude</a:t>
+            </a:r>
+            <a:r>
+              <a:rPr lang="de-DE" dirty="0">
+                <a:solidFill>
+                  <a:schemeClr val="bg1">
+                    <a:lumMod val="65000"/>
+                  </a:schemeClr>
+                </a:solidFill>
+                <a:latin typeface="Consolas" panose="020B0609020204030204" pitchFamily="49" charset="0"/>
+              </a:rPr>
+              <a:t>, </a:t>
+            </a:r>
+            <a:r>
+              <a:rPr lang="de-DE" dirty="0" err="1">
+                <a:solidFill>
+                  <a:schemeClr val="bg1">
+                    <a:lumMod val="65000"/>
+                  </a:schemeClr>
+                </a:solidFill>
+                <a:latin typeface="Consolas" panose="020B0609020204030204" pitchFamily="49" charset="0"/>
+              </a:rPr>
+              <a:t>longitude</a:t>
+            </a:r>
+            <a:r>
+              <a:rPr lang="de-DE" dirty="0">
+                <a:solidFill>
+                  <a:schemeClr val="bg1">
+                    <a:lumMod val="65000"/>
+                  </a:schemeClr>
+                </a:solidFill>
+                <a:latin typeface="Consolas" panose="020B0609020204030204" pitchFamily="49" charset="0"/>
+              </a:rPr>
+              <a:t>, 	</a:t>
+            </a:r>
+            <a:r>
+              <a:rPr lang="de-DE" dirty="0" err="1">
+                <a:solidFill>
+                  <a:schemeClr val="bg1">
+                    <a:lumMod val="65000"/>
+                  </a:schemeClr>
+                </a:solidFill>
+                <a:latin typeface="Consolas" panose="020B0609020204030204" pitchFamily="49" charset="0"/>
+              </a:rPr>
+              <a:t>temperature</a:t>
+            </a:r>
+            <a:r>
+              <a:rPr lang="de-DE" dirty="0">
+                <a:solidFill>
+                  <a:schemeClr val="bg1">
+                    <a:lumMod val="65000"/>
+                  </a:schemeClr>
+                </a:solidFill>
+                <a:latin typeface="Consolas" panose="020B0609020204030204" pitchFamily="49" charset="0"/>
+              </a:rPr>
+              <a:t>, </a:t>
+            </a:r>
+            <a:r>
+              <a:rPr lang="de-DE" dirty="0" err="1">
+                <a:solidFill>
+                  <a:schemeClr val="bg1">
+                    <a:lumMod val="65000"/>
+                  </a:schemeClr>
+                </a:solidFill>
+                <a:latin typeface="Consolas" panose="020B0609020204030204" pitchFamily="49" charset="0"/>
+              </a:rPr>
+              <a:t>humidity</a:t>
+            </a:r>
+            <a:r>
+              <a:rPr lang="de-DE" dirty="0">
+                <a:solidFill>
+                  <a:srgbClr val="000000"/>
+                </a:solidFill>
+                <a:latin typeface="Consolas" panose="020B0609020204030204" pitchFamily="49" charset="0"/>
+              </a:rPr>
+              <a:t>   </a:t>
+            </a:r>
+          </a:p>
+          <a:p>
+            <a:r>
+              <a:rPr lang="de-DE" dirty="0">
+                <a:solidFill>
+                  <a:srgbClr val="000000"/>
+                </a:solidFill>
+                <a:latin typeface="Consolas" panose="020B0609020204030204" pitchFamily="49" charset="0"/>
+              </a:rPr>
+              <a:t>}</a:t>
+            </a:r>
+            <a:endParaRPr lang="de-DE" b="0" dirty="0">
+              <a:solidFill>
+                <a:srgbClr val="000000"/>
+              </a:solidFill>
+              <a:effectLst/>
+              <a:latin typeface="Consolas" panose="020B0609020204030204" pitchFamily="49" charset="0"/>
+            </a:endParaRPr>
+          </a:p>
+        </p:txBody>
+      </p:sp>
+      <p:sp>
+        <p:nvSpPr>
+          <p:cNvPr id="6" name="Textfeld 5">
+            <a:extLst>
+              <a:ext uri="{FF2B5EF4-FFF2-40B4-BE49-F238E27FC236}">
+                <a16:creationId xmlns:a16="http://schemas.microsoft.com/office/drawing/2014/main" id="{F2D6FEBE-6935-41E4-B1B1-DE63B9398A76}"/>
+              </a:ext>
+            </a:extLst>
+          </p:cNvPr>
+          <p:cNvSpPr txBox="1"/>
+          <p:nvPr/>
+        </p:nvSpPr>
+        <p:spPr>
+          <a:xfrm>
+            <a:off x="133350" y="123825"/>
+            <a:ext cx="5246517" cy="369460"/>
+          </a:xfrm>
+          <a:prstGeom prst="rect">
+            <a:avLst/>
+          </a:prstGeom>
+          <a:noFill/>
+        </p:spPr>
+        <p:txBody>
+          <a:bodyPr wrap="square" rtlCol="0">
+            <a:spAutoFit/>
+          </a:bodyPr>
+          <a:lstStyle/>
+          <a:p>
+            <a:r>
+              <a:rPr lang="de-DE" sz="1801" b="1" i="1" dirty="0"/>
+              <a:t>JSON Data </a:t>
+            </a:r>
+            <a:r>
+              <a:rPr lang="de-DE" sz="1801" b="1" i="1" dirty="0" err="1"/>
+              <a:t>of</a:t>
+            </a:r>
+            <a:r>
+              <a:rPr lang="de-DE" sz="1801" b="1" i="1" dirty="0"/>
+              <a:t> POST|PUT </a:t>
+            </a:r>
+            <a:r>
+              <a:rPr lang="de-DE" sz="1801" b="1" i="1" dirty="0" err="1"/>
+              <a:t>request</a:t>
+            </a:r>
+            <a:r>
+              <a:rPr lang="de-DE" sz="1801" b="1" i="1" dirty="0"/>
+              <a:t> </a:t>
+            </a:r>
+            <a:r>
+              <a:rPr lang="de-DE" sz="1801" b="1" i="1" dirty="0" err="1"/>
+              <a:t>to</a:t>
+            </a:r>
+            <a:r>
+              <a:rPr lang="de-DE" sz="1801" b="1" i="1" dirty="0"/>
+              <a:t> /</a:t>
+            </a:r>
+            <a:r>
+              <a:rPr lang="de-DE" sz="1801" b="1" i="1" dirty="0" err="1"/>
+              <a:t>hardware</a:t>
+            </a:r>
+            <a:r>
+              <a:rPr lang="de-DE" sz="1801" b="1" i="1" dirty="0"/>
+              <a:t>/</a:t>
+            </a:r>
+            <a:endParaRPr lang="en-US" sz="1801" b="1" i="1" dirty="0"/>
+          </a:p>
+        </p:txBody>
+      </p:sp>
+      <p:sp>
+        <p:nvSpPr>
+          <p:cNvPr id="8" name="Rechteck 7">
+            <a:extLst>
+              <a:ext uri="{FF2B5EF4-FFF2-40B4-BE49-F238E27FC236}">
+                <a16:creationId xmlns:a16="http://schemas.microsoft.com/office/drawing/2014/main" id="{18947A81-9FEF-4D35-954F-2C7E9DD6EE8F}"/>
+              </a:ext>
+            </a:extLst>
+          </p:cNvPr>
+          <p:cNvSpPr/>
+          <p:nvPr/>
+        </p:nvSpPr>
+        <p:spPr>
+          <a:xfrm>
+            <a:off x="784194" y="872127"/>
+            <a:ext cx="9540536" cy="1200329"/>
+          </a:xfrm>
+          <a:prstGeom prst="rect">
+            <a:avLst/>
+          </a:prstGeom>
+        </p:spPr>
+        <p:txBody>
+          <a:bodyPr wrap="square">
+            <a:spAutoFit/>
+          </a:bodyPr>
+          <a:lstStyle/>
+          <a:p>
+            <a:r>
+              <a:rPr lang="de-DE" dirty="0">
+                <a:solidFill>
+                  <a:srgbClr val="000000"/>
+                </a:solidFill>
+                <a:latin typeface="Consolas" panose="020B0609020204030204" pitchFamily="49" charset="0"/>
+              </a:rPr>
+              <a:t>{</a:t>
+            </a:r>
+          </a:p>
+          <a:p>
+            <a:r>
+              <a:rPr lang="de-DE" dirty="0">
+                <a:solidFill>
+                  <a:srgbClr val="000000"/>
+                </a:solidFill>
+                <a:latin typeface="Consolas" panose="020B0609020204030204" pitchFamily="49" charset="0"/>
+              </a:rPr>
+              <a:t>	</a:t>
+            </a:r>
+            <a:r>
+              <a:rPr lang="de-DE" dirty="0" err="1">
+                <a:solidFill>
+                  <a:srgbClr val="000000"/>
+                </a:solidFill>
+                <a:latin typeface="Consolas" panose="020B0609020204030204" pitchFamily="49" charset="0"/>
+              </a:rPr>
+              <a:t>hardware_id</a:t>
+            </a:r>
+            <a:r>
+              <a:rPr lang="de-DE" dirty="0">
+                <a:solidFill>
+                  <a:srgbClr val="000000"/>
+                </a:solidFill>
+                <a:latin typeface="Consolas" panose="020B0609020204030204" pitchFamily="49" charset="0"/>
+              </a:rPr>
+              <a:t>: 1; </a:t>
+            </a:r>
+            <a:r>
+              <a:rPr lang="de-DE" dirty="0">
+                <a:solidFill>
+                  <a:schemeClr val="bg1">
+                    <a:lumMod val="65000"/>
+                  </a:schemeClr>
+                </a:solidFill>
+                <a:latin typeface="Consolas" panose="020B0609020204030204" pitchFamily="49" charset="0"/>
+              </a:rPr>
+              <a:t>#Bike ID</a:t>
+            </a:r>
+            <a:endParaRPr lang="de-DE" dirty="0">
+              <a:solidFill>
+                <a:srgbClr val="000000"/>
+              </a:solidFill>
+              <a:latin typeface="Consolas" panose="020B0609020204030204" pitchFamily="49" charset="0"/>
+            </a:endParaRPr>
+          </a:p>
+          <a:p>
+            <a:r>
+              <a:rPr lang="de-DE" dirty="0">
+                <a:solidFill>
+                  <a:srgbClr val="000000"/>
+                </a:solidFill>
+                <a:latin typeface="Consolas" panose="020B0609020204030204" pitchFamily="49" charset="0"/>
+              </a:rPr>
+              <a:t>	</a:t>
+            </a:r>
+            <a:r>
+              <a:rPr lang="de-DE" dirty="0" err="1">
+                <a:solidFill>
+                  <a:srgbClr val="000000"/>
+                </a:solidFill>
+                <a:latin typeface="Consolas" panose="020B0609020204030204" pitchFamily="49" charset="0"/>
+              </a:rPr>
+              <a:t>address</a:t>
+            </a:r>
+            <a:r>
+              <a:rPr lang="de-DE" dirty="0">
+                <a:solidFill>
+                  <a:srgbClr val="000000"/>
+                </a:solidFill>
+                <a:latin typeface="Consolas" panose="020B0609020204030204" pitchFamily="49" charset="0"/>
+              </a:rPr>
+              <a:t>: "ABC…999";</a:t>
+            </a:r>
+            <a:r>
+              <a:rPr lang="de-DE" dirty="0">
+                <a:solidFill>
+                  <a:schemeClr val="bg1">
+                    <a:lumMod val="65000"/>
+                  </a:schemeClr>
+                </a:solidFill>
+                <a:latin typeface="Consolas" panose="020B0609020204030204" pitchFamily="49" charset="0"/>
+              </a:rPr>
+              <a:t> #Session </a:t>
+            </a:r>
+            <a:r>
+              <a:rPr lang="de-DE" dirty="0" err="1">
+                <a:solidFill>
+                  <a:schemeClr val="bg1">
+                    <a:lumMod val="65000"/>
+                  </a:schemeClr>
+                </a:solidFill>
+                <a:latin typeface="Consolas" panose="020B0609020204030204" pitchFamily="49" charset="0"/>
+              </a:rPr>
+              <a:t>address</a:t>
+            </a:r>
+            <a:endParaRPr lang="de-DE" dirty="0">
+              <a:solidFill>
+                <a:srgbClr val="000000"/>
+              </a:solidFill>
+              <a:latin typeface="Consolas" panose="020B0609020204030204" pitchFamily="49" charset="0"/>
+            </a:endParaRPr>
+          </a:p>
+          <a:p>
+            <a:r>
+              <a:rPr lang="de-DE" dirty="0">
+                <a:solidFill>
+                  <a:srgbClr val="000000"/>
+                </a:solidFill>
+                <a:latin typeface="Consolas" panose="020B0609020204030204" pitchFamily="49" charset="0"/>
+              </a:rPr>
+              <a:t>}</a:t>
+            </a:r>
+          </a:p>
+        </p:txBody>
+      </p:sp>
+      <p:sp>
+        <p:nvSpPr>
+          <p:cNvPr id="9" name="Textfeld 8">
+            <a:extLst>
+              <a:ext uri="{FF2B5EF4-FFF2-40B4-BE49-F238E27FC236}">
+                <a16:creationId xmlns:a16="http://schemas.microsoft.com/office/drawing/2014/main" id="{B67C175F-2A72-4918-B6DF-2361D2D93C52}"/>
+              </a:ext>
+            </a:extLst>
+          </p:cNvPr>
+          <p:cNvSpPr txBox="1"/>
+          <p:nvPr/>
+        </p:nvSpPr>
+        <p:spPr>
+          <a:xfrm>
+            <a:off x="133350" y="3310909"/>
+            <a:ext cx="5246517" cy="369460"/>
+          </a:xfrm>
+          <a:prstGeom prst="rect">
+            <a:avLst/>
+          </a:prstGeom>
+          <a:noFill/>
+        </p:spPr>
+        <p:txBody>
+          <a:bodyPr wrap="square" rtlCol="0">
+            <a:spAutoFit/>
+          </a:bodyPr>
+          <a:lstStyle/>
+          <a:p>
+            <a:r>
+              <a:rPr lang="de-DE" sz="1801" b="1" i="1" dirty="0"/>
+              <a:t>JSON Data </a:t>
+            </a:r>
+            <a:r>
+              <a:rPr lang="de-DE" sz="1801" b="1" i="1" dirty="0" err="1"/>
+              <a:t>of</a:t>
+            </a:r>
+            <a:r>
+              <a:rPr lang="de-DE" sz="1801" b="1" i="1" dirty="0"/>
+              <a:t> POST </a:t>
+            </a:r>
+            <a:r>
+              <a:rPr lang="de-DE" sz="1801" b="1" i="1" dirty="0" err="1"/>
+              <a:t>request</a:t>
+            </a:r>
+            <a:r>
+              <a:rPr lang="de-DE" sz="1801" b="1" i="1" dirty="0"/>
+              <a:t> </a:t>
+            </a:r>
+            <a:r>
+              <a:rPr lang="de-DE" sz="1801" b="1" i="1" dirty="0" err="1"/>
+              <a:t>to</a:t>
+            </a:r>
+            <a:r>
+              <a:rPr lang="de-DE" sz="1801" b="1" i="1" dirty="0"/>
+              <a:t> /</a:t>
+            </a:r>
+            <a:r>
+              <a:rPr lang="de-DE" sz="1801" b="1" i="1" dirty="0" err="1"/>
+              <a:t>sensor</a:t>
+            </a:r>
+            <a:r>
+              <a:rPr lang="de-DE" sz="1801" b="1" i="1" dirty="0"/>
+              <a:t>/</a:t>
+            </a:r>
+            <a:endParaRPr lang="en-US" sz="1801" b="1" i="1" dirty="0"/>
+          </a:p>
+        </p:txBody>
+      </p:sp>
+    </p:spTree>
+    <p:extLst>
+      <p:ext uri="{BB962C8B-B14F-4D97-AF65-F5344CB8AC3E}">
+        <p14:creationId xmlns:p14="http://schemas.microsoft.com/office/powerpoint/2010/main" val="2071129967"/>
       </p:ext>
     </p:extLst>
   </p:cSld>

--- a/misc/Concept.pptx
+++ b/misc/Concept.pptx
@@ -216,7 +216,7 @@
           <a:p>
             <a:fld id="{A953723F-4AB1-47AC-BCA9-24E93B9D0EF5}" type="datetimeFigureOut">
               <a:rPr lang="en-US" smtClean="0"/>
-              <a:t>9/23/2019</a:t>
+              <a:t>9/25/2019</a:t>
             </a:fld>
             <a:endParaRPr lang="en-US"/>
           </a:p>
@@ -717,7 +717,7 @@
           <a:p>
             <a:fld id="{24662DDC-1136-4354-A6C5-66DD31C43927}" type="datetimeFigureOut">
               <a:rPr lang="en-US" smtClean="0"/>
-              <a:t>9/23/2019</a:t>
+              <a:t>9/25/2019</a:t>
             </a:fld>
             <a:endParaRPr lang="en-US"/>
           </a:p>
@@ -917,7 +917,7 @@
           <a:p>
             <a:fld id="{24662DDC-1136-4354-A6C5-66DD31C43927}" type="datetimeFigureOut">
               <a:rPr lang="en-US" smtClean="0"/>
-              <a:t>9/23/2019</a:t>
+              <a:t>9/25/2019</a:t>
             </a:fld>
             <a:endParaRPr lang="en-US"/>
           </a:p>
@@ -1127,7 +1127,7 @@
           <a:p>
             <a:fld id="{24662DDC-1136-4354-A6C5-66DD31C43927}" type="datetimeFigureOut">
               <a:rPr lang="en-US" smtClean="0"/>
-              <a:t>9/23/2019</a:t>
+              <a:t>9/25/2019</a:t>
             </a:fld>
             <a:endParaRPr lang="en-US"/>
           </a:p>
@@ -1327,7 +1327,7 @@
           <a:p>
             <a:fld id="{24662DDC-1136-4354-A6C5-66DD31C43927}" type="datetimeFigureOut">
               <a:rPr lang="en-US" smtClean="0"/>
-              <a:t>9/23/2019</a:t>
+              <a:t>9/25/2019</a:t>
             </a:fld>
             <a:endParaRPr lang="en-US"/>
           </a:p>
@@ -1603,7 +1603,7 @@
           <a:p>
             <a:fld id="{24662DDC-1136-4354-A6C5-66DD31C43927}" type="datetimeFigureOut">
               <a:rPr lang="en-US" smtClean="0"/>
-              <a:t>9/23/2019</a:t>
+              <a:t>9/25/2019</a:t>
             </a:fld>
             <a:endParaRPr lang="en-US"/>
           </a:p>
@@ -1871,7 +1871,7 @@
           <a:p>
             <a:fld id="{24662DDC-1136-4354-A6C5-66DD31C43927}" type="datetimeFigureOut">
               <a:rPr lang="en-US" smtClean="0"/>
-              <a:t>9/23/2019</a:t>
+              <a:t>9/25/2019</a:t>
             </a:fld>
             <a:endParaRPr lang="en-US"/>
           </a:p>
@@ -2286,7 +2286,7 @@
           <a:p>
             <a:fld id="{24662DDC-1136-4354-A6C5-66DD31C43927}" type="datetimeFigureOut">
               <a:rPr lang="en-US" smtClean="0"/>
-              <a:t>9/23/2019</a:t>
+              <a:t>9/25/2019</a:t>
             </a:fld>
             <a:endParaRPr lang="en-US"/>
           </a:p>
@@ -2428,7 +2428,7 @@
           <a:p>
             <a:fld id="{24662DDC-1136-4354-A6C5-66DD31C43927}" type="datetimeFigureOut">
               <a:rPr lang="en-US" smtClean="0"/>
-              <a:t>9/23/2019</a:t>
+              <a:t>9/25/2019</a:t>
             </a:fld>
             <a:endParaRPr lang="en-US"/>
           </a:p>
@@ -2541,7 +2541,7 @@
           <a:p>
             <a:fld id="{24662DDC-1136-4354-A6C5-66DD31C43927}" type="datetimeFigureOut">
               <a:rPr lang="en-US" smtClean="0"/>
-              <a:t>9/23/2019</a:t>
+              <a:t>9/25/2019</a:t>
             </a:fld>
             <a:endParaRPr lang="en-US"/>
           </a:p>
@@ -2854,7 +2854,7 @@
           <a:p>
             <a:fld id="{24662DDC-1136-4354-A6C5-66DD31C43927}" type="datetimeFigureOut">
               <a:rPr lang="en-US" smtClean="0"/>
-              <a:t>9/23/2019</a:t>
+              <a:t>9/25/2019</a:t>
             </a:fld>
             <a:endParaRPr lang="en-US"/>
           </a:p>
@@ -3143,7 +3143,7 @@
           <a:p>
             <a:fld id="{24662DDC-1136-4354-A6C5-66DD31C43927}" type="datetimeFigureOut">
               <a:rPr lang="en-US" smtClean="0"/>
-              <a:t>9/23/2019</a:t>
+              <a:t>9/25/2019</a:t>
             </a:fld>
             <a:endParaRPr lang="en-US"/>
           </a:p>
@@ -3386,7 +3386,7 @@
           <a:p>
             <a:fld id="{24662DDC-1136-4354-A6C5-66DD31C43927}" type="datetimeFigureOut">
               <a:rPr lang="en-US" smtClean="0"/>
-              <a:t>9/23/2019</a:t>
+              <a:t>9/25/2019</a:t>
             </a:fld>
             <a:endParaRPr lang="en-US"/>
           </a:p>
@@ -11757,7 +11757,7 @@
           <p:nvPr>
             <p:extLst>
               <p:ext uri="{D42A27DB-BD31-4B8C-83A1-F6EECF244321}">
-                <p14:modId xmlns:p14="http://schemas.microsoft.com/office/powerpoint/2010/main" val="1944871602"/>
+                <p14:modId xmlns:p14="http://schemas.microsoft.com/office/powerpoint/2010/main" val="3104619046"/>
               </p:ext>
             </p:extLst>
           </p:nvPr>
@@ -11808,7 +11808,7 @@
                             <a:schemeClr val="tx1"/>
                           </a:solidFill>
                         </a:rPr>
-                        <a:t>hardware_id</a:t>
+                        <a:t>hardwareID</a:t>
                       </a:r>
                       <a:endParaRPr lang="en-US" sz="1600" dirty="0"/>
                     </a:p>
@@ -12158,7 +12158,7 @@
           <p:nvPr>
             <p:extLst>
               <p:ext uri="{D42A27DB-BD31-4B8C-83A1-F6EECF244321}">
-                <p14:modId xmlns:p14="http://schemas.microsoft.com/office/powerpoint/2010/main" val="1681404431"/>
+                <p14:modId xmlns:p14="http://schemas.microsoft.com/office/powerpoint/2010/main" val="2906569869"/>
               </p:ext>
             </p:extLst>
           </p:nvPr>
@@ -12498,186 +12498,6 @@
                 <a:extLst>
                   <a:ext uri="{0D108BD9-81ED-4DB2-BD59-A6C34878D82A}">
                     <a16:rowId xmlns:a16="http://schemas.microsoft.com/office/drawing/2014/main" val="3710779762"/>
-                  </a:ext>
-                </a:extLst>
-              </a:tr>
-              <a:tr h="374838">
-                <a:tc>
-                  <a:txBody>
-                    <a:bodyPr/>
-                    <a:lstStyle/>
-                    <a:p>
-                      <a:pPr marL="0" marR="0" lvl="0" indent="0" algn="l" defTabSz="914400" rtl="0" eaLnBrk="1" fontAlgn="auto" latinLnBrk="0" hangingPunct="1">
-                        <a:lnSpc>
-                          <a:spcPct val="100000"/>
-                        </a:lnSpc>
-                        <a:spcBef>
-                          <a:spcPts val="0"/>
-                        </a:spcBef>
-                        <a:spcAft>
-                          <a:spcPts val="0"/>
-                        </a:spcAft>
-                        <a:buClrTx/>
-                        <a:buSzTx/>
-                        <a:buFontTx/>
-                        <a:buNone/>
-                        <a:tabLst/>
-                        <a:defRPr/>
-                      </a:pPr>
-                      <a:r>
-                        <a:rPr lang="de-DE" sz="1600" dirty="0" err="1">
-                          <a:solidFill>
-                            <a:schemeClr val="tx1"/>
-                          </a:solidFill>
-                        </a:rPr>
-                        <a:t>timestamp</a:t>
-                      </a:r>
-                      <a:endParaRPr lang="de-DE" sz="1600" dirty="0">
-                        <a:solidFill>
-                          <a:schemeClr val="tx1"/>
-                        </a:solidFill>
-                      </a:endParaRPr>
-                    </a:p>
-                  </a:txBody>
-                  <a:tcPr>
-                    <a:lnL w="19050" cap="flat" cmpd="sng" algn="ctr">
-                      <a:solidFill>
-                        <a:schemeClr val="accent5"/>
-                      </a:solidFill>
-                      <a:prstDash val="solid"/>
-                      <a:round/>
-                      <a:headEnd type="none" w="med" len="med"/>
-                      <a:tailEnd type="none" w="med" len="med"/>
-                    </a:lnL>
-                    <a:lnR w="19050" cap="flat" cmpd="sng" algn="ctr">
-                      <a:solidFill>
-                        <a:schemeClr val="accent5"/>
-                      </a:solidFill>
-                      <a:prstDash val="solid"/>
-                      <a:round/>
-                      <a:headEnd type="none" w="med" len="med"/>
-                      <a:tailEnd type="none" w="med" len="med"/>
-                    </a:lnR>
-                    <a:lnT w="19050" cap="flat" cmpd="sng" algn="ctr">
-                      <a:solidFill>
-                        <a:schemeClr val="accent5"/>
-                      </a:solidFill>
-                      <a:prstDash val="solid"/>
-                      <a:round/>
-                      <a:headEnd type="none" w="med" len="med"/>
-                      <a:tailEnd type="none" w="med" len="med"/>
-                    </a:lnT>
-                    <a:lnB w="19050" cap="flat" cmpd="sng" algn="ctr">
-                      <a:solidFill>
-                        <a:schemeClr val="accent5"/>
-                      </a:solidFill>
-                      <a:prstDash val="solid"/>
-                      <a:round/>
-                      <a:headEnd type="none" w="med" len="med"/>
-                      <a:tailEnd type="none" w="med" len="med"/>
-                    </a:lnB>
-                    <a:solidFill>
-                      <a:schemeClr val="bg1"/>
-                    </a:solidFill>
-                  </a:tcPr>
-                </a:tc>
-                <a:tc>
-                  <a:txBody>
-                    <a:bodyPr/>
-                    <a:lstStyle/>
-                    <a:p>
-                      <a:r>
-                        <a:rPr lang="de-DE" sz="1600" i="1" dirty="0" err="1">
-                          <a:solidFill>
-                            <a:schemeClr val="tx1"/>
-                          </a:solidFill>
-                        </a:rPr>
-                        <a:t>timestamp</a:t>
-                      </a:r>
-                      <a:r>
-                        <a:rPr lang="de-DE" sz="1600" i="1" dirty="0">
-                          <a:solidFill>
-                            <a:schemeClr val="tx1"/>
-                          </a:solidFill>
-                        </a:rPr>
-                        <a:t> </a:t>
-                      </a:r>
-                      <a:r>
-                        <a:rPr lang="de-DE" sz="1600" i="1" dirty="0" err="1">
-                          <a:solidFill>
-                            <a:schemeClr val="tx1"/>
-                          </a:solidFill>
-                        </a:rPr>
-                        <a:t>with</a:t>
-                      </a:r>
-                      <a:r>
-                        <a:rPr lang="de-DE" sz="1600" i="1" dirty="0">
-                          <a:solidFill>
-                            <a:schemeClr val="tx1"/>
-                          </a:solidFill>
-                        </a:rPr>
-                        <a:t> </a:t>
-                      </a:r>
-                      <a:r>
-                        <a:rPr lang="de-DE" sz="1600" i="1" dirty="0" err="1">
-                          <a:solidFill>
-                            <a:schemeClr val="tx1"/>
-                          </a:solidFill>
-                        </a:rPr>
-                        <a:t>timezone</a:t>
-                      </a:r>
-                      <a:endParaRPr lang="de-DE" sz="1600" i="1" dirty="0">
-                        <a:solidFill>
-                          <a:schemeClr val="tx1"/>
-                        </a:solidFill>
-                      </a:endParaRPr>
-                    </a:p>
-                  </a:txBody>
-                  <a:tcPr>
-                    <a:lnL w="19050" cap="flat" cmpd="sng" algn="ctr">
-                      <a:solidFill>
-                        <a:schemeClr val="accent5"/>
-                      </a:solidFill>
-                      <a:prstDash val="solid"/>
-                      <a:round/>
-                      <a:headEnd type="none" w="med" len="med"/>
-                      <a:tailEnd type="none" w="med" len="med"/>
-                    </a:lnL>
-                    <a:lnR w="19050" cap="flat" cmpd="sng" algn="ctr">
-                      <a:solidFill>
-                        <a:schemeClr val="accent5"/>
-                      </a:solidFill>
-                      <a:prstDash val="solid"/>
-                      <a:round/>
-                      <a:headEnd type="none" w="med" len="med"/>
-                      <a:tailEnd type="none" w="med" len="med"/>
-                    </a:lnR>
-                    <a:lnT w="19050" cap="flat" cmpd="sng" algn="ctr">
-                      <a:solidFill>
-                        <a:schemeClr val="accent5"/>
-                      </a:solidFill>
-                      <a:prstDash val="solid"/>
-                      <a:round/>
-                      <a:headEnd type="none" w="med" len="med"/>
-                      <a:tailEnd type="none" w="med" len="med"/>
-                    </a:lnT>
-                    <a:lnB w="19050" cap="flat" cmpd="sng" algn="ctr">
-                      <a:solidFill>
-                        <a:schemeClr val="accent5"/>
-                      </a:solidFill>
-                      <a:prstDash val="solid"/>
-                      <a:round/>
-                      <a:headEnd type="none" w="med" len="med"/>
-                      <a:tailEnd type="none" w="med" len="med"/>
-                    </a:lnB>
-                    <a:solidFill>
-                      <a:schemeClr val="bg1"/>
-                    </a:solidFill>
-                  </a:tcPr>
-                </a:tc>
-                <a:extLst>
-                  <a:ext uri="{0D108BD9-81ED-4DB2-BD59-A6C34878D82A}">
-                    <a16:rowId xmlns:a16="http://schemas.microsoft.com/office/drawing/2014/main" val="3377560836"/>
                   </a:ext>
                 </a:extLst>
               </a:tr>
@@ -13253,6 +13073,186 @@
                   </a:ext>
                 </a:extLst>
               </a:tr>
+              <a:tr h="374838">
+                <a:tc>
+                  <a:txBody>
+                    <a:bodyPr/>
+                    <a:lstStyle/>
+                    <a:p>
+                      <a:pPr marL="0" marR="0" lvl="0" indent="0" algn="l" defTabSz="914400" rtl="0" eaLnBrk="1" fontAlgn="auto" latinLnBrk="0" hangingPunct="1">
+                        <a:lnSpc>
+                          <a:spcPct val="100000"/>
+                        </a:lnSpc>
+                        <a:spcBef>
+                          <a:spcPts val="0"/>
+                        </a:spcBef>
+                        <a:spcAft>
+                          <a:spcPts val="0"/>
+                        </a:spcAft>
+                        <a:buClrTx/>
+                        <a:buSzTx/>
+                        <a:buFontTx/>
+                        <a:buNone/>
+                        <a:tabLst/>
+                        <a:defRPr/>
+                      </a:pPr>
+                      <a:r>
+                        <a:rPr lang="de-DE" sz="1600" dirty="0" err="1">
+                          <a:solidFill>
+                            <a:schemeClr val="tx1"/>
+                          </a:solidFill>
+                        </a:rPr>
+                        <a:t>timestamp</a:t>
+                      </a:r>
+                      <a:endParaRPr lang="de-DE" sz="1600" dirty="0">
+                        <a:solidFill>
+                          <a:schemeClr val="tx1"/>
+                        </a:solidFill>
+                      </a:endParaRPr>
+                    </a:p>
+                  </a:txBody>
+                  <a:tcPr>
+                    <a:lnL w="19050" cap="flat" cmpd="sng" algn="ctr">
+                      <a:solidFill>
+                        <a:schemeClr val="accent5"/>
+                      </a:solidFill>
+                      <a:prstDash val="solid"/>
+                      <a:round/>
+                      <a:headEnd type="none" w="med" len="med"/>
+                      <a:tailEnd type="none" w="med" len="med"/>
+                    </a:lnL>
+                    <a:lnR w="19050" cap="flat" cmpd="sng" algn="ctr">
+                      <a:solidFill>
+                        <a:schemeClr val="accent5"/>
+                      </a:solidFill>
+                      <a:prstDash val="solid"/>
+                      <a:round/>
+                      <a:headEnd type="none" w="med" len="med"/>
+                      <a:tailEnd type="none" w="med" len="med"/>
+                    </a:lnR>
+                    <a:lnT w="19050" cap="flat" cmpd="sng" algn="ctr">
+                      <a:solidFill>
+                        <a:schemeClr val="accent5"/>
+                      </a:solidFill>
+                      <a:prstDash val="solid"/>
+                      <a:round/>
+                      <a:headEnd type="none" w="med" len="med"/>
+                      <a:tailEnd type="none" w="med" len="med"/>
+                    </a:lnT>
+                    <a:lnB w="19050" cap="flat" cmpd="sng" algn="ctr">
+                      <a:solidFill>
+                        <a:schemeClr val="accent5"/>
+                      </a:solidFill>
+                      <a:prstDash val="solid"/>
+                      <a:round/>
+                      <a:headEnd type="none" w="med" len="med"/>
+                      <a:tailEnd type="none" w="med" len="med"/>
+                    </a:lnB>
+                    <a:solidFill>
+                      <a:schemeClr val="bg1"/>
+                    </a:solidFill>
+                  </a:tcPr>
+                </a:tc>
+                <a:tc>
+                  <a:txBody>
+                    <a:bodyPr/>
+                    <a:lstStyle/>
+                    <a:p>
+                      <a:r>
+                        <a:rPr lang="de-DE" sz="1600" i="1" dirty="0" err="1">
+                          <a:solidFill>
+                            <a:schemeClr val="tx1"/>
+                          </a:solidFill>
+                        </a:rPr>
+                        <a:t>timestamp</a:t>
+                      </a:r>
+                      <a:r>
+                        <a:rPr lang="de-DE" sz="1600" i="1" dirty="0">
+                          <a:solidFill>
+                            <a:schemeClr val="tx1"/>
+                          </a:solidFill>
+                        </a:rPr>
+                        <a:t> </a:t>
+                      </a:r>
+                      <a:r>
+                        <a:rPr lang="de-DE" sz="1600" i="1" dirty="0" err="1">
+                          <a:solidFill>
+                            <a:schemeClr val="tx1"/>
+                          </a:solidFill>
+                        </a:rPr>
+                        <a:t>with</a:t>
+                      </a:r>
+                      <a:r>
+                        <a:rPr lang="de-DE" sz="1600" i="1" dirty="0">
+                          <a:solidFill>
+                            <a:schemeClr val="tx1"/>
+                          </a:solidFill>
+                        </a:rPr>
+                        <a:t> </a:t>
+                      </a:r>
+                      <a:r>
+                        <a:rPr lang="de-DE" sz="1600" i="1" dirty="0" err="1">
+                          <a:solidFill>
+                            <a:schemeClr val="tx1"/>
+                          </a:solidFill>
+                        </a:rPr>
+                        <a:t>timezone</a:t>
+                      </a:r>
+                      <a:endParaRPr lang="de-DE" sz="1600" i="1" dirty="0">
+                        <a:solidFill>
+                          <a:schemeClr val="tx1"/>
+                        </a:solidFill>
+                      </a:endParaRPr>
+                    </a:p>
+                  </a:txBody>
+                  <a:tcPr>
+                    <a:lnL w="19050" cap="flat" cmpd="sng" algn="ctr">
+                      <a:solidFill>
+                        <a:schemeClr val="accent5"/>
+                      </a:solidFill>
+                      <a:prstDash val="solid"/>
+                      <a:round/>
+                      <a:headEnd type="none" w="med" len="med"/>
+                      <a:tailEnd type="none" w="med" len="med"/>
+                    </a:lnL>
+                    <a:lnR w="19050" cap="flat" cmpd="sng" algn="ctr">
+                      <a:solidFill>
+                        <a:schemeClr val="accent5"/>
+                      </a:solidFill>
+                      <a:prstDash val="solid"/>
+                      <a:round/>
+                      <a:headEnd type="none" w="med" len="med"/>
+                      <a:tailEnd type="none" w="med" len="med"/>
+                    </a:lnR>
+                    <a:lnT w="19050" cap="flat" cmpd="sng" algn="ctr">
+                      <a:solidFill>
+                        <a:schemeClr val="accent5"/>
+                      </a:solidFill>
+                      <a:prstDash val="solid"/>
+                      <a:round/>
+                      <a:headEnd type="none" w="med" len="med"/>
+                      <a:tailEnd type="none" w="med" len="med"/>
+                    </a:lnT>
+                    <a:lnB w="19050" cap="flat" cmpd="sng" algn="ctr">
+                      <a:solidFill>
+                        <a:schemeClr val="accent5"/>
+                      </a:solidFill>
+                      <a:prstDash val="solid"/>
+                      <a:round/>
+                      <a:headEnd type="none" w="med" len="med"/>
+                      <a:tailEnd type="none" w="med" len="med"/>
+                    </a:lnB>
+                    <a:solidFill>
+                      <a:schemeClr val="bg1"/>
+                    </a:solidFill>
+                  </a:tcPr>
+                </a:tc>
+                <a:extLst>
+                  <a:ext uri="{0D108BD9-81ED-4DB2-BD59-A6C34878D82A}">
+                    <a16:rowId xmlns:a16="http://schemas.microsoft.com/office/drawing/2014/main" val="3832228882"/>
+                  </a:ext>
+                </a:extLst>
+              </a:tr>
             </a:tbl>
           </a:graphicData>
         </a:graphic>
@@ -13372,7 +13372,7 @@
                 </a:solidFill>
                 <a:latin typeface="Consolas" panose="020B0609020204030204" pitchFamily="49" charset="0"/>
               </a:rPr>
-              <a:t>	</a:t>
+              <a:t>	"</a:t>
             </a:r>
             <a:r>
               <a:rPr lang="de-DE" dirty="0" err="1">
@@ -13381,7 +13381,7 @@
                 </a:solidFill>
                 <a:latin typeface="Consolas" panose="020B0609020204030204" pitchFamily="49" charset="0"/>
               </a:rPr>
-              <a:t>hardware</a:t>
+              <a:t>hardwareID</a:t>
             </a:r>
             <a:r>
               <a:rPr lang="de-DE" dirty="0">
@@ -13390,25 +13390,7 @@
                 </a:solidFill>
                 <a:latin typeface="Consolas" panose="020B0609020204030204" pitchFamily="49" charset="0"/>
               </a:rPr>
-              <a:t> _</a:t>
-            </a:r>
-            <a:r>
-              <a:rPr lang="de-DE" dirty="0" err="1">
-                <a:solidFill>
-                  <a:srgbClr val="000000"/>
-                </a:solidFill>
-                <a:latin typeface="Consolas" panose="020B0609020204030204" pitchFamily="49" charset="0"/>
-              </a:rPr>
-              <a:t>id</a:t>
-            </a:r>
-            <a:r>
-              <a:rPr lang="de-DE" dirty="0">
-                <a:solidFill>
-                  <a:srgbClr val="000000"/>
-                </a:solidFill>
-                <a:latin typeface="Consolas" panose="020B0609020204030204" pitchFamily="49" charset="0"/>
-              </a:rPr>
-              <a:t>: 1; </a:t>
+              <a:t>": 1; </a:t>
             </a:r>
             <a:r>
               <a:rPr lang="de-DE" dirty="0">
@@ -13436,6 +13418,15 @@
               <a:t>	</a:t>
             </a:r>
             <a:r>
+              <a:rPr lang="de-DE" dirty="0">
+                <a:solidFill>
+                  <a:srgbClr val="000000"/>
+                </a:solidFill>
+                <a:latin typeface="Consolas" panose="020B0609020204030204" pitchFamily="49" charset="0"/>
+              </a:rPr>
+              <a:t>"</a:t>
+            </a:r>
+            <a:r>
               <a:rPr lang="de-DE" dirty="0" err="1">
                 <a:solidFill>
                   <a:srgbClr val="000000"/>
@@ -13451,7 +13442,7 @@
                 </a:solidFill>
                 <a:latin typeface="Consolas" panose="020B0609020204030204" pitchFamily="49" charset="0"/>
               </a:rPr>
-              <a:t>: [52.5157, 5.8992, 23.57, 40.5]; </a:t>
+              <a:t>": [52.5157, 5.8992, 23.57, 40.5]; </a:t>
             </a:r>
             <a:r>
               <a:rPr lang="de-DE" dirty="0">
@@ -13609,7 +13600,7 @@
             </a:r>
             <a:r>
               <a:rPr lang="de-DE" sz="1801" b="1" i="1" dirty="0"/>
-              <a:t> POST|PUT </a:t>
+              <a:t> PUT </a:t>
             </a:r>
             <a:r>
               <a:rPr lang="de-DE" sz="1801" b="1" i="1" dirty="0" err="1"/>
@@ -13625,15 +13616,19 @@
             </a:r>
             <a:r>
               <a:rPr lang="de-DE" sz="1801" b="1" i="1" dirty="0"/>
-              <a:t> /</a:t>
+              <a:t> update </a:t>
             </a:r>
             <a:r>
               <a:rPr lang="de-DE" sz="1801" b="1" i="1" dirty="0" err="1"/>
-              <a:t>hardware</a:t>
+              <a:t>session</a:t>
             </a:r>
             <a:r>
               <a:rPr lang="de-DE" sz="1801" b="1" i="1" dirty="0"/>
-              <a:t>/</a:t>
+              <a:t> </a:t>
+            </a:r>
+            <a:r>
+              <a:rPr lang="de-DE" sz="1801" b="1" i="1" dirty="0" err="1"/>
+              <a:t>address</a:t>
             </a:r>
             <a:endParaRPr lang="en-US" sz="1801" b="1" i="1" dirty="0"/>
           </a:p>
@@ -13684,7 +13679,7 @@
                 </a:solidFill>
                 <a:latin typeface="Consolas" panose="020B0609020204030204" pitchFamily="49" charset="0"/>
               </a:rPr>
-              <a:t>	</a:t>
+              <a:t>	"</a:t>
             </a:r>
             <a:r>
               <a:rPr lang="de-DE" dirty="0" err="1">
@@ -13693,7 +13688,7 @@
                 </a:solidFill>
                 <a:latin typeface="Consolas" panose="020B0609020204030204" pitchFamily="49" charset="0"/>
               </a:rPr>
-              <a:t>hardware_id</a:t>
+              <a:t>hardwareID</a:t>
             </a:r>
             <a:r>
               <a:rPr lang="de-DE" dirty="0">
@@ -13702,7 +13697,7 @@
                 </a:solidFill>
                 <a:latin typeface="Consolas" panose="020B0609020204030204" pitchFamily="49" charset="0"/>
               </a:rPr>
-              <a:t>: 1; </a:t>
+              <a:t>": 1; </a:t>
             </a:r>
             <a:r>
               <a:rPr lang="de-DE" dirty="0">
@@ -13730,7 +13725,7 @@
                 </a:solidFill>
                 <a:latin typeface="Consolas" panose="020B0609020204030204" pitchFamily="49" charset="0"/>
               </a:rPr>
-              <a:t>	</a:t>
+              <a:t>	"</a:t>
             </a:r>
             <a:r>
               <a:rPr lang="de-DE" dirty="0" err="1">
@@ -13748,7 +13743,7 @@
                 </a:solidFill>
                 <a:latin typeface="Consolas" panose="020B0609020204030204" pitchFamily="49" charset="0"/>
               </a:rPr>
-              <a:t>: "ABC…999";</a:t>
+              <a:t>": "ABC…999";</a:t>
             </a:r>
             <a:r>
               <a:rPr lang="de-DE" dirty="0">
@@ -13846,7 +13841,15 @@
             </a:r>
             <a:r>
               <a:rPr lang="de-DE" sz="1801" b="1" i="1" dirty="0"/>
-              <a:t> /</a:t>
+              <a:t> </a:t>
+            </a:r>
+            <a:r>
+              <a:rPr lang="de-DE" sz="1801" b="1" i="1" dirty="0" err="1"/>
+              <a:t>insert</a:t>
+            </a:r>
+            <a:r>
+              <a:rPr lang="de-DE" sz="1801" b="1" i="1" dirty="0"/>
+              <a:t> </a:t>
             </a:r>
             <a:r>
               <a:rPr lang="de-DE" sz="1801" b="1" i="1" dirty="0" err="1"/>
@@ -13854,7 +13857,11 @@
             </a:r>
             <a:r>
               <a:rPr lang="de-DE" sz="1801" b="1" i="1" dirty="0"/>
-              <a:t>/</a:t>
+              <a:t> </a:t>
+            </a:r>
+            <a:r>
+              <a:rPr lang="de-DE" sz="1801" b="1" i="1" dirty="0" err="1"/>
+              <a:t>data</a:t>
             </a:r>
             <a:endParaRPr lang="en-US" sz="1801" b="1" i="1" dirty="0"/>
           </a:p>

--- a/misc/Concept.pptx
+++ b/misc/Concept.pptx
@@ -5,7 +5,7 @@
     <p:sldMasterId id="2147483648" r:id="rId1"/>
   </p:sldMasterIdLst>
   <p:notesMasterIdLst>
-    <p:notesMasterId r:id="rId8"/>
+    <p:notesMasterId r:id="rId7"/>
   </p:notesMasterIdLst>
   <p:sldIdLst>
     <p:sldId id="256" r:id="rId2"/>
@@ -13,7 +13,6 @@
     <p:sldId id="260" r:id="rId4"/>
     <p:sldId id="261" r:id="rId5"/>
     <p:sldId id="262" r:id="rId6"/>
-    <p:sldId id="263" r:id="rId7"/>
   </p:sldIdLst>
   <p:sldSz cx="12192000" cy="6858000"/>
   <p:notesSz cx="6858000" cy="9144000"/>
@@ -122,7 +121,6 @@
             <p14:sldId id="260"/>
             <p14:sldId id="261"/>
             <p14:sldId id="262"/>
-            <p14:sldId id="263"/>
           </p14:sldIdLst>
         </p14:section>
       </p14:sectionLst>
@@ -216,7 +214,7 @@
           <a:p>
             <a:fld id="{A953723F-4AB1-47AC-BCA9-24E93B9D0EF5}" type="datetimeFigureOut">
               <a:rPr lang="en-US" smtClean="0"/>
-              <a:t>9/25/2019</a:t>
+              <a:t>9/30/2019</a:t>
             </a:fld>
             <a:endParaRPr lang="en-US"/>
           </a:p>
@@ -717,7 +715,7 @@
           <a:p>
             <a:fld id="{24662DDC-1136-4354-A6C5-66DD31C43927}" type="datetimeFigureOut">
               <a:rPr lang="en-US" smtClean="0"/>
-              <a:t>9/25/2019</a:t>
+              <a:t>9/30/2019</a:t>
             </a:fld>
             <a:endParaRPr lang="en-US"/>
           </a:p>
@@ -917,7 +915,7 @@
           <a:p>
             <a:fld id="{24662DDC-1136-4354-A6C5-66DD31C43927}" type="datetimeFigureOut">
               <a:rPr lang="en-US" smtClean="0"/>
-              <a:t>9/25/2019</a:t>
+              <a:t>9/30/2019</a:t>
             </a:fld>
             <a:endParaRPr lang="en-US"/>
           </a:p>
@@ -1127,7 +1125,7 @@
           <a:p>
             <a:fld id="{24662DDC-1136-4354-A6C5-66DD31C43927}" type="datetimeFigureOut">
               <a:rPr lang="en-US" smtClean="0"/>
-              <a:t>9/25/2019</a:t>
+              <a:t>9/30/2019</a:t>
             </a:fld>
             <a:endParaRPr lang="en-US"/>
           </a:p>
@@ -1327,7 +1325,7 @@
           <a:p>
             <a:fld id="{24662DDC-1136-4354-A6C5-66DD31C43927}" type="datetimeFigureOut">
               <a:rPr lang="en-US" smtClean="0"/>
-              <a:t>9/25/2019</a:t>
+              <a:t>9/30/2019</a:t>
             </a:fld>
             <a:endParaRPr lang="en-US"/>
           </a:p>
@@ -1603,7 +1601,7 @@
           <a:p>
             <a:fld id="{24662DDC-1136-4354-A6C5-66DD31C43927}" type="datetimeFigureOut">
               <a:rPr lang="en-US" smtClean="0"/>
-              <a:t>9/25/2019</a:t>
+              <a:t>9/30/2019</a:t>
             </a:fld>
             <a:endParaRPr lang="en-US"/>
           </a:p>
@@ -1871,7 +1869,7 @@
           <a:p>
             <a:fld id="{24662DDC-1136-4354-A6C5-66DD31C43927}" type="datetimeFigureOut">
               <a:rPr lang="en-US" smtClean="0"/>
-              <a:t>9/25/2019</a:t>
+              <a:t>9/30/2019</a:t>
             </a:fld>
             <a:endParaRPr lang="en-US"/>
           </a:p>
@@ -2286,7 +2284,7 @@
           <a:p>
             <a:fld id="{24662DDC-1136-4354-A6C5-66DD31C43927}" type="datetimeFigureOut">
               <a:rPr lang="en-US" smtClean="0"/>
-              <a:t>9/25/2019</a:t>
+              <a:t>9/30/2019</a:t>
             </a:fld>
             <a:endParaRPr lang="en-US"/>
           </a:p>
@@ -2428,7 +2426,7 @@
           <a:p>
             <a:fld id="{24662DDC-1136-4354-A6C5-66DD31C43927}" type="datetimeFigureOut">
               <a:rPr lang="en-US" smtClean="0"/>
-              <a:t>9/25/2019</a:t>
+              <a:t>9/30/2019</a:t>
             </a:fld>
             <a:endParaRPr lang="en-US"/>
           </a:p>
@@ -2541,7 +2539,7 @@
           <a:p>
             <a:fld id="{24662DDC-1136-4354-A6C5-66DD31C43927}" type="datetimeFigureOut">
               <a:rPr lang="en-US" smtClean="0"/>
-              <a:t>9/25/2019</a:t>
+              <a:t>9/30/2019</a:t>
             </a:fld>
             <a:endParaRPr lang="en-US"/>
           </a:p>
@@ -2854,7 +2852,7 @@
           <a:p>
             <a:fld id="{24662DDC-1136-4354-A6C5-66DD31C43927}" type="datetimeFigureOut">
               <a:rPr lang="en-US" smtClean="0"/>
-              <a:t>9/25/2019</a:t>
+              <a:t>9/30/2019</a:t>
             </a:fld>
             <a:endParaRPr lang="en-US"/>
           </a:p>
@@ -3143,7 +3141,7 @@
           <a:p>
             <a:fld id="{24662DDC-1136-4354-A6C5-66DD31C43927}" type="datetimeFigureOut">
               <a:rPr lang="en-US" smtClean="0"/>
-              <a:t>9/25/2019</a:t>
+              <a:t>9/30/2019</a:t>
             </a:fld>
             <a:endParaRPr lang="en-US"/>
           </a:p>
@@ -3386,7 +3384,7 @@
           <a:p>
             <a:fld id="{24662DDC-1136-4354-A6C5-66DD31C43927}" type="datetimeFigureOut">
               <a:rPr lang="en-US" smtClean="0"/>
-              <a:t>9/25/2019</a:t>
+              <a:t>9/30/2019</a:t>
             </a:fld>
             <a:endParaRPr lang="en-US"/>
           </a:p>
@@ -11692,7 +11690,7 @@
         </p:nvSpPr>
         <p:spPr>
           <a:xfrm>
-            <a:off x="1012054" y="801093"/>
+            <a:off x="1012054" y="1131095"/>
             <a:ext cx="3239520" cy="330002"/>
           </a:xfrm>
           <a:prstGeom prst="rect">
@@ -11737,7 +11735,7 @@
                   <a:schemeClr val="tx1"/>
                 </a:solidFill>
               </a:rPr>
-              <a:t>HARDWARE</a:t>
+              <a:t>HARDWARE_STATUS</a:t>
             </a:r>
           </a:p>
         </p:txBody>
@@ -11757,14 +11755,14 @@
           <p:nvPr>
             <p:extLst>
               <p:ext uri="{D42A27DB-BD31-4B8C-83A1-F6EECF244321}">
-                <p14:modId xmlns:p14="http://schemas.microsoft.com/office/powerpoint/2010/main" val="3104619046"/>
+                <p14:modId xmlns:p14="http://schemas.microsoft.com/office/powerpoint/2010/main" val="2657009628"/>
               </p:ext>
             </p:extLst>
           </p:nvPr>
         </p:nvGraphicFramePr>
         <p:xfrm>
-          <a:off x="1012054" y="1135663"/>
-          <a:ext cx="3239520" cy="703312"/>
+          <a:off x="1012054" y="1465665"/>
+          <a:ext cx="3239520" cy="2109936"/>
         </p:xfrm>
         <a:graphic>
           <a:graphicData uri="http://schemas.openxmlformats.org/drawingml/2006/table">
@@ -11795,20 +11793,159 @@
                     <a:lstStyle/>
                     <a:p>
                       <a:r>
-                        <a:rPr lang="de-DE" sz="1600" dirty="0">
+                        <a:rPr lang="de-DE" sz="1600" b="1" dirty="0">
                           <a:solidFill>
-                            <a:schemeClr val="tx1"/>
+                            <a:schemeClr val="accent6"/>
                           </a:solidFill>
                         </a:rPr>
                         <a:t>*</a:t>
                       </a:r>
                       <a:r>
-                        <a:rPr lang="de-DE" sz="1600" dirty="0" err="1">
+                        <a:rPr lang="de-DE" sz="1600" b="1" dirty="0" err="1">
+                          <a:solidFill>
+                            <a:schemeClr val="accent6"/>
+                          </a:solidFill>
+                        </a:rPr>
+                        <a:t>hardwareID</a:t>
+                      </a:r>
+                      <a:endParaRPr lang="en-US" sz="1600" b="1" dirty="0">
+                        <a:solidFill>
+                          <a:schemeClr val="accent6"/>
+                        </a:solidFill>
+                      </a:endParaRPr>
+                    </a:p>
+                  </a:txBody>
+                  <a:tcPr>
+                    <a:lnL w="19050" cap="flat" cmpd="sng" algn="ctr">
+                      <a:solidFill>
+                        <a:schemeClr val="accent5"/>
+                      </a:solidFill>
+                      <a:prstDash val="solid"/>
+                      <a:round/>
+                      <a:headEnd type="none" w="med" len="med"/>
+                      <a:tailEnd type="none" w="med" len="med"/>
+                    </a:lnL>
+                    <a:lnR w="19050" cap="flat" cmpd="sng" algn="ctr">
+                      <a:solidFill>
+                        <a:schemeClr val="accent5"/>
+                      </a:solidFill>
+                      <a:prstDash val="solid"/>
+                      <a:round/>
+                      <a:headEnd type="none" w="med" len="med"/>
+                      <a:tailEnd type="none" w="med" len="med"/>
+                    </a:lnR>
+                    <a:lnT w="19050" cap="flat" cmpd="sng" algn="ctr">
+                      <a:solidFill>
+                        <a:schemeClr val="accent5"/>
+                      </a:solidFill>
+                      <a:prstDash val="solid"/>
+                      <a:round/>
+                      <a:headEnd type="none" w="med" len="med"/>
+                      <a:tailEnd type="none" w="med" len="med"/>
+                    </a:lnT>
+                    <a:lnB w="19050" cap="flat" cmpd="sng" algn="ctr">
+                      <a:solidFill>
+                        <a:schemeClr val="accent5"/>
+                      </a:solidFill>
+                      <a:prstDash val="solid"/>
+                      <a:round/>
+                      <a:headEnd type="none" w="med" len="med"/>
+                      <a:tailEnd type="none" w="med" len="med"/>
+                    </a:lnB>
+                    <a:solidFill>
+                      <a:schemeClr val="bg1"/>
+                    </a:solidFill>
+                  </a:tcPr>
+                </a:tc>
+                <a:tc>
+                  <a:txBody>
+                    <a:bodyPr/>
+                    <a:lstStyle/>
+                    <a:p>
+                      <a:pPr marL="0" marR="0" lvl="0" indent="0" algn="l" defTabSz="914400" rtl="0" eaLnBrk="1" fontAlgn="auto" latinLnBrk="0" hangingPunct="1">
+                        <a:lnSpc>
+                          <a:spcPct val="100000"/>
+                        </a:lnSpc>
+                        <a:spcBef>
+                          <a:spcPts val="0"/>
+                        </a:spcBef>
+                        <a:spcAft>
+                          <a:spcPts val="0"/>
+                        </a:spcAft>
+                        <a:buClrTx/>
+                        <a:buSzTx/>
+                        <a:buFontTx/>
+                        <a:buNone/>
+                        <a:tabLst/>
+                        <a:defRPr/>
+                      </a:pPr>
+                      <a:r>
+                        <a:rPr lang="de-DE" sz="1600" i="1" dirty="0">
                           <a:solidFill>
                             <a:schemeClr val="tx1"/>
                           </a:solidFill>
                         </a:rPr>
-                        <a:t>hardwareID</a:t>
+                        <a:t>integer</a:t>
+                      </a:r>
+                    </a:p>
+                  </a:txBody>
+                  <a:tcPr>
+                    <a:lnL w="19050" cap="flat" cmpd="sng" algn="ctr">
+                      <a:solidFill>
+                        <a:schemeClr val="accent5"/>
+                      </a:solidFill>
+                      <a:prstDash val="solid"/>
+                      <a:round/>
+                      <a:headEnd type="none" w="med" len="med"/>
+                      <a:tailEnd type="none" w="med" len="med"/>
+                    </a:lnL>
+                    <a:lnR w="19050" cap="flat" cmpd="sng" algn="ctr">
+                      <a:solidFill>
+                        <a:schemeClr val="accent5"/>
+                      </a:solidFill>
+                      <a:prstDash val="solid"/>
+                      <a:round/>
+                      <a:headEnd type="none" w="med" len="med"/>
+                      <a:tailEnd type="none" w="med" len="med"/>
+                    </a:lnR>
+                    <a:lnT w="19050" cap="flat" cmpd="sng" algn="ctr">
+                      <a:solidFill>
+                        <a:schemeClr val="accent5"/>
+                      </a:solidFill>
+                      <a:prstDash val="solid"/>
+                      <a:round/>
+                      <a:headEnd type="none" w="med" len="med"/>
+                      <a:tailEnd type="none" w="med" len="med"/>
+                    </a:lnT>
+                    <a:lnB w="19050" cap="flat" cmpd="sng" algn="ctr">
+                      <a:solidFill>
+                        <a:schemeClr val="accent5"/>
+                      </a:solidFill>
+                      <a:prstDash val="solid"/>
+                      <a:round/>
+                      <a:headEnd type="none" w="med" len="med"/>
+                      <a:tailEnd type="none" w="med" len="med"/>
+                    </a:lnB>
+                    <a:solidFill>
+                      <a:schemeClr val="bg1"/>
+                    </a:solidFill>
+                  </a:tcPr>
+                </a:tc>
+                <a:extLst>
+                  <a:ext uri="{0D108BD9-81ED-4DB2-BD59-A6C34878D82A}">
+                    <a16:rowId xmlns:a16="http://schemas.microsoft.com/office/drawing/2014/main" val="3710779762"/>
+                  </a:ext>
+                </a:extLst>
+              </a:tr>
+              <a:tr h="351656">
+                <a:tc>
+                  <a:txBody>
+                    <a:bodyPr/>
+                    <a:lstStyle/>
+                    <a:p>
+                      <a:r>
+                        <a:rPr lang="de-DE" sz="1600" dirty="0" err="1"/>
+                        <a:t>address_index</a:t>
                       </a:r>
                       <a:endParaRPr lang="en-US" sz="1600" dirty="0"/>
                     </a:p>
@@ -11931,7 +12068,7 @@
                 </a:tc>
                 <a:extLst>
                   <a:ext uri="{0D108BD9-81ED-4DB2-BD59-A6C34878D82A}">
-                    <a16:rowId xmlns:a16="http://schemas.microsoft.com/office/drawing/2014/main" val="3710779762"/>
+                    <a16:rowId xmlns:a16="http://schemas.microsoft.com/office/drawing/2014/main" val="148577280"/>
                   </a:ext>
                 </a:extLst>
               </a:tr>
@@ -12071,124 +12208,10 @@
                 </a:tc>
                 <a:extLst>
                   <a:ext uri="{0D108BD9-81ED-4DB2-BD59-A6C34878D82A}">
-                    <a16:rowId xmlns:a16="http://schemas.microsoft.com/office/drawing/2014/main" val="148577280"/>
+                    <a16:rowId xmlns:a16="http://schemas.microsoft.com/office/drawing/2014/main" val="1315680589"/>
                   </a:ext>
                 </a:extLst>
               </a:tr>
-            </a:tbl>
-          </a:graphicData>
-        </a:graphic>
-      </p:graphicFrame>
-      <p:sp>
-        <p:nvSpPr>
-          <p:cNvPr id="7" name="Rechteck 6">
-            <a:extLst>
-              <a:ext uri="{FF2B5EF4-FFF2-40B4-BE49-F238E27FC236}">
-                <a16:creationId xmlns:a16="http://schemas.microsoft.com/office/drawing/2014/main" id="{6DE22A1B-47CB-4FD5-9E25-878A9EA1AECF}"/>
-              </a:ext>
-            </a:extLst>
-          </p:cNvPr>
-          <p:cNvSpPr/>
-          <p:nvPr/>
-        </p:nvSpPr>
-        <p:spPr>
-          <a:xfrm>
-            <a:off x="6078244" y="801093"/>
-            <a:ext cx="2896252" cy="330002"/>
-          </a:xfrm>
-          <a:prstGeom prst="rect">
-            <a:avLst/>
-          </a:prstGeom>
-          <a:solidFill>
-            <a:schemeClr val="accent1">
-              <a:lumMod val="40000"/>
-              <a:lumOff val="60000"/>
-            </a:schemeClr>
-          </a:solidFill>
-          <a:ln>
-            <a:solidFill>
-              <a:schemeClr val="accent5"/>
-            </a:solidFill>
-          </a:ln>
-        </p:spPr>
-        <p:style>
-          <a:lnRef idx="2">
-            <a:schemeClr val="accent1">
-              <a:shade val="50000"/>
-            </a:schemeClr>
-          </a:lnRef>
-          <a:fillRef idx="1">
-            <a:schemeClr val="accent1"/>
-          </a:fillRef>
-          <a:effectRef idx="0">
-            <a:schemeClr val="accent1"/>
-          </a:effectRef>
-          <a:fontRef idx="minor">
-            <a:schemeClr val="lt1"/>
-          </a:fontRef>
-        </p:style>
-        <p:txBody>
-          <a:bodyPr rtlCol="0" anchor="ctr"/>
-          <a:lstStyle/>
-          <a:p>
-            <a:pPr algn="ctr"/>
-            <a:r>
-              <a:rPr lang="de-DE" dirty="0">
-                <a:solidFill>
-                  <a:schemeClr val="tx1"/>
-                </a:solidFill>
-              </a:rPr>
-              <a:t>SENSOR_DATA</a:t>
-            </a:r>
-          </a:p>
-        </p:txBody>
-      </p:sp>
-      <p:graphicFrame>
-        <p:nvGraphicFramePr>
-          <p:cNvPr id="8" name="Tabelle 7">
-            <a:extLst>
-              <a:ext uri="{FF2B5EF4-FFF2-40B4-BE49-F238E27FC236}">
-                <a16:creationId xmlns:a16="http://schemas.microsoft.com/office/drawing/2014/main" id="{CBD0214C-40C9-4BDE-AB7E-93E236A43797}"/>
-              </a:ext>
-            </a:extLst>
-          </p:cNvPr>
-          <p:cNvGraphicFramePr>
-            <a:graphicFrameLocks noGrp="1"/>
-          </p:cNvGraphicFramePr>
-          <p:nvPr>
-            <p:extLst>
-              <p:ext uri="{D42A27DB-BD31-4B8C-83A1-F6EECF244321}">
-                <p14:modId xmlns:p14="http://schemas.microsoft.com/office/powerpoint/2010/main" val="2906569869"/>
-              </p:ext>
-            </p:extLst>
-          </p:nvPr>
-        </p:nvGraphicFramePr>
-        <p:xfrm>
-          <a:off x="6096000" y="1135663"/>
-          <a:ext cx="2878496" cy="2781784"/>
-        </p:xfrm>
-        <a:graphic>
-          <a:graphicData uri="http://schemas.openxmlformats.org/drawingml/2006/table">
-            <a:tbl>
-              <a:tblPr firstRow="1" bandRow="1">
-                <a:tableStyleId>{5940675A-B579-460E-94D1-54222C63F5DA}</a:tableStyleId>
-              </a:tblPr>
-              <a:tblGrid>
-                <a:gridCol w="1337907">
-                  <a:extLst>
-                    <a:ext uri="{9D8B030D-6E8A-4147-A177-3AD203B41FA5}">
-                      <a16:colId xmlns:a16="http://schemas.microsoft.com/office/drawing/2014/main" val="1743332313"/>
-                    </a:ext>
-                  </a:extLst>
-                </a:gridCol>
-                <a:gridCol w="1540589">
-                  <a:extLst>
-                    <a:ext uri="{9D8B030D-6E8A-4147-A177-3AD203B41FA5}">
-                      <a16:colId xmlns:a16="http://schemas.microsoft.com/office/drawing/2014/main" val="2034490463"/>
-                    </a:ext>
-                  </a:extLst>
-                </a:gridCol>
-              </a:tblGrid>
               <a:tr h="351656">
                 <a:tc>
                   <a:txBody>
@@ -12196,28 +12219,8 @@
                     <a:lstStyle/>
                     <a:p>
                       <a:r>
-                        <a:rPr lang="de-DE" sz="1600" dirty="0">
-                          <a:solidFill>
-                            <a:schemeClr val="tx1"/>
-                          </a:solidFill>
-                        </a:rPr>
-                        <a:t>*</a:t>
-                      </a:r>
-                      <a:r>
-                        <a:rPr lang="de-DE" sz="1600" dirty="0" err="1">
-                          <a:solidFill>
-                            <a:schemeClr val="tx1"/>
-                          </a:solidFill>
-                        </a:rPr>
-                        <a:t>index</a:t>
-                      </a:r>
-                      <a:r>
-                        <a:rPr lang="de-DE" sz="1600" dirty="0">
-                          <a:solidFill>
-                            <a:schemeClr val="tx1"/>
-                          </a:solidFill>
-                        </a:rPr>
-                        <a:t> </a:t>
+                        <a:rPr lang="de-DE" sz="1600" dirty="0" err="1"/>
+                        <a:t>status</a:t>
                       </a:r>
                       <a:endParaRPr lang="en-US" sz="1600" dirty="0"/>
                     </a:p>
@@ -12292,9 +12295,9 @@
                             <a:schemeClr val="tx1"/>
                           </a:solidFill>
                         </a:rPr>
-                        <a:t>bigserial</a:t>
+                        <a:t>text</a:t>
                       </a:r>
-                      <a:endParaRPr lang="de-DE" sz="1600" dirty="0">
+                      <a:endParaRPr lang="de-DE" sz="1600" i="1" dirty="0">
                         <a:solidFill>
                           <a:schemeClr val="tx1"/>
                         </a:solidFill>
@@ -12345,7 +12348,530 @@
                 </a:tc>
                 <a:extLst>
                   <a:ext uri="{0D108BD9-81ED-4DB2-BD59-A6C34878D82A}">
-                    <a16:rowId xmlns:a16="http://schemas.microsoft.com/office/drawing/2014/main" val="268233183"/>
+                    <a16:rowId xmlns:a16="http://schemas.microsoft.com/office/drawing/2014/main" val="1252767036"/>
+                  </a:ext>
+                </a:extLst>
+              </a:tr>
+              <a:tr h="351656">
+                <a:tc>
+                  <a:txBody>
+                    <a:bodyPr/>
+                    <a:lstStyle/>
+                    <a:p>
+                      <a:r>
+                        <a:rPr lang="de-DE" sz="1600" dirty="0" err="1"/>
+                        <a:t>latittude</a:t>
+                      </a:r>
+                      <a:endParaRPr lang="en-US" sz="1600" dirty="0"/>
+                    </a:p>
+                  </a:txBody>
+                  <a:tcPr>
+                    <a:lnL w="19050" cap="flat" cmpd="sng" algn="ctr">
+                      <a:solidFill>
+                        <a:schemeClr val="accent5"/>
+                      </a:solidFill>
+                      <a:prstDash val="solid"/>
+                      <a:round/>
+                      <a:headEnd type="none" w="med" len="med"/>
+                      <a:tailEnd type="none" w="med" len="med"/>
+                    </a:lnL>
+                    <a:lnR w="19050" cap="flat" cmpd="sng" algn="ctr">
+                      <a:solidFill>
+                        <a:schemeClr val="accent5"/>
+                      </a:solidFill>
+                      <a:prstDash val="solid"/>
+                      <a:round/>
+                      <a:headEnd type="none" w="med" len="med"/>
+                      <a:tailEnd type="none" w="med" len="med"/>
+                    </a:lnR>
+                    <a:lnT w="19050" cap="flat" cmpd="sng" algn="ctr">
+                      <a:solidFill>
+                        <a:schemeClr val="accent5"/>
+                      </a:solidFill>
+                      <a:prstDash val="solid"/>
+                      <a:round/>
+                      <a:headEnd type="none" w="med" len="med"/>
+                      <a:tailEnd type="none" w="med" len="med"/>
+                    </a:lnT>
+                    <a:lnB w="19050" cap="flat" cmpd="sng" algn="ctr">
+                      <a:solidFill>
+                        <a:schemeClr val="accent5"/>
+                      </a:solidFill>
+                      <a:prstDash val="solid"/>
+                      <a:round/>
+                      <a:headEnd type="none" w="med" len="med"/>
+                      <a:tailEnd type="none" w="med" len="med"/>
+                    </a:lnB>
+                    <a:solidFill>
+                      <a:schemeClr val="bg1"/>
+                    </a:solidFill>
+                  </a:tcPr>
+                </a:tc>
+                <a:tc>
+                  <a:txBody>
+                    <a:bodyPr/>
+                    <a:lstStyle/>
+                    <a:p>
+                      <a:pPr marL="0" marR="0" lvl="0" indent="0" algn="l" defTabSz="914400" rtl="0" eaLnBrk="1" fontAlgn="auto" latinLnBrk="0" hangingPunct="1">
+                        <a:lnSpc>
+                          <a:spcPct val="100000"/>
+                        </a:lnSpc>
+                        <a:spcBef>
+                          <a:spcPts val="0"/>
+                        </a:spcBef>
+                        <a:spcAft>
+                          <a:spcPts val="0"/>
+                        </a:spcAft>
+                        <a:buClrTx/>
+                        <a:buSzTx/>
+                        <a:buFontTx/>
+                        <a:buNone/>
+                        <a:tabLst/>
+                        <a:defRPr/>
+                      </a:pPr>
+                      <a:r>
+                        <a:rPr lang="de-DE" sz="1600" i="1" dirty="0">
+                          <a:solidFill>
+                            <a:schemeClr val="tx1"/>
+                          </a:solidFill>
+                        </a:rPr>
+                        <a:t>real</a:t>
+                      </a:r>
+                    </a:p>
+                  </a:txBody>
+                  <a:tcPr>
+                    <a:lnL w="19050" cap="flat" cmpd="sng" algn="ctr">
+                      <a:solidFill>
+                        <a:schemeClr val="accent5"/>
+                      </a:solidFill>
+                      <a:prstDash val="solid"/>
+                      <a:round/>
+                      <a:headEnd type="none" w="med" len="med"/>
+                      <a:tailEnd type="none" w="med" len="med"/>
+                    </a:lnL>
+                    <a:lnR w="19050" cap="flat" cmpd="sng" algn="ctr">
+                      <a:solidFill>
+                        <a:schemeClr val="accent5"/>
+                      </a:solidFill>
+                      <a:prstDash val="solid"/>
+                      <a:round/>
+                      <a:headEnd type="none" w="med" len="med"/>
+                      <a:tailEnd type="none" w="med" len="med"/>
+                    </a:lnR>
+                    <a:lnT w="19050" cap="flat" cmpd="sng" algn="ctr">
+                      <a:solidFill>
+                        <a:schemeClr val="accent5"/>
+                      </a:solidFill>
+                      <a:prstDash val="solid"/>
+                      <a:round/>
+                      <a:headEnd type="none" w="med" len="med"/>
+                      <a:tailEnd type="none" w="med" len="med"/>
+                    </a:lnT>
+                    <a:lnB w="19050" cap="flat" cmpd="sng" algn="ctr">
+                      <a:solidFill>
+                        <a:schemeClr val="accent5"/>
+                      </a:solidFill>
+                      <a:prstDash val="solid"/>
+                      <a:round/>
+                      <a:headEnd type="none" w="med" len="med"/>
+                      <a:tailEnd type="none" w="med" len="med"/>
+                    </a:lnB>
+                    <a:solidFill>
+                      <a:schemeClr val="bg1"/>
+                    </a:solidFill>
+                  </a:tcPr>
+                </a:tc>
+                <a:extLst>
+                  <a:ext uri="{0D108BD9-81ED-4DB2-BD59-A6C34878D82A}">
+                    <a16:rowId xmlns:a16="http://schemas.microsoft.com/office/drawing/2014/main" val="3443814240"/>
+                  </a:ext>
+                </a:extLst>
+              </a:tr>
+              <a:tr h="351656">
+                <a:tc>
+                  <a:txBody>
+                    <a:bodyPr/>
+                    <a:lstStyle/>
+                    <a:p>
+                      <a:r>
+                        <a:rPr lang="de-DE" sz="1600" dirty="0" err="1"/>
+                        <a:t>longitude</a:t>
+                      </a:r>
+                      <a:endParaRPr lang="en-US" sz="1600" dirty="0"/>
+                    </a:p>
+                  </a:txBody>
+                  <a:tcPr>
+                    <a:lnL w="19050" cap="flat" cmpd="sng" algn="ctr">
+                      <a:solidFill>
+                        <a:schemeClr val="accent5"/>
+                      </a:solidFill>
+                      <a:prstDash val="solid"/>
+                      <a:round/>
+                      <a:headEnd type="none" w="med" len="med"/>
+                      <a:tailEnd type="none" w="med" len="med"/>
+                    </a:lnL>
+                    <a:lnR w="19050" cap="flat" cmpd="sng" algn="ctr">
+                      <a:solidFill>
+                        <a:schemeClr val="accent5"/>
+                      </a:solidFill>
+                      <a:prstDash val="solid"/>
+                      <a:round/>
+                      <a:headEnd type="none" w="med" len="med"/>
+                      <a:tailEnd type="none" w="med" len="med"/>
+                    </a:lnR>
+                    <a:lnT w="19050" cap="flat" cmpd="sng" algn="ctr">
+                      <a:solidFill>
+                        <a:schemeClr val="accent5"/>
+                      </a:solidFill>
+                      <a:prstDash val="solid"/>
+                      <a:round/>
+                      <a:headEnd type="none" w="med" len="med"/>
+                      <a:tailEnd type="none" w="med" len="med"/>
+                    </a:lnT>
+                    <a:lnB w="19050" cap="flat" cmpd="sng" algn="ctr">
+                      <a:solidFill>
+                        <a:schemeClr val="accent5"/>
+                      </a:solidFill>
+                      <a:prstDash val="solid"/>
+                      <a:round/>
+                      <a:headEnd type="none" w="med" len="med"/>
+                      <a:tailEnd type="none" w="med" len="med"/>
+                    </a:lnB>
+                    <a:solidFill>
+                      <a:schemeClr val="bg1"/>
+                    </a:solidFill>
+                  </a:tcPr>
+                </a:tc>
+                <a:tc>
+                  <a:txBody>
+                    <a:bodyPr/>
+                    <a:lstStyle/>
+                    <a:p>
+                      <a:pPr marL="0" marR="0" lvl="0" indent="0" algn="l" defTabSz="914400" rtl="0" eaLnBrk="1" fontAlgn="auto" latinLnBrk="0" hangingPunct="1">
+                        <a:lnSpc>
+                          <a:spcPct val="100000"/>
+                        </a:lnSpc>
+                        <a:spcBef>
+                          <a:spcPts val="0"/>
+                        </a:spcBef>
+                        <a:spcAft>
+                          <a:spcPts val="0"/>
+                        </a:spcAft>
+                        <a:buClrTx/>
+                        <a:buSzTx/>
+                        <a:buFontTx/>
+                        <a:buNone/>
+                        <a:tabLst/>
+                        <a:defRPr/>
+                      </a:pPr>
+                      <a:r>
+                        <a:rPr lang="de-DE" sz="1600" i="1" dirty="0">
+                          <a:solidFill>
+                            <a:schemeClr val="tx1"/>
+                          </a:solidFill>
+                        </a:rPr>
+                        <a:t>real</a:t>
+                      </a:r>
+                    </a:p>
+                  </a:txBody>
+                  <a:tcPr>
+                    <a:lnL w="19050" cap="flat" cmpd="sng" algn="ctr">
+                      <a:solidFill>
+                        <a:schemeClr val="accent5"/>
+                      </a:solidFill>
+                      <a:prstDash val="solid"/>
+                      <a:round/>
+                      <a:headEnd type="none" w="med" len="med"/>
+                      <a:tailEnd type="none" w="med" len="med"/>
+                    </a:lnL>
+                    <a:lnR w="19050" cap="flat" cmpd="sng" algn="ctr">
+                      <a:solidFill>
+                        <a:schemeClr val="accent5"/>
+                      </a:solidFill>
+                      <a:prstDash val="solid"/>
+                      <a:round/>
+                      <a:headEnd type="none" w="med" len="med"/>
+                      <a:tailEnd type="none" w="med" len="med"/>
+                    </a:lnR>
+                    <a:lnT w="19050" cap="flat" cmpd="sng" algn="ctr">
+                      <a:solidFill>
+                        <a:schemeClr val="accent5"/>
+                      </a:solidFill>
+                      <a:prstDash val="solid"/>
+                      <a:round/>
+                      <a:headEnd type="none" w="med" len="med"/>
+                      <a:tailEnd type="none" w="med" len="med"/>
+                    </a:lnT>
+                    <a:lnB w="19050" cap="flat" cmpd="sng" algn="ctr">
+                      <a:solidFill>
+                        <a:schemeClr val="accent5"/>
+                      </a:solidFill>
+                      <a:prstDash val="solid"/>
+                      <a:round/>
+                      <a:headEnd type="none" w="med" len="med"/>
+                      <a:tailEnd type="none" w="med" len="med"/>
+                    </a:lnB>
+                    <a:solidFill>
+                      <a:schemeClr val="bg1"/>
+                    </a:solidFill>
+                  </a:tcPr>
+                </a:tc>
+                <a:extLst>
+                  <a:ext uri="{0D108BD9-81ED-4DB2-BD59-A6C34878D82A}">
+                    <a16:rowId xmlns:a16="http://schemas.microsoft.com/office/drawing/2014/main" val="2260468091"/>
+                  </a:ext>
+                </a:extLst>
+              </a:tr>
+            </a:tbl>
+          </a:graphicData>
+        </a:graphic>
+      </p:graphicFrame>
+      <p:sp>
+        <p:nvSpPr>
+          <p:cNvPr id="7" name="Rechteck 6">
+            <a:extLst>
+              <a:ext uri="{FF2B5EF4-FFF2-40B4-BE49-F238E27FC236}">
+                <a16:creationId xmlns:a16="http://schemas.microsoft.com/office/drawing/2014/main" id="{6DE22A1B-47CB-4FD5-9E25-878A9EA1AECF}"/>
+              </a:ext>
+            </a:extLst>
+          </p:cNvPr>
+          <p:cNvSpPr/>
+          <p:nvPr/>
+        </p:nvSpPr>
+        <p:spPr>
+          <a:xfrm>
+            <a:off x="6078244" y="1131095"/>
+            <a:ext cx="2896252" cy="330002"/>
+          </a:xfrm>
+          <a:prstGeom prst="rect">
+            <a:avLst/>
+          </a:prstGeom>
+          <a:solidFill>
+            <a:schemeClr val="accent1">
+              <a:lumMod val="40000"/>
+              <a:lumOff val="60000"/>
+            </a:schemeClr>
+          </a:solidFill>
+          <a:ln>
+            <a:solidFill>
+              <a:schemeClr val="accent5"/>
+            </a:solidFill>
+          </a:ln>
+        </p:spPr>
+        <p:style>
+          <a:lnRef idx="2">
+            <a:schemeClr val="accent1">
+              <a:shade val="50000"/>
+            </a:schemeClr>
+          </a:lnRef>
+          <a:fillRef idx="1">
+            <a:schemeClr val="accent1"/>
+          </a:fillRef>
+          <a:effectRef idx="0">
+            <a:schemeClr val="accent1"/>
+          </a:effectRef>
+          <a:fontRef idx="minor">
+            <a:schemeClr val="lt1"/>
+          </a:fontRef>
+        </p:style>
+        <p:txBody>
+          <a:bodyPr rtlCol="0" anchor="ctr"/>
+          <a:lstStyle/>
+          <a:p>
+            <a:pPr algn="ctr"/>
+            <a:r>
+              <a:rPr lang="de-DE" dirty="0">
+                <a:solidFill>
+                  <a:schemeClr val="tx1"/>
+                </a:solidFill>
+              </a:rPr>
+              <a:t>SENSOR_DATA</a:t>
+            </a:r>
+          </a:p>
+        </p:txBody>
+      </p:sp>
+      <p:graphicFrame>
+        <p:nvGraphicFramePr>
+          <p:cNvPr id="8" name="Tabelle 7">
+            <a:extLst>
+              <a:ext uri="{FF2B5EF4-FFF2-40B4-BE49-F238E27FC236}">
+                <a16:creationId xmlns:a16="http://schemas.microsoft.com/office/drawing/2014/main" id="{CBD0214C-40C9-4BDE-AB7E-93E236A43797}"/>
+              </a:ext>
+            </a:extLst>
+          </p:cNvPr>
+          <p:cNvGraphicFramePr>
+            <a:graphicFrameLocks noGrp="1"/>
+          </p:cNvGraphicFramePr>
+          <p:nvPr>
+            <p:extLst>
+              <p:ext uri="{D42A27DB-BD31-4B8C-83A1-F6EECF244321}">
+                <p14:modId xmlns:p14="http://schemas.microsoft.com/office/powerpoint/2010/main" val="3305194157"/>
+              </p:ext>
+            </p:extLst>
+          </p:nvPr>
+        </p:nvGraphicFramePr>
+        <p:xfrm>
+          <a:off x="6096000" y="1465665"/>
+          <a:ext cx="2878496" cy="2781784"/>
+        </p:xfrm>
+        <a:graphic>
+          <a:graphicData uri="http://schemas.openxmlformats.org/drawingml/2006/table">
+            <a:tbl>
+              <a:tblPr firstRow="1" bandRow="1">
+                <a:tableStyleId>{5940675A-B579-460E-94D1-54222C63F5DA}</a:tableStyleId>
+              </a:tblPr>
+              <a:tblGrid>
+                <a:gridCol w="1337907">
+                  <a:extLst>
+                    <a:ext uri="{9D8B030D-6E8A-4147-A177-3AD203B41FA5}">
+                      <a16:colId xmlns:a16="http://schemas.microsoft.com/office/drawing/2014/main" val="1743332313"/>
+                    </a:ext>
+                  </a:extLst>
+                </a:gridCol>
+                <a:gridCol w="1540589">
+                  <a:extLst>
+                    <a:ext uri="{9D8B030D-6E8A-4147-A177-3AD203B41FA5}">
+                      <a16:colId xmlns:a16="http://schemas.microsoft.com/office/drawing/2014/main" val="2034490463"/>
+                    </a:ext>
+                  </a:extLst>
+                </a:gridCol>
+              </a:tblGrid>
+              <a:tr h="351656">
+                <a:tc>
+                  <a:txBody>
+                    <a:bodyPr/>
+                    <a:lstStyle/>
+                    <a:p>
+                      <a:r>
+                        <a:rPr lang="de-DE" sz="1600" dirty="0" err="1">
+                          <a:solidFill>
+                            <a:schemeClr val="tx1"/>
+                          </a:solidFill>
+                        </a:rPr>
+                        <a:t>hardwareID</a:t>
+                      </a:r>
+                      <a:endParaRPr lang="en-US" sz="1600" dirty="0"/>
+                    </a:p>
+                  </a:txBody>
+                  <a:tcPr>
+                    <a:lnL w="19050" cap="flat" cmpd="sng" algn="ctr">
+                      <a:solidFill>
+                        <a:schemeClr val="accent5"/>
+                      </a:solidFill>
+                      <a:prstDash val="solid"/>
+                      <a:round/>
+                      <a:headEnd type="none" w="med" len="med"/>
+                      <a:tailEnd type="none" w="med" len="med"/>
+                    </a:lnL>
+                    <a:lnR w="19050" cap="flat" cmpd="sng" algn="ctr">
+                      <a:solidFill>
+                        <a:schemeClr val="accent5"/>
+                      </a:solidFill>
+                      <a:prstDash val="solid"/>
+                      <a:round/>
+                      <a:headEnd type="none" w="med" len="med"/>
+                      <a:tailEnd type="none" w="med" len="med"/>
+                    </a:lnR>
+                    <a:lnT w="19050" cap="flat" cmpd="sng" algn="ctr">
+                      <a:solidFill>
+                        <a:schemeClr val="accent5"/>
+                      </a:solidFill>
+                      <a:prstDash val="solid"/>
+                      <a:round/>
+                      <a:headEnd type="none" w="med" len="med"/>
+                      <a:tailEnd type="none" w="med" len="med"/>
+                    </a:lnT>
+                    <a:lnB w="19050" cap="flat" cmpd="sng" algn="ctr">
+                      <a:solidFill>
+                        <a:schemeClr val="accent5"/>
+                      </a:solidFill>
+                      <a:prstDash val="solid"/>
+                      <a:round/>
+                      <a:headEnd type="none" w="med" len="med"/>
+                      <a:tailEnd type="none" w="med" len="med"/>
+                    </a:lnB>
+                    <a:solidFill>
+                      <a:schemeClr val="bg1"/>
+                    </a:solidFill>
+                  </a:tcPr>
+                </a:tc>
+                <a:tc>
+                  <a:txBody>
+                    <a:bodyPr/>
+                    <a:lstStyle/>
+                    <a:p>
+                      <a:pPr marL="0" marR="0" lvl="0" indent="0" algn="l" defTabSz="914400" rtl="0" eaLnBrk="1" fontAlgn="auto" latinLnBrk="0" hangingPunct="1">
+                        <a:lnSpc>
+                          <a:spcPct val="100000"/>
+                        </a:lnSpc>
+                        <a:spcBef>
+                          <a:spcPts val="0"/>
+                        </a:spcBef>
+                        <a:spcAft>
+                          <a:spcPts val="0"/>
+                        </a:spcAft>
+                        <a:buClrTx/>
+                        <a:buSzTx/>
+                        <a:buFontTx/>
+                        <a:buNone/>
+                        <a:tabLst/>
+                        <a:defRPr/>
+                      </a:pPr>
+                      <a:r>
+                        <a:rPr lang="de-DE" sz="1600" dirty="0">
+                          <a:solidFill>
+                            <a:schemeClr val="tx1"/>
+                          </a:solidFill>
+                        </a:rPr>
+                        <a:t>integer</a:t>
+                      </a:r>
+                    </a:p>
+                  </a:txBody>
+                  <a:tcPr>
+                    <a:lnL w="19050" cap="flat" cmpd="sng" algn="ctr">
+                      <a:solidFill>
+                        <a:schemeClr val="accent5"/>
+                      </a:solidFill>
+                      <a:prstDash val="solid"/>
+                      <a:round/>
+                      <a:headEnd type="none" w="med" len="med"/>
+                      <a:tailEnd type="none" w="med" len="med"/>
+                    </a:lnL>
+                    <a:lnR w="19050" cap="flat" cmpd="sng" algn="ctr">
+                      <a:solidFill>
+                        <a:schemeClr val="accent5"/>
+                      </a:solidFill>
+                      <a:prstDash val="solid"/>
+                      <a:round/>
+                      <a:headEnd type="none" w="med" len="med"/>
+                      <a:tailEnd type="none" w="med" len="med"/>
+                    </a:lnR>
+                    <a:lnT w="19050" cap="flat" cmpd="sng" algn="ctr">
+                      <a:solidFill>
+                        <a:schemeClr val="accent5"/>
+                      </a:solidFill>
+                      <a:prstDash val="solid"/>
+                      <a:round/>
+                      <a:headEnd type="none" w="med" len="med"/>
+                      <a:tailEnd type="none" w="med" len="med"/>
+                    </a:lnT>
+                    <a:lnB w="19050" cap="flat" cmpd="sng" algn="ctr">
+                      <a:solidFill>
+                        <a:schemeClr val="accent5"/>
+                      </a:solidFill>
+                      <a:prstDash val="solid"/>
+                      <a:round/>
+                      <a:headEnd type="none" w="med" len="med"/>
+                      <a:tailEnd type="none" w="med" len="med"/>
+                    </a:lnB>
+                    <a:solidFill>
+                      <a:schemeClr val="bg1"/>
+                    </a:solidFill>
+                  </a:tcPr>
+                </a:tc>
+                <a:extLst>
+                  <a:ext uri="{0D108BD9-81ED-4DB2-BD59-A6C34878D82A}">
+                    <a16:rowId xmlns:a16="http://schemas.microsoft.com/office/drawing/2014/main" val="3566908000"/>
                   </a:ext>
                 </a:extLst>
               </a:tr>
@@ -13296,42 +13822,12 @@
           </a:fontRef>
         </p:style>
       </p:cxnSp>
-    </p:spTree>
-    <p:extLst>
-      <p:ext uri="{BB962C8B-B14F-4D97-AF65-F5344CB8AC3E}">
-        <p14:creationId xmlns:p14="http://schemas.microsoft.com/office/powerpoint/2010/main" val="3701638579"/>
-      </p:ext>
-    </p:extLst>
-  </p:cSld>
-  <p:clrMapOvr>
-    <a:masterClrMapping/>
-  </p:clrMapOvr>
-</p:sld>
-</file>
-
-<file path=ppt/slides/slide6.xml><?xml version="1.0" encoding="utf-8"?>
-<p:sld xmlns:a="http://schemas.openxmlformats.org/drawingml/2006/main" xmlns:r="http://schemas.openxmlformats.org/officeDocument/2006/relationships" xmlns:p="http://schemas.openxmlformats.org/presentationml/2006/main">
-  <p:cSld>
-    <p:spTree>
-      <p:nvGrpSpPr>
-        <p:cNvPr id="1" name=""/>
-        <p:cNvGrpSpPr/>
-        <p:nvPr/>
-      </p:nvGrpSpPr>
-      <p:grpSpPr>
-        <a:xfrm>
-          <a:off x="0" y="0"/>
-          <a:ext cx="0" cy="0"/>
-          <a:chOff x="0" y="0"/>
-          <a:chExt cx="0" cy="0"/>
-        </a:xfrm>
-      </p:grpSpPr>
       <p:sp>
         <p:nvSpPr>
-          <p:cNvPr id="4" name="Rechteck 3">
-            <a:extLst>
-              <a:ext uri="{FF2B5EF4-FFF2-40B4-BE49-F238E27FC236}">
-                <a16:creationId xmlns:a16="http://schemas.microsoft.com/office/drawing/2014/main" id="{F40C3472-513D-4C19-9B91-0FC620332C79}"/>
+          <p:cNvPr id="2" name="Rechteck 1">
+            <a:extLst>
+              <a:ext uri="{FF2B5EF4-FFF2-40B4-BE49-F238E27FC236}">
+                <a16:creationId xmlns:a16="http://schemas.microsoft.com/office/drawing/2014/main" id="{24466B17-D9E9-4C15-9628-85A91883C94B}"/>
               </a:ext>
             </a:extLst>
           </p:cNvPr>
@@ -13340,537 +13836,159 @@
         </p:nvSpPr>
         <p:spPr>
           <a:xfrm>
-            <a:off x="784194" y="3792880"/>
-            <a:ext cx="9540536" cy="1477328"/>
+            <a:off x="787719" y="3899771"/>
+            <a:ext cx="3688189" cy="369332"/>
           </a:xfrm>
           <a:prstGeom prst="rect">
             <a:avLst/>
           </a:prstGeom>
         </p:spPr>
         <p:txBody>
-          <a:bodyPr wrap="square">
+          <a:bodyPr wrap="none">
             <a:spAutoFit/>
           </a:bodyPr>
           <a:lstStyle/>
           <a:p>
             <a:r>
-              <a:rPr lang="de-DE" dirty="0">
-                <a:solidFill>
-                  <a:srgbClr val="000000"/>
-                </a:solidFill>
-                <a:latin typeface="Consolas" panose="020B0609020204030204" pitchFamily="49" charset="0"/>
-              </a:rPr>
-              <a:t>{</a:t>
-            </a:r>
-          </a:p>
-          <a:p>
-            <a:pPr lvl="1"/>
-            <a:r>
-              <a:rPr lang="de-DE" dirty="0">
-                <a:solidFill>
-                  <a:srgbClr val="000000"/>
-                </a:solidFill>
-                <a:latin typeface="Consolas" panose="020B0609020204030204" pitchFamily="49" charset="0"/>
-              </a:rPr>
-              <a:t>	"</a:t>
-            </a:r>
-            <a:r>
-              <a:rPr lang="de-DE" dirty="0" err="1">
-                <a:solidFill>
-                  <a:srgbClr val="000000"/>
-                </a:solidFill>
-                <a:latin typeface="Consolas" panose="020B0609020204030204" pitchFamily="49" charset="0"/>
+              <a:rPr lang="de-DE" b="1" dirty="0">
+                <a:solidFill>
+                  <a:schemeClr val="accent6"/>
+                </a:solidFill>
+              </a:rPr>
+              <a:t>*</a:t>
+            </a:r>
+            <a:r>
+              <a:rPr lang="de-DE" b="1" dirty="0" err="1">
+                <a:solidFill>
+                  <a:schemeClr val="accent6"/>
+                </a:solidFill>
               </a:rPr>
               <a:t>hardwareID</a:t>
             </a:r>
             <a:r>
-              <a:rPr lang="de-DE" dirty="0">
-                <a:solidFill>
-                  <a:srgbClr val="000000"/>
-                </a:solidFill>
-                <a:latin typeface="Consolas" panose="020B0609020204030204" pitchFamily="49" charset="0"/>
-              </a:rPr>
-              <a:t>": 1; </a:t>
-            </a:r>
-            <a:r>
-              <a:rPr lang="de-DE" dirty="0">
-                <a:solidFill>
-                  <a:schemeClr val="bg1">
-                    <a:lumMod val="65000"/>
-                  </a:schemeClr>
-                </a:solidFill>
-                <a:latin typeface="Consolas" panose="020B0609020204030204" pitchFamily="49" charset="0"/>
-              </a:rPr>
-              <a:t>#Bike ID</a:t>
-            </a:r>
-          </a:p>
-          <a:p>
-            <a:pPr lvl="1"/>
-            <a:r>
-              <a:rPr lang="de-DE" dirty="0">
-                <a:solidFill>
-                  <a:schemeClr val="bg1">
-                    <a:lumMod val="65000"/>
-                  </a:schemeClr>
-                </a:solidFill>
-                <a:latin typeface="Consolas" panose="020B0609020204030204" pitchFamily="49" charset="0"/>
-              </a:rPr>
-              <a:t>	</a:t>
-            </a:r>
-            <a:r>
-              <a:rPr lang="de-DE" dirty="0">
-                <a:solidFill>
-                  <a:srgbClr val="000000"/>
-                </a:solidFill>
-                <a:latin typeface="Consolas" panose="020B0609020204030204" pitchFamily="49" charset="0"/>
-              </a:rPr>
-              <a:t>"</a:t>
-            </a:r>
-            <a:r>
-              <a:rPr lang="de-DE" dirty="0" err="1">
-                <a:solidFill>
-                  <a:srgbClr val="000000"/>
-                </a:solidFill>
-                <a:latin typeface="Consolas" panose="020B0609020204030204" pitchFamily="49" charset="0"/>
-              </a:rPr>
-              <a:t>data</a:t>
-            </a:r>
-            <a:r>
-              <a:rPr lang="de-DE" dirty="0">
-                <a:solidFill>
-                  <a:srgbClr val="000000"/>
-                </a:solidFill>
-                <a:latin typeface="Consolas" panose="020B0609020204030204" pitchFamily="49" charset="0"/>
-              </a:rPr>
-              <a:t>": [52.5157, 5.8992, 23.57, 40.5]; </a:t>
-            </a:r>
-            <a:r>
-              <a:rPr lang="de-DE" dirty="0">
-                <a:solidFill>
-                  <a:schemeClr val="bg1">
-                    <a:lumMod val="65000"/>
-                  </a:schemeClr>
-                </a:solidFill>
-                <a:latin typeface="Consolas" panose="020B0609020204030204" pitchFamily="49" charset="0"/>
-              </a:rPr>
-              <a:t>#Data: </a:t>
-            </a:r>
-            <a:r>
-              <a:rPr lang="de-DE" dirty="0" err="1">
-                <a:solidFill>
-                  <a:schemeClr val="bg1">
-                    <a:lumMod val="65000"/>
-                  </a:schemeClr>
-                </a:solidFill>
-                <a:latin typeface="Consolas" panose="020B0609020204030204" pitchFamily="49" charset="0"/>
-              </a:rPr>
-              <a:t>latitude</a:t>
-            </a:r>
-            <a:r>
-              <a:rPr lang="de-DE" dirty="0">
-                <a:solidFill>
-                  <a:schemeClr val="bg1">
-                    <a:lumMod val="65000"/>
-                  </a:schemeClr>
-                </a:solidFill>
-                <a:latin typeface="Consolas" panose="020B0609020204030204" pitchFamily="49" charset="0"/>
-              </a:rPr>
-              <a:t>, </a:t>
-            </a:r>
-            <a:r>
-              <a:rPr lang="de-DE" dirty="0" err="1">
-                <a:solidFill>
-                  <a:schemeClr val="bg1">
-                    <a:lumMod val="65000"/>
-                  </a:schemeClr>
-                </a:solidFill>
-                <a:latin typeface="Consolas" panose="020B0609020204030204" pitchFamily="49" charset="0"/>
-              </a:rPr>
-              <a:t>longitude</a:t>
-            </a:r>
-            <a:r>
-              <a:rPr lang="de-DE" dirty="0">
-                <a:solidFill>
-                  <a:schemeClr val="bg1">
-                    <a:lumMod val="65000"/>
-                  </a:schemeClr>
-                </a:solidFill>
-                <a:latin typeface="Consolas" panose="020B0609020204030204" pitchFamily="49" charset="0"/>
-              </a:rPr>
-              <a:t>, 	</a:t>
-            </a:r>
-            <a:r>
-              <a:rPr lang="de-DE" dirty="0" err="1">
-                <a:solidFill>
-                  <a:schemeClr val="bg1">
-                    <a:lumMod val="65000"/>
-                  </a:schemeClr>
-                </a:solidFill>
-                <a:latin typeface="Consolas" panose="020B0609020204030204" pitchFamily="49" charset="0"/>
-              </a:rPr>
-              <a:t>temperature</a:t>
-            </a:r>
-            <a:r>
-              <a:rPr lang="de-DE" dirty="0">
-                <a:solidFill>
-                  <a:schemeClr val="bg1">
-                    <a:lumMod val="65000"/>
-                  </a:schemeClr>
-                </a:solidFill>
-                <a:latin typeface="Consolas" panose="020B0609020204030204" pitchFamily="49" charset="0"/>
-              </a:rPr>
-              <a:t>, </a:t>
-            </a:r>
-            <a:r>
-              <a:rPr lang="de-DE" dirty="0" err="1">
-                <a:solidFill>
-                  <a:schemeClr val="bg1">
-                    <a:lumMod val="65000"/>
-                  </a:schemeClr>
-                </a:solidFill>
-                <a:latin typeface="Consolas" panose="020B0609020204030204" pitchFamily="49" charset="0"/>
-              </a:rPr>
-              <a:t>humidity</a:t>
-            </a:r>
-            <a:r>
-              <a:rPr lang="de-DE" dirty="0">
-                <a:solidFill>
-                  <a:srgbClr val="000000"/>
-                </a:solidFill>
-                <a:latin typeface="Consolas" panose="020B0609020204030204" pitchFamily="49" charset="0"/>
-              </a:rPr>
-              <a:t>   </a:t>
-            </a:r>
-          </a:p>
-          <a:p>
-            <a:r>
-              <a:rPr lang="de-DE" dirty="0">
-                <a:solidFill>
-                  <a:srgbClr val="000000"/>
-                </a:solidFill>
-                <a:latin typeface="Consolas" panose="020B0609020204030204" pitchFamily="49" charset="0"/>
-              </a:rPr>
-              <a:t>}</a:t>
-            </a:r>
-            <a:endParaRPr lang="de-DE" b="0" dirty="0">
+              <a:rPr lang="de-DE" b="1" dirty="0">
+                <a:solidFill>
+                  <a:schemeClr val="accent6"/>
+                </a:solidFill>
+              </a:rPr>
+              <a:t> </a:t>
+            </a:r>
+            <a:r>
+              <a:rPr lang="de-DE" dirty="0"/>
+              <a:t>– </a:t>
+            </a:r>
+            <a:r>
+              <a:rPr lang="de-DE" dirty="0" err="1"/>
+              <a:t>key</a:t>
+            </a:r>
+            <a:r>
+              <a:rPr lang="de-DE" dirty="0"/>
+              <a:t> (</a:t>
+            </a:r>
+            <a:r>
+              <a:rPr lang="de-DE" dirty="0" err="1"/>
+              <a:t>unique</a:t>
+            </a:r>
+            <a:r>
+              <a:rPr lang="de-DE" dirty="0"/>
+              <a:t>) </a:t>
+            </a:r>
+            <a:r>
+              <a:rPr lang="de-DE" dirty="0" err="1"/>
+              <a:t>attribute</a:t>
+            </a:r>
+            <a:endParaRPr lang="en-US" b="1" dirty="0">
               <a:solidFill>
-                <a:srgbClr val="000000"/>
+                <a:schemeClr val="accent6"/>
               </a:solidFill>
-              <a:effectLst/>
-              <a:latin typeface="Consolas" panose="020B0609020204030204" pitchFamily="49" charset="0"/>
             </a:endParaRPr>
           </a:p>
         </p:txBody>
       </p:sp>
-      <p:sp>
-        <p:nvSpPr>
-          <p:cNvPr id="6" name="Textfeld 5">
-            <a:extLst>
-              <a:ext uri="{FF2B5EF4-FFF2-40B4-BE49-F238E27FC236}">
-                <a16:creationId xmlns:a16="http://schemas.microsoft.com/office/drawing/2014/main" id="{F2D6FEBE-6935-41E4-B1B1-DE63B9398A76}"/>
-              </a:ext>
-            </a:extLst>
-          </p:cNvPr>
-          <p:cNvSpPr txBox="1"/>
+      <p:cxnSp>
+        <p:nvCxnSpPr>
+          <p:cNvPr id="9" name="Verbinder: gewinkelt 8">
+            <a:extLst>
+              <a:ext uri="{FF2B5EF4-FFF2-40B4-BE49-F238E27FC236}">
+                <a16:creationId xmlns:a16="http://schemas.microsoft.com/office/drawing/2014/main" id="{08585463-0E46-45D9-8E42-34C7C1250EB9}"/>
+              </a:ext>
+            </a:extLst>
+          </p:cNvPr>
+          <p:cNvCxnSpPr/>
           <p:nvPr/>
-        </p:nvSpPr>
+        </p:nvCxnSpPr>
         <p:spPr>
-          <a:xfrm>
-            <a:off x="133350" y="123825"/>
-            <a:ext cx="5246517" cy="369460"/>
+          <a:xfrm rot="10800000" flipV="1">
+            <a:off x="4251574" y="2361459"/>
+            <a:ext cx="1844426" cy="665825"/>
           </a:xfrm>
-          <a:prstGeom prst="rect">
+          <a:prstGeom prst="bentConnector3">
             <a:avLst/>
           </a:prstGeom>
-          <a:noFill/>
+          <a:ln w="38100">
+            <a:tailEnd type="triangle"/>
+          </a:ln>
         </p:spPr>
-        <p:txBody>
-          <a:bodyPr wrap="square" rtlCol="0">
-            <a:spAutoFit/>
-          </a:bodyPr>
-          <a:lstStyle/>
-          <a:p>
-            <a:r>
-              <a:rPr lang="de-DE" sz="1801" b="1" i="1" dirty="0"/>
-              <a:t>JSON Data </a:t>
-            </a:r>
-            <a:r>
-              <a:rPr lang="de-DE" sz="1801" b="1" i="1" dirty="0" err="1"/>
-              <a:t>of</a:t>
-            </a:r>
-            <a:r>
-              <a:rPr lang="de-DE" sz="1801" b="1" i="1" dirty="0"/>
-              <a:t> PUT </a:t>
-            </a:r>
-            <a:r>
-              <a:rPr lang="de-DE" sz="1801" b="1" i="1" dirty="0" err="1"/>
-              <a:t>request</a:t>
-            </a:r>
-            <a:r>
-              <a:rPr lang="de-DE" sz="1801" b="1" i="1" dirty="0"/>
-              <a:t> </a:t>
-            </a:r>
-            <a:r>
-              <a:rPr lang="de-DE" sz="1801" b="1" i="1" dirty="0" err="1"/>
-              <a:t>to</a:t>
-            </a:r>
-            <a:r>
-              <a:rPr lang="de-DE" sz="1801" b="1" i="1" dirty="0"/>
-              <a:t> update </a:t>
-            </a:r>
-            <a:r>
-              <a:rPr lang="de-DE" sz="1801" b="1" i="1" dirty="0" err="1"/>
-              <a:t>session</a:t>
-            </a:r>
-            <a:r>
-              <a:rPr lang="de-DE" sz="1801" b="1" i="1" dirty="0"/>
-              <a:t> </a:t>
-            </a:r>
-            <a:r>
-              <a:rPr lang="de-DE" sz="1801" b="1" i="1" dirty="0" err="1"/>
-              <a:t>address</a:t>
-            </a:r>
-            <a:endParaRPr lang="en-US" sz="1801" b="1" i="1" dirty="0"/>
-          </a:p>
-        </p:txBody>
-      </p:sp>
-      <p:sp>
-        <p:nvSpPr>
-          <p:cNvPr id="8" name="Rechteck 7">
-            <a:extLst>
-              <a:ext uri="{FF2B5EF4-FFF2-40B4-BE49-F238E27FC236}">
-                <a16:creationId xmlns:a16="http://schemas.microsoft.com/office/drawing/2014/main" id="{18947A81-9FEF-4D35-954F-2C7E9DD6EE8F}"/>
-              </a:ext>
-            </a:extLst>
-          </p:cNvPr>
-          <p:cNvSpPr/>
+        <p:style>
+          <a:lnRef idx="1">
+            <a:schemeClr val="accent1"/>
+          </a:lnRef>
+          <a:fillRef idx="0">
+            <a:schemeClr val="accent1"/>
+          </a:fillRef>
+          <a:effectRef idx="0">
+            <a:schemeClr val="accent1"/>
+          </a:effectRef>
+          <a:fontRef idx="minor">
+            <a:schemeClr val="tx1"/>
+          </a:fontRef>
+        </p:style>
+      </p:cxnSp>
+      <p:cxnSp>
+        <p:nvCxnSpPr>
+          <p:cNvPr id="11" name="Verbinder: gewinkelt 10">
+            <a:extLst>
+              <a:ext uri="{FF2B5EF4-FFF2-40B4-BE49-F238E27FC236}">
+                <a16:creationId xmlns:a16="http://schemas.microsoft.com/office/drawing/2014/main" id="{A0436C33-752B-4AB3-836F-EC3C0348DB77}"/>
+              </a:ext>
+            </a:extLst>
+          </p:cNvPr>
+          <p:cNvCxnSpPr/>
           <p:nvPr/>
-        </p:nvSpPr>
+        </p:nvCxnSpPr>
         <p:spPr>
-          <a:xfrm>
-            <a:off x="784194" y="872127"/>
-            <a:ext cx="9540536" cy="1200329"/>
+          <a:xfrm rot="10800000" flipV="1">
+            <a:off x="4251574" y="2702383"/>
+            <a:ext cx="1826670" cy="702390"/>
           </a:xfrm>
-          <a:prstGeom prst="rect">
-            <a:avLst/>
+          <a:prstGeom prst="bentConnector3">
+            <a:avLst>
+              <a:gd name="adj1" fmla="val 34448"/>
+            </a:avLst>
           </a:prstGeom>
+          <a:ln w="38100">
+            <a:tailEnd type="triangle"/>
+          </a:ln>
         </p:spPr>
-        <p:txBody>
-          <a:bodyPr wrap="square">
-            <a:spAutoFit/>
-          </a:bodyPr>
-          <a:lstStyle/>
-          <a:p>
-            <a:r>
-              <a:rPr lang="de-DE" dirty="0">
-                <a:solidFill>
-                  <a:srgbClr val="000000"/>
-                </a:solidFill>
-                <a:latin typeface="Consolas" panose="020B0609020204030204" pitchFamily="49" charset="0"/>
-              </a:rPr>
-              <a:t>{</a:t>
-            </a:r>
-          </a:p>
-          <a:p>
-            <a:r>
-              <a:rPr lang="de-DE" dirty="0">
-                <a:solidFill>
-                  <a:srgbClr val="000000"/>
-                </a:solidFill>
-                <a:latin typeface="Consolas" panose="020B0609020204030204" pitchFamily="49" charset="0"/>
-              </a:rPr>
-              <a:t>	"</a:t>
-            </a:r>
-            <a:r>
-              <a:rPr lang="de-DE" dirty="0" err="1">
-                <a:solidFill>
-                  <a:srgbClr val="000000"/>
-                </a:solidFill>
-                <a:latin typeface="Consolas" panose="020B0609020204030204" pitchFamily="49" charset="0"/>
-              </a:rPr>
-              <a:t>hardwareID</a:t>
-            </a:r>
-            <a:r>
-              <a:rPr lang="de-DE" dirty="0">
-                <a:solidFill>
-                  <a:srgbClr val="000000"/>
-                </a:solidFill>
-                <a:latin typeface="Consolas" panose="020B0609020204030204" pitchFamily="49" charset="0"/>
-              </a:rPr>
-              <a:t>": 1; </a:t>
-            </a:r>
-            <a:r>
-              <a:rPr lang="de-DE" dirty="0">
-                <a:solidFill>
-                  <a:schemeClr val="bg1">
-                    <a:lumMod val="65000"/>
-                  </a:schemeClr>
-                </a:solidFill>
-                <a:latin typeface="Consolas" panose="020B0609020204030204" pitchFamily="49" charset="0"/>
-              </a:rPr>
-              <a:t>#Bike ID</a:t>
-            </a:r>
-            <a:endParaRPr lang="de-DE" dirty="0">
-              <a:solidFill>
-                <a:srgbClr val="000000"/>
-              </a:solidFill>
-              <a:latin typeface="Consolas" panose="020B0609020204030204" pitchFamily="49" charset="0"/>
-            </a:endParaRPr>
-          </a:p>
-          <a:p>
-            <a:r>
-              <a:rPr lang="de-DE" dirty="0">
-                <a:solidFill>
-                  <a:srgbClr val="000000"/>
-                </a:solidFill>
-                <a:latin typeface="Consolas" panose="020B0609020204030204" pitchFamily="49" charset="0"/>
-              </a:rPr>
-              <a:t>	"</a:t>
-            </a:r>
-            <a:r>
-              <a:rPr lang="de-DE" dirty="0" err="1">
-                <a:solidFill>
-                  <a:srgbClr val="000000"/>
-                </a:solidFill>
-                <a:latin typeface="Consolas" panose="020B0609020204030204" pitchFamily="49" charset="0"/>
-              </a:rPr>
-              <a:t>address</a:t>
-            </a:r>
-            <a:r>
-              <a:rPr lang="de-DE" dirty="0">
-                <a:solidFill>
-                  <a:srgbClr val="000000"/>
-                </a:solidFill>
-                <a:latin typeface="Consolas" panose="020B0609020204030204" pitchFamily="49" charset="0"/>
-              </a:rPr>
-              <a:t>": "ABC…999";</a:t>
-            </a:r>
-            <a:r>
-              <a:rPr lang="de-DE" dirty="0">
-                <a:solidFill>
-                  <a:schemeClr val="bg1">
-                    <a:lumMod val="65000"/>
-                  </a:schemeClr>
-                </a:solidFill>
-                <a:latin typeface="Consolas" panose="020B0609020204030204" pitchFamily="49" charset="0"/>
-              </a:rPr>
-              <a:t> #Session </a:t>
-            </a:r>
-            <a:r>
-              <a:rPr lang="de-DE" dirty="0" err="1">
-                <a:solidFill>
-                  <a:schemeClr val="bg1">
-                    <a:lumMod val="65000"/>
-                  </a:schemeClr>
-                </a:solidFill>
-                <a:latin typeface="Consolas" panose="020B0609020204030204" pitchFamily="49" charset="0"/>
-              </a:rPr>
-              <a:t>address</a:t>
-            </a:r>
-            <a:endParaRPr lang="de-DE" dirty="0">
-              <a:solidFill>
-                <a:srgbClr val="000000"/>
-              </a:solidFill>
-              <a:latin typeface="Consolas" panose="020B0609020204030204" pitchFamily="49" charset="0"/>
-            </a:endParaRPr>
-          </a:p>
-          <a:p>
-            <a:r>
-              <a:rPr lang="de-DE" dirty="0">
-                <a:solidFill>
-                  <a:srgbClr val="000000"/>
-                </a:solidFill>
-                <a:latin typeface="Consolas" panose="020B0609020204030204" pitchFamily="49" charset="0"/>
-              </a:rPr>
-              <a:t>}</a:t>
-            </a:r>
-          </a:p>
-        </p:txBody>
-      </p:sp>
-      <p:sp>
-        <p:nvSpPr>
-          <p:cNvPr id="9" name="Textfeld 8">
-            <a:extLst>
-              <a:ext uri="{FF2B5EF4-FFF2-40B4-BE49-F238E27FC236}">
-                <a16:creationId xmlns:a16="http://schemas.microsoft.com/office/drawing/2014/main" id="{B67C175F-2A72-4918-B6DF-2361D2D93C52}"/>
-              </a:ext>
-            </a:extLst>
-          </p:cNvPr>
-          <p:cNvSpPr txBox="1"/>
-          <p:nvPr/>
-        </p:nvSpPr>
-        <p:spPr>
-          <a:xfrm>
-            <a:off x="133350" y="3310909"/>
-            <a:ext cx="5246517" cy="369460"/>
-          </a:xfrm>
-          <a:prstGeom prst="rect">
-            <a:avLst/>
-          </a:prstGeom>
-          <a:noFill/>
-        </p:spPr>
-        <p:txBody>
-          <a:bodyPr wrap="square" rtlCol="0">
-            <a:spAutoFit/>
-          </a:bodyPr>
-          <a:lstStyle/>
-          <a:p>
-            <a:r>
-              <a:rPr lang="de-DE" sz="1801" b="1" i="1" dirty="0"/>
-              <a:t>JSON Data </a:t>
-            </a:r>
-            <a:r>
-              <a:rPr lang="de-DE" sz="1801" b="1" i="1" dirty="0" err="1"/>
-              <a:t>of</a:t>
-            </a:r>
-            <a:r>
-              <a:rPr lang="de-DE" sz="1801" b="1" i="1" dirty="0"/>
-              <a:t> POST </a:t>
-            </a:r>
-            <a:r>
-              <a:rPr lang="de-DE" sz="1801" b="1" i="1" dirty="0" err="1"/>
-              <a:t>request</a:t>
-            </a:r>
-            <a:r>
-              <a:rPr lang="de-DE" sz="1801" b="1" i="1" dirty="0"/>
-              <a:t> </a:t>
-            </a:r>
-            <a:r>
-              <a:rPr lang="de-DE" sz="1801" b="1" i="1" dirty="0" err="1"/>
-              <a:t>to</a:t>
-            </a:r>
-            <a:r>
-              <a:rPr lang="de-DE" sz="1801" b="1" i="1" dirty="0"/>
-              <a:t> </a:t>
-            </a:r>
-            <a:r>
-              <a:rPr lang="de-DE" sz="1801" b="1" i="1" dirty="0" err="1"/>
-              <a:t>insert</a:t>
-            </a:r>
-            <a:r>
-              <a:rPr lang="de-DE" sz="1801" b="1" i="1" dirty="0"/>
-              <a:t> </a:t>
-            </a:r>
-            <a:r>
-              <a:rPr lang="de-DE" sz="1801" b="1" i="1" dirty="0" err="1"/>
-              <a:t>sensor</a:t>
-            </a:r>
-            <a:r>
-              <a:rPr lang="de-DE" sz="1801" b="1" i="1" dirty="0"/>
-              <a:t> </a:t>
-            </a:r>
-            <a:r>
-              <a:rPr lang="de-DE" sz="1801" b="1" i="1" dirty="0" err="1"/>
-              <a:t>data</a:t>
-            </a:r>
-            <a:endParaRPr lang="en-US" sz="1801" b="1" i="1" dirty="0"/>
-          </a:p>
-        </p:txBody>
-      </p:sp>
+        <p:style>
+          <a:lnRef idx="1">
+            <a:schemeClr val="accent1"/>
+          </a:lnRef>
+          <a:fillRef idx="0">
+            <a:schemeClr val="accent1"/>
+          </a:fillRef>
+          <a:effectRef idx="0">
+            <a:schemeClr val="accent1"/>
+          </a:effectRef>
+          <a:fontRef idx="minor">
+            <a:schemeClr val="tx1"/>
+          </a:fontRef>
+        </p:style>
+      </p:cxnSp>
     </p:spTree>
     <p:extLst>
       <p:ext uri="{BB962C8B-B14F-4D97-AF65-F5344CB8AC3E}">
-        <p14:creationId xmlns:p14="http://schemas.microsoft.com/office/powerpoint/2010/main" val="2071129967"/>
+        <p14:creationId xmlns:p14="http://schemas.microsoft.com/office/powerpoint/2010/main" val="3701638579"/>
       </p:ext>
     </p:extLst>
   </p:cSld>

--- a/misc/Concept.pptx
+++ b/misc/Concept.pptx
@@ -214,7 +214,7 @@
           <a:p>
             <a:fld id="{A953723F-4AB1-47AC-BCA9-24E93B9D0EF5}" type="datetimeFigureOut">
               <a:rPr lang="en-US" smtClean="0"/>
-              <a:t>9/30/2019</a:t>
+              <a:t>10/6/2019</a:t>
             </a:fld>
             <a:endParaRPr lang="en-US"/>
           </a:p>
@@ -715,7 +715,7 @@
           <a:p>
             <a:fld id="{24662DDC-1136-4354-A6C5-66DD31C43927}" type="datetimeFigureOut">
               <a:rPr lang="en-US" smtClean="0"/>
-              <a:t>9/30/2019</a:t>
+              <a:t>10/6/2019</a:t>
             </a:fld>
             <a:endParaRPr lang="en-US"/>
           </a:p>
@@ -915,7 +915,7 @@
           <a:p>
             <a:fld id="{24662DDC-1136-4354-A6C5-66DD31C43927}" type="datetimeFigureOut">
               <a:rPr lang="en-US" smtClean="0"/>
-              <a:t>9/30/2019</a:t>
+              <a:t>10/6/2019</a:t>
             </a:fld>
             <a:endParaRPr lang="en-US"/>
           </a:p>
@@ -1125,7 +1125,7 @@
           <a:p>
             <a:fld id="{24662DDC-1136-4354-A6C5-66DD31C43927}" type="datetimeFigureOut">
               <a:rPr lang="en-US" smtClean="0"/>
-              <a:t>9/30/2019</a:t>
+              <a:t>10/6/2019</a:t>
             </a:fld>
             <a:endParaRPr lang="en-US"/>
           </a:p>
@@ -1325,7 +1325,7 @@
           <a:p>
             <a:fld id="{24662DDC-1136-4354-A6C5-66DD31C43927}" type="datetimeFigureOut">
               <a:rPr lang="en-US" smtClean="0"/>
-              <a:t>9/30/2019</a:t>
+              <a:t>10/6/2019</a:t>
             </a:fld>
             <a:endParaRPr lang="en-US"/>
           </a:p>
@@ -1601,7 +1601,7 @@
           <a:p>
             <a:fld id="{24662DDC-1136-4354-A6C5-66DD31C43927}" type="datetimeFigureOut">
               <a:rPr lang="en-US" smtClean="0"/>
-              <a:t>9/30/2019</a:t>
+              <a:t>10/6/2019</a:t>
             </a:fld>
             <a:endParaRPr lang="en-US"/>
           </a:p>
@@ -1869,7 +1869,7 @@
           <a:p>
             <a:fld id="{24662DDC-1136-4354-A6C5-66DD31C43927}" type="datetimeFigureOut">
               <a:rPr lang="en-US" smtClean="0"/>
-              <a:t>9/30/2019</a:t>
+              <a:t>10/6/2019</a:t>
             </a:fld>
             <a:endParaRPr lang="en-US"/>
           </a:p>
@@ -2284,7 +2284,7 @@
           <a:p>
             <a:fld id="{24662DDC-1136-4354-A6C5-66DD31C43927}" type="datetimeFigureOut">
               <a:rPr lang="en-US" smtClean="0"/>
-              <a:t>9/30/2019</a:t>
+              <a:t>10/6/2019</a:t>
             </a:fld>
             <a:endParaRPr lang="en-US"/>
           </a:p>
@@ -2426,7 +2426,7 @@
           <a:p>
             <a:fld id="{24662DDC-1136-4354-A6C5-66DD31C43927}" type="datetimeFigureOut">
               <a:rPr lang="en-US" smtClean="0"/>
-              <a:t>9/30/2019</a:t>
+              <a:t>10/6/2019</a:t>
             </a:fld>
             <a:endParaRPr lang="en-US"/>
           </a:p>
@@ -2539,7 +2539,7 @@
           <a:p>
             <a:fld id="{24662DDC-1136-4354-A6C5-66DD31C43927}" type="datetimeFigureOut">
               <a:rPr lang="en-US" smtClean="0"/>
-              <a:t>9/30/2019</a:t>
+              <a:t>10/6/2019</a:t>
             </a:fld>
             <a:endParaRPr lang="en-US"/>
           </a:p>
@@ -2852,7 +2852,7 @@
           <a:p>
             <a:fld id="{24662DDC-1136-4354-A6C5-66DD31C43927}" type="datetimeFigureOut">
               <a:rPr lang="en-US" smtClean="0"/>
-              <a:t>9/30/2019</a:t>
+              <a:t>10/6/2019</a:t>
             </a:fld>
             <a:endParaRPr lang="en-US"/>
           </a:p>
@@ -3141,7 +3141,7 @@
           <a:p>
             <a:fld id="{24662DDC-1136-4354-A6C5-66DD31C43927}" type="datetimeFigureOut">
               <a:rPr lang="en-US" smtClean="0"/>
-              <a:t>9/30/2019</a:t>
+              <a:t>10/6/2019</a:t>
             </a:fld>
             <a:endParaRPr lang="en-US"/>
           </a:p>
@@ -3384,7 +3384,7 @@
           <a:p>
             <a:fld id="{24662DDC-1136-4354-A6C5-66DD31C43927}" type="datetimeFigureOut">
               <a:rPr lang="en-US" smtClean="0"/>
-              <a:t>9/30/2019</a:t>
+              <a:t>10/6/2019</a:t>
             </a:fld>
             <a:endParaRPr lang="en-US"/>
           </a:p>
@@ -11755,7 +11755,7 @@
           <p:nvPr>
             <p:extLst>
               <p:ext uri="{D42A27DB-BD31-4B8C-83A1-F6EECF244321}">
-                <p14:modId xmlns:p14="http://schemas.microsoft.com/office/powerpoint/2010/main" val="2657009628"/>
+                <p14:modId xmlns:p14="http://schemas.microsoft.com/office/powerpoint/2010/main" val="2323507802"/>
               </p:ext>
             </p:extLst>
           </p:nvPr>
@@ -12705,14 +12705,14 @@
           <p:nvPr>
             <p:extLst>
               <p:ext uri="{D42A27DB-BD31-4B8C-83A1-F6EECF244321}">
-                <p14:modId xmlns:p14="http://schemas.microsoft.com/office/powerpoint/2010/main" val="3305194157"/>
+                <p14:modId xmlns:p14="http://schemas.microsoft.com/office/powerpoint/2010/main" val="1095416657"/>
               </p:ext>
             </p:extLst>
           </p:nvPr>
         </p:nvGraphicFramePr>
         <p:xfrm>
           <a:off x="6096000" y="1465665"/>
-          <a:ext cx="2878496" cy="2781784"/>
+          <a:ext cx="2878496" cy="3133440"/>
         </p:xfrm>
         <a:graphic>
           <a:graphicData uri="http://schemas.openxmlformats.org/drawingml/2006/table">
@@ -12736,6 +12736,187 @@
                   </a:extLst>
                 </a:gridCol>
               </a:tblGrid>
+              <a:tr h="351656">
+                <a:tc>
+                  <a:txBody>
+                    <a:bodyPr/>
+                    <a:lstStyle/>
+                    <a:p>
+                      <a:r>
+                        <a:rPr lang="de-DE" sz="1600" b="1" kern="1200" dirty="0">
+                          <a:solidFill>
+                            <a:schemeClr val="accent6"/>
+                          </a:solidFill>
+                          <a:latin typeface="+mn-lt"/>
+                          <a:ea typeface="+mn-ea"/>
+                          <a:cs typeface="+mn-cs"/>
+                        </a:rPr>
+                        <a:t>*</a:t>
+                      </a:r>
+                      <a:r>
+                        <a:rPr lang="de-DE" sz="1600" b="1" kern="1200" dirty="0" err="1">
+                          <a:solidFill>
+                            <a:schemeClr val="accent6"/>
+                          </a:solidFill>
+                          <a:latin typeface="+mn-lt"/>
+                          <a:ea typeface="+mn-ea"/>
+                          <a:cs typeface="+mn-cs"/>
+                        </a:rPr>
+                        <a:t>index</a:t>
+                      </a:r>
+                      <a:endParaRPr lang="en-US" sz="1600" b="1" kern="1200" dirty="0">
+                        <a:solidFill>
+                          <a:schemeClr val="accent6"/>
+                        </a:solidFill>
+                        <a:latin typeface="+mn-lt"/>
+                        <a:ea typeface="+mn-ea"/>
+                        <a:cs typeface="+mn-cs"/>
+                      </a:endParaRPr>
+                    </a:p>
+                  </a:txBody>
+                  <a:tcPr>
+                    <a:lnL w="19050" cap="flat" cmpd="sng" algn="ctr">
+                      <a:solidFill>
+                        <a:schemeClr val="accent5"/>
+                      </a:solidFill>
+                      <a:prstDash val="solid"/>
+                      <a:round/>
+                      <a:headEnd type="none" w="med" len="med"/>
+                      <a:tailEnd type="none" w="med" len="med"/>
+                    </a:lnL>
+                    <a:lnR w="19050" cap="flat" cmpd="sng" algn="ctr">
+                      <a:solidFill>
+                        <a:schemeClr val="accent5"/>
+                      </a:solidFill>
+                      <a:prstDash val="solid"/>
+                      <a:round/>
+                      <a:headEnd type="none" w="med" len="med"/>
+                      <a:tailEnd type="none" w="med" len="med"/>
+                    </a:lnR>
+                    <a:lnT w="19050" cap="flat" cmpd="sng" algn="ctr">
+                      <a:solidFill>
+                        <a:schemeClr val="accent5"/>
+                      </a:solidFill>
+                      <a:prstDash val="solid"/>
+                      <a:round/>
+                      <a:headEnd type="none" w="med" len="med"/>
+                      <a:tailEnd type="none" w="med" len="med"/>
+                    </a:lnT>
+                    <a:lnB w="19050" cap="flat" cmpd="sng" algn="ctr">
+                      <a:solidFill>
+                        <a:schemeClr val="accent5"/>
+                      </a:solidFill>
+                      <a:prstDash val="solid"/>
+                      <a:round/>
+                      <a:headEnd type="none" w="med" len="med"/>
+                      <a:tailEnd type="none" w="med" len="med"/>
+                    </a:lnB>
+                    <a:solidFill>
+                      <a:schemeClr val="bg1"/>
+                    </a:solidFill>
+                  </a:tcPr>
+                </a:tc>
+                <a:tc>
+                  <a:txBody>
+                    <a:bodyPr/>
+                    <a:lstStyle/>
+                    <a:p>
+                      <a:pPr marL="0" marR="0" lvl="0" indent="0" algn="l" defTabSz="914400" rtl="0" eaLnBrk="1" fontAlgn="auto" latinLnBrk="0" hangingPunct="1">
+                        <a:lnSpc>
+                          <a:spcPct val="100000"/>
+                        </a:lnSpc>
+                        <a:spcBef>
+                          <a:spcPts val="0"/>
+                        </a:spcBef>
+                        <a:spcAft>
+                          <a:spcPts val="0"/>
+                        </a:spcAft>
+                        <a:buClrTx/>
+                        <a:buSzTx/>
+                        <a:buFontTx/>
+                        <a:buNone/>
+                        <a:tabLst/>
+                        <a:defRPr/>
+                      </a:pPr>
+                      <a:r>
+                        <a:rPr lang="de-DE" sz="1600" i="1" dirty="0" err="1">
+                          <a:solidFill>
+                            <a:schemeClr val="tx1"/>
+                          </a:solidFill>
+                        </a:rPr>
+                        <a:t>big</a:t>
+                      </a:r>
+                      <a:r>
+                        <a:rPr lang="de-DE" sz="1600" i="1" dirty="0">
+                          <a:solidFill>
+                            <a:schemeClr val="tx1"/>
+                          </a:solidFill>
+                        </a:rPr>
+                        <a:t> </a:t>
+                      </a:r>
+                      <a:r>
+                        <a:rPr lang="de-DE" sz="1600" i="1" dirty="0" err="1">
+                          <a:solidFill>
+                            <a:schemeClr val="tx1"/>
+                          </a:solidFill>
+                        </a:rPr>
+                        <a:t>serial</a:t>
+                      </a:r>
+                      <a:endParaRPr lang="de-DE" sz="1600" i="1" dirty="0">
+                        <a:solidFill>
+                          <a:schemeClr val="tx1"/>
+                        </a:solidFill>
+                      </a:endParaRPr>
+                    </a:p>
+                  </a:txBody>
+                  <a:tcPr>
+                    <a:lnL w="19050" cap="flat" cmpd="sng" algn="ctr">
+                      <a:solidFill>
+                        <a:schemeClr val="accent5"/>
+                      </a:solidFill>
+                      <a:prstDash val="solid"/>
+                      <a:round/>
+                      <a:headEnd type="none" w="med" len="med"/>
+                      <a:tailEnd type="none" w="med" len="med"/>
+                    </a:lnL>
+                    <a:lnR w="19050" cap="flat" cmpd="sng" algn="ctr">
+                      <a:solidFill>
+                        <a:schemeClr val="accent5"/>
+                      </a:solidFill>
+                      <a:prstDash val="solid"/>
+                      <a:round/>
+                      <a:headEnd type="none" w="med" len="med"/>
+                      <a:tailEnd type="none" w="med" len="med"/>
+                    </a:lnR>
+                    <a:lnT w="19050" cap="flat" cmpd="sng" algn="ctr">
+                      <a:solidFill>
+                        <a:schemeClr val="accent5"/>
+                      </a:solidFill>
+                      <a:prstDash val="solid"/>
+                      <a:round/>
+                      <a:headEnd type="none" w="med" len="med"/>
+                      <a:tailEnd type="none" w="med" len="med"/>
+                    </a:lnT>
+                    <a:lnB w="19050" cap="flat" cmpd="sng" algn="ctr">
+                      <a:solidFill>
+                        <a:schemeClr val="accent5"/>
+                      </a:solidFill>
+                      <a:prstDash val="solid"/>
+                      <a:round/>
+                      <a:headEnd type="none" w="med" len="med"/>
+                      <a:tailEnd type="none" w="med" len="med"/>
+                    </a:lnB>
+                    <a:solidFill>
+                      <a:schemeClr val="bg1"/>
+                    </a:solidFill>
+                  </a:tcPr>
+                </a:tc>
+                <a:extLst>
+                  <a:ext uri="{0D108BD9-81ED-4DB2-BD59-A6C34878D82A}">
+                    <a16:rowId xmlns:a16="http://schemas.microsoft.com/office/drawing/2014/main" val="514035721"/>
+                  </a:ext>
+                </a:extLst>
+              </a:tr>
               <a:tr h="351656">
                 <a:tc>
                   <a:txBody>
@@ -12818,7 +12999,7 @@
                         <a:defRPr/>
                       </a:pPr>
                       <a:r>
-                        <a:rPr lang="de-DE" sz="1600" dirty="0">
+                        <a:rPr lang="de-DE" sz="1600" i="1" dirty="0">
                           <a:solidFill>
                             <a:schemeClr val="tx1"/>
                           </a:solidFill>

--- a/misc/Concept.pptx
+++ b/misc/Concept.pptx
@@ -214,7 +214,7 @@
           <a:p>
             <a:fld id="{A953723F-4AB1-47AC-BCA9-24E93B9D0EF5}" type="datetimeFigureOut">
               <a:rPr lang="en-US" smtClean="0"/>
-              <a:t>10/6/2019</a:t>
+              <a:t>10/7/2019</a:t>
             </a:fld>
             <a:endParaRPr lang="en-US"/>
           </a:p>
@@ -715,7 +715,7 @@
           <a:p>
             <a:fld id="{24662DDC-1136-4354-A6C5-66DD31C43927}" type="datetimeFigureOut">
               <a:rPr lang="en-US" smtClean="0"/>
-              <a:t>10/6/2019</a:t>
+              <a:t>10/7/2019</a:t>
             </a:fld>
             <a:endParaRPr lang="en-US"/>
           </a:p>
@@ -915,7 +915,7 @@
           <a:p>
             <a:fld id="{24662DDC-1136-4354-A6C5-66DD31C43927}" type="datetimeFigureOut">
               <a:rPr lang="en-US" smtClean="0"/>
-              <a:t>10/6/2019</a:t>
+              <a:t>10/7/2019</a:t>
             </a:fld>
             <a:endParaRPr lang="en-US"/>
           </a:p>
@@ -1125,7 +1125,7 @@
           <a:p>
             <a:fld id="{24662DDC-1136-4354-A6C5-66DD31C43927}" type="datetimeFigureOut">
               <a:rPr lang="en-US" smtClean="0"/>
-              <a:t>10/6/2019</a:t>
+              <a:t>10/7/2019</a:t>
             </a:fld>
             <a:endParaRPr lang="en-US"/>
           </a:p>
@@ -1325,7 +1325,7 @@
           <a:p>
             <a:fld id="{24662DDC-1136-4354-A6C5-66DD31C43927}" type="datetimeFigureOut">
               <a:rPr lang="en-US" smtClean="0"/>
-              <a:t>10/6/2019</a:t>
+              <a:t>10/7/2019</a:t>
             </a:fld>
             <a:endParaRPr lang="en-US"/>
           </a:p>
@@ -1601,7 +1601,7 @@
           <a:p>
             <a:fld id="{24662DDC-1136-4354-A6C5-66DD31C43927}" type="datetimeFigureOut">
               <a:rPr lang="en-US" smtClean="0"/>
-              <a:t>10/6/2019</a:t>
+              <a:t>10/7/2019</a:t>
             </a:fld>
             <a:endParaRPr lang="en-US"/>
           </a:p>
@@ -1869,7 +1869,7 @@
           <a:p>
             <a:fld id="{24662DDC-1136-4354-A6C5-66DD31C43927}" type="datetimeFigureOut">
               <a:rPr lang="en-US" smtClean="0"/>
-              <a:t>10/6/2019</a:t>
+              <a:t>10/7/2019</a:t>
             </a:fld>
             <a:endParaRPr lang="en-US"/>
           </a:p>
@@ -2284,7 +2284,7 @@
           <a:p>
             <a:fld id="{24662DDC-1136-4354-A6C5-66DD31C43927}" type="datetimeFigureOut">
               <a:rPr lang="en-US" smtClean="0"/>
-              <a:t>10/6/2019</a:t>
+              <a:t>10/7/2019</a:t>
             </a:fld>
             <a:endParaRPr lang="en-US"/>
           </a:p>
@@ -2426,7 +2426,7 @@
           <a:p>
             <a:fld id="{24662DDC-1136-4354-A6C5-66DD31C43927}" type="datetimeFigureOut">
               <a:rPr lang="en-US" smtClean="0"/>
-              <a:t>10/6/2019</a:t>
+              <a:t>10/7/2019</a:t>
             </a:fld>
             <a:endParaRPr lang="en-US"/>
           </a:p>
@@ -2539,7 +2539,7 @@
           <a:p>
             <a:fld id="{24662DDC-1136-4354-A6C5-66DD31C43927}" type="datetimeFigureOut">
               <a:rPr lang="en-US" smtClean="0"/>
-              <a:t>10/6/2019</a:t>
+              <a:t>10/7/2019</a:t>
             </a:fld>
             <a:endParaRPr lang="en-US"/>
           </a:p>
@@ -2852,7 +2852,7 @@
           <a:p>
             <a:fld id="{24662DDC-1136-4354-A6C5-66DD31C43927}" type="datetimeFigureOut">
               <a:rPr lang="en-US" smtClean="0"/>
-              <a:t>10/6/2019</a:t>
+              <a:t>10/7/2019</a:t>
             </a:fld>
             <a:endParaRPr lang="en-US"/>
           </a:p>
@@ -3141,7 +3141,7 @@
           <a:p>
             <a:fld id="{24662DDC-1136-4354-A6C5-66DD31C43927}" type="datetimeFigureOut">
               <a:rPr lang="en-US" smtClean="0"/>
-              <a:t>10/6/2019</a:t>
+              <a:t>10/7/2019</a:t>
             </a:fld>
             <a:endParaRPr lang="en-US"/>
           </a:p>
@@ -3384,7 +3384,7 @@
           <a:p>
             <a:fld id="{24662DDC-1136-4354-A6C5-66DD31C43927}" type="datetimeFigureOut">
               <a:rPr lang="en-US" smtClean="0"/>
-              <a:t>10/6/2019</a:t>
+              <a:t>10/7/2019</a:t>
             </a:fld>
             <a:endParaRPr lang="en-US"/>
           </a:p>
@@ -11670,7 +11670,11 @@
           <a:p>
             <a:r>
               <a:rPr lang="de-DE" sz="1801" b="1" i="1" dirty="0"/>
-              <a:t>Database</a:t>
+              <a:t>Database </a:t>
+            </a:r>
+            <a:r>
+              <a:rPr lang="de-DE" sz="1801" b="1" i="1" dirty="0" err="1"/>
+              <a:t>tables</a:t>
             </a:r>
             <a:endParaRPr lang="en-US" sz="1801" b="1" i="1" dirty="0"/>
           </a:p>
@@ -11755,7 +11759,7 @@
           <p:nvPr>
             <p:extLst>
               <p:ext uri="{D42A27DB-BD31-4B8C-83A1-F6EECF244321}">
-                <p14:modId xmlns:p14="http://schemas.microsoft.com/office/powerpoint/2010/main" val="2323507802"/>
+                <p14:modId xmlns:p14="http://schemas.microsoft.com/office/powerpoint/2010/main" val="775111464"/>
               </p:ext>
             </p:extLst>
           </p:nvPr>
@@ -14017,8 +14021,8 @@
         </p:nvSpPr>
         <p:spPr>
           <a:xfrm>
-            <a:off x="787719" y="3899771"/>
-            <a:ext cx="3688189" cy="369332"/>
+            <a:off x="6078244" y="4821019"/>
+            <a:ext cx="2748253" cy="923330"/>
           </a:xfrm>
           <a:prstGeom prst="rect">
             <a:avLst/>
@@ -14060,11 +14064,38 @@
             </a:r>
             <a:r>
               <a:rPr lang="de-DE" dirty="0" err="1"/>
+              <a:t>primary</a:t>
+            </a:r>
+            <a:r>
+              <a:rPr lang="de-DE" dirty="0"/>
+              <a:t> </a:t>
+            </a:r>
+            <a:r>
+              <a:rPr lang="de-DE" dirty="0" err="1"/>
               <a:t>key</a:t>
             </a:r>
+            <a:endParaRPr lang="de-DE" dirty="0"/>
+          </a:p>
+          <a:p>
+            <a:r>
+              <a:rPr lang="de-DE" b="1" dirty="0" err="1">
+                <a:solidFill>
+                  <a:schemeClr val="accent6"/>
+                </a:solidFill>
+              </a:rPr>
+              <a:t>user</a:t>
+            </a:r>
+            <a:r>
+              <a:rPr lang="de-DE" b="1" dirty="0">
+                <a:solidFill>
+                  <a:schemeClr val="accent6"/>
+                </a:solidFill>
+              </a:rPr>
+              <a:t> </a:t>
+            </a:r>
             <a:r>
               <a:rPr lang="de-DE" dirty="0"/>
-              <a:t> (</a:t>
+              <a:t>– </a:t>
             </a:r>
             <a:r>
               <a:rPr lang="de-DE" dirty="0" err="1"/>
@@ -14072,17 +14103,16 @@
             </a:r>
             <a:r>
               <a:rPr lang="de-DE" dirty="0"/>
-              <a:t>) </a:t>
+              <a:t> </a:t>
             </a:r>
             <a:r>
               <a:rPr lang="de-DE" dirty="0" err="1"/>
               <a:t>attribute</a:t>
             </a:r>
-            <a:endParaRPr lang="en-US" b="1" dirty="0">
-              <a:solidFill>
-                <a:schemeClr val="accent6"/>
-              </a:solidFill>
-            </a:endParaRPr>
+            <a:endParaRPr lang="de-DE" dirty="0"/>
+          </a:p>
+          <a:p>
+            <a:endParaRPr lang="de-DE" dirty="0"/>
           </a:p>
         </p:txBody>
       </p:sp>
@@ -14166,6 +14196,755 @@
           </a:fontRef>
         </p:style>
       </p:cxnSp>
+      <p:sp>
+        <p:nvSpPr>
+          <p:cNvPr id="12" name="Rechteck 11">
+            <a:extLst>
+              <a:ext uri="{FF2B5EF4-FFF2-40B4-BE49-F238E27FC236}">
+                <a16:creationId xmlns:a16="http://schemas.microsoft.com/office/drawing/2014/main" id="{63623575-500D-46AB-A3AD-F56ECDCA91E3}"/>
+              </a:ext>
+            </a:extLst>
+          </p:cNvPr>
+          <p:cNvSpPr/>
+          <p:nvPr/>
+        </p:nvSpPr>
+        <p:spPr>
+          <a:xfrm>
+            <a:off x="1012054" y="4012530"/>
+            <a:ext cx="3239520" cy="330002"/>
+          </a:xfrm>
+          <a:prstGeom prst="rect">
+            <a:avLst/>
+          </a:prstGeom>
+          <a:solidFill>
+            <a:schemeClr val="accent1">
+              <a:lumMod val="40000"/>
+              <a:lumOff val="60000"/>
+            </a:schemeClr>
+          </a:solidFill>
+          <a:ln>
+            <a:solidFill>
+              <a:schemeClr val="accent5"/>
+            </a:solidFill>
+          </a:ln>
+        </p:spPr>
+        <p:style>
+          <a:lnRef idx="2">
+            <a:schemeClr val="accent1">
+              <a:shade val="50000"/>
+            </a:schemeClr>
+          </a:lnRef>
+          <a:fillRef idx="1">
+            <a:schemeClr val="accent1"/>
+          </a:fillRef>
+          <a:effectRef idx="0">
+            <a:schemeClr val="accent1"/>
+          </a:effectRef>
+          <a:fontRef idx="minor">
+            <a:schemeClr val="lt1"/>
+          </a:fontRef>
+        </p:style>
+        <p:txBody>
+          <a:bodyPr rtlCol="0" anchor="ctr"/>
+          <a:lstStyle/>
+          <a:p>
+            <a:pPr algn="ctr"/>
+            <a:r>
+              <a:rPr lang="de-DE" dirty="0">
+                <a:solidFill>
+                  <a:schemeClr val="tx1"/>
+                </a:solidFill>
+              </a:rPr>
+              <a:t>USERS</a:t>
+            </a:r>
+          </a:p>
+        </p:txBody>
+      </p:sp>
+      <p:graphicFrame>
+        <p:nvGraphicFramePr>
+          <p:cNvPr id="13" name="Tabelle 12">
+            <a:extLst>
+              <a:ext uri="{FF2B5EF4-FFF2-40B4-BE49-F238E27FC236}">
+                <a16:creationId xmlns:a16="http://schemas.microsoft.com/office/drawing/2014/main" id="{A2937CE3-E9EC-46D2-8893-BC0ABF14365A}"/>
+              </a:ext>
+            </a:extLst>
+          </p:cNvPr>
+          <p:cNvGraphicFramePr>
+            <a:graphicFrameLocks noGrp="1"/>
+          </p:cNvGraphicFramePr>
+          <p:nvPr>
+            <p:extLst>
+              <p:ext uri="{D42A27DB-BD31-4B8C-83A1-F6EECF244321}">
+                <p14:modId xmlns:p14="http://schemas.microsoft.com/office/powerpoint/2010/main" val="2637542552"/>
+              </p:ext>
+            </p:extLst>
+          </p:nvPr>
+        </p:nvGraphicFramePr>
+        <p:xfrm>
+          <a:off x="1012054" y="4347100"/>
+          <a:ext cx="3239520" cy="1406624"/>
+        </p:xfrm>
+        <a:graphic>
+          <a:graphicData uri="http://schemas.openxmlformats.org/drawingml/2006/table">
+            <a:tbl>
+              <a:tblPr firstRow="1" bandRow="1">
+                <a:tableStyleId>{5940675A-B579-460E-94D1-54222C63F5DA}</a:tableStyleId>
+              </a:tblPr>
+              <a:tblGrid>
+                <a:gridCol w="1686758">
+                  <a:extLst>
+                    <a:ext uri="{9D8B030D-6E8A-4147-A177-3AD203B41FA5}">
+                      <a16:colId xmlns:a16="http://schemas.microsoft.com/office/drawing/2014/main" val="1743332313"/>
+                    </a:ext>
+                  </a:extLst>
+                </a:gridCol>
+                <a:gridCol w="1552762">
+                  <a:extLst>
+                    <a:ext uri="{9D8B030D-6E8A-4147-A177-3AD203B41FA5}">
+                      <a16:colId xmlns:a16="http://schemas.microsoft.com/office/drawing/2014/main" val="2034490463"/>
+                    </a:ext>
+                  </a:extLst>
+                </a:gridCol>
+              </a:tblGrid>
+              <a:tr h="351656">
+                <a:tc>
+                  <a:txBody>
+                    <a:bodyPr/>
+                    <a:lstStyle/>
+                    <a:p>
+                      <a:r>
+                        <a:rPr lang="de-DE" sz="1600" b="1" dirty="0">
+                          <a:solidFill>
+                            <a:schemeClr val="accent6"/>
+                          </a:solidFill>
+                        </a:rPr>
+                        <a:t>*</a:t>
+                      </a:r>
+                      <a:r>
+                        <a:rPr lang="de-DE" sz="1600" b="1" dirty="0" err="1">
+                          <a:solidFill>
+                            <a:schemeClr val="accent6"/>
+                          </a:solidFill>
+                        </a:rPr>
+                        <a:t>id</a:t>
+                      </a:r>
+                      <a:endParaRPr lang="en-US" sz="1600" b="1" dirty="0">
+                        <a:solidFill>
+                          <a:schemeClr val="accent6"/>
+                        </a:solidFill>
+                      </a:endParaRPr>
+                    </a:p>
+                  </a:txBody>
+                  <a:tcPr>
+                    <a:lnL w="19050" cap="flat" cmpd="sng" algn="ctr">
+                      <a:solidFill>
+                        <a:schemeClr val="accent5"/>
+                      </a:solidFill>
+                      <a:prstDash val="solid"/>
+                      <a:round/>
+                      <a:headEnd type="none" w="med" len="med"/>
+                      <a:tailEnd type="none" w="med" len="med"/>
+                    </a:lnL>
+                    <a:lnR w="19050" cap="flat" cmpd="sng" algn="ctr">
+                      <a:solidFill>
+                        <a:schemeClr val="accent5"/>
+                      </a:solidFill>
+                      <a:prstDash val="solid"/>
+                      <a:round/>
+                      <a:headEnd type="none" w="med" len="med"/>
+                      <a:tailEnd type="none" w="med" len="med"/>
+                    </a:lnR>
+                    <a:lnT w="19050" cap="flat" cmpd="sng" algn="ctr">
+                      <a:solidFill>
+                        <a:schemeClr val="accent5"/>
+                      </a:solidFill>
+                      <a:prstDash val="solid"/>
+                      <a:round/>
+                      <a:headEnd type="none" w="med" len="med"/>
+                      <a:tailEnd type="none" w="med" len="med"/>
+                    </a:lnT>
+                    <a:lnB w="19050" cap="flat" cmpd="sng" algn="ctr">
+                      <a:solidFill>
+                        <a:schemeClr val="accent5"/>
+                      </a:solidFill>
+                      <a:prstDash val="solid"/>
+                      <a:round/>
+                      <a:headEnd type="none" w="med" len="med"/>
+                      <a:tailEnd type="none" w="med" len="med"/>
+                    </a:lnB>
+                    <a:solidFill>
+                      <a:schemeClr val="bg1"/>
+                    </a:solidFill>
+                  </a:tcPr>
+                </a:tc>
+                <a:tc>
+                  <a:txBody>
+                    <a:bodyPr/>
+                    <a:lstStyle/>
+                    <a:p>
+                      <a:pPr marL="0" marR="0" lvl="0" indent="0" algn="l" defTabSz="914400" rtl="0" eaLnBrk="1" fontAlgn="auto" latinLnBrk="0" hangingPunct="1">
+                        <a:lnSpc>
+                          <a:spcPct val="100000"/>
+                        </a:lnSpc>
+                        <a:spcBef>
+                          <a:spcPts val="0"/>
+                        </a:spcBef>
+                        <a:spcAft>
+                          <a:spcPts val="0"/>
+                        </a:spcAft>
+                        <a:buClrTx/>
+                        <a:buSzTx/>
+                        <a:buFontTx/>
+                        <a:buNone/>
+                        <a:tabLst/>
+                        <a:defRPr/>
+                      </a:pPr>
+                      <a:r>
+                        <a:rPr lang="de-DE" sz="1600" i="1" dirty="0" err="1">
+                          <a:solidFill>
+                            <a:schemeClr val="tx1"/>
+                          </a:solidFill>
+                        </a:rPr>
+                        <a:t>big</a:t>
+                      </a:r>
+                      <a:r>
+                        <a:rPr lang="de-DE" sz="1600" i="1" dirty="0">
+                          <a:solidFill>
+                            <a:schemeClr val="tx1"/>
+                          </a:solidFill>
+                        </a:rPr>
+                        <a:t> </a:t>
+                      </a:r>
+                      <a:r>
+                        <a:rPr lang="de-DE" sz="1600" i="1" dirty="0" err="1">
+                          <a:solidFill>
+                            <a:schemeClr val="tx1"/>
+                          </a:solidFill>
+                        </a:rPr>
+                        <a:t>serial</a:t>
+                      </a:r>
+                      <a:endParaRPr lang="de-DE" sz="1600" i="1" dirty="0">
+                        <a:solidFill>
+                          <a:schemeClr val="tx1"/>
+                        </a:solidFill>
+                      </a:endParaRPr>
+                    </a:p>
+                  </a:txBody>
+                  <a:tcPr>
+                    <a:lnL w="19050" cap="flat" cmpd="sng" algn="ctr">
+                      <a:solidFill>
+                        <a:schemeClr val="accent5"/>
+                      </a:solidFill>
+                      <a:prstDash val="solid"/>
+                      <a:round/>
+                      <a:headEnd type="none" w="med" len="med"/>
+                      <a:tailEnd type="none" w="med" len="med"/>
+                    </a:lnL>
+                    <a:lnR w="19050" cap="flat" cmpd="sng" algn="ctr">
+                      <a:solidFill>
+                        <a:schemeClr val="accent5"/>
+                      </a:solidFill>
+                      <a:prstDash val="solid"/>
+                      <a:round/>
+                      <a:headEnd type="none" w="med" len="med"/>
+                      <a:tailEnd type="none" w="med" len="med"/>
+                    </a:lnR>
+                    <a:lnT w="19050" cap="flat" cmpd="sng" algn="ctr">
+                      <a:solidFill>
+                        <a:schemeClr val="accent5"/>
+                      </a:solidFill>
+                      <a:prstDash val="solid"/>
+                      <a:round/>
+                      <a:headEnd type="none" w="med" len="med"/>
+                      <a:tailEnd type="none" w="med" len="med"/>
+                    </a:lnT>
+                    <a:lnB w="19050" cap="flat" cmpd="sng" algn="ctr">
+                      <a:solidFill>
+                        <a:schemeClr val="accent5"/>
+                      </a:solidFill>
+                      <a:prstDash val="solid"/>
+                      <a:round/>
+                      <a:headEnd type="none" w="med" len="med"/>
+                      <a:tailEnd type="none" w="med" len="med"/>
+                    </a:lnB>
+                    <a:solidFill>
+                      <a:schemeClr val="bg1"/>
+                    </a:solidFill>
+                  </a:tcPr>
+                </a:tc>
+                <a:extLst>
+                  <a:ext uri="{0D108BD9-81ED-4DB2-BD59-A6C34878D82A}">
+                    <a16:rowId xmlns:a16="http://schemas.microsoft.com/office/drawing/2014/main" val="3710779762"/>
+                  </a:ext>
+                </a:extLst>
+              </a:tr>
+              <a:tr h="351656">
+                <a:tc>
+                  <a:txBody>
+                    <a:bodyPr/>
+                    <a:lstStyle/>
+                    <a:p>
+                      <a:r>
+                        <a:rPr lang="de-DE" sz="1600" b="1" kern="1200" dirty="0" err="1">
+                          <a:solidFill>
+                            <a:schemeClr val="accent6"/>
+                          </a:solidFill>
+                          <a:latin typeface="+mn-lt"/>
+                          <a:ea typeface="+mn-ea"/>
+                          <a:cs typeface="+mn-cs"/>
+                        </a:rPr>
+                        <a:t>user</a:t>
+                      </a:r>
+                      <a:endParaRPr lang="en-US" sz="1600" b="1" kern="1200" dirty="0">
+                        <a:solidFill>
+                          <a:schemeClr val="accent6"/>
+                        </a:solidFill>
+                        <a:latin typeface="+mn-lt"/>
+                        <a:ea typeface="+mn-ea"/>
+                        <a:cs typeface="+mn-cs"/>
+                      </a:endParaRPr>
+                    </a:p>
+                  </a:txBody>
+                  <a:tcPr>
+                    <a:lnL w="19050" cap="flat" cmpd="sng" algn="ctr">
+                      <a:solidFill>
+                        <a:schemeClr val="accent5"/>
+                      </a:solidFill>
+                      <a:prstDash val="solid"/>
+                      <a:round/>
+                      <a:headEnd type="none" w="med" len="med"/>
+                      <a:tailEnd type="none" w="med" len="med"/>
+                    </a:lnL>
+                    <a:lnR w="19050" cap="flat" cmpd="sng" algn="ctr">
+                      <a:solidFill>
+                        <a:schemeClr val="accent5"/>
+                      </a:solidFill>
+                      <a:prstDash val="solid"/>
+                      <a:round/>
+                      <a:headEnd type="none" w="med" len="med"/>
+                      <a:tailEnd type="none" w="med" len="med"/>
+                    </a:lnR>
+                    <a:lnT w="19050" cap="flat" cmpd="sng" algn="ctr">
+                      <a:solidFill>
+                        <a:schemeClr val="accent5"/>
+                      </a:solidFill>
+                      <a:prstDash val="solid"/>
+                      <a:round/>
+                      <a:headEnd type="none" w="med" len="med"/>
+                      <a:tailEnd type="none" w="med" len="med"/>
+                    </a:lnT>
+                    <a:lnB w="19050" cap="flat" cmpd="sng" algn="ctr">
+                      <a:solidFill>
+                        <a:schemeClr val="accent5"/>
+                      </a:solidFill>
+                      <a:prstDash val="solid"/>
+                      <a:round/>
+                      <a:headEnd type="none" w="med" len="med"/>
+                      <a:tailEnd type="none" w="med" len="med"/>
+                    </a:lnB>
+                    <a:solidFill>
+                      <a:schemeClr val="bg1"/>
+                    </a:solidFill>
+                  </a:tcPr>
+                </a:tc>
+                <a:tc>
+                  <a:txBody>
+                    <a:bodyPr/>
+                    <a:lstStyle/>
+                    <a:p>
+                      <a:pPr marL="0" marR="0" lvl="0" indent="0" algn="l" defTabSz="914400" rtl="0" eaLnBrk="1" fontAlgn="auto" latinLnBrk="0" hangingPunct="1">
+                        <a:lnSpc>
+                          <a:spcPct val="100000"/>
+                        </a:lnSpc>
+                        <a:spcBef>
+                          <a:spcPts val="0"/>
+                        </a:spcBef>
+                        <a:spcAft>
+                          <a:spcPts val="0"/>
+                        </a:spcAft>
+                        <a:buClrTx/>
+                        <a:buSzTx/>
+                        <a:buFontTx/>
+                        <a:buNone/>
+                        <a:tabLst/>
+                        <a:defRPr/>
+                      </a:pPr>
+                      <a:r>
+                        <a:rPr lang="de-DE" sz="1600" i="1" dirty="0" err="1">
+                          <a:solidFill>
+                            <a:schemeClr val="tx1"/>
+                          </a:solidFill>
+                        </a:rPr>
+                        <a:t>text</a:t>
+                      </a:r>
+                      <a:endParaRPr lang="de-DE" sz="1600" i="1" dirty="0">
+                        <a:solidFill>
+                          <a:schemeClr val="tx1"/>
+                        </a:solidFill>
+                      </a:endParaRPr>
+                    </a:p>
+                  </a:txBody>
+                  <a:tcPr>
+                    <a:lnL w="19050" cap="flat" cmpd="sng" algn="ctr">
+                      <a:solidFill>
+                        <a:schemeClr val="accent5"/>
+                      </a:solidFill>
+                      <a:prstDash val="solid"/>
+                      <a:round/>
+                      <a:headEnd type="none" w="med" len="med"/>
+                      <a:tailEnd type="none" w="med" len="med"/>
+                    </a:lnL>
+                    <a:lnR w="19050" cap="flat" cmpd="sng" algn="ctr">
+                      <a:solidFill>
+                        <a:schemeClr val="accent5"/>
+                      </a:solidFill>
+                      <a:prstDash val="solid"/>
+                      <a:round/>
+                      <a:headEnd type="none" w="med" len="med"/>
+                      <a:tailEnd type="none" w="med" len="med"/>
+                    </a:lnR>
+                    <a:lnT w="19050" cap="flat" cmpd="sng" algn="ctr">
+                      <a:solidFill>
+                        <a:schemeClr val="accent5"/>
+                      </a:solidFill>
+                      <a:prstDash val="solid"/>
+                      <a:round/>
+                      <a:headEnd type="none" w="med" len="med"/>
+                      <a:tailEnd type="none" w="med" len="med"/>
+                    </a:lnT>
+                    <a:lnB w="19050" cap="flat" cmpd="sng" algn="ctr">
+                      <a:solidFill>
+                        <a:schemeClr val="accent5"/>
+                      </a:solidFill>
+                      <a:prstDash val="solid"/>
+                      <a:round/>
+                      <a:headEnd type="none" w="med" len="med"/>
+                      <a:tailEnd type="none" w="med" len="med"/>
+                    </a:lnB>
+                    <a:solidFill>
+                      <a:schemeClr val="bg1"/>
+                    </a:solidFill>
+                  </a:tcPr>
+                </a:tc>
+                <a:extLst>
+                  <a:ext uri="{0D108BD9-81ED-4DB2-BD59-A6C34878D82A}">
+                    <a16:rowId xmlns:a16="http://schemas.microsoft.com/office/drawing/2014/main" val="148577280"/>
+                  </a:ext>
+                </a:extLst>
+              </a:tr>
+              <a:tr h="351656">
+                <a:tc>
+                  <a:txBody>
+                    <a:bodyPr/>
+                    <a:lstStyle/>
+                    <a:p>
+                      <a:r>
+                        <a:rPr lang="de-DE" sz="1600" b="1" kern="1200" dirty="0">
+                          <a:solidFill>
+                            <a:schemeClr val="accent6"/>
+                          </a:solidFill>
+                          <a:latin typeface="+mn-lt"/>
+                          <a:ea typeface="+mn-ea"/>
+                          <a:cs typeface="+mn-cs"/>
+                        </a:rPr>
+                        <a:t>email</a:t>
+                      </a:r>
+                      <a:endParaRPr lang="en-US" sz="1600" b="1" kern="1200" dirty="0">
+                        <a:solidFill>
+                          <a:schemeClr val="accent6"/>
+                        </a:solidFill>
+                        <a:latin typeface="+mn-lt"/>
+                        <a:ea typeface="+mn-ea"/>
+                        <a:cs typeface="+mn-cs"/>
+                      </a:endParaRPr>
+                    </a:p>
+                  </a:txBody>
+                  <a:tcPr>
+                    <a:lnL w="19050" cap="flat" cmpd="sng" algn="ctr">
+                      <a:solidFill>
+                        <a:schemeClr val="accent5"/>
+                      </a:solidFill>
+                      <a:prstDash val="solid"/>
+                      <a:round/>
+                      <a:headEnd type="none" w="med" len="med"/>
+                      <a:tailEnd type="none" w="med" len="med"/>
+                    </a:lnL>
+                    <a:lnR w="19050" cap="flat" cmpd="sng" algn="ctr">
+                      <a:solidFill>
+                        <a:schemeClr val="accent5"/>
+                      </a:solidFill>
+                      <a:prstDash val="solid"/>
+                      <a:round/>
+                      <a:headEnd type="none" w="med" len="med"/>
+                      <a:tailEnd type="none" w="med" len="med"/>
+                    </a:lnR>
+                    <a:lnT w="19050" cap="flat" cmpd="sng" algn="ctr">
+                      <a:solidFill>
+                        <a:schemeClr val="accent5"/>
+                      </a:solidFill>
+                      <a:prstDash val="solid"/>
+                      <a:round/>
+                      <a:headEnd type="none" w="med" len="med"/>
+                      <a:tailEnd type="none" w="med" len="med"/>
+                    </a:lnT>
+                    <a:lnB w="19050" cap="flat" cmpd="sng" algn="ctr">
+                      <a:solidFill>
+                        <a:schemeClr val="accent5"/>
+                      </a:solidFill>
+                      <a:prstDash val="solid"/>
+                      <a:round/>
+                      <a:headEnd type="none" w="med" len="med"/>
+                      <a:tailEnd type="none" w="med" len="med"/>
+                    </a:lnB>
+                    <a:solidFill>
+                      <a:schemeClr val="bg1"/>
+                    </a:solidFill>
+                  </a:tcPr>
+                </a:tc>
+                <a:tc>
+                  <a:txBody>
+                    <a:bodyPr/>
+                    <a:lstStyle/>
+                    <a:p>
+                      <a:pPr marL="0" marR="0" lvl="0" indent="0" algn="l" defTabSz="914400" rtl="0" eaLnBrk="1" fontAlgn="auto" latinLnBrk="0" hangingPunct="1">
+                        <a:lnSpc>
+                          <a:spcPct val="100000"/>
+                        </a:lnSpc>
+                        <a:spcBef>
+                          <a:spcPts val="0"/>
+                        </a:spcBef>
+                        <a:spcAft>
+                          <a:spcPts val="0"/>
+                        </a:spcAft>
+                        <a:buClrTx/>
+                        <a:buSzTx/>
+                        <a:buFontTx/>
+                        <a:buNone/>
+                        <a:tabLst/>
+                        <a:defRPr/>
+                      </a:pPr>
+                      <a:r>
+                        <a:rPr lang="de-DE" sz="1600" i="1" dirty="0" err="1">
+                          <a:solidFill>
+                            <a:schemeClr val="tx1"/>
+                          </a:solidFill>
+                        </a:rPr>
+                        <a:t>text</a:t>
+                      </a:r>
+                      <a:endParaRPr lang="de-DE" sz="1600" i="1" dirty="0">
+                        <a:solidFill>
+                          <a:schemeClr val="tx1"/>
+                        </a:solidFill>
+                      </a:endParaRPr>
+                    </a:p>
+                  </a:txBody>
+                  <a:tcPr>
+                    <a:lnL w="19050" cap="flat" cmpd="sng" algn="ctr">
+                      <a:solidFill>
+                        <a:schemeClr val="accent5"/>
+                      </a:solidFill>
+                      <a:prstDash val="solid"/>
+                      <a:round/>
+                      <a:headEnd type="none" w="med" len="med"/>
+                      <a:tailEnd type="none" w="med" len="med"/>
+                    </a:lnL>
+                    <a:lnR w="19050" cap="flat" cmpd="sng" algn="ctr">
+                      <a:solidFill>
+                        <a:schemeClr val="accent5"/>
+                      </a:solidFill>
+                      <a:prstDash val="solid"/>
+                      <a:round/>
+                      <a:headEnd type="none" w="med" len="med"/>
+                      <a:tailEnd type="none" w="med" len="med"/>
+                    </a:lnR>
+                    <a:lnT w="19050" cap="flat" cmpd="sng" algn="ctr">
+                      <a:solidFill>
+                        <a:schemeClr val="accent5"/>
+                      </a:solidFill>
+                      <a:prstDash val="solid"/>
+                      <a:round/>
+                      <a:headEnd type="none" w="med" len="med"/>
+                      <a:tailEnd type="none" w="med" len="med"/>
+                    </a:lnT>
+                    <a:lnB w="19050" cap="flat" cmpd="sng" algn="ctr">
+                      <a:solidFill>
+                        <a:schemeClr val="accent5"/>
+                      </a:solidFill>
+                      <a:prstDash val="solid"/>
+                      <a:round/>
+                      <a:headEnd type="none" w="med" len="med"/>
+                      <a:tailEnd type="none" w="med" len="med"/>
+                    </a:lnB>
+                    <a:solidFill>
+                      <a:schemeClr val="bg1"/>
+                    </a:solidFill>
+                  </a:tcPr>
+                </a:tc>
+                <a:extLst>
+                  <a:ext uri="{0D108BD9-81ED-4DB2-BD59-A6C34878D82A}">
+                    <a16:rowId xmlns:a16="http://schemas.microsoft.com/office/drawing/2014/main" val="1315680589"/>
+                  </a:ext>
+                </a:extLst>
+              </a:tr>
+              <a:tr h="351656">
+                <a:tc>
+                  <a:txBody>
+                    <a:bodyPr/>
+                    <a:lstStyle/>
+                    <a:p>
+                      <a:pPr marL="0" algn="l" defTabSz="914411" rtl="0" eaLnBrk="1" latinLnBrk="0" hangingPunct="1"/>
+                      <a:r>
+                        <a:rPr lang="de-DE" sz="1600" b="1" kern="1200" dirty="0" err="1">
+                          <a:solidFill>
+                            <a:schemeClr val="accent6"/>
+                          </a:solidFill>
+                          <a:latin typeface="+mn-lt"/>
+                          <a:ea typeface="+mn-ea"/>
+                          <a:cs typeface="+mn-cs"/>
+                        </a:rPr>
+                        <a:t>password</a:t>
+                      </a:r>
+                      <a:endParaRPr lang="en-US" sz="1600" b="1" kern="1200" dirty="0">
+                        <a:solidFill>
+                          <a:schemeClr val="accent6"/>
+                        </a:solidFill>
+                        <a:latin typeface="+mn-lt"/>
+                        <a:ea typeface="+mn-ea"/>
+                        <a:cs typeface="+mn-cs"/>
+                      </a:endParaRPr>
+                    </a:p>
+                  </a:txBody>
+                  <a:tcPr>
+                    <a:lnL w="19050" cap="flat" cmpd="sng" algn="ctr">
+                      <a:solidFill>
+                        <a:schemeClr val="accent5"/>
+                      </a:solidFill>
+                      <a:prstDash val="solid"/>
+                      <a:round/>
+                      <a:headEnd type="none" w="med" len="med"/>
+                      <a:tailEnd type="none" w="med" len="med"/>
+                    </a:lnL>
+                    <a:lnR w="19050" cap="flat" cmpd="sng" algn="ctr">
+                      <a:solidFill>
+                        <a:schemeClr val="accent5"/>
+                      </a:solidFill>
+                      <a:prstDash val="solid"/>
+                      <a:round/>
+                      <a:headEnd type="none" w="med" len="med"/>
+                      <a:tailEnd type="none" w="med" len="med"/>
+                    </a:lnR>
+                    <a:lnT w="19050" cap="flat" cmpd="sng" algn="ctr">
+                      <a:solidFill>
+                        <a:schemeClr val="accent5"/>
+                      </a:solidFill>
+                      <a:prstDash val="solid"/>
+                      <a:round/>
+                      <a:headEnd type="none" w="med" len="med"/>
+                      <a:tailEnd type="none" w="med" len="med"/>
+                    </a:lnT>
+                    <a:lnB w="19050" cap="flat" cmpd="sng" algn="ctr">
+                      <a:solidFill>
+                        <a:schemeClr val="accent5"/>
+                      </a:solidFill>
+                      <a:prstDash val="solid"/>
+                      <a:round/>
+                      <a:headEnd type="none" w="med" len="med"/>
+                      <a:tailEnd type="none" w="med" len="med"/>
+                    </a:lnB>
+                    <a:solidFill>
+                      <a:schemeClr val="bg1"/>
+                    </a:solidFill>
+                  </a:tcPr>
+                </a:tc>
+                <a:tc>
+                  <a:txBody>
+                    <a:bodyPr/>
+                    <a:lstStyle/>
+                    <a:p>
+                      <a:pPr marL="0" marR="0" lvl="0" indent="0" algn="l" defTabSz="914400" rtl="0" eaLnBrk="1" fontAlgn="auto" latinLnBrk="0" hangingPunct="1">
+                        <a:lnSpc>
+                          <a:spcPct val="100000"/>
+                        </a:lnSpc>
+                        <a:spcBef>
+                          <a:spcPts val="0"/>
+                        </a:spcBef>
+                        <a:spcAft>
+                          <a:spcPts val="0"/>
+                        </a:spcAft>
+                        <a:buClrTx/>
+                        <a:buSzTx/>
+                        <a:buFontTx/>
+                        <a:buNone/>
+                        <a:tabLst/>
+                        <a:defRPr/>
+                      </a:pPr>
+                      <a:r>
+                        <a:rPr lang="de-DE" sz="1600" i="1" dirty="0" err="1">
+                          <a:solidFill>
+                            <a:schemeClr val="tx1"/>
+                          </a:solidFill>
+                        </a:rPr>
+                        <a:t>text</a:t>
+                      </a:r>
+                      <a:endParaRPr lang="de-DE" sz="1600" i="1" dirty="0">
+                        <a:solidFill>
+                          <a:schemeClr val="tx1"/>
+                        </a:solidFill>
+                      </a:endParaRPr>
+                    </a:p>
+                  </a:txBody>
+                  <a:tcPr>
+                    <a:lnL w="19050" cap="flat" cmpd="sng" algn="ctr">
+                      <a:solidFill>
+                        <a:schemeClr val="accent5"/>
+                      </a:solidFill>
+                      <a:prstDash val="solid"/>
+                      <a:round/>
+                      <a:headEnd type="none" w="med" len="med"/>
+                      <a:tailEnd type="none" w="med" len="med"/>
+                    </a:lnL>
+                    <a:lnR w="19050" cap="flat" cmpd="sng" algn="ctr">
+                      <a:solidFill>
+                        <a:schemeClr val="accent5"/>
+                      </a:solidFill>
+                      <a:prstDash val="solid"/>
+                      <a:round/>
+                      <a:headEnd type="none" w="med" len="med"/>
+                      <a:tailEnd type="none" w="med" len="med"/>
+                    </a:lnR>
+                    <a:lnT w="19050" cap="flat" cmpd="sng" algn="ctr">
+                      <a:solidFill>
+                        <a:schemeClr val="accent5"/>
+                      </a:solidFill>
+                      <a:prstDash val="solid"/>
+                      <a:round/>
+                      <a:headEnd type="none" w="med" len="med"/>
+                      <a:tailEnd type="none" w="med" len="med"/>
+                    </a:lnT>
+                    <a:lnB w="19050" cap="flat" cmpd="sng" algn="ctr">
+                      <a:solidFill>
+                        <a:schemeClr val="accent5"/>
+                      </a:solidFill>
+                      <a:prstDash val="solid"/>
+                      <a:round/>
+                      <a:headEnd type="none" w="med" len="med"/>
+                      <a:tailEnd type="none" w="med" len="med"/>
+                    </a:lnB>
+                    <a:solidFill>
+                      <a:schemeClr val="bg1"/>
+                    </a:solidFill>
+                  </a:tcPr>
+                </a:tc>
+                <a:extLst>
+                  <a:ext uri="{0D108BD9-81ED-4DB2-BD59-A6C34878D82A}">
+                    <a16:rowId xmlns:a16="http://schemas.microsoft.com/office/drawing/2014/main" val="3328922406"/>
+                  </a:ext>
+                </a:extLst>
+              </a:tr>
+            </a:tbl>
+          </a:graphicData>
+        </a:graphic>
+      </p:graphicFrame>
     </p:spTree>
     <p:extLst>
       <p:ext uri="{BB962C8B-B14F-4D97-AF65-F5344CB8AC3E}">

--- a/misc/Concept.pptx
+++ b/misc/Concept.pptx
@@ -5,7 +5,7 @@
     <p:sldMasterId id="2147483648" r:id="rId1"/>
   </p:sldMasterIdLst>
   <p:notesMasterIdLst>
-    <p:notesMasterId r:id="rId7"/>
+    <p:notesMasterId r:id="rId9"/>
   </p:notesMasterIdLst>
   <p:sldIdLst>
     <p:sldId id="256" r:id="rId2"/>
@@ -13,6 +13,8 @@
     <p:sldId id="260" r:id="rId4"/>
     <p:sldId id="261" r:id="rId5"/>
     <p:sldId id="262" r:id="rId6"/>
+    <p:sldId id="263" r:id="rId7"/>
+    <p:sldId id="264" r:id="rId8"/>
   </p:sldIdLst>
   <p:sldSz cx="12192000" cy="6858000"/>
   <p:notesSz cx="6858000" cy="9144000"/>
@@ -121,6 +123,8 @@
             <p14:sldId id="260"/>
             <p14:sldId id="261"/>
             <p14:sldId id="262"/>
+            <p14:sldId id="263"/>
+            <p14:sldId id="264"/>
           </p14:sldIdLst>
         </p14:section>
       </p14:sectionLst>
@@ -130,6 +134,7536 @@
     </p:ext>
   </p:extLst>
 </p:presentation>
+</file>
+
+<file path=ppt/diagrams/colors1.xml><?xml version="1.0" encoding="utf-8"?>
+<dgm:colorsDef xmlns:dgm="http://schemas.openxmlformats.org/drawingml/2006/diagram" xmlns:a="http://schemas.openxmlformats.org/drawingml/2006/main" uniqueId="urn:microsoft.com/office/officeart/2005/8/colors/accent1_2">
+  <dgm:title val=""/>
+  <dgm:desc val=""/>
+  <dgm:catLst>
+    <dgm:cat type="accent1" pri="11200"/>
+  </dgm:catLst>
+  <dgm:styleLbl name="node0">
+    <dgm:fillClrLst meth="repeat">
+      <a:schemeClr val="accent1"/>
+    </dgm:fillClrLst>
+    <dgm:linClrLst meth="repeat">
+      <a:schemeClr val="lt1"/>
+    </dgm:linClrLst>
+    <dgm:effectClrLst/>
+    <dgm:txLinClrLst/>
+    <dgm:txFillClrLst/>
+    <dgm:txEffectClrLst/>
+  </dgm:styleLbl>
+  <dgm:styleLbl name="alignNode1">
+    <dgm:fillClrLst meth="repeat">
+      <a:schemeClr val="accent1"/>
+    </dgm:fillClrLst>
+    <dgm:linClrLst meth="repeat">
+      <a:schemeClr val="accent1"/>
+    </dgm:linClrLst>
+    <dgm:effectClrLst/>
+    <dgm:txLinClrLst/>
+    <dgm:txFillClrLst/>
+    <dgm:txEffectClrLst/>
+  </dgm:styleLbl>
+  <dgm:styleLbl name="node1">
+    <dgm:fillClrLst meth="repeat">
+      <a:schemeClr val="accent1"/>
+    </dgm:fillClrLst>
+    <dgm:linClrLst meth="repeat">
+      <a:schemeClr val="lt1"/>
+    </dgm:linClrLst>
+    <dgm:effectClrLst/>
+    <dgm:txLinClrLst/>
+    <dgm:txFillClrLst/>
+    <dgm:txEffectClrLst/>
+  </dgm:styleLbl>
+  <dgm:styleLbl name="lnNode1">
+    <dgm:fillClrLst meth="repeat">
+      <a:schemeClr val="accent1"/>
+    </dgm:fillClrLst>
+    <dgm:linClrLst meth="repeat">
+      <a:schemeClr val="lt1"/>
+    </dgm:linClrLst>
+    <dgm:effectClrLst/>
+    <dgm:txLinClrLst/>
+    <dgm:txFillClrLst/>
+    <dgm:txEffectClrLst/>
+  </dgm:styleLbl>
+  <dgm:styleLbl name="vennNode1">
+    <dgm:fillClrLst meth="repeat">
+      <a:schemeClr val="accent1">
+        <a:alpha val="50000"/>
+      </a:schemeClr>
+    </dgm:fillClrLst>
+    <dgm:linClrLst meth="repeat">
+      <a:schemeClr val="lt1"/>
+    </dgm:linClrLst>
+    <dgm:effectClrLst/>
+    <dgm:txLinClrLst/>
+    <dgm:txFillClrLst/>
+    <dgm:txEffectClrLst/>
+  </dgm:styleLbl>
+  <dgm:styleLbl name="node2">
+    <dgm:fillClrLst meth="repeat">
+      <a:schemeClr val="accent1"/>
+    </dgm:fillClrLst>
+    <dgm:linClrLst meth="repeat">
+      <a:schemeClr val="lt1"/>
+    </dgm:linClrLst>
+    <dgm:effectClrLst/>
+    <dgm:txLinClrLst/>
+    <dgm:txFillClrLst/>
+    <dgm:txEffectClrLst/>
+  </dgm:styleLbl>
+  <dgm:styleLbl name="node3">
+    <dgm:fillClrLst meth="repeat">
+      <a:schemeClr val="accent1"/>
+    </dgm:fillClrLst>
+    <dgm:linClrLst meth="repeat">
+      <a:schemeClr val="lt1"/>
+    </dgm:linClrLst>
+    <dgm:effectClrLst/>
+    <dgm:txLinClrLst/>
+    <dgm:txFillClrLst/>
+    <dgm:txEffectClrLst/>
+  </dgm:styleLbl>
+  <dgm:styleLbl name="node4">
+    <dgm:fillClrLst meth="repeat">
+      <a:schemeClr val="accent1"/>
+    </dgm:fillClrLst>
+    <dgm:linClrLst meth="repeat">
+      <a:schemeClr val="lt1"/>
+    </dgm:linClrLst>
+    <dgm:effectClrLst/>
+    <dgm:txLinClrLst/>
+    <dgm:txFillClrLst/>
+    <dgm:txEffectClrLst/>
+  </dgm:styleLbl>
+  <dgm:styleLbl name="fgImgPlace1">
+    <dgm:fillClrLst meth="repeat">
+      <a:schemeClr val="accent1">
+        <a:tint val="50000"/>
+      </a:schemeClr>
+    </dgm:fillClrLst>
+    <dgm:linClrLst meth="repeat">
+      <a:schemeClr val="lt1"/>
+    </dgm:linClrLst>
+    <dgm:effectClrLst/>
+    <dgm:txLinClrLst/>
+    <dgm:txFillClrLst meth="repeat">
+      <a:schemeClr val="lt1"/>
+    </dgm:txFillClrLst>
+    <dgm:txEffectClrLst/>
+  </dgm:styleLbl>
+  <dgm:styleLbl name="alignImgPlace1">
+    <dgm:fillClrLst meth="repeat">
+      <a:schemeClr val="accent1">
+        <a:tint val="50000"/>
+      </a:schemeClr>
+    </dgm:fillClrLst>
+    <dgm:linClrLst meth="repeat">
+      <a:schemeClr val="lt1"/>
+    </dgm:linClrLst>
+    <dgm:effectClrLst/>
+    <dgm:txLinClrLst/>
+    <dgm:txFillClrLst meth="repeat">
+      <a:schemeClr val="lt1"/>
+    </dgm:txFillClrLst>
+    <dgm:txEffectClrLst/>
+  </dgm:styleLbl>
+  <dgm:styleLbl name="bgImgPlace1">
+    <dgm:fillClrLst meth="repeat">
+      <a:schemeClr val="accent1">
+        <a:tint val="50000"/>
+      </a:schemeClr>
+    </dgm:fillClrLst>
+    <dgm:linClrLst meth="repeat">
+      <a:schemeClr val="lt1"/>
+    </dgm:linClrLst>
+    <dgm:effectClrLst/>
+    <dgm:txLinClrLst/>
+    <dgm:txFillClrLst meth="repeat">
+      <a:schemeClr val="lt1"/>
+    </dgm:txFillClrLst>
+    <dgm:txEffectClrLst/>
+  </dgm:styleLbl>
+  <dgm:styleLbl name="sibTrans2D1">
+    <dgm:fillClrLst meth="repeat">
+      <a:schemeClr val="accent1">
+        <a:tint val="60000"/>
+      </a:schemeClr>
+    </dgm:fillClrLst>
+    <dgm:linClrLst meth="repeat">
+      <a:schemeClr val="accent1">
+        <a:tint val="60000"/>
+      </a:schemeClr>
+    </dgm:linClrLst>
+    <dgm:effectClrLst/>
+    <dgm:txLinClrLst/>
+    <dgm:txFillClrLst/>
+    <dgm:txEffectClrLst/>
+  </dgm:styleLbl>
+  <dgm:styleLbl name="fgSibTrans2D1">
+    <dgm:fillClrLst meth="repeat">
+      <a:schemeClr val="accent1">
+        <a:tint val="60000"/>
+      </a:schemeClr>
+    </dgm:fillClrLst>
+    <dgm:linClrLst meth="repeat">
+      <a:schemeClr val="accent1">
+        <a:tint val="60000"/>
+      </a:schemeClr>
+    </dgm:linClrLst>
+    <dgm:effectClrLst/>
+    <dgm:txLinClrLst/>
+    <dgm:txFillClrLst/>
+    <dgm:txEffectClrLst/>
+  </dgm:styleLbl>
+  <dgm:styleLbl name="bgSibTrans2D1">
+    <dgm:fillClrLst meth="repeat">
+      <a:schemeClr val="accent1">
+        <a:tint val="60000"/>
+      </a:schemeClr>
+    </dgm:fillClrLst>
+    <dgm:linClrLst meth="repeat">
+      <a:schemeClr val="accent1">
+        <a:tint val="60000"/>
+      </a:schemeClr>
+    </dgm:linClrLst>
+    <dgm:effectClrLst/>
+    <dgm:txLinClrLst/>
+    <dgm:txFillClrLst/>
+    <dgm:txEffectClrLst/>
+  </dgm:styleLbl>
+  <dgm:styleLbl name="sibTrans1D1">
+    <dgm:fillClrLst meth="repeat">
+      <a:schemeClr val="accent1"/>
+    </dgm:fillClrLst>
+    <dgm:linClrLst meth="repeat">
+      <a:schemeClr val="accent1"/>
+    </dgm:linClrLst>
+    <dgm:effectClrLst/>
+    <dgm:txLinClrLst/>
+    <dgm:txFillClrLst meth="repeat">
+      <a:schemeClr val="tx1"/>
+    </dgm:txFillClrLst>
+    <dgm:txEffectClrLst/>
+  </dgm:styleLbl>
+  <dgm:styleLbl name="callout">
+    <dgm:fillClrLst meth="repeat">
+      <a:schemeClr val="accent1"/>
+    </dgm:fillClrLst>
+    <dgm:linClrLst meth="repeat">
+      <a:schemeClr val="accent1">
+        <a:tint val="50000"/>
+      </a:schemeClr>
+    </dgm:linClrLst>
+    <dgm:effectClrLst/>
+    <dgm:txLinClrLst/>
+    <dgm:txFillClrLst meth="repeat">
+      <a:schemeClr val="tx1"/>
+    </dgm:txFillClrLst>
+    <dgm:txEffectClrLst/>
+  </dgm:styleLbl>
+  <dgm:styleLbl name="asst0">
+    <dgm:fillClrLst meth="repeat">
+      <a:schemeClr val="accent1"/>
+    </dgm:fillClrLst>
+    <dgm:linClrLst meth="repeat">
+      <a:schemeClr val="lt1"/>
+    </dgm:linClrLst>
+    <dgm:effectClrLst/>
+    <dgm:txLinClrLst/>
+    <dgm:txFillClrLst/>
+    <dgm:txEffectClrLst/>
+  </dgm:styleLbl>
+  <dgm:styleLbl name="asst1">
+    <dgm:fillClrLst meth="repeat">
+      <a:schemeClr val="accent1"/>
+    </dgm:fillClrLst>
+    <dgm:linClrLst meth="repeat">
+      <a:schemeClr val="lt1"/>
+    </dgm:linClrLst>
+    <dgm:effectClrLst/>
+    <dgm:txLinClrLst/>
+    <dgm:txFillClrLst/>
+    <dgm:txEffectClrLst/>
+  </dgm:styleLbl>
+  <dgm:styleLbl name="asst2">
+    <dgm:fillClrLst meth="repeat">
+      <a:schemeClr val="accent1"/>
+    </dgm:fillClrLst>
+    <dgm:linClrLst meth="repeat">
+      <a:schemeClr val="lt1"/>
+    </dgm:linClrLst>
+    <dgm:effectClrLst/>
+    <dgm:txLinClrLst/>
+    <dgm:txFillClrLst/>
+    <dgm:txEffectClrLst/>
+  </dgm:styleLbl>
+  <dgm:styleLbl name="asst3">
+    <dgm:fillClrLst meth="repeat">
+      <a:schemeClr val="accent1"/>
+    </dgm:fillClrLst>
+    <dgm:linClrLst meth="repeat">
+      <a:schemeClr val="lt1"/>
+    </dgm:linClrLst>
+    <dgm:effectClrLst/>
+    <dgm:txLinClrLst/>
+    <dgm:txFillClrLst/>
+    <dgm:txEffectClrLst/>
+  </dgm:styleLbl>
+  <dgm:styleLbl name="asst4">
+    <dgm:fillClrLst meth="repeat">
+      <a:schemeClr val="accent1"/>
+    </dgm:fillClrLst>
+    <dgm:linClrLst meth="repeat">
+      <a:schemeClr val="lt1"/>
+    </dgm:linClrLst>
+    <dgm:effectClrLst/>
+    <dgm:txLinClrLst/>
+    <dgm:txFillClrLst/>
+    <dgm:txEffectClrLst/>
+  </dgm:styleLbl>
+  <dgm:styleLbl name="parChTrans2D1">
+    <dgm:fillClrLst meth="repeat">
+      <a:schemeClr val="accent1">
+        <a:tint val="60000"/>
+      </a:schemeClr>
+    </dgm:fillClrLst>
+    <dgm:linClrLst meth="repeat">
+      <a:schemeClr val="accent1">
+        <a:tint val="60000"/>
+      </a:schemeClr>
+    </dgm:linClrLst>
+    <dgm:effectClrLst/>
+    <dgm:txLinClrLst/>
+    <dgm:txFillClrLst meth="repeat">
+      <a:schemeClr val="lt1"/>
+    </dgm:txFillClrLst>
+    <dgm:txEffectClrLst/>
+  </dgm:styleLbl>
+  <dgm:styleLbl name="parChTrans2D2">
+    <dgm:fillClrLst meth="repeat">
+      <a:schemeClr val="accent1"/>
+    </dgm:fillClrLst>
+    <dgm:linClrLst meth="repeat">
+      <a:schemeClr val="accent1"/>
+    </dgm:linClrLst>
+    <dgm:effectClrLst/>
+    <dgm:txLinClrLst/>
+    <dgm:txFillClrLst meth="repeat">
+      <a:schemeClr val="lt1"/>
+    </dgm:txFillClrLst>
+    <dgm:txEffectClrLst/>
+  </dgm:styleLbl>
+  <dgm:styleLbl name="parChTrans2D3">
+    <dgm:fillClrLst meth="repeat">
+      <a:schemeClr val="accent1"/>
+    </dgm:fillClrLst>
+    <dgm:linClrLst meth="repeat">
+      <a:schemeClr val="accent1"/>
+    </dgm:linClrLst>
+    <dgm:effectClrLst/>
+    <dgm:txLinClrLst/>
+    <dgm:txFillClrLst meth="repeat">
+      <a:schemeClr val="lt1"/>
+    </dgm:txFillClrLst>
+    <dgm:txEffectClrLst/>
+  </dgm:styleLbl>
+  <dgm:styleLbl name="parChTrans2D4">
+    <dgm:fillClrLst meth="repeat">
+      <a:schemeClr val="accent1"/>
+    </dgm:fillClrLst>
+    <dgm:linClrLst meth="repeat">
+      <a:schemeClr val="accent1"/>
+    </dgm:linClrLst>
+    <dgm:effectClrLst/>
+    <dgm:txLinClrLst/>
+    <dgm:txFillClrLst meth="repeat">
+      <a:schemeClr val="lt1"/>
+    </dgm:txFillClrLst>
+    <dgm:txEffectClrLst/>
+  </dgm:styleLbl>
+  <dgm:styleLbl name="parChTrans1D1">
+    <dgm:fillClrLst meth="repeat">
+      <a:schemeClr val="accent1"/>
+    </dgm:fillClrLst>
+    <dgm:linClrLst meth="repeat">
+      <a:schemeClr val="accent1">
+        <a:shade val="60000"/>
+      </a:schemeClr>
+    </dgm:linClrLst>
+    <dgm:effectClrLst/>
+    <dgm:txLinClrLst/>
+    <dgm:txFillClrLst meth="repeat">
+      <a:schemeClr val="tx1"/>
+    </dgm:txFillClrLst>
+    <dgm:txEffectClrLst/>
+  </dgm:styleLbl>
+  <dgm:styleLbl name="parChTrans1D2">
+    <dgm:fillClrLst meth="repeat">
+      <a:schemeClr val="accent1"/>
+    </dgm:fillClrLst>
+    <dgm:linClrLst meth="repeat">
+      <a:schemeClr val="accent1">
+        <a:shade val="60000"/>
+      </a:schemeClr>
+    </dgm:linClrLst>
+    <dgm:effectClrLst/>
+    <dgm:txLinClrLst/>
+    <dgm:txFillClrLst meth="repeat">
+      <a:schemeClr val="tx1"/>
+    </dgm:txFillClrLst>
+    <dgm:txEffectClrLst/>
+  </dgm:styleLbl>
+  <dgm:styleLbl name="parChTrans1D3">
+    <dgm:fillClrLst meth="repeat">
+      <a:schemeClr val="accent1"/>
+    </dgm:fillClrLst>
+    <dgm:linClrLst meth="repeat">
+      <a:schemeClr val="accent1">
+        <a:shade val="80000"/>
+      </a:schemeClr>
+    </dgm:linClrLst>
+    <dgm:effectClrLst/>
+    <dgm:txLinClrLst/>
+    <dgm:txFillClrLst meth="repeat">
+      <a:schemeClr val="tx1"/>
+    </dgm:txFillClrLst>
+    <dgm:txEffectClrLst/>
+  </dgm:styleLbl>
+  <dgm:styleLbl name="parChTrans1D4">
+    <dgm:fillClrLst meth="repeat">
+      <a:schemeClr val="accent1"/>
+    </dgm:fillClrLst>
+    <dgm:linClrLst meth="repeat">
+      <a:schemeClr val="accent1">
+        <a:shade val="80000"/>
+      </a:schemeClr>
+    </dgm:linClrLst>
+    <dgm:effectClrLst/>
+    <dgm:txLinClrLst/>
+    <dgm:txFillClrLst meth="repeat">
+      <a:schemeClr val="tx1"/>
+    </dgm:txFillClrLst>
+    <dgm:txEffectClrLst/>
+  </dgm:styleLbl>
+  <dgm:styleLbl name="fgAcc1">
+    <dgm:fillClrLst meth="repeat">
+      <a:schemeClr val="lt1">
+        <a:alpha val="90000"/>
+      </a:schemeClr>
+    </dgm:fillClrLst>
+    <dgm:linClrLst meth="repeat">
+      <a:schemeClr val="accent1"/>
+    </dgm:linClrLst>
+    <dgm:effectClrLst/>
+    <dgm:txLinClrLst/>
+    <dgm:txFillClrLst meth="repeat">
+      <a:schemeClr val="dk1"/>
+    </dgm:txFillClrLst>
+    <dgm:txEffectClrLst/>
+  </dgm:styleLbl>
+  <dgm:styleLbl name="conFgAcc1">
+    <dgm:fillClrLst meth="repeat">
+      <a:schemeClr val="lt1">
+        <a:alpha val="90000"/>
+      </a:schemeClr>
+    </dgm:fillClrLst>
+    <dgm:linClrLst meth="repeat">
+      <a:schemeClr val="accent1"/>
+    </dgm:linClrLst>
+    <dgm:effectClrLst/>
+    <dgm:txLinClrLst/>
+    <dgm:txFillClrLst meth="repeat">
+      <a:schemeClr val="dk1"/>
+    </dgm:txFillClrLst>
+    <dgm:txEffectClrLst/>
+  </dgm:styleLbl>
+  <dgm:styleLbl name="alignAcc1">
+    <dgm:fillClrLst meth="repeat">
+      <a:schemeClr val="lt1">
+        <a:alpha val="90000"/>
+      </a:schemeClr>
+    </dgm:fillClrLst>
+    <dgm:linClrLst meth="repeat">
+      <a:schemeClr val="accent1"/>
+    </dgm:linClrLst>
+    <dgm:effectClrLst/>
+    <dgm:txLinClrLst/>
+    <dgm:txFillClrLst meth="repeat">
+      <a:schemeClr val="dk1"/>
+    </dgm:txFillClrLst>
+    <dgm:txEffectClrLst/>
+  </dgm:styleLbl>
+  <dgm:styleLbl name="trAlignAcc1">
+    <dgm:fillClrLst meth="repeat">
+      <a:schemeClr val="lt1">
+        <a:alpha val="40000"/>
+      </a:schemeClr>
+    </dgm:fillClrLst>
+    <dgm:linClrLst meth="repeat">
+      <a:schemeClr val="accent1"/>
+    </dgm:linClrLst>
+    <dgm:effectClrLst/>
+    <dgm:txLinClrLst/>
+    <dgm:txFillClrLst meth="repeat">
+      <a:schemeClr val="dk1"/>
+    </dgm:txFillClrLst>
+    <dgm:txEffectClrLst/>
+  </dgm:styleLbl>
+  <dgm:styleLbl name="bgAcc1">
+    <dgm:fillClrLst meth="repeat">
+      <a:schemeClr val="lt1">
+        <a:alpha val="90000"/>
+      </a:schemeClr>
+    </dgm:fillClrLst>
+    <dgm:linClrLst meth="repeat">
+      <a:schemeClr val="accent1"/>
+    </dgm:linClrLst>
+    <dgm:effectClrLst/>
+    <dgm:txLinClrLst/>
+    <dgm:txFillClrLst meth="repeat">
+      <a:schemeClr val="dk1"/>
+    </dgm:txFillClrLst>
+    <dgm:txEffectClrLst/>
+  </dgm:styleLbl>
+  <dgm:styleLbl name="solidFgAcc1">
+    <dgm:fillClrLst meth="repeat">
+      <a:schemeClr val="lt1"/>
+    </dgm:fillClrLst>
+    <dgm:linClrLst meth="repeat">
+      <a:schemeClr val="accent1"/>
+    </dgm:linClrLst>
+    <dgm:effectClrLst/>
+    <dgm:txLinClrLst/>
+    <dgm:txFillClrLst meth="repeat">
+      <a:schemeClr val="dk1"/>
+    </dgm:txFillClrLst>
+    <dgm:txEffectClrLst/>
+  </dgm:styleLbl>
+  <dgm:styleLbl name="solidAlignAcc1">
+    <dgm:fillClrLst meth="repeat">
+      <a:schemeClr val="lt1"/>
+    </dgm:fillClrLst>
+    <dgm:linClrLst meth="repeat">
+      <a:schemeClr val="accent1"/>
+    </dgm:linClrLst>
+    <dgm:effectClrLst/>
+    <dgm:txLinClrLst/>
+    <dgm:txFillClrLst meth="repeat">
+      <a:schemeClr val="dk1"/>
+    </dgm:txFillClrLst>
+    <dgm:txEffectClrLst/>
+  </dgm:styleLbl>
+  <dgm:styleLbl name="solidBgAcc1">
+    <dgm:fillClrLst meth="repeat">
+      <a:schemeClr val="lt1"/>
+    </dgm:fillClrLst>
+    <dgm:linClrLst meth="repeat">
+      <a:schemeClr val="accent1"/>
+    </dgm:linClrLst>
+    <dgm:effectClrLst/>
+    <dgm:txLinClrLst/>
+    <dgm:txFillClrLst meth="repeat">
+      <a:schemeClr val="dk1"/>
+    </dgm:txFillClrLst>
+    <dgm:txEffectClrLst/>
+  </dgm:styleLbl>
+  <dgm:styleLbl name="fgAccFollowNode1">
+    <dgm:fillClrLst meth="repeat">
+      <a:schemeClr val="accent1">
+        <a:alpha val="90000"/>
+        <a:tint val="40000"/>
+      </a:schemeClr>
+    </dgm:fillClrLst>
+    <dgm:linClrLst meth="repeat">
+      <a:schemeClr val="accent1">
+        <a:alpha val="90000"/>
+        <a:tint val="40000"/>
+      </a:schemeClr>
+    </dgm:linClrLst>
+    <dgm:effectClrLst/>
+    <dgm:txLinClrLst/>
+    <dgm:txFillClrLst meth="repeat">
+      <a:schemeClr val="dk1"/>
+    </dgm:txFillClrLst>
+    <dgm:txEffectClrLst/>
+  </dgm:styleLbl>
+  <dgm:styleLbl name="alignAccFollowNode1">
+    <dgm:fillClrLst meth="repeat">
+      <a:schemeClr val="accent1">
+        <a:alpha val="90000"/>
+        <a:tint val="40000"/>
+      </a:schemeClr>
+    </dgm:fillClrLst>
+    <dgm:linClrLst meth="repeat">
+      <a:schemeClr val="accent1">
+        <a:alpha val="90000"/>
+        <a:tint val="40000"/>
+      </a:schemeClr>
+    </dgm:linClrLst>
+    <dgm:effectClrLst/>
+    <dgm:txLinClrLst/>
+    <dgm:txFillClrLst meth="repeat">
+      <a:schemeClr val="dk1"/>
+    </dgm:txFillClrLst>
+    <dgm:txEffectClrLst/>
+  </dgm:styleLbl>
+  <dgm:styleLbl name="bgAccFollowNode1">
+    <dgm:fillClrLst meth="repeat">
+      <a:schemeClr val="accent1">
+        <a:alpha val="90000"/>
+        <a:tint val="40000"/>
+      </a:schemeClr>
+    </dgm:fillClrLst>
+    <dgm:linClrLst meth="repeat">
+      <a:schemeClr val="accent1">
+        <a:alpha val="90000"/>
+        <a:tint val="40000"/>
+      </a:schemeClr>
+    </dgm:linClrLst>
+    <dgm:effectClrLst/>
+    <dgm:txLinClrLst/>
+    <dgm:txFillClrLst meth="repeat">
+      <a:schemeClr val="dk1"/>
+    </dgm:txFillClrLst>
+    <dgm:txEffectClrLst/>
+  </dgm:styleLbl>
+  <dgm:styleLbl name="fgAcc0">
+    <dgm:fillClrLst meth="repeat">
+      <a:schemeClr val="lt1">
+        <a:alpha val="90000"/>
+      </a:schemeClr>
+    </dgm:fillClrLst>
+    <dgm:linClrLst meth="repeat">
+      <a:schemeClr val="accent1"/>
+    </dgm:linClrLst>
+    <dgm:effectClrLst/>
+    <dgm:txLinClrLst/>
+    <dgm:txFillClrLst meth="repeat">
+      <a:schemeClr val="dk1"/>
+    </dgm:txFillClrLst>
+    <dgm:txEffectClrLst/>
+  </dgm:styleLbl>
+  <dgm:styleLbl name="fgAcc2">
+    <dgm:fillClrLst meth="repeat">
+      <a:schemeClr val="lt1">
+        <a:alpha val="90000"/>
+      </a:schemeClr>
+    </dgm:fillClrLst>
+    <dgm:linClrLst meth="repeat">
+      <a:schemeClr val="accent1"/>
+    </dgm:linClrLst>
+    <dgm:effectClrLst/>
+    <dgm:txLinClrLst/>
+    <dgm:txFillClrLst meth="repeat">
+      <a:schemeClr val="dk1"/>
+    </dgm:txFillClrLst>
+    <dgm:txEffectClrLst/>
+  </dgm:styleLbl>
+  <dgm:styleLbl name="fgAcc3">
+    <dgm:fillClrLst meth="repeat">
+      <a:schemeClr val="lt1">
+        <a:alpha val="90000"/>
+      </a:schemeClr>
+    </dgm:fillClrLst>
+    <dgm:linClrLst meth="repeat">
+      <a:schemeClr val="accent1"/>
+    </dgm:linClrLst>
+    <dgm:effectClrLst/>
+    <dgm:txLinClrLst/>
+    <dgm:txFillClrLst meth="repeat">
+      <a:schemeClr val="dk1"/>
+    </dgm:txFillClrLst>
+    <dgm:txEffectClrLst/>
+  </dgm:styleLbl>
+  <dgm:styleLbl name="fgAcc4">
+    <dgm:fillClrLst meth="repeat">
+      <a:schemeClr val="lt1">
+        <a:alpha val="90000"/>
+      </a:schemeClr>
+    </dgm:fillClrLst>
+    <dgm:linClrLst meth="repeat">
+      <a:schemeClr val="accent1"/>
+    </dgm:linClrLst>
+    <dgm:effectClrLst/>
+    <dgm:txLinClrLst/>
+    <dgm:txFillClrLst meth="repeat">
+      <a:schemeClr val="dk1"/>
+    </dgm:txFillClrLst>
+    <dgm:txEffectClrLst/>
+  </dgm:styleLbl>
+  <dgm:styleLbl name="bgShp">
+    <dgm:fillClrLst meth="repeat">
+      <a:schemeClr val="accent1">
+        <a:tint val="40000"/>
+      </a:schemeClr>
+    </dgm:fillClrLst>
+    <dgm:linClrLst meth="repeat">
+      <a:schemeClr val="accent1"/>
+    </dgm:linClrLst>
+    <dgm:effectClrLst/>
+    <dgm:txLinClrLst/>
+    <dgm:txFillClrLst meth="repeat">
+      <a:schemeClr val="dk1"/>
+    </dgm:txFillClrLst>
+    <dgm:txEffectClrLst/>
+  </dgm:styleLbl>
+  <dgm:styleLbl name="dkBgShp">
+    <dgm:fillClrLst meth="repeat">
+      <a:schemeClr val="accent1">
+        <a:shade val="80000"/>
+      </a:schemeClr>
+    </dgm:fillClrLst>
+    <dgm:linClrLst meth="repeat">
+      <a:schemeClr val="accent1"/>
+    </dgm:linClrLst>
+    <dgm:effectClrLst/>
+    <dgm:txLinClrLst/>
+    <dgm:txFillClrLst meth="repeat">
+      <a:schemeClr val="lt1"/>
+    </dgm:txFillClrLst>
+    <dgm:txEffectClrLst/>
+  </dgm:styleLbl>
+  <dgm:styleLbl name="trBgShp">
+    <dgm:fillClrLst meth="repeat">
+      <a:schemeClr val="accent1">
+        <a:tint val="50000"/>
+        <a:alpha val="40000"/>
+      </a:schemeClr>
+    </dgm:fillClrLst>
+    <dgm:linClrLst meth="repeat">
+      <a:schemeClr val="accent1"/>
+    </dgm:linClrLst>
+    <dgm:effectClrLst/>
+    <dgm:txLinClrLst/>
+    <dgm:txFillClrLst meth="repeat">
+      <a:schemeClr val="lt1"/>
+    </dgm:txFillClrLst>
+    <dgm:txEffectClrLst/>
+  </dgm:styleLbl>
+  <dgm:styleLbl name="fgShp">
+    <dgm:fillClrLst meth="repeat">
+      <a:schemeClr val="accent1">
+        <a:tint val="60000"/>
+      </a:schemeClr>
+    </dgm:fillClrLst>
+    <dgm:linClrLst meth="repeat">
+      <a:schemeClr val="lt1"/>
+    </dgm:linClrLst>
+    <dgm:effectClrLst/>
+    <dgm:txLinClrLst/>
+    <dgm:txFillClrLst meth="repeat">
+      <a:schemeClr val="dk1"/>
+    </dgm:txFillClrLst>
+    <dgm:txEffectClrLst/>
+  </dgm:styleLbl>
+  <dgm:styleLbl name="revTx">
+    <dgm:fillClrLst meth="repeat">
+      <a:schemeClr val="lt1">
+        <a:alpha val="0"/>
+      </a:schemeClr>
+    </dgm:fillClrLst>
+    <dgm:linClrLst meth="repeat">
+      <a:schemeClr val="dk1">
+        <a:alpha val="0"/>
+      </a:schemeClr>
+    </dgm:linClrLst>
+    <dgm:effectClrLst/>
+    <dgm:txLinClrLst/>
+    <dgm:txFillClrLst meth="repeat">
+      <a:schemeClr val="tx1"/>
+    </dgm:txFillClrLst>
+    <dgm:txEffectClrLst/>
+  </dgm:styleLbl>
+</dgm:colorsDef>
+</file>
+
+<file path=ppt/diagrams/data1.xml><?xml version="1.0" encoding="utf-8"?>
+<dgm:dataModel xmlns:dgm="http://schemas.openxmlformats.org/drawingml/2006/diagram" xmlns:a="http://schemas.openxmlformats.org/drawingml/2006/main">
+  <dgm:ptLst>
+    <dgm:pt modelId="{C2CFBD6C-BD1D-4FD4-A0E1-C6BBDF23D2BC}" type="doc">
+      <dgm:prSet loTypeId="urn:microsoft.com/office/officeart/2005/8/layout/hierarchy3" loCatId="hierarchy" qsTypeId="urn:microsoft.com/office/officeart/2005/8/quickstyle/simple1" qsCatId="simple" csTypeId="urn:microsoft.com/office/officeart/2005/8/colors/accent1_2" csCatId="accent1" phldr="1"/>
+      <dgm:spPr/>
+      <dgm:t>
+        <a:bodyPr/>
+        <a:lstStyle/>
+        <a:p>
+          <a:endParaRPr lang="en-GB"/>
+        </a:p>
+      </dgm:t>
+    </dgm:pt>
+    <dgm:pt modelId="{92674A7D-9F8E-433E-B6FE-973D15789FBA}">
+      <dgm:prSet phldrT="[Text]" custT="1"/>
+      <dgm:spPr/>
+      <dgm:t>
+        <a:bodyPr/>
+        <a:lstStyle/>
+        <a:p>
+          <a:r>
+            <a:rPr lang="de-DE" sz="1600" dirty="0">
+              <a:latin typeface="Bahnschrift" panose="020B0502040204020203" pitchFamily="34" charset="0"/>
+            </a:rPr>
+            <a:t>1.1. Market Research</a:t>
+          </a:r>
+          <a:endParaRPr lang="en-GB" sz="1600" dirty="0">
+            <a:latin typeface="Bahnschrift" panose="020B0502040204020203" pitchFamily="34" charset="0"/>
+          </a:endParaRPr>
+        </a:p>
+      </dgm:t>
+    </dgm:pt>
+    <dgm:pt modelId="{E9910EA0-5F68-45F7-989B-9D2C0EFB8038}" type="parTrans" cxnId="{994713C1-8725-4807-8F35-92893B0DB8F5}">
+      <dgm:prSet/>
+      <dgm:spPr/>
+      <dgm:t>
+        <a:bodyPr/>
+        <a:lstStyle/>
+        <a:p>
+          <a:endParaRPr lang="en-GB">
+            <a:latin typeface="Bahnschrift" panose="020B0502040204020203" pitchFamily="34" charset="0"/>
+          </a:endParaRPr>
+        </a:p>
+      </dgm:t>
+    </dgm:pt>
+    <dgm:pt modelId="{CDBAAF99-35F9-4D40-B8FF-947F46687244}" type="sibTrans" cxnId="{994713C1-8725-4807-8F35-92893B0DB8F5}">
+      <dgm:prSet/>
+      <dgm:spPr/>
+      <dgm:t>
+        <a:bodyPr/>
+        <a:lstStyle/>
+        <a:p>
+          <a:endParaRPr lang="en-GB">
+            <a:latin typeface="Bahnschrift" panose="020B0502040204020203" pitchFamily="34" charset="0"/>
+          </a:endParaRPr>
+        </a:p>
+      </dgm:t>
+    </dgm:pt>
+    <dgm:pt modelId="{A732BCF8-A0BD-4330-B034-B4D91C828F0C}">
+      <dgm:prSet phldrT="[Text]" custT="1"/>
+      <dgm:spPr/>
+      <dgm:t>
+        <a:bodyPr/>
+        <a:lstStyle/>
+        <a:p>
+          <a:r>
+            <a:rPr lang="de-DE" sz="1600" dirty="0">
+              <a:latin typeface="Bahnschrift" panose="020B0502040204020203" pitchFamily="34" charset="0"/>
+            </a:rPr>
+            <a:t>1.2. Hardware Research</a:t>
+          </a:r>
+          <a:endParaRPr lang="en-GB" sz="1600" dirty="0">
+            <a:latin typeface="Bahnschrift" panose="020B0502040204020203" pitchFamily="34" charset="0"/>
+          </a:endParaRPr>
+        </a:p>
+      </dgm:t>
+    </dgm:pt>
+    <dgm:pt modelId="{F8F4AFA3-61FE-4057-AC11-99D78D1F028C}" type="parTrans" cxnId="{C8090C69-F63C-44F2-B8FC-D9E2A2C837F6}">
+      <dgm:prSet/>
+      <dgm:spPr/>
+      <dgm:t>
+        <a:bodyPr/>
+        <a:lstStyle/>
+        <a:p>
+          <a:endParaRPr lang="en-GB">
+            <a:latin typeface="Bahnschrift" panose="020B0502040204020203" pitchFamily="34" charset="0"/>
+          </a:endParaRPr>
+        </a:p>
+      </dgm:t>
+    </dgm:pt>
+    <dgm:pt modelId="{C39027B5-4F0E-47E1-93C0-58618B0874E3}" type="sibTrans" cxnId="{C8090C69-F63C-44F2-B8FC-D9E2A2C837F6}">
+      <dgm:prSet/>
+      <dgm:spPr/>
+      <dgm:t>
+        <a:bodyPr/>
+        <a:lstStyle/>
+        <a:p>
+          <a:endParaRPr lang="en-GB">
+            <a:latin typeface="Bahnschrift" panose="020B0502040204020203" pitchFamily="34" charset="0"/>
+          </a:endParaRPr>
+        </a:p>
+      </dgm:t>
+    </dgm:pt>
+    <dgm:pt modelId="{DDF155B8-500B-429B-BE18-49C5742DF794}">
+      <dgm:prSet phldrT="[Text]"/>
+      <dgm:spPr/>
+      <dgm:t>
+        <a:bodyPr/>
+        <a:lstStyle/>
+        <a:p>
+          <a:r>
+            <a:rPr lang="de-DE" dirty="0">
+              <a:latin typeface="Bahnschrift" panose="020B0502040204020203" pitchFamily="34" charset="0"/>
+            </a:rPr>
+            <a:t>2. Software Implementation</a:t>
+          </a:r>
+          <a:endParaRPr lang="en-GB" dirty="0">
+            <a:latin typeface="Bahnschrift" panose="020B0502040204020203" pitchFamily="34" charset="0"/>
+          </a:endParaRPr>
+        </a:p>
+      </dgm:t>
+    </dgm:pt>
+    <dgm:pt modelId="{00241BD5-B48A-4217-9ACB-7BFC1545BADD}" type="parTrans" cxnId="{301C526F-2F6A-4348-8A96-5983F47B0E4B}">
+      <dgm:prSet/>
+      <dgm:spPr/>
+      <dgm:t>
+        <a:bodyPr/>
+        <a:lstStyle/>
+        <a:p>
+          <a:endParaRPr lang="en-GB">
+            <a:latin typeface="Bahnschrift" panose="020B0502040204020203" pitchFamily="34" charset="0"/>
+          </a:endParaRPr>
+        </a:p>
+      </dgm:t>
+    </dgm:pt>
+    <dgm:pt modelId="{C664EC72-C7FA-455F-9A80-FCCEF95FAB65}" type="sibTrans" cxnId="{301C526F-2F6A-4348-8A96-5983F47B0E4B}">
+      <dgm:prSet/>
+      <dgm:spPr/>
+      <dgm:t>
+        <a:bodyPr/>
+        <a:lstStyle/>
+        <a:p>
+          <a:endParaRPr lang="en-GB">
+            <a:latin typeface="Bahnschrift" panose="020B0502040204020203" pitchFamily="34" charset="0"/>
+          </a:endParaRPr>
+        </a:p>
+      </dgm:t>
+    </dgm:pt>
+    <dgm:pt modelId="{AB863383-3D2F-43D4-881E-0D9EECF48F2C}">
+      <dgm:prSet phldrT="[Text]" custT="1"/>
+      <dgm:spPr/>
+      <dgm:t>
+        <a:bodyPr/>
+        <a:lstStyle/>
+        <a:p>
+          <a:r>
+            <a:rPr lang="de-DE" sz="1600" dirty="0">
+              <a:latin typeface="Bahnschrift" panose="020B0502040204020203" pitchFamily="34" charset="0"/>
+            </a:rPr>
+            <a:t>2.1. Backend Development</a:t>
+          </a:r>
+          <a:endParaRPr lang="en-GB" sz="1600" dirty="0">
+            <a:latin typeface="Bahnschrift" panose="020B0502040204020203" pitchFamily="34" charset="0"/>
+          </a:endParaRPr>
+        </a:p>
+      </dgm:t>
+    </dgm:pt>
+    <dgm:pt modelId="{EF27CD16-1A2D-4C47-82FD-5DA7C57F2113}" type="parTrans" cxnId="{B738FDF8-FBFF-4F6F-9A6C-E2A7F0F4EC09}">
+      <dgm:prSet/>
+      <dgm:spPr/>
+      <dgm:t>
+        <a:bodyPr/>
+        <a:lstStyle/>
+        <a:p>
+          <a:endParaRPr lang="en-GB">
+            <a:latin typeface="Bahnschrift" panose="020B0502040204020203" pitchFamily="34" charset="0"/>
+          </a:endParaRPr>
+        </a:p>
+      </dgm:t>
+    </dgm:pt>
+    <dgm:pt modelId="{D6E267A2-21CF-4136-81CA-CC6F3EEF2796}" type="sibTrans" cxnId="{B738FDF8-FBFF-4F6F-9A6C-E2A7F0F4EC09}">
+      <dgm:prSet/>
+      <dgm:spPr/>
+      <dgm:t>
+        <a:bodyPr/>
+        <a:lstStyle/>
+        <a:p>
+          <a:endParaRPr lang="en-GB">
+            <a:latin typeface="Bahnschrift" panose="020B0502040204020203" pitchFamily="34" charset="0"/>
+          </a:endParaRPr>
+        </a:p>
+      </dgm:t>
+    </dgm:pt>
+    <dgm:pt modelId="{BF850D6A-AF47-4C04-B1D6-207A4C04BA54}">
+      <dgm:prSet phldrT="[Text]" custT="1"/>
+      <dgm:spPr/>
+      <dgm:t>
+        <a:bodyPr/>
+        <a:lstStyle/>
+        <a:p>
+          <a:r>
+            <a:rPr lang="de-DE" sz="1600" dirty="0">
+              <a:latin typeface="Bahnschrift" panose="020B0502040204020203" pitchFamily="34" charset="0"/>
+            </a:rPr>
+            <a:t>1.3. </a:t>
+          </a:r>
+          <a:r>
+            <a:rPr lang="de-DE" sz="1600" dirty="0" err="1">
+              <a:latin typeface="Bahnschrift" panose="020B0502040204020203" pitchFamily="34" charset="0"/>
+            </a:rPr>
+            <a:t>Sofware</a:t>
+          </a:r>
+          <a:r>
+            <a:rPr lang="de-DE" sz="1600" dirty="0">
+              <a:latin typeface="Bahnschrift" panose="020B0502040204020203" pitchFamily="34" charset="0"/>
+            </a:rPr>
+            <a:t> Research</a:t>
+          </a:r>
+          <a:endParaRPr lang="en-GB" sz="1600" dirty="0">
+            <a:latin typeface="Bahnschrift" panose="020B0502040204020203" pitchFamily="34" charset="0"/>
+          </a:endParaRPr>
+        </a:p>
+      </dgm:t>
+    </dgm:pt>
+    <dgm:pt modelId="{AF4CBFFF-2723-4E5D-8EF1-2835927CD919}" type="parTrans" cxnId="{AF6A7012-D94F-47D6-84E0-63AF6D959523}">
+      <dgm:prSet/>
+      <dgm:spPr/>
+      <dgm:t>
+        <a:bodyPr/>
+        <a:lstStyle/>
+        <a:p>
+          <a:endParaRPr lang="en-GB">
+            <a:latin typeface="Bahnschrift" panose="020B0502040204020203" pitchFamily="34" charset="0"/>
+          </a:endParaRPr>
+        </a:p>
+      </dgm:t>
+    </dgm:pt>
+    <dgm:pt modelId="{18C556A1-AB38-41E3-B708-CED05BE0E2A0}" type="sibTrans" cxnId="{AF6A7012-D94F-47D6-84E0-63AF6D959523}">
+      <dgm:prSet/>
+      <dgm:spPr/>
+      <dgm:t>
+        <a:bodyPr/>
+        <a:lstStyle/>
+        <a:p>
+          <a:endParaRPr lang="en-GB">
+            <a:latin typeface="Bahnschrift" panose="020B0502040204020203" pitchFamily="34" charset="0"/>
+          </a:endParaRPr>
+        </a:p>
+      </dgm:t>
+    </dgm:pt>
+    <dgm:pt modelId="{EBE674F3-EF5D-4C9E-9733-29B63F215C2E}">
+      <dgm:prSet phldrT="[Text]"/>
+      <dgm:spPr/>
+      <dgm:t>
+        <a:bodyPr/>
+        <a:lstStyle/>
+        <a:p>
+          <a:r>
+            <a:rPr lang="de-DE" dirty="0">
+              <a:latin typeface="Bahnschrift" panose="020B0502040204020203" pitchFamily="34" charset="0"/>
+            </a:rPr>
+            <a:t>1. State-</a:t>
+          </a:r>
+          <a:r>
+            <a:rPr lang="de-DE" dirty="0" err="1">
+              <a:latin typeface="Bahnschrift" panose="020B0502040204020203" pitchFamily="34" charset="0"/>
+            </a:rPr>
+            <a:t>of</a:t>
+          </a:r>
+          <a:r>
+            <a:rPr lang="de-DE" dirty="0">
+              <a:latin typeface="Bahnschrift" panose="020B0502040204020203" pitchFamily="34" charset="0"/>
+            </a:rPr>
+            <a:t>-</a:t>
+          </a:r>
+          <a:r>
+            <a:rPr lang="de-DE" dirty="0" err="1">
+              <a:latin typeface="Bahnschrift" panose="020B0502040204020203" pitchFamily="34" charset="0"/>
+            </a:rPr>
+            <a:t>the</a:t>
+          </a:r>
+          <a:r>
+            <a:rPr lang="de-DE" dirty="0">
+              <a:latin typeface="Bahnschrift" panose="020B0502040204020203" pitchFamily="34" charset="0"/>
+            </a:rPr>
+            <a:t>-art </a:t>
+          </a:r>
+          <a:r>
+            <a:rPr lang="de-DE" dirty="0" err="1">
+              <a:latin typeface="Bahnschrift" panose="020B0502040204020203" pitchFamily="34" charset="0"/>
+            </a:rPr>
+            <a:t>research</a:t>
+          </a:r>
+          <a:endParaRPr lang="en-GB" dirty="0">
+            <a:latin typeface="Bahnschrift" panose="020B0502040204020203" pitchFamily="34" charset="0"/>
+          </a:endParaRPr>
+        </a:p>
+      </dgm:t>
+    </dgm:pt>
+    <dgm:pt modelId="{11BFB214-94E1-4797-8F1D-8DC96473BF3A}" type="parTrans" cxnId="{A6D0B244-E36D-4177-9CB0-8FA1F719C6B5}">
+      <dgm:prSet/>
+      <dgm:spPr/>
+      <dgm:t>
+        <a:bodyPr/>
+        <a:lstStyle/>
+        <a:p>
+          <a:endParaRPr lang="en-GB">
+            <a:latin typeface="Bahnschrift" panose="020B0502040204020203" pitchFamily="34" charset="0"/>
+          </a:endParaRPr>
+        </a:p>
+      </dgm:t>
+    </dgm:pt>
+    <dgm:pt modelId="{152DD6EA-30C6-4EA0-9DC7-8234534978EE}" type="sibTrans" cxnId="{A6D0B244-E36D-4177-9CB0-8FA1F719C6B5}">
+      <dgm:prSet/>
+      <dgm:spPr/>
+      <dgm:t>
+        <a:bodyPr/>
+        <a:lstStyle/>
+        <a:p>
+          <a:endParaRPr lang="en-GB">
+            <a:latin typeface="Bahnschrift" panose="020B0502040204020203" pitchFamily="34" charset="0"/>
+          </a:endParaRPr>
+        </a:p>
+      </dgm:t>
+    </dgm:pt>
+    <dgm:pt modelId="{C4311C9C-8725-4012-9711-CAE4EB684441}">
+      <dgm:prSet phldrT="[Text]"/>
+      <dgm:spPr/>
+      <dgm:t>
+        <a:bodyPr/>
+        <a:lstStyle/>
+        <a:p>
+          <a:r>
+            <a:rPr lang="de-DE" dirty="0">
+              <a:latin typeface="Bahnschrift" panose="020B0502040204020203" pitchFamily="34" charset="0"/>
+            </a:rPr>
+            <a:t>5. </a:t>
+          </a:r>
+          <a:r>
+            <a:rPr lang="de-DE" dirty="0" err="1">
+              <a:latin typeface="Bahnschrift" panose="020B0502040204020203" pitchFamily="34" charset="0"/>
+            </a:rPr>
+            <a:t>Documentation</a:t>
+          </a:r>
+          <a:r>
+            <a:rPr lang="de-DE" dirty="0">
+              <a:latin typeface="Bahnschrift" panose="020B0502040204020203" pitchFamily="34" charset="0"/>
+            </a:rPr>
+            <a:t> &amp; Report</a:t>
+          </a:r>
+          <a:endParaRPr lang="en-GB" dirty="0">
+            <a:latin typeface="Bahnschrift" panose="020B0502040204020203" pitchFamily="34" charset="0"/>
+          </a:endParaRPr>
+        </a:p>
+      </dgm:t>
+    </dgm:pt>
+    <dgm:pt modelId="{74306523-25ED-4649-A493-BF16758D93E4}" type="parTrans" cxnId="{ED03B0F9-CBD9-4FFC-B8D7-F71EF7F05E14}">
+      <dgm:prSet/>
+      <dgm:spPr/>
+      <dgm:t>
+        <a:bodyPr/>
+        <a:lstStyle/>
+        <a:p>
+          <a:endParaRPr lang="en-GB">
+            <a:latin typeface="Bahnschrift" panose="020B0502040204020203" pitchFamily="34" charset="0"/>
+          </a:endParaRPr>
+        </a:p>
+      </dgm:t>
+    </dgm:pt>
+    <dgm:pt modelId="{52A22263-CDBD-45A3-9773-FDEA4B352040}" type="sibTrans" cxnId="{ED03B0F9-CBD9-4FFC-B8D7-F71EF7F05E14}">
+      <dgm:prSet/>
+      <dgm:spPr/>
+      <dgm:t>
+        <a:bodyPr/>
+        <a:lstStyle/>
+        <a:p>
+          <a:endParaRPr lang="en-GB">
+            <a:latin typeface="Bahnschrift" panose="020B0502040204020203" pitchFamily="34" charset="0"/>
+          </a:endParaRPr>
+        </a:p>
+      </dgm:t>
+    </dgm:pt>
+    <dgm:pt modelId="{48A72737-3A16-4041-8219-F9A49C97DD44}">
+      <dgm:prSet phldrT="[Text]" custT="1"/>
+      <dgm:spPr/>
+      <dgm:t>
+        <a:bodyPr/>
+        <a:lstStyle/>
+        <a:p>
+          <a:r>
+            <a:rPr lang="de-DE" sz="1600" dirty="0">
+              <a:latin typeface="Bahnschrift" panose="020B0502040204020203" pitchFamily="34" charset="0"/>
+            </a:rPr>
+            <a:t>2.2. Frontend Development</a:t>
+          </a:r>
+          <a:endParaRPr lang="en-GB" sz="1600" dirty="0">
+            <a:latin typeface="Bahnschrift" panose="020B0502040204020203" pitchFamily="34" charset="0"/>
+          </a:endParaRPr>
+        </a:p>
+      </dgm:t>
+    </dgm:pt>
+    <dgm:pt modelId="{038736BC-36A2-4AA3-8419-22F1D2B18337}" type="parTrans" cxnId="{FBD038AA-4F9B-43C2-B933-6DF2BF044DDE}">
+      <dgm:prSet/>
+      <dgm:spPr/>
+      <dgm:t>
+        <a:bodyPr/>
+        <a:lstStyle/>
+        <a:p>
+          <a:endParaRPr lang="en-GB">
+            <a:latin typeface="Bahnschrift" panose="020B0502040204020203" pitchFamily="34" charset="0"/>
+          </a:endParaRPr>
+        </a:p>
+      </dgm:t>
+    </dgm:pt>
+    <dgm:pt modelId="{EEC15506-3857-4210-A93B-F8160E1E475E}" type="sibTrans" cxnId="{FBD038AA-4F9B-43C2-B933-6DF2BF044DDE}">
+      <dgm:prSet/>
+      <dgm:spPr/>
+      <dgm:t>
+        <a:bodyPr/>
+        <a:lstStyle/>
+        <a:p>
+          <a:endParaRPr lang="en-GB">
+            <a:latin typeface="Bahnschrift" panose="020B0502040204020203" pitchFamily="34" charset="0"/>
+          </a:endParaRPr>
+        </a:p>
+      </dgm:t>
+    </dgm:pt>
+    <dgm:pt modelId="{E063FF8F-A196-4FCF-9985-BBE8D75AB464}">
+      <dgm:prSet phldrT="[Text]" custT="1"/>
+      <dgm:spPr/>
+      <dgm:t>
+        <a:bodyPr/>
+        <a:lstStyle/>
+        <a:p>
+          <a:pPr algn="l">
+            <a:buNone/>
+          </a:pPr>
+          <a:r>
+            <a:rPr lang="de-DE" sz="1600" dirty="0">
+              <a:latin typeface="Bahnschrift" panose="020B0502040204020203" pitchFamily="34" charset="0"/>
+            </a:rPr>
+            <a:t>3.1. Mobile Connectivity</a:t>
+          </a:r>
+          <a:endParaRPr lang="en-GB" sz="1200" dirty="0">
+            <a:latin typeface="Bahnschrift" panose="020B0502040204020203" pitchFamily="34" charset="0"/>
+          </a:endParaRPr>
+        </a:p>
+      </dgm:t>
+    </dgm:pt>
+    <dgm:pt modelId="{9723E8BE-5F84-4DAA-84D9-67CC99319917}" type="parTrans" cxnId="{8B081CFD-5733-454E-B4CE-EDC3287E2DF5}">
+      <dgm:prSet/>
+      <dgm:spPr/>
+      <dgm:t>
+        <a:bodyPr/>
+        <a:lstStyle/>
+        <a:p>
+          <a:endParaRPr lang="en-GB">
+            <a:latin typeface="Bahnschrift" panose="020B0502040204020203" pitchFamily="34" charset="0"/>
+          </a:endParaRPr>
+        </a:p>
+      </dgm:t>
+    </dgm:pt>
+    <dgm:pt modelId="{2A442E98-4302-475C-A512-8D971A2CDFCE}" type="sibTrans" cxnId="{8B081CFD-5733-454E-B4CE-EDC3287E2DF5}">
+      <dgm:prSet/>
+      <dgm:spPr/>
+      <dgm:t>
+        <a:bodyPr/>
+        <a:lstStyle/>
+        <a:p>
+          <a:endParaRPr lang="en-GB">
+            <a:latin typeface="Bahnschrift" panose="020B0502040204020203" pitchFamily="34" charset="0"/>
+          </a:endParaRPr>
+        </a:p>
+      </dgm:t>
+    </dgm:pt>
+    <dgm:pt modelId="{5093DA0F-469B-4023-AB57-CF42A298866A}">
+      <dgm:prSet phldrT="[Text]" custT="1"/>
+      <dgm:spPr/>
+      <dgm:t>
+        <a:bodyPr/>
+        <a:lstStyle/>
+        <a:p>
+          <a:pPr algn="l"/>
+          <a:r>
+            <a:rPr lang="de-DE" sz="1600" dirty="0">
+              <a:latin typeface="Bahnschrift" panose="020B0502040204020203" pitchFamily="34" charset="0"/>
+            </a:rPr>
+            <a:t>3.3. </a:t>
+          </a:r>
+          <a:r>
+            <a:rPr lang="de-DE" sz="1600" dirty="0" err="1">
+              <a:latin typeface="Bahnschrift" panose="020B0502040204020203" pitchFamily="34" charset="0"/>
+            </a:rPr>
+            <a:t>Peripherals</a:t>
+          </a:r>
+          <a:endParaRPr lang="en-GB" sz="1200" dirty="0">
+            <a:latin typeface="Bahnschrift" panose="020B0502040204020203" pitchFamily="34" charset="0"/>
+          </a:endParaRPr>
+        </a:p>
+      </dgm:t>
+    </dgm:pt>
+    <dgm:pt modelId="{88C8038B-5DC7-4B38-8BEB-72722BEC3210}" type="parTrans" cxnId="{A9334C50-6015-4BC9-AFEB-297EA1A0FB5E}">
+      <dgm:prSet/>
+      <dgm:spPr/>
+      <dgm:t>
+        <a:bodyPr/>
+        <a:lstStyle/>
+        <a:p>
+          <a:endParaRPr lang="en-GB">
+            <a:latin typeface="Bahnschrift" panose="020B0502040204020203" pitchFamily="34" charset="0"/>
+          </a:endParaRPr>
+        </a:p>
+      </dgm:t>
+    </dgm:pt>
+    <dgm:pt modelId="{E9B2B07D-D4C1-43E4-9BAE-953F75FC9113}" type="sibTrans" cxnId="{A9334C50-6015-4BC9-AFEB-297EA1A0FB5E}">
+      <dgm:prSet/>
+      <dgm:spPr/>
+      <dgm:t>
+        <a:bodyPr/>
+        <a:lstStyle/>
+        <a:p>
+          <a:endParaRPr lang="en-GB">
+            <a:latin typeface="Bahnschrift" panose="020B0502040204020203" pitchFamily="34" charset="0"/>
+          </a:endParaRPr>
+        </a:p>
+      </dgm:t>
+    </dgm:pt>
+    <dgm:pt modelId="{C84CC41A-54BC-4433-8404-0D37DCD89B5D}">
+      <dgm:prSet phldrT="[Text]" custT="1"/>
+      <dgm:spPr/>
+      <dgm:t>
+        <a:bodyPr/>
+        <a:lstStyle/>
+        <a:p>
+          <a:r>
+            <a:rPr lang="de-DE" sz="1600" dirty="0">
+              <a:latin typeface="Bahnschrift" panose="020B0502040204020203" pitchFamily="34" charset="0"/>
+            </a:rPr>
+            <a:t>5.1. Project Handbook</a:t>
+          </a:r>
+          <a:endParaRPr lang="en-GB" sz="1600" dirty="0">
+            <a:latin typeface="Bahnschrift" panose="020B0502040204020203" pitchFamily="34" charset="0"/>
+          </a:endParaRPr>
+        </a:p>
+      </dgm:t>
+    </dgm:pt>
+    <dgm:pt modelId="{0CD4170C-8227-40B5-A721-FD109592398A}" type="parTrans" cxnId="{36074F48-F88C-4CB7-9220-8924F85B1A01}">
+      <dgm:prSet/>
+      <dgm:spPr/>
+      <dgm:t>
+        <a:bodyPr/>
+        <a:lstStyle/>
+        <a:p>
+          <a:endParaRPr lang="en-GB">
+            <a:latin typeface="Bahnschrift" panose="020B0502040204020203" pitchFamily="34" charset="0"/>
+          </a:endParaRPr>
+        </a:p>
+      </dgm:t>
+    </dgm:pt>
+    <dgm:pt modelId="{C8FFA4AC-0EBA-4DFE-AD07-D7AE10EE808A}" type="sibTrans" cxnId="{36074F48-F88C-4CB7-9220-8924F85B1A01}">
+      <dgm:prSet/>
+      <dgm:spPr/>
+      <dgm:t>
+        <a:bodyPr/>
+        <a:lstStyle/>
+        <a:p>
+          <a:endParaRPr lang="en-GB">
+            <a:latin typeface="Bahnschrift" panose="020B0502040204020203" pitchFamily="34" charset="0"/>
+          </a:endParaRPr>
+        </a:p>
+      </dgm:t>
+    </dgm:pt>
+    <dgm:pt modelId="{39D3B79D-C6ED-4305-801C-D85AB722F1C9}">
+      <dgm:prSet phldrT="[Text]" custT="1"/>
+      <dgm:spPr/>
+      <dgm:t>
+        <a:bodyPr/>
+        <a:lstStyle/>
+        <a:p>
+          <a:r>
+            <a:rPr lang="de-DE" sz="1600" dirty="0">
+              <a:latin typeface="Bahnschrift" panose="020B0502040204020203" pitchFamily="34" charset="0"/>
+            </a:rPr>
+            <a:t>5.2. Scientific Report &amp; Poster</a:t>
+          </a:r>
+          <a:endParaRPr lang="en-GB" sz="1600" dirty="0">
+            <a:latin typeface="Bahnschrift" panose="020B0502040204020203" pitchFamily="34" charset="0"/>
+          </a:endParaRPr>
+        </a:p>
+      </dgm:t>
+    </dgm:pt>
+    <dgm:pt modelId="{8FC19F3C-5EBD-4243-ABFD-75CA9DAFB4F1}" type="parTrans" cxnId="{91901274-6AED-4BCF-90B9-2F2B802EC14E}">
+      <dgm:prSet/>
+      <dgm:spPr/>
+      <dgm:t>
+        <a:bodyPr/>
+        <a:lstStyle/>
+        <a:p>
+          <a:endParaRPr lang="en-GB">
+            <a:latin typeface="Bahnschrift" panose="020B0502040204020203" pitchFamily="34" charset="0"/>
+          </a:endParaRPr>
+        </a:p>
+      </dgm:t>
+    </dgm:pt>
+    <dgm:pt modelId="{025FC3FA-F919-468B-A16B-969B31FBAF4A}" type="sibTrans" cxnId="{91901274-6AED-4BCF-90B9-2F2B802EC14E}">
+      <dgm:prSet/>
+      <dgm:spPr/>
+      <dgm:t>
+        <a:bodyPr/>
+        <a:lstStyle/>
+        <a:p>
+          <a:endParaRPr lang="en-GB">
+            <a:latin typeface="Bahnschrift" panose="020B0502040204020203" pitchFamily="34" charset="0"/>
+          </a:endParaRPr>
+        </a:p>
+      </dgm:t>
+    </dgm:pt>
+    <dgm:pt modelId="{0C5C39FB-B191-44ED-9CEC-E287F7C0127D}">
+      <dgm:prSet phldrT="[Text]" custT="1"/>
+      <dgm:spPr/>
+      <dgm:t>
+        <a:bodyPr/>
+        <a:lstStyle/>
+        <a:p>
+          <a:r>
+            <a:rPr lang="de-DE" sz="1600" dirty="0">
+              <a:latin typeface="Bahnschrift" panose="020B0502040204020203" pitchFamily="34" charset="0"/>
+            </a:rPr>
+            <a:t>5.3. Software </a:t>
+          </a:r>
+          <a:r>
+            <a:rPr lang="de-DE" sz="1600" dirty="0" err="1">
+              <a:latin typeface="Bahnschrift" panose="020B0502040204020203" pitchFamily="34" charset="0"/>
+            </a:rPr>
+            <a:t>Documentation</a:t>
+          </a:r>
+          <a:endParaRPr lang="en-GB" sz="1600" dirty="0">
+            <a:latin typeface="Bahnschrift" panose="020B0502040204020203" pitchFamily="34" charset="0"/>
+          </a:endParaRPr>
+        </a:p>
+      </dgm:t>
+    </dgm:pt>
+    <dgm:pt modelId="{FC212411-A452-4BA7-833F-B76D792B1EE7}" type="parTrans" cxnId="{8705EBF3-2C9A-47B1-A528-B3604FEFC772}">
+      <dgm:prSet/>
+      <dgm:spPr/>
+      <dgm:t>
+        <a:bodyPr/>
+        <a:lstStyle/>
+        <a:p>
+          <a:endParaRPr lang="en-GB">
+            <a:latin typeface="Bahnschrift" panose="020B0502040204020203" pitchFamily="34" charset="0"/>
+          </a:endParaRPr>
+        </a:p>
+      </dgm:t>
+    </dgm:pt>
+    <dgm:pt modelId="{AFD50364-C918-46F8-A89B-7C2405172A86}" type="sibTrans" cxnId="{8705EBF3-2C9A-47B1-A528-B3604FEFC772}">
+      <dgm:prSet/>
+      <dgm:spPr/>
+      <dgm:t>
+        <a:bodyPr/>
+        <a:lstStyle/>
+        <a:p>
+          <a:endParaRPr lang="en-GB">
+            <a:latin typeface="Bahnschrift" panose="020B0502040204020203" pitchFamily="34" charset="0"/>
+          </a:endParaRPr>
+        </a:p>
+      </dgm:t>
+    </dgm:pt>
+    <dgm:pt modelId="{DFC28650-8359-4AD7-9A5F-A7494DD527BC}">
+      <dgm:prSet phldrT="[Text]" custT="1"/>
+      <dgm:spPr/>
+      <dgm:t>
+        <a:bodyPr/>
+        <a:lstStyle/>
+        <a:p>
+          <a:r>
+            <a:rPr lang="de-DE" sz="1600" dirty="0">
+              <a:latin typeface="Bahnschrift" panose="020B0502040204020203" pitchFamily="34" charset="0"/>
+            </a:rPr>
+            <a:t>5.4. Hardware </a:t>
+          </a:r>
+          <a:r>
+            <a:rPr lang="de-DE" sz="1600" dirty="0" err="1">
+              <a:latin typeface="Bahnschrift" panose="020B0502040204020203" pitchFamily="34" charset="0"/>
+            </a:rPr>
+            <a:t>Documentation</a:t>
+          </a:r>
+          <a:endParaRPr lang="en-GB" sz="1600" dirty="0">
+            <a:latin typeface="Bahnschrift" panose="020B0502040204020203" pitchFamily="34" charset="0"/>
+          </a:endParaRPr>
+        </a:p>
+      </dgm:t>
+    </dgm:pt>
+    <dgm:pt modelId="{A3A6C98C-754B-4ACD-A107-834F20AB8602}" type="parTrans" cxnId="{AC69D98E-C93D-4DCA-BD9B-6317F34FD2F4}">
+      <dgm:prSet/>
+      <dgm:spPr/>
+      <dgm:t>
+        <a:bodyPr/>
+        <a:lstStyle/>
+        <a:p>
+          <a:endParaRPr lang="en-GB">
+            <a:latin typeface="Bahnschrift" panose="020B0502040204020203" pitchFamily="34" charset="0"/>
+          </a:endParaRPr>
+        </a:p>
+      </dgm:t>
+    </dgm:pt>
+    <dgm:pt modelId="{AE7EFEBD-10F8-4766-BC22-FD4934A75D01}" type="sibTrans" cxnId="{AC69D98E-C93D-4DCA-BD9B-6317F34FD2F4}">
+      <dgm:prSet/>
+      <dgm:spPr/>
+      <dgm:t>
+        <a:bodyPr/>
+        <a:lstStyle/>
+        <a:p>
+          <a:endParaRPr lang="en-GB">
+            <a:latin typeface="Bahnschrift" panose="020B0502040204020203" pitchFamily="34" charset="0"/>
+          </a:endParaRPr>
+        </a:p>
+      </dgm:t>
+    </dgm:pt>
+    <dgm:pt modelId="{66435B15-9121-4D62-BBB2-21D651FC5B46}">
+      <dgm:prSet phldrT="[Text]" custT="1"/>
+      <dgm:spPr/>
+      <dgm:t>
+        <a:bodyPr/>
+        <a:lstStyle/>
+        <a:p>
+          <a:r>
+            <a:rPr lang="de-DE" sz="1400" b="0" i="0" dirty="0">
+              <a:latin typeface="Bahnschrift" panose="020B0502040204020203" pitchFamily="34" charset="0"/>
+            </a:rPr>
+            <a:t>1.1.1. Bike-</a:t>
+          </a:r>
+          <a:r>
+            <a:rPr lang="de-DE" sz="1400" b="0" i="0" dirty="0" err="1">
+              <a:latin typeface="Bahnschrift" panose="020B0502040204020203" pitchFamily="34" charset="0"/>
+            </a:rPr>
+            <a:t>renting</a:t>
+          </a:r>
+          <a:r>
+            <a:rPr lang="de-DE" sz="1400" b="0" i="0" dirty="0">
+              <a:latin typeface="Bahnschrift" panose="020B0502040204020203" pitchFamily="34" charset="0"/>
+            </a:rPr>
+            <a:t> Services </a:t>
+          </a:r>
+          <a:endParaRPr lang="en-GB" sz="1400" b="0" i="0" dirty="0">
+            <a:latin typeface="Bahnschrift" panose="020B0502040204020203" pitchFamily="34" charset="0"/>
+          </a:endParaRPr>
+        </a:p>
+      </dgm:t>
+    </dgm:pt>
+    <dgm:pt modelId="{04F9CB03-1C8A-4AB6-A47E-D6703B6E8FF1}" type="parTrans" cxnId="{F311FE3C-5A59-4B2C-AD9C-820DE40E7CBD}">
+      <dgm:prSet/>
+      <dgm:spPr/>
+      <dgm:t>
+        <a:bodyPr/>
+        <a:lstStyle/>
+        <a:p>
+          <a:endParaRPr lang="en-US">
+            <a:latin typeface="Bahnschrift" panose="020B0502040204020203" pitchFamily="34" charset="0"/>
+          </a:endParaRPr>
+        </a:p>
+      </dgm:t>
+    </dgm:pt>
+    <dgm:pt modelId="{BE22D09C-6F08-417F-99CE-3ED14640F3F1}" type="sibTrans" cxnId="{F311FE3C-5A59-4B2C-AD9C-820DE40E7CBD}">
+      <dgm:prSet/>
+      <dgm:spPr/>
+      <dgm:t>
+        <a:bodyPr/>
+        <a:lstStyle/>
+        <a:p>
+          <a:endParaRPr lang="en-US">
+            <a:latin typeface="Bahnschrift" panose="020B0502040204020203" pitchFamily="34" charset="0"/>
+          </a:endParaRPr>
+        </a:p>
+      </dgm:t>
+    </dgm:pt>
+    <dgm:pt modelId="{693E04EB-BED7-41B7-AC76-7E163895696E}">
+      <dgm:prSet phldrT="[Text]" custT="1"/>
+      <dgm:spPr/>
+      <dgm:t>
+        <a:bodyPr/>
+        <a:lstStyle/>
+        <a:p>
+          <a:r>
+            <a:rPr lang="en-GB" sz="1400" b="0" i="0" dirty="0">
+              <a:latin typeface="Bahnschrift" panose="020B0502040204020203" pitchFamily="34" charset="0"/>
+            </a:rPr>
+            <a:t>1.1.2. IOTA Use-cases</a:t>
+          </a:r>
+        </a:p>
+      </dgm:t>
+    </dgm:pt>
+    <dgm:pt modelId="{B9357110-7276-4941-97DD-8A194571D1A8}" type="parTrans" cxnId="{538EF9F3-000D-4EC3-95AC-383C8F3CDBDB}">
+      <dgm:prSet/>
+      <dgm:spPr/>
+      <dgm:t>
+        <a:bodyPr/>
+        <a:lstStyle/>
+        <a:p>
+          <a:endParaRPr lang="en-US">
+            <a:latin typeface="Bahnschrift" panose="020B0502040204020203" pitchFamily="34" charset="0"/>
+          </a:endParaRPr>
+        </a:p>
+      </dgm:t>
+    </dgm:pt>
+    <dgm:pt modelId="{F02C89EC-CDF9-4186-9AA7-E3D804E48924}" type="sibTrans" cxnId="{538EF9F3-000D-4EC3-95AC-383C8F3CDBDB}">
+      <dgm:prSet/>
+      <dgm:spPr/>
+      <dgm:t>
+        <a:bodyPr/>
+        <a:lstStyle/>
+        <a:p>
+          <a:endParaRPr lang="en-US">
+            <a:latin typeface="Bahnschrift" panose="020B0502040204020203" pitchFamily="34" charset="0"/>
+          </a:endParaRPr>
+        </a:p>
+      </dgm:t>
+    </dgm:pt>
+    <dgm:pt modelId="{C93926CD-EF84-43BC-AE79-FB9A91D4605A}">
+      <dgm:prSet phldrT="[Text]" custT="1"/>
+      <dgm:spPr/>
+      <dgm:t>
+        <a:bodyPr/>
+        <a:lstStyle/>
+        <a:p>
+          <a:r>
+            <a:rPr lang="en-GB" sz="1400" b="0" dirty="0">
+              <a:latin typeface="Bahnschrift" panose="020B0502040204020203" pitchFamily="34" charset="0"/>
+            </a:rPr>
+            <a:t>1.3.1. IOTA Transaction API</a:t>
+          </a:r>
+        </a:p>
+      </dgm:t>
+    </dgm:pt>
+    <dgm:pt modelId="{35A623BC-04C6-432F-9454-BE7D069BFFD1}" type="parTrans" cxnId="{B9D54E46-87C8-4D37-90C5-84C6D0366D0B}">
+      <dgm:prSet/>
+      <dgm:spPr/>
+      <dgm:t>
+        <a:bodyPr/>
+        <a:lstStyle/>
+        <a:p>
+          <a:endParaRPr lang="en-US">
+            <a:latin typeface="Bahnschrift" panose="020B0502040204020203" pitchFamily="34" charset="0"/>
+          </a:endParaRPr>
+        </a:p>
+      </dgm:t>
+    </dgm:pt>
+    <dgm:pt modelId="{537401A0-EE9E-423D-94FF-DA93AEA79512}" type="sibTrans" cxnId="{B9D54E46-87C8-4D37-90C5-84C6D0366D0B}">
+      <dgm:prSet/>
+      <dgm:spPr/>
+      <dgm:t>
+        <a:bodyPr/>
+        <a:lstStyle/>
+        <a:p>
+          <a:endParaRPr lang="en-US">
+            <a:latin typeface="Bahnschrift" panose="020B0502040204020203" pitchFamily="34" charset="0"/>
+          </a:endParaRPr>
+        </a:p>
+      </dgm:t>
+    </dgm:pt>
+    <dgm:pt modelId="{4FE28377-F130-4C1F-B367-1BFE00A78105}">
+      <dgm:prSet phldrT="[Text]" custT="1"/>
+      <dgm:spPr/>
+      <dgm:t>
+        <a:bodyPr/>
+        <a:lstStyle/>
+        <a:p>
+          <a:r>
+            <a:rPr lang="en-GB" sz="1400" b="0" dirty="0">
+              <a:latin typeface="Bahnschrift" panose="020B0502040204020203" pitchFamily="34" charset="0"/>
+            </a:rPr>
+            <a:t>1.3.2. REST API</a:t>
+          </a:r>
+        </a:p>
+      </dgm:t>
+    </dgm:pt>
+    <dgm:pt modelId="{63B7AFDB-7044-4B63-A573-3D5DCA8B42DB}" type="parTrans" cxnId="{D536B2D7-5E94-4054-8ADA-8035CDB6DC61}">
+      <dgm:prSet/>
+      <dgm:spPr/>
+      <dgm:t>
+        <a:bodyPr/>
+        <a:lstStyle/>
+        <a:p>
+          <a:endParaRPr lang="en-US">
+            <a:latin typeface="Bahnschrift" panose="020B0502040204020203" pitchFamily="34" charset="0"/>
+          </a:endParaRPr>
+        </a:p>
+      </dgm:t>
+    </dgm:pt>
+    <dgm:pt modelId="{8FB1FFFB-1E54-4AB5-9F89-EB93E1C4F369}" type="sibTrans" cxnId="{D536B2D7-5E94-4054-8ADA-8035CDB6DC61}">
+      <dgm:prSet/>
+      <dgm:spPr/>
+      <dgm:t>
+        <a:bodyPr/>
+        <a:lstStyle/>
+        <a:p>
+          <a:endParaRPr lang="en-US">
+            <a:latin typeface="Bahnschrift" panose="020B0502040204020203" pitchFamily="34" charset="0"/>
+          </a:endParaRPr>
+        </a:p>
+      </dgm:t>
+    </dgm:pt>
+    <dgm:pt modelId="{BAA90226-6408-4535-B066-216FD0D91207}">
+      <dgm:prSet phldrT="[Text]" custT="1"/>
+      <dgm:spPr/>
+      <dgm:t>
+        <a:bodyPr/>
+        <a:lstStyle/>
+        <a:p>
+          <a:r>
+            <a:rPr lang="en-GB" sz="1400" b="0" dirty="0">
+              <a:latin typeface="Bahnschrift" panose="020B0502040204020203" pitchFamily="34" charset="0"/>
+            </a:rPr>
+            <a:t>1.3.3. Web Templating API</a:t>
+          </a:r>
+        </a:p>
+      </dgm:t>
+    </dgm:pt>
+    <dgm:pt modelId="{1FC0747B-FF67-4F46-BE79-F37153BA92BE}" type="parTrans" cxnId="{9FEA0C23-8718-4053-B8DA-924CDCDBAB6D}">
+      <dgm:prSet/>
+      <dgm:spPr/>
+      <dgm:t>
+        <a:bodyPr/>
+        <a:lstStyle/>
+        <a:p>
+          <a:endParaRPr lang="en-US">
+            <a:latin typeface="Bahnschrift" panose="020B0502040204020203" pitchFamily="34" charset="0"/>
+          </a:endParaRPr>
+        </a:p>
+      </dgm:t>
+    </dgm:pt>
+    <dgm:pt modelId="{13660A29-8218-4409-A449-81EFC6333EEA}" type="sibTrans" cxnId="{9FEA0C23-8718-4053-B8DA-924CDCDBAB6D}">
+      <dgm:prSet/>
+      <dgm:spPr/>
+      <dgm:t>
+        <a:bodyPr/>
+        <a:lstStyle/>
+        <a:p>
+          <a:endParaRPr lang="en-US">
+            <a:latin typeface="Bahnschrift" panose="020B0502040204020203" pitchFamily="34" charset="0"/>
+          </a:endParaRPr>
+        </a:p>
+      </dgm:t>
+    </dgm:pt>
+    <dgm:pt modelId="{55FF8F0C-F054-4A2B-AD80-6631FACD6DAA}">
+      <dgm:prSet phldrT="[Text]" custT="1"/>
+      <dgm:spPr/>
+      <dgm:t>
+        <a:bodyPr/>
+        <a:lstStyle/>
+        <a:p>
+          <a:r>
+            <a:rPr lang="de-DE" sz="1400" b="0" dirty="0">
+              <a:latin typeface="Bahnschrift" panose="020B0502040204020203" pitchFamily="34" charset="0"/>
+            </a:rPr>
+            <a:t>1.2.2. Power </a:t>
+          </a:r>
+          <a:r>
+            <a:rPr lang="de-DE" sz="1400" b="0" dirty="0" err="1">
+              <a:latin typeface="Bahnschrift" panose="020B0502040204020203" pitchFamily="34" charset="0"/>
+            </a:rPr>
+            <a:t>Requirements</a:t>
+          </a:r>
+          <a:endParaRPr lang="en-GB" sz="1400" b="0" dirty="0">
+            <a:latin typeface="Bahnschrift" panose="020B0502040204020203" pitchFamily="34" charset="0"/>
+          </a:endParaRPr>
+        </a:p>
+      </dgm:t>
+    </dgm:pt>
+    <dgm:pt modelId="{EBD0DC9D-B784-4A1C-B642-446C37E30130}" type="parTrans" cxnId="{7066020E-28A0-4616-996F-43ACFB0557CE}">
+      <dgm:prSet/>
+      <dgm:spPr/>
+      <dgm:t>
+        <a:bodyPr/>
+        <a:lstStyle/>
+        <a:p>
+          <a:endParaRPr lang="en-US">
+            <a:latin typeface="Bahnschrift" panose="020B0502040204020203" pitchFamily="34" charset="0"/>
+          </a:endParaRPr>
+        </a:p>
+      </dgm:t>
+    </dgm:pt>
+    <dgm:pt modelId="{E9DF80B5-9399-4A6C-9B7C-80AFC93FFF53}" type="sibTrans" cxnId="{7066020E-28A0-4616-996F-43ACFB0557CE}">
+      <dgm:prSet/>
+      <dgm:spPr/>
+      <dgm:t>
+        <a:bodyPr/>
+        <a:lstStyle/>
+        <a:p>
+          <a:endParaRPr lang="en-US">
+            <a:latin typeface="Bahnschrift" panose="020B0502040204020203" pitchFamily="34" charset="0"/>
+          </a:endParaRPr>
+        </a:p>
+      </dgm:t>
+    </dgm:pt>
+    <dgm:pt modelId="{04CCD3EE-493E-4C05-9A37-19CF45239F52}">
+      <dgm:prSet phldrT="[Text]" custT="1"/>
+      <dgm:spPr/>
+      <dgm:t>
+        <a:bodyPr/>
+        <a:lstStyle/>
+        <a:p>
+          <a:r>
+            <a:rPr lang="en-GB" sz="1400" b="0" dirty="0">
+              <a:latin typeface="Bahnschrift" panose="020B0502040204020203" pitchFamily="34" charset="0"/>
+            </a:rPr>
+            <a:t>1.2.3. Connectivity</a:t>
+          </a:r>
+        </a:p>
+      </dgm:t>
+    </dgm:pt>
+    <dgm:pt modelId="{450D607B-4BC6-493E-9DB2-DD4F27A85F47}" type="parTrans" cxnId="{356D61FE-F67B-4686-B422-6BDD468E65AD}">
+      <dgm:prSet/>
+      <dgm:spPr/>
+      <dgm:t>
+        <a:bodyPr/>
+        <a:lstStyle/>
+        <a:p>
+          <a:endParaRPr lang="en-US">
+            <a:latin typeface="Bahnschrift" panose="020B0502040204020203" pitchFamily="34" charset="0"/>
+          </a:endParaRPr>
+        </a:p>
+      </dgm:t>
+    </dgm:pt>
+    <dgm:pt modelId="{3454E659-95E9-4159-B5B4-57923A280259}" type="sibTrans" cxnId="{356D61FE-F67B-4686-B422-6BDD468E65AD}">
+      <dgm:prSet/>
+      <dgm:spPr/>
+      <dgm:t>
+        <a:bodyPr/>
+        <a:lstStyle/>
+        <a:p>
+          <a:endParaRPr lang="en-US">
+            <a:latin typeface="Bahnschrift" panose="020B0502040204020203" pitchFamily="34" charset="0"/>
+          </a:endParaRPr>
+        </a:p>
+      </dgm:t>
+    </dgm:pt>
+    <dgm:pt modelId="{90E28D94-2028-401E-9B70-135838FA9A71}">
+      <dgm:prSet phldrT="[Text]" custT="1"/>
+      <dgm:spPr/>
+      <dgm:t>
+        <a:bodyPr/>
+        <a:lstStyle/>
+        <a:p>
+          <a:r>
+            <a:rPr lang="en-GB" sz="1400" b="0" dirty="0">
+              <a:latin typeface="Bahnschrift" panose="020B0502040204020203" pitchFamily="34" charset="0"/>
+            </a:rPr>
+            <a:t>1.2.4. Sensors &amp; triggers</a:t>
+          </a:r>
+        </a:p>
+      </dgm:t>
+    </dgm:pt>
+    <dgm:pt modelId="{79C5855D-6E48-458B-80A3-553576E557EF}" type="parTrans" cxnId="{8E4CDFDE-1818-4804-888E-B5C61B985456}">
+      <dgm:prSet/>
+      <dgm:spPr/>
+      <dgm:t>
+        <a:bodyPr/>
+        <a:lstStyle/>
+        <a:p>
+          <a:endParaRPr lang="en-US">
+            <a:latin typeface="Bahnschrift" panose="020B0502040204020203" pitchFamily="34" charset="0"/>
+          </a:endParaRPr>
+        </a:p>
+      </dgm:t>
+    </dgm:pt>
+    <dgm:pt modelId="{337272DF-A03E-45A4-9AE3-01372C250278}" type="sibTrans" cxnId="{8E4CDFDE-1818-4804-888E-B5C61B985456}">
+      <dgm:prSet/>
+      <dgm:spPr/>
+      <dgm:t>
+        <a:bodyPr/>
+        <a:lstStyle/>
+        <a:p>
+          <a:endParaRPr lang="en-US">
+            <a:latin typeface="Bahnschrift" panose="020B0502040204020203" pitchFamily="34" charset="0"/>
+          </a:endParaRPr>
+        </a:p>
+      </dgm:t>
+    </dgm:pt>
+    <dgm:pt modelId="{CEFE4242-4CB5-4EEC-B120-36367BC2723B}">
+      <dgm:prSet phldrT="[Text]" custT="1"/>
+      <dgm:spPr/>
+      <dgm:t>
+        <a:bodyPr/>
+        <a:lstStyle/>
+        <a:p>
+          <a:r>
+            <a:rPr lang="en-GB" sz="1400" b="0" dirty="0">
+              <a:latin typeface="Bahnschrift" panose="020B0502040204020203" pitchFamily="34" charset="0"/>
+            </a:rPr>
+            <a:t>1.2.1. Firmware Requirements</a:t>
+          </a:r>
+        </a:p>
+      </dgm:t>
+    </dgm:pt>
+    <dgm:pt modelId="{C4B7508B-803F-4D8C-8354-C5480B25E2D8}" type="parTrans" cxnId="{662CFFB6-C565-4607-9A50-8E568D9C89EB}">
+      <dgm:prSet/>
+      <dgm:spPr/>
+      <dgm:t>
+        <a:bodyPr/>
+        <a:lstStyle/>
+        <a:p>
+          <a:endParaRPr lang="en-US">
+            <a:latin typeface="Bahnschrift" panose="020B0502040204020203" pitchFamily="34" charset="0"/>
+          </a:endParaRPr>
+        </a:p>
+      </dgm:t>
+    </dgm:pt>
+    <dgm:pt modelId="{488A2B93-C384-482A-A862-3C62E9CDE99B}" type="sibTrans" cxnId="{662CFFB6-C565-4607-9A50-8E568D9C89EB}">
+      <dgm:prSet/>
+      <dgm:spPr/>
+      <dgm:t>
+        <a:bodyPr/>
+        <a:lstStyle/>
+        <a:p>
+          <a:endParaRPr lang="en-US">
+            <a:latin typeface="Bahnschrift" panose="020B0502040204020203" pitchFamily="34" charset="0"/>
+          </a:endParaRPr>
+        </a:p>
+      </dgm:t>
+    </dgm:pt>
+    <dgm:pt modelId="{680FA358-D713-4A75-9248-86F5EB5D3CE9}">
+      <dgm:prSet phldrT="[Text]" custT="1"/>
+      <dgm:spPr/>
+      <dgm:t>
+        <a:bodyPr/>
+        <a:lstStyle/>
+        <a:p>
+          <a:r>
+            <a:rPr lang="en-GB" sz="1400" b="0" dirty="0">
+              <a:latin typeface="Bahnschrift" panose="020B0502040204020203" pitchFamily="34" charset="0"/>
+            </a:rPr>
+            <a:t>2.1.1. Database Infrastructure</a:t>
+          </a:r>
+        </a:p>
+      </dgm:t>
+    </dgm:pt>
+    <dgm:pt modelId="{9346D3B9-8546-4175-86E1-3C0F90B80997}" type="parTrans" cxnId="{05F7D0A0-EECC-4810-BECE-8DB23487FC37}">
+      <dgm:prSet/>
+      <dgm:spPr/>
+      <dgm:t>
+        <a:bodyPr/>
+        <a:lstStyle/>
+        <a:p>
+          <a:endParaRPr lang="en-US">
+            <a:latin typeface="Bahnschrift" panose="020B0502040204020203" pitchFamily="34" charset="0"/>
+          </a:endParaRPr>
+        </a:p>
+      </dgm:t>
+    </dgm:pt>
+    <dgm:pt modelId="{33C267D5-5378-4DEB-A17C-D080355680D6}" type="sibTrans" cxnId="{05F7D0A0-EECC-4810-BECE-8DB23487FC37}">
+      <dgm:prSet/>
+      <dgm:spPr/>
+      <dgm:t>
+        <a:bodyPr/>
+        <a:lstStyle/>
+        <a:p>
+          <a:endParaRPr lang="en-US">
+            <a:latin typeface="Bahnschrift" panose="020B0502040204020203" pitchFamily="34" charset="0"/>
+          </a:endParaRPr>
+        </a:p>
+      </dgm:t>
+    </dgm:pt>
+    <dgm:pt modelId="{EA4F7505-A562-4045-8761-9BFB15B597A3}">
+      <dgm:prSet phldrT="[Text]" custT="1"/>
+      <dgm:spPr/>
+      <dgm:t>
+        <a:bodyPr/>
+        <a:lstStyle/>
+        <a:p>
+          <a:r>
+            <a:rPr lang="en-GB" sz="1400" b="0" dirty="0">
+              <a:latin typeface="Bahnschrift" panose="020B0502040204020203" pitchFamily="34" charset="0"/>
+            </a:rPr>
+            <a:t>2.1.2. REST API</a:t>
+          </a:r>
+        </a:p>
+      </dgm:t>
+    </dgm:pt>
+    <dgm:pt modelId="{E3050CE3-146A-4E41-98C6-442F201B21B0}" type="parTrans" cxnId="{E703C473-7AAF-433E-87AF-28F81EFA3137}">
+      <dgm:prSet/>
+      <dgm:spPr/>
+      <dgm:t>
+        <a:bodyPr/>
+        <a:lstStyle/>
+        <a:p>
+          <a:endParaRPr lang="en-US">
+            <a:latin typeface="Bahnschrift" panose="020B0502040204020203" pitchFamily="34" charset="0"/>
+          </a:endParaRPr>
+        </a:p>
+      </dgm:t>
+    </dgm:pt>
+    <dgm:pt modelId="{F3AA675D-FC75-4DD1-B492-0AEFE27589F7}" type="sibTrans" cxnId="{E703C473-7AAF-433E-87AF-28F81EFA3137}">
+      <dgm:prSet/>
+      <dgm:spPr/>
+      <dgm:t>
+        <a:bodyPr/>
+        <a:lstStyle/>
+        <a:p>
+          <a:endParaRPr lang="en-US">
+            <a:latin typeface="Bahnschrift" panose="020B0502040204020203" pitchFamily="34" charset="0"/>
+          </a:endParaRPr>
+        </a:p>
+      </dgm:t>
+    </dgm:pt>
+    <dgm:pt modelId="{F3F8AFA8-9393-4DBE-81C9-2085524ADA85}">
+      <dgm:prSet phldrT="[Text]" custT="1"/>
+      <dgm:spPr/>
+      <dgm:t>
+        <a:bodyPr/>
+        <a:lstStyle/>
+        <a:p>
+          <a:r>
+            <a:rPr lang="de-DE" sz="1400" b="0" dirty="0">
+              <a:latin typeface="Bahnschrift" panose="020B0502040204020203" pitchFamily="34" charset="0"/>
+            </a:rPr>
+            <a:t>2.2.1. Web Interface </a:t>
+          </a:r>
+          <a:r>
+            <a:rPr lang="de-DE" sz="1400" b="0" dirty="0" err="1">
+              <a:latin typeface="Bahnschrift" panose="020B0502040204020203" pitchFamily="34" charset="0"/>
+            </a:rPr>
+            <a:t>for</a:t>
+          </a:r>
+          <a:r>
+            <a:rPr lang="de-DE" sz="1400" b="0" dirty="0">
+              <a:latin typeface="Bahnschrift" panose="020B0502040204020203" pitchFamily="34" charset="0"/>
+            </a:rPr>
+            <a:t> User</a:t>
+          </a:r>
+          <a:endParaRPr lang="en-GB" sz="1400" b="0" dirty="0">
+            <a:latin typeface="Bahnschrift" panose="020B0502040204020203" pitchFamily="34" charset="0"/>
+          </a:endParaRPr>
+        </a:p>
+      </dgm:t>
+    </dgm:pt>
+    <dgm:pt modelId="{93592A1B-EAE1-4288-981A-BAEC83993C17}" type="parTrans" cxnId="{3F0851B9-3088-4636-83C9-E6433893E1A6}">
+      <dgm:prSet/>
+      <dgm:spPr/>
+      <dgm:t>
+        <a:bodyPr/>
+        <a:lstStyle/>
+        <a:p>
+          <a:endParaRPr lang="en-US">
+            <a:latin typeface="Bahnschrift" panose="020B0502040204020203" pitchFamily="34" charset="0"/>
+          </a:endParaRPr>
+        </a:p>
+      </dgm:t>
+    </dgm:pt>
+    <dgm:pt modelId="{C12DBC60-AAA0-4C7C-8174-037D9E1C5EF5}" type="sibTrans" cxnId="{3F0851B9-3088-4636-83C9-E6433893E1A6}">
+      <dgm:prSet/>
+      <dgm:spPr/>
+      <dgm:t>
+        <a:bodyPr/>
+        <a:lstStyle/>
+        <a:p>
+          <a:endParaRPr lang="en-US">
+            <a:latin typeface="Bahnschrift" panose="020B0502040204020203" pitchFamily="34" charset="0"/>
+          </a:endParaRPr>
+        </a:p>
+      </dgm:t>
+    </dgm:pt>
+    <dgm:pt modelId="{9F1EE36E-49B0-4E79-AC44-4F79EE0C81F6}">
+      <dgm:prSet phldrT="[Text]"/>
+      <dgm:spPr/>
+      <dgm:t>
+        <a:bodyPr/>
+        <a:lstStyle/>
+        <a:p>
+          <a:r>
+            <a:rPr lang="de-DE" dirty="0">
+              <a:latin typeface="Bahnschrift" panose="020B0502040204020203" pitchFamily="34" charset="0"/>
+            </a:rPr>
+            <a:t>  3. Firmware &amp; Hardware Implementation</a:t>
+          </a:r>
+          <a:endParaRPr lang="en-GB" dirty="0">
+            <a:latin typeface="Bahnschrift" panose="020B0502040204020203" pitchFamily="34" charset="0"/>
+          </a:endParaRPr>
+        </a:p>
+      </dgm:t>
+    </dgm:pt>
+    <dgm:pt modelId="{53641790-0C2B-43F6-90BE-DAE96E73D651}" type="sibTrans" cxnId="{A0E3E6E1-7E2F-4F9B-BECE-4B1279CF10CC}">
+      <dgm:prSet/>
+      <dgm:spPr/>
+      <dgm:t>
+        <a:bodyPr/>
+        <a:lstStyle/>
+        <a:p>
+          <a:endParaRPr lang="en-GB">
+            <a:latin typeface="Bahnschrift" panose="020B0502040204020203" pitchFamily="34" charset="0"/>
+          </a:endParaRPr>
+        </a:p>
+      </dgm:t>
+    </dgm:pt>
+    <dgm:pt modelId="{8C9D5A71-16E4-45ED-8CDC-9959E11B9560}" type="parTrans" cxnId="{A0E3E6E1-7E2F-4F9B-BECE-4B1279CF10CC}">
+      <dgm:prSet/>
+      <dgm:spPr/>
+      <dgm:t>
+        <a:bodyPr/>
+        <a:lstStyle/>
+        <a:p>
+          <a:endParaRPr lang="en-GB">
+            <a:latin typeface="Bahnschrift" panose="020B0502040204020203" pitchFamily="34" charset="0"/>
+          </a:endParaRPr>
+        </a:p>
+      </dgm:t>
+    </dgm:pt>
+    <dgm:pt modelId="{38F2C55D-8C63-4C3F-A73C-FA2F83149A93}">
+      <dgm:prSet phldrT="[Text]" custT="1"/>
+      <dgm:spPr/>
+      <dgm:t>
+        <a:bodyPr/>
+        <a:lstStyle/>
+        <a:p>
+          <a:r>
+            <a:rPr lang="de-DE" sz="1400" b="0" dirty="0">
+              <a:latin typeface="Bahnschrift" panose="020B0502040204020203" pitchFamily="34" charset="0"/>
+            </a:rPr>
+            <a:t>2.2.2. Web Interface </a:t>
+          </a:r>
+          <a:r>
+            <a:rPr lang="de-DE" sz="1400" b="0" dirty="0" err="1">
+              <a:latin typeface="Bahnschrift" panose="020B0502040204020203" pitchFamily="34" charset="0"/>
+            </a:rPr>
+            <a:t>for</a:t>
+          </a:r>
+          <a:r>
+            <a:rPr lang="de-DE" sz="1400" b="0" dirty="0">
+              <a:latin typeface="Bahnschrift" panose="020B0502040204020203" pitchFamily="34" charset="0"/>
+            </a:rPr>
+            <a:t> Admin</a:t>
+          </a:r>
+          <a:endParaRPr lang="en-GB" sz="1400" b="0" dirty="0">
+            <a:latin typeface="Bahnschrift" panose="020B0502040204020203" pitchFamily="34" charset="0"/>
+          </a:endParaRPr>
+        </a:p>
+      </dgm:t>
+    </dgm:pt>
+    <dgm:pt modelId="{3B568424-5CE6-4B28-9439-49FA5B996205}" type="parTrans" cxnId="{2636DC51-5478-4594-9CEF-645506878D3E}">
+      <dgm:prSet/>
+      <dgm:spPr/>
+      <dgm:t>
+        <a:bodyPr/>
+        <a:lstStyle/>
+        <a:p>
+          <a:endParaRPr lang="en-US">
+            <a:latin typeface="Bahnschrift" panose="020B0502040204020203" pitchFamily="34" charset="0"/>
+          </a:endParaRPr>
+        </a:p>
+      </dgm:t>
+    </dgm:pt>
+    <dgm:pt modelId="{A84B0B55-F6F0-478D-A84F-BE5E80ED7476}" type="sibTrans" cxnId="{2636DC51-5478-4594-9CEF-645506878D3E}">
+      <dgm:prSet/>
+      <dgm:spPr/>
+      <dgm:t>
+        <a:bodyPr/>
+        <a:lstStyle/>
+        <a:p>
+          <a:endParaRPr lang="en-US">
+            <a:latin typeface="Bahnschrift" panose="020B0502040204020203" pitchFamily="34" charset="0"/>
+          </a:endParaRPr>
+        </a:p>
+      </dgm:t>
+    </dgm:pt>
+    <dgm:pt modelId="{94F084FD-4EC1-42B5-B7A1-5550FF7272E8}">
+      <dgm:prSet phldrT="[Text]" custT="1"/>
+      <dgm:spPr/>
+      <dgm:t>
+        <a:bodyPr/>
+        <a:lstStyle/>
+        <a:p>
+          <a:r>
+            <a:rPr lang="en-GB" sz="1400" b="0" i="0" dirty="0">
+              <a:latin typeface="Bahnschrift" panose="020B0502040204020203" pitchFamily="34" charset="0"/>
+            </a:rPr>
+            <a:t>1.1.3. System Requirements</a:t>
+          </a:r>
+        </a:p>
+      </dgm:t>
+    </dgm:pt>
+    <dgm:pt modelId="{04AD0B39-88EE-4C31-9910-05A477FC97A8}" type="parTrans" cxnId="{6E430822-57BF-40A4-AEC5-95F1BE291FDA}">
+      <dgm:prSet/>
+      <dgm:spPr/>
+      <dgm:t>
+        <a:bodyPr/>
+        <a:lstStyle/>
+        <a:p>
+          <a:endParaRPr lang="en-US">
+            <a:latin typeface="Bahnschrift" panose="020B0502040204020203" pitchFamily="34" charset="0"/>
+          </a:endParaRPr>
+        </a:p>
+      </dgm:t>
+    </dgm:pt>
+    <dgm:pt modelId="{F3C5FE23-F510-4537-8873-25A41BF8A397}" type="sibTrans" cxnId="{6E430822-57BF-40A4-AEC5-95F1BE291FDA}">
+      <dgm:prSet/>
+      <dgm:spPr/>
+      <dgm:t>
+        <a:bodyPr/>
+        <a:lstStyle/>
+        <a:p>
+          <a:endParaRPr lang="en-US">
+            <a:latin typeface="Bahnschrift" panose="020B0502040204020203" pitchFamily="34" charset="0"/>
+          </a:endParaRPr>
+        </a:p>
+      </dgm:t>
+    </dgm:pt>
+    <dgm:pt modelId="{C46262A8-B23F-497D-B480-2A991A614A1C}">
+      <dgm:prSet phldrT="[Text]" custT="1"/>
+      <dgm:spPr/>
+      <dgm:t>
+        <a:bodyPr/>
+        <a:lstStyle/>
+        <a:p>
+          <a:r>
+            <a:rPr lang="en-GB" sz="1400" b="0" dirty="0">
+              <a:latin typeface="Bahnschrift" panose="020B0502040204020203" pitchFamily="34" charset="0"/>
+            </a:rPr>
+            <a:t>1.3.4. Software Requirements</a:t>
+          </a:r>
+        </a:p>
+      </dgm:t>
+    </dgm:pt>
+    <dgm:pt modelId="{2AD04DC6-4573-4CC6-A8E9-486F29183D6B}" type="parTrans" cxnId="{26687568-657B-4A3E-AB59-0D45891A22C8}">
+      <dgm:prSet/>
+      <dgm:spPr/>
+      <dgm:t>
+        <a:bodyPr/>
+        <a:lstStyle/>
+        <a:p>
+          <a:endParaRPr lang="en-US">
+            <a:latin typeface="Bahnschrift" panose="020B0502040204020203" pitchFamily="34" charset="0"/>
+          </a:endParaRPr>
+        </a:p>
+      </dgm:t>
+    </dgm:pt>
+    <dgm:pt modelId="{4B2D0E96-F642-4061-9199-D9C37BD6CC1E}" type="sibTrans" cxnId="{26687568-657B-4A3E-AB59-0D45891A22C8}">
+      <dgm:prSet/>
+      <dgm:spPr/>
+      <dgm:t>
+        <a:bodyPr/>
+        <a:lstStyle/>
+        <a:p>
+          <a:endParaRPr lang="en-US">
+            <a:latin typeface="Bahnschrift" panose="020B0502040204020203" pitchFamily="34" charset="0"/>
+          </a:endParaRPr>
+        </a:p>
+      </dgm:t>
+    </dgm:pt>
+    <dgm:pt modelId="{4E960AED-7D05-4962-9737-D7DFF88E6C44}">
+      <dgm:prSet phldrT="[Text]" custT="1"/>
+      <dgm:spPr/>
+      <dgm:t>
+        <a:bodyPr/>
+        <a:lstStyle/>
+        <a:p>
+          <a:pPr algn="ctr"/>
+          <a:r>
+            <a:rPr lang="en-GB" sz="1600" dirty="0">
+              <a:latin typeface="Bahnschrift" panose="020B0502040204020203" pitchFamily="34" charset="0"/>
+            </a:rPr>
+            <a:t>3.4. Power System </a:t>
+          </a:r>
+        </a:p>
+      </dgm:t>
+    </dgm:pt>
+    <dgm:pt modelId="{DBF2B1DF-1C3C-47E3-8ADC-3A7FC114EC9D}" type="parTrans" cxnId="{8D7EC04B-DDD8-48E1-87DB-A127B60F46B1}">
+      <dgm:prSet/>
+      <dgm:spPr/>
+      <dgm:t>
+        <a:bodyPr/>
+        <a:lstStyle/>
+        <a:p>
+          <a:endParaRPr lang="en-US">
+            <a:latin typeface="Bahnschrift" panose="020B0502040204020203" pitchFamily="34" charset="0"/>
+          </a:endParaRPr>
+        </a:p>
+      </dgm:t>
+    </dgm:pt>
+    <dgm:pt modelId="{29A9359F-3437-4F73-82D2-8CAA9F9C8BA8}" type="sibTrans" cxnId="{8D7EC04B-DDD8-48E1-87DB-A127B60F46B1}">
+      <dgm:prSet/>
+      <dgm:spPr/>
+      <dgm:t>
+        <a:bodyPr/>
+        <a:lstStyle/>
+        <a:p>
+          <a:endParaRPr lang="en-US">
+            <a:latin typeface="Bahnschrift" panose="020B0502040204020203" pitchFamily="34" charset="0"/>
+          </a:endParaRPr>
+        </a:p>
+      </dgm:t>
+    </dgm:pt>
+    <dgm:pt modelId="{32390A3D-39C5-494C-A5BB-35467324D482}">
+      <dgm:prSet phldrT="[Text]"/>
+      <dgm:spPr/>
+      <dgm:t>
+        <a:bodyPr/>
+        <a:lstStyle/>
+        <a:p>
+          <a:r>
+            <a:rPr lang="en-GB" dirty="0">
+              <a:latin typeface="Bahnschrift" panose="020B0502040204020203" pitchFamily="34" charset="0"/>
+            </a:rPr>
+            <a:t>4. System Integration</a:t>
+          </a:r>
+        </a:p>
+      </dgm:t>
+    </dgm:pt>
+    <dgm:pt modelId="{B4149DAD-FBB9-4710-8C6D-BB770D6B91CC}" type="parTrans" cxnId="{73E6BBD6-BF17-4D80-8E5B-AE46A43FA205}">
+      <dgm:prSet/>
+      <dgm:spPr/>
+      <dgm:t>
+        <a:bodyPr/>
+        <a:lstStyle/>
+        <a:p>
+          <a:endParaRPr lang="en-US">
+            <a:latin typeface="Bahnschrift" panose="020B0502040204020203" pitchFamily="34" charset="0"/>
+          </a:endParaRPr>
+        </a:p>
+      </dgm:t>
+    </dgm:pt>
+    <dgm:pt modelId="{C9DC65D1-8FF3-4C66-BC4D-A7380443CAD7}" type="sibTrans" cxnId="{73E6BBD6-BF17-4D80-8E5B-AE46A43FA205}">
+      <dgm:prSet/>
+      <dgm:spPr/>
+      <dgm:t>
+        <a:bodyPr/>
+        <a:lstStyle/>
+        <a:p>
+          <a:endParaRPr lang="en-US">
+            <a:latin typeface="Bahnschrift" panose="020B0502040204020203" pitchFamily="34" charset="0"/>
+          </a:endParaRPr>
+        </a:p>
+      </dgm:t>
+    </dgm:pt>
+    <dgm:pt modelId="{39E59326-2239-4E9A-BDE5-20644B7628A1}">
+      <dgm:prSet phldrT="[Text]" custT="1"/>
+      <dgm:spPr/>
+      <dgm:t>
+        <a:bodyPr/>
+        <a:lstStyle/>
+        <a:p>
+          <a:r>
+            <a:rPr lang="en-GB" sz="1600" dirty="0">
+              <a:latin typeface="Bahnschrift" panose="020B0502040204020203" pitchFamily="34" charset="0"/>
+            </a:rPr>
+            <a:t>4.1. Hardware enclosure</a:t>
+          </a:r>
+        </a:p>
+      </dgm:t>
+    </dgm:pt>
+    <dgm:pt modelId="{28E10B9E-EF7A-4201-8C23-01EC072BE9D2}" type="parTrans" cxnId="{F0351DB5-B5B7-417C-9A7E-1A17C30CD976}">
+      <dgm:prSet/>
+      <dgm:spPr/>
+      <dgm:t>
+        <a:bodyPr/>
+        <a:lstStyle/>
+        <a:p>
+          <a:endParaRPr lang="en-US">
+            <a:latin typeface="Bahnschrift" panose="020B0502040204020203" pitchFamily="34" charset="0"/>
+          </a:endParaRPr>
+        </a:p>
+      </dgm:t>
+    </dgm:pt>
+    <dgm:pt modelId="{33A47B5C-A97C-4610-A679-BFC95B3BE413}" type="sibTrans" cxnId="{F0351DB5-B5B7-417C-9A7E-1A17C30CD976}">
+      <dgm:prSet/>
+      <dgm:spPr/>
+      <dgm:t>
+        <a:bodyPr/>
+        <a:lstStyle/>
+        <a:p>
+          <a:endParaRPr lang="en-US">
+            <a:latin typeface="Bahnschrift" panose="020B0502040204020203" pitchFamily="34" charset="0"/>
+          </a:endParaRPr>
+        </a:p>
+      </dgm:t>
+    </dgm:pt>
+    <dgm:pt modelId="{29D25691-DF59-464B-BF40-0AF0AE84EE11}">
+      <dgm:prSet phldrT="[Text]" custT="1"/>
+      <dgm:spPr/>
+      <dgm:t>
+        <a:bodyPr/>
+        <a:lstStyle/>
+        <a:p>
+          <a:r>
+            <a:rPr lang="en-GB" sz="1600" dirty="0">
+              <a:latin typeface="Bahnschrift" panose="020B0502040204020203" pitchFamily="34" charset="0"/>
+            </a:rPr>
+            <a:t>4.2. Implementation Testing</a:t>
+          </a:r>
+        </a:p>
+      </dgm:t>
+    </dgm:pt>
+    <dgm:pt modelId="{E136C44D-4208-438E-9968-A40FDBD8A1B2}" type="sibTrans" cxnId="{CDE25BBA-64E5-408E-8049-818B44519CED}">
+      <dgm:prSet/>
+      <dgm:spPr/>
+      <dgm:t>
+        <a:bodyPr/>
+        <a:lstStyle/>
+        <a:p>
+          <a:endParaRPr lang="en-US">
+            <a:latin typeface="Bahnschrift" panose="020B0502040204020203" pitchFamily="34" charset="0"/>
+          </a:endParaRPr>
+        </a:p>
+      </dgm:t>
+    </dgm:pt>
+    <dgm:pt modelId="{D19212DA-29A5-4CEC-B3EF-8F80BB89A34A}" type="parTrans" cxnId="{CDE25BBA-64E5-408E-8049-818B44519CED}">
+      <dgm:prSet/>
+      <dgm:spPr/>
+      <dgm:t>
+        <a:bodyPr/>
+        <a:lstStyle/>
+        <a:p>
+          <a:endParaRPr lang="en-US">
+            <a:latin typeface="Bahnschrift" panose="020B0502040204020203" pitchFamily="34" charset="0"/>
+          </a:endParaRPr>
+        </a:p>
+      </dgm:t>
+    </dgm:pt>
+    <dgm:pt modelId="{B8C4B427-62C8-457B-B91D-5553C9C3147F}">
+      <dgm:prSet phldrT="[Text]" custT="1"/>
+      <dgm:spPr/>
+      <dgm:t>
+        <a:bodyPr/>
+        <a:lstStyle/>
+        <a:p>
+          <a:pPr algn="l">
+            <a:buFont typeface="Arial" panose="020B0604020202020204" pitchFamily="34" charset="0"/>
+            <a:buChar char="•"/>
+          </a:pPr>
+          <a:r>
+            <a:rPr lang="de-DE" sz="1400" b="0" dirty="0">
+              <a:latin typeface="Bahnschrift" panose="020B0502040204020203" pitchFamily="34" charset="0"/>
+            </a:rPr>
+            <a:t>3.1.1. Internet, SMS &amp; Calls</a:t>
+          </a:r>
+          <a:endParaRPr lang="en-GB" sz="1400" b="0" dirty="0">
+            <a:latin typeface="Bahnschrift" panose="020B0502040204020203" pitchFamily="34" charset="0"/>
+          </a:endParaRPr>
+        </a:p>
+      </dgm:t>
+    </dgm:pt>
+    <dgm:pt modelId="{835C7361-1592-4D11-A517-463D9EAB8158}" type="parTrans" cxnId="{79E37FD3-27F1-4E44-BFBF-F84DC22D5071}">
+      <dgm:prSet/>
+      <dgm:spPr/>
+      <dgm:t>
+        <a:bodyPr/>
+        <a:lstStyle/>
+        <a:p>
+          <a:endParaRPr lang="en-US">
+            <a:latin typeface="Bahnschrift" panose="020B0502040204020203" pitchFamily="34" charset="0"/>
+          </a:endParaRPr>
+        </a:p>
+      </dgm:t>
+    </dgm:pt>
+    <dgm:pt modelId="{FB2CA5DD-8636-4821-BE62-6C4396E9A382}" type="sibTrans" cxnId="{79E37FD3-27F1-4E44-BFBF-F84DC22D5071}">
+      <dgm:prSet/>
+      <dgm:spPr/>
+      <dgm:t>
+        <a:bodyPr/>
+        <a:lstStyle/>
+        <a:p>
+          <a:endParaRPr lang="en-US">
+            <a:latin typeface="Bahnschrift" panose="020B0502040204020203" pitchFamily="34" charset="0"/>
+          </a:endParaRPr>
+        </a:p>
+      </dgm:t>
+    </dgm:pt>
+    <dgm:pt modelId="{1DD50209-CFC8-4EE9-8A45-5FC4068A78A7}">
+      <dgm:prSet phldrT="[Text]" custT="1"/>
+      <dgm:spPr/>
+      <dgm:t>
+        <a:bodyPr/>
+        <a:lstStyle/>
+        <a:p>
+          <a:pPr algn="l">
+            <a:buFont typeface="Arial" panose="020B0604020202020204" pitchFamily="34" charset="0"/>
+            <a:buChar char="•"/>
+          </a:pPr>
+          <a:r>
+            <a:rPr lang="de-DE" sz="1400" b="0" dirty="0">
+              <a:latin typeface="Bahnschrift" panose="020B0502040204020203" pitchFamily="34" charset="0"/>
+            </a:rPr>
+            <a:t>3.1.2. </a:t>
+          </a:r>
+          <a:r>
+            <a:rPr lang="de-DE" sz="1400" b="0" dirty="0" err="1">
+              <a:latin typeface="Bahnschrift" panose="020B0502040204020203" pitchFamily="34" charset="0"/>
+            </a:rPr>
+            <a:t>RESTful</a:t>
+          </a:r>
+          <a:r>
+            <a:rPr lang="de-DE" sz="1400" b="0" dirty="0">
+              <a:latin typeface="Bahnschrift" panose="020B0502040204020203" pitchFamily="34" charset="0"/>
+            </a:rPr>
+            <a:t> </a:t>
+          </a:r>
+          <a:r>
+            <a:rPr lang="de-DE" sz="1400" b="0" dirty="0" err="1">
+              <a:latin typeface="Bahnschrift" panose="020B0502040204020203" pitchFamily="34" charset="0"/>
+            </a:rPr>
+            <a:t>Requests</a:t>
+          </a:r>
+          <a:endParaRPr lang="en-GB" sz="1400" b="0" dirty="0">
+            <a:latin typeface="Bahnschrift" panose="020B0502040204020203" pitchFamily="34" charset="0"/>
+          </a:endParaRPr>
+        </a:p>
+      </dgm:t>
+    </dgm:pt>
+    <dgm:pt modelId="{12979586-0194-4CFE-835A-9DB10B2E7E35}" type="parTrans" cxnId="{D0B0D235-5CA4-4283-8722-808D58BACDBF}">
+      <dgm:prSet/>
+      <dgm:spPr/>
+      <dgm:t>
+        <a:bodyPr/>
+        <a:lstStyle/>
+        <a:p>
+          <a:endParaRPr lang="en-US">
+            <a:latin typeface="Bahnschrift" panose="020B0502040204020203" pitchFamily="34" charset="0"/>
+          </a:endParaRPr>
+        </a:p>
+      </dgm:t>
+    </dgm:pt>
+    <dgm:pt modelId="{9F21D73B-DA2D-43E2-97A6-CD8067255C08}" type="sibTrans" cxnId="{D0B0D235-5CA4-4283-8722-808D58BACDBF}">
+      <dgm:prSet/>
+      <dgm:spPr/>
+      <dgm:t>
+        <a:bodyPr/>
+        <a:lstStyle/>
+        <a:p>
+          <a:endParaRPr lang="en-US">
+            <a:latin typeface="Bahnschrift" panose="020B0502040204020203" pitchFamily="34" charset="0"/>
+          </a:endParaRPr>
+        </a:p>
+      </dgm:t>
+    </dgm:pt>
+    <dgm:pt modelId="{2FBE5173-727E-4F1C-9CC0-ED0B828D8717}">
+      <dgm:prSet phldrT="[Text]" custT="1"/>
+      <dgm:spPr/>
+      <dgm:t>
+        <a:bodyPr/>
+        <a:lstStyle/>
+        <a:p>
+          <a:pPr algn="ctr"/>
+          <a:r>
+            <a:rPr lang="en-GB" sz="1600" dirty="0">
+              <a:latin typeface="Bahnschrift" panose="020B0502040204020203" pitchFamily="34" charset="0"/>
+            </a:rPr>
+            <a:t>3.5. PCB Prototype</a:t>
+          </a:r>
+        </a:p>
+      </dgm:t>
+    </dgm:pt>
+    <dgm:pt modelId="{F670B762-F3E8-41C7-9D5A-DFACC86127E4}" type="parTrans" cxnId="{ED270CA0-6A9C-40D3-8C5E-D469E9904F42}">
+      <dgm:prSet/>
+      <dgm:spPr/>
+      <dgm:t>
+        <a:bodyPr/>
+        <a:lstStyle/>
+        <a:p>
+          <a:endParaRPr lang="en-US">
+            <a:latin typeface="Bahnschrift" panose="020B0502040204020203" pitchFamily="34" charset="0"/>
+          </a:endParaRPr>
+        </a:p>
+      </dgm:t>
+    </dgm:pt>
+    <dgm:pt modelId="{F3C8C561-187E-4BD9-B50C-145180554D36}" type="sibTrans" cxnId="{ED270CA0-6A9C-40D3-8C5E-D469E9904F42}">
+      <dgm:prSet/>
+      <dgm:spPr/>
+      <dgm:t>
+        <a:bodyPr/>
+        <a:lstStyle/>
+        <a:p>
+          <a:endParaRPr lang="en-US">
+            <a:latin typeface="Bahnschrift" panose="020B0502040204020203" pitchFamily="34" charset="0"/>
+          </a:endParaRPr>
+        </a:p>
+      </dgm:t>
+    </dgm:pt>
+    <dgm:pt modelId="{DD0F9D65-A13B-4EAA-BE5F-1E4865A8A901}">
+      <dgm:prSet phldrT="[Text]" custT="1"/>
+      <dgm:spPr/>
+      <dgm:t>
+        <a:bodyPr/>
+        <a:lstStyle/>
+        <a:p>
+          <a:pPr algn="l"/>
+          <a:r>
+            <a:rPr lang="de-DE" sz="1400" b="0" dirty="0">
+              <a:latin typeface="Bahnschrift" panose="020B0502040204020203" pitchFamily="34" charset="0"/>
+            </a:rPr>
+            <a:t>3.3.1. Sensor Integration</a:t>
+          </a:r>
+          <a:endParaRPr lang="en-GB" sz="1400" b="0" dirty="0">
+            <a:latin typeface="Bahnschrift" panose="020B0502040204020203" pitchFamily="34" charset="0"/>
+          </a:endParaRPr>
+        </a:p>
+      </dgm:t>
+    </dgm:pt>
+    <dgm:pt modelId="{D03B3389-C1CE-4475-980B-325D672DF582}" type="parTrans" cxnId="{B8282D93-EF03-4972-B2D1-EC1BE93942AE}">
+      <dgm:prSet/>
+      <dgm:spPr/>
+      <dgm:t>
+        <a:bodyPr/>
+        <a:lstStyle/>
+        <a:p>
+          <a:endParaRPr lang="en-US">
+            <a:latin typeface="Bahnschrift" panose="020B0502040204020203" pitchFamily="34" charset="0"/>
+          </a:endParaRPr>
+        </a:p>
+      </dgm:t>
+    </dgm:pt>
+    <dgm:pt modelId="{8204D6CE-9333-459B-B326-72F75663327C}" type="sibTrans" cxnId="{B8282D93-EF03-4972-B2D1-EC1BE93942AE}">
+      <dgm:prSet/>
+      <dgm:spPr/>
+      <dgm:t>
+        <a:bodyPr/>
+        <a:lstStyle/>
+        <a:p>
+          <a:endParaRPr lang="en-US">
+            <a:latin typeface="Bahnschrift" panose="020B0502040204020203" pitchFamily="34" charset="0"/>
+          </a:endParaRPr>
+        </a:p>
+      </dgm:t>
+    </dgm:pt>
+    <dgm:pt modelId="{9D4C65DC-F093-4A82-9952-49D4FC72AC26}">
+      <dgm:prSet phldrT="[Text]" custT="1"/>
+      <dgm:spPr/>
+      <dgm:t>
+        <a:bodyPr/>
+        <a:lstStyle/>
+        <a:p>
+          <a:pPr algn="l"/>
+          <a:r>
+            <a:rPr lang="de-DE" sz="1400" b="0" dirty="0">
+              <a:latin typeface="Bahnschrift" panose="020B0502040204020203" pitchFamily="34" charset="0"/>
+            </a:rPr>
+            <a:t>3.3.2. Human </a:t>
+          </a:r>
+          <a:r>
+            <a:rPr lang="de-DE" sz="1400" b="0" dirty="0" err="1">
+              <a:latin typeface="Bahnschrift" panose="020B0502040204020203" pitchFamily="34" charset="0"/>
+            </a:rPr>
+            <a:t>Machine</a:t>
+          </a:r>
+          <a:r>
+            <a:rPr lang="de-DE" sz="1400" b="0" dirty="0">
+              <a:latin typeface="Bahnschrift" panose="020B0502040204020203" pitchFamily="34" charset="0"/>
+            </a:rPr>
+            <a:t> Interface</a:t>
+          </a:r>
+          <a:endParaRPr lang="en-GB" sz="1400" b="0" dirty="0">
+            <a:latin typeface="Bahnschrift" panose="020B0502040204020203" pitchFamily="34" charset="0"/>
+          </a:endParaRPr>
+        </a:p>
+      </dgm:t>
+    </dgm:pt>
+    <dgm:pt modelId="{B7F9441B-CC42-423E-9432-932D07D85F65}" type="parTrans" cxnId="{0398CA5B-DF8F-4197-9FAE-B64FDC4BBDF4}">
+      <dgm:prSet/>
+      <dgm:spPr/>
+      <dgm:t>
+        <a:bodyPr/>
+        <a:lstStyle/>
+        <a:p>
+          <a:endParaRPr lang="en-US">
+            <a:latin typeface="Bahnschrift" panose="020B0502040204020203" pitchFamily="34" charset="0"/>
+          </a:endParaRPr>
+        </a:p>
+      </dgm:t>
+    </dgm:pt>
+    <dgm:pt modelId="{A9BE0A94-81B1-4233-82CE-0BC1D072FB24}" type="sibTrans" cxnId="{0398CA5B-DF8F-4197-9FAE-B64FDC4BBDF4}">
+      <dgm:prSet/>
+      <dgm:spPr/>
+      <dgm:t>
+        <a:bodyPr/>
+        <a:lstStyle/>
+        <a:p>
+          <a:endParaRPr lang="en-US">
+            <a:latin typeface="Bahnschrift" panose="020B0502040204020203" pitchFamily="34" charset="0"/>
+          </a:endParaRPr>
+        </a:p>
+      </dgm:t>
+    </dgm:pt>
+    <dgm:pt modelId="{831EB92D-585E-47C1-A549-81AC7400B88C}" type="pres">
+      <dgm:prSet presAssocID="{C2CFBD6C-BD1D-4FD4-A0E1-C6BBDF23D2BC}" presName="diagram" presStyleCnt="0">
+        <dgm:presLayoutVars>
+          <dgm:chPref val="1"/>
+          <dgm:dir/>
+          <dgm:animOne val="branch"/>
+          <dgm:animLvl val="lvl"/>
+          <dgm:resizeHandles/>
+        </dgm:presLayoutVars>
+      </dgm:prSet>
+      <dgm:spPr/>
+    </dgm:pt>
+    <dgm:pt modelId="{6476920F-139E-41C5-BA29-A1D28E4678A5}" type="pres">
+      <dgm:prSet presAssocID="{EBE674F3-EF5D-4C9E-9733-29B63F215C2E}" presName="root" presStyleCnt="0"/>
+      <dgm:spPr/>
+    </dgm:pt>
+    <dgm:pt modelId="{F6F00908-47CD-4AF3-997F-F1B6F1CF8D44}" type="pres">
+      <dgm:prSet presAssocID="{EBE674F3-EF5D-4C9E-9733-29B63F215C2E}" presName="rootComposite" presStyleCnt="0"/>
+      <dgm:spPr/>
+    </dgm:pt>
+    <dgm:pt modelId="{A40FEF02-395E-4744-9745-E2E77C3C14FF}" type="pres">
+      <dgm:prSet presAssocID="{EBE674F3-EF5D-4C9E-9733-29B63F215C2E}" presName="rootText" presStyleLbl="node1" presStyleIdx="0" presStyleCnt="5" custLinFactNeighborX="188"/>
+      <dgm:spPr/>
+    </dgm:pt>
+    <dgm:pt modelId="{0D1B522D-4B0B-499D-BE2B-AC68FC568C91}" type="pres">
+      <dgm:prSet presAssocID="{EBE674F3-EF5D-4C9E-9733-29B63F215C2E}" presName="rootConnector" presStyleLbl="node1" presStyleIdx="0" presStyleCnt="5"/>
+      <dgm:spPr/>
+    </dgm:pt>
+    <dgm:pt modelId="{7CC447CF-BFE0-4251-BD7A-A82DD7365B7D}" type="pres">
+      <dgm:prSet presAssocID="{EBE674F3-EF5D-4C9E-9733-29B63F215C2E}" presName="childShape" presStyleCnt="0"/>
+      <dgm:spPr/>
+    </dgm:pt>
+    <dgm:pt modelId="{1180EE6A-87BD-4568-8D30-48B97CA1A37A}" type="pres">
+      <dgm:prSet presAssocID="{E9910EA0-5F68-45F7-989B-9D2C0EFB8038}" presName="Name13" presStyleLbl="parChTrans1D2" presStyleIdx="0" presStyleCnt="15"/>
+      <dgm:spPr/>
+    </dgm:pt>
+    <dgm:pt modelId="{35A2B373-EAD0-4F8B-9E50-1FB6BCB4F85E}" type="pres">
+      <dgm:prSet presAssocID="{92674A7D-9F8E-433E-B6FE-973D15789FBA}" presName="childText" presStyleLbl="bgAcc1" presStyleIdx="0" presStyleCnt="15" custScaleX="170238" custScaleY="122840" custLinFactNeighborX="359">
+        <dgm:presLayoutVars>
+          <dgm:bulletEnabled val="1"/>
+        </dgm:presLayoutVars>
+      </dgm:prSet>
+      <dgm:spPr/>
+    </dgm:pt>
+    <dgm:pt modelId="{E6191948-143B-4638-8EDD-3551C56CB93D}" type="pres">
+      <dgm:prSet presAssocID="{F8F4AFA3-61FE-4057-AC11-99D78D1F028C}" presName="Name13" presStyleLbl="parChTrans1D2" presStyleIdx="1" presStyleCnt="15"/>
+      <dgm:spPr/>
+    </dgm:pt>
+    <dgm:pt modelId="{CB7106B6-6B02-464D-A386-0A254DCED692}" type="pres">
+      <dgm:prSet presAssocID="{A732BCF8-A0BD-4330-B034-B4D91C828F0C}" presName="childText" presStyleLbl="bgAcc1" presStyleIdx="1" presStyleCnt="15" custScaleX="182249" custScaleY="168905" custLinFactNeighborX="359" custLinFactNeighborY="92">
+        <dgm:presLayoutVars>
+          <dgm:bulletEnabled val="1"/>
+        </dgm:presLayoutVars>
+      </dgm:prSet>
+      <dgm:spPr/>
+    </dgm:pt>
+    <dgm:pt modelId="{4D558C54-4903-4612-8A32-9AF61DD53EA6}" type="pres">
+      <dgm:prSet presAssocID="{AF4CBFFF-2723-4E5D-8EF1-2835927CD919}" presName="Name13" presStyleLbl="parChTrans1D2" presStyleIdx="2" presStyleCnt="15"/>
+      <dgm:spPr/>
+    </dgm:pt>
+    <dgm:pt modelId="{2CB48297-D998-4E5B-9309-769FDBE68E6C}" type="pres">
+      <dgm:prSet presAssocID="{BF850D6A-AF47-4C04-B1D6-207A4C04BA54}" presName="childText" presStyleLbl="bgAcc1" presStyleIdx="2" presStyleCnt="15" custScaleX="184084" custScaleY="149904" custLinFactNeighborX="-298" custLinFactNeighborY="3103">
+        <dgm:presLayoutVars>
+          <dgm:bulletEnabled val="1"/>
+        </dgm:presLayoutVars>
+      </dgm:prSet>
+      <dgm:spPr/>
+    </dgm:pt>
+    <dgm:pt modelId="{8E6E91CB-443F-458C-85F4-2AFD1FEFE872}" type="pres">
+      <dgm:prSet presAssocID="{DDF155B8-500B-429B-BE18-49C5742DF794}" presName="root" presStyleCnt="0"/>
+      <dgm:spPr/>
+    </dgm:pt>
+    <dgm:pt modelId="{EE531D07-8673-454F-A21E-5C8CF458F700}" type="pres">
+      <dgm:prSet presAssocID="{DDF155B8-500B-429B-BE18-49C5742DF794}" presName="rootComposite" presStyleCnt="0"/>
+      <dgm:spPr/>
+    </dgm:pt>
+    <dgm:pt modelId="{AF2852D5-A87F-44EB-9EB5-C202A1813A37}" type="pres">
+      <dgm:prSet presAssocID="{DDF155B8-500B-429B-BE18-49C5742DF794}" presName="rootText" presStyleLbl="node1" presStyleIdx="1" presStyleCnt="5" custScaleX="106527" custLinFactNeighborX="-4557"/>
+      <dgm:spPr/>
+    </dgm:pt>
+    <dgm:pt modelId="{6CBE146E-717B-4928-B54B-74FD6605A415}" type="pres">
+      <dgm:prSet presAssocID="{DDF155B8-500B-429B-BE18-49C5742DF794}" presName="rootConnector" presStyleLbl="node1" presStyleIdx="1" presStyleCnt="5"/>
+      <dgm:spPr/>
+    </dgm:pt>
+    <dgm:pt modelId="{40E48E13-CAAD-4456-BF2C-B80D7F2C23F4}" type="pres">
+      <dgm:prSet presAssocID="{DDF155B8-500B-429B-BE18-49C5742DF794}" presName="childShape" presStyleCnt="0"/>
+      <dgm:spPr/>
+    </dgm:pt>
+    <dgm:pt modelId="{A305FF97-D897-4695-93A2-E4B4F102682F}" type="pres">
+      <dgm:prSet presAssocID="{EF27CD16-1A2D-4C47-82FD-5DA7C57F2113}" presName="Name13" presStyleLbl="parChTrans1D2" presStyleIdx="3" presStyleCnt="15"/>
+      <dgm:spPr/>
+    </dgm:pt>
+    <dgm:pt modelId="{918FDC91-912C-4837-A4A7-69E90C5EB43D}" type="pres">
+      <dgm:prSet presAssocID="{AB863383-3D2F-43D4-881E-0D9EECF48F2C}" presName="childText" presStyleLbl="bgAcc1" presStyleIdx="3" presStyleCnt="15" custScaleX="127515" custScaleY="140686" custLinFactNeighborX="-5696">
+        <dgm:presLayoutVars>
+          <dgm:bulletEnabled val="1"/>
+        </dgm:presLayoutVars>
+      </dgm:prSet>
+      <dgm:spPr/>
+    </dgm:pt>
+    <dgm:pt modelId="{E749E475-4622-403A-BDB3-2DD964D19431}" type="pres">
+      <dgm:prSet presAssocID="{038736BC-36A2-4AA3-8419-22F1D2B18337}" presName="Name13" presStyleLbl="parChTrans1D2" presStyleIdx="4" presStyleCnt="15"/>
+      <dgm:spPr/>
+    </dgm:pt>
+    <dgm:pt modelId="{F29EE145-CCB0-4525-9F69-64EB324BB804}" type="pres">
+      <dgm:prSet presAssocID="{48A72737-3A16-4041-8219-F9A49C97DD44}" presName="childText" presStyleLbl="bgAcc1" presStyleIdx="4" presStyleCnt="15" custScaleX="131004" custScaleY="167717" custLinFactNeighborX="-5696" custLinFactNeighborY="1430">
+        <dgm:presLayoutVars>
+          <dgm:bulletEnabled val="1"/>
+        </dgm:presLayoutVars>
+      </dgm:prSet>
+      <dgm:spPr/>
+    </dgm:pt>
+    <dgm:pt modelId="{4F2AD43F-12FF-4BB2-9723-399DEB69A0A2}" type="pres">
+      <dgm:prSet presAssocID="{9F1EE36E-49B0-4E79-AC44-4F79EE0C81F6}" presName="root" presStyleCnt="0"/>
+      <dgm:spPr/>
+    </dgm:pt>
+    <dgm:pt modelId="{F2ACE749-11F0-4F13-838C-5FAD216BC9B4}" type="pres">
+      <dgm:prSet presAssocID="{9F1EE36E-49B0-4E79-AC44-4F79EE0C81F6}" presName="rootComposite" presStyleCnt="0"/>
+      <dgm:spPr/>
+    </dgm:pt>
+    <dgm:pt modelId="{D92F19D7-98B2-408B-9068-5F7C04E2F8CB}" type="pres">
+      <dgm:prSet presAssocID="{9F1EE36E-49B0-4E79-AC44-4F79EE0C81F6}" presName="rootText" presStyleLbl="node1" presStyleIdx="2" presStyleCnt="5" custLinFactNeighborX="-6689"/>
+      <dgm:spPr/>
+    </dgm:pt>
+    <dgm:pt modelId="{9D4E88E9-B324-4240-8F37-35755E4A70B5}" type="pres">
+      <dgm:prSet presAssocID="{9F1EE36E-49B0-4E79-AC44-4F79EE0C81F6}" presName="rootConnector" presStyleLbl="node1" presStyleIdx="2" presStyleCnt="5"/>
+      <dgm:spPr/>
+    </dgm:pt>
+    <dgm:pt modelId="{92F77310-59E2-472A-8743-7F0A479A7D97}" type="pres">
+      <dgm:prSet presAssocID="{9F1EE36E-49B0-4E79-AC44-4F79EE0C81F6}" presName="childShape" presStyleCnt="0"/>
+      <dgm:spPr/>
+    </dgm:pt>
+    <dgm:pt modelId="{F9DAA985-9620-4FE4-AD66-266F47B6FA22}" type="pres">
+      <dgm:prSet presAssocID="{9723E8BE-5F84-4DAA-84D9-67CC99319917}" presName="Name13" presStyleLbl="parChTrans1D2" presStyleIdx="5" presStyleCnt="15"/>
+      <dgm:spPr/>
+    </dgm:pt>
+    <dgm:pt modelId="{BAD9A852-521D-4339-98DF-B68E15E054BE}" type="pres">
+      <dgm:prSet presAssocID="{E063FF8F-A196-4FCF-9985-BBE8D75AB464}" presName="childText" presStyleLbl="bgAcc1" presStyleIdx="5" presStyleCnt="15" custScaleX="159210" custScaleY="128570" custLinFactNeighborX="-7280" custLinFactNeighborY="-368">
+        <dgm:presLayoutVars>
+          <dgm:bulletEnabled val="1"/>
+        </dgm:presLayoutVars>
+      </dgm:prSet>
+      <dgm:spPr/>
+    </dgm:pt>
+    <dgm:pt modelId="{9C3BE4CA-6CDD-439C-9B73-5E226A1B0B48}" type="pres">
+      <dgm:prSet presAssocID="{88C8038B-5DC7-4B38-8BEB-72722BEC3210}" presName="Name13" presStyleLbl="parChTrans1D2" presStyleIdx="6" presStyleCnt="15"/>
+      <dgm:spPr/>
+    </dgm:pt>
+    <dgm:pt modelId="{D283C5B1-0228-4521-BE43-83235501D744}" type="pres">
+      <dgm:prSet presAssocID="{5093DA0F-469B-4023-AB57-CF42A298866A}" presName="childText" presStyleLbl="bgAcc1" presStyleIdx="6" presStyleCnt="15" custScaleX="158029" custScaleY="125596" custLinFactNeighborX="-6477" custLinFactNeighborY="-8052">
+        <dgm:presLayoutVars>
+          <dgm:bulletEnabled val="1"/>
+        </dgm:presLayoutVars>
+      </dgm:prSet>
+      <dgm:spPr/>
+    </dgm:pt>
+    <dgm:pt modelId="{80594A75-FEF2-403E-BDA0-9CB9CF438F58}" type="pres">
+      <dgm:prSet presAssocID="{DBF2B1DF-1C3C-47E3-8ADC-3A7FC114EC9D}" presName="Name13" presStyleLbl="parChTrans1D2" presStyleIdx="7" presStyleCnt="15"/>
+      <dgm:spPr/>
+    </dgm:pt>
+    <dgm:pt modelId="{BEA0F57C-630C-449D-9DFC-88AF2A7746EC}" type="pres">
+      <dgm:prSet presAssocID="{4E960AED-7D05-4962-9737-D7DFF88E6C44}" presName="childText" presStyleLbl="bgAcc1" presStyleIdx="7" presStyleCnt="15" custScaleX="152640" custScaleY="73052" custLinFactNeighborX="-5885" custLinFactNeighborY="-10207">
+        <dgm:presLayoutVars>
+          <dgm:bulletEnabled val="1"/>
+        </dgm:presLayoutVars>
+      </dgm:prSet>
+      <dgm:spPr/>
+    </dgm:pt>
+    <dgm:pt modelId="{3B303A3E-75AC-4DC3-8E89-97188008AE8B}" type="pres">
+      <dgm:prSet presAssocID="{F670B762-F3E8-41C7-9D5A-DFACC86127E4}" presName="Name13" presStyleLbl="parChTrans1D2" presStyleIdx="8" presStyleCnt="15"/>
+      <dgm:spPr/>
+    </dgm:pt>
+    <dgm:pt modelId="{62E0A4E6-D326-452B-8845-93A178728308}" type="pres">
+      <dgm:prSet presAssocID="{2FBE5173-727E-4F1C-9CC0-ED0B828D8717}" presName="childText" presStyleLbl="bgAcc1" presStyleIdx="8" presStyleCnt="15" custScaleX="151540" custScaleY="74703" custLinFactNeighborX="-4359" custLinFactNeighborY="-13919">
+        <dgm:presLayoutVars>
+          <dgm:bulletEnabled val="1"/>
+        </dgm:presLayoutVars>
+      </dgm:prSet>
+      <dgm:spPr/>
+    </dgm:pt>
+    <dgm:pt modelId="{8B73E635-08CC-4DBF-A2B4-8284A5FDC4E2}" type="pres">
+      <dgm:prSet presAssocID="{32390A3D-39C5-494C-A5BB-35467324D482}" presName="root" presStyleCnt="0"/>
+      <dgm:spPr/>
+    </dgm:pt>
+    <dgm:pt modelId="{768B67BC-0FD0-48FC-A920-135F587A9504}" type="pres">
+      <dgm:prSet presAssocID="{32390A3D-39C5-494C-A5BB-35467324D482}" presName="rootComposite" presStyleCnt="0"/>
+      <dgm:spPr/>
+    </dgm:pt>
+    <dgm:pt modelId="{6237F84E-D336-4BC4-9292-DFE64E3A2CBF}" type="pres">
+      <dgm:prSet presAssocID="{32390A3D-39C5-494C-A5BB-35467324D482}" presName="rootText" presStyleLbl="node1" presStyleIdx="3" presStyleCnt="5" custLinFactNeighborX="-401"/>
+      <dgm:spPr/>
+    </dgm:pt>
+    <dgm:pt modelId="{E1BC08EE-9C07-4329-B870-B67D8BD118A1}" type="pres">
+      <dgm:prSet presAssocID="{32390A3D-39C5-494C-A5BB-35467324D482}" presName="rootConnector" presStyleLbl="node1" presStyleIdx="3" presStyleCnt="5"/>
+      <dgm:spPr/>
+    </dgm:pt>
+    <dgm:pt modelId="{5160BDE6-1DD2-4ADF-ABB4-8CB0B5D98CC4}" type="pres">
+      <dgm:prSet presAssocID="{32390A3D-39C5-494C-A5BB-35467324D482}" presName="childShape" presStyleCnt="0"/>
+      <dgm:spPr/>
+    </dgm:pt>
+    <dgm:pt modelId="{8C97F9A6-AB46-4405-ABCF-D34BEF3763F4}" type="pres">
+      <dgm:prSet presAssocID="{28E10B9E-EF7A-4201-8C23-01EC072BE9D2}" presName="Name13" presStyleLbl="parChTrans1D2" presStyleIdx="9" presStyleCnt="15"/>
+      <dgm:spPr/>
+    </dgm:pt>
+    <dgm:pt modelId="{E0B17A26-9BE2-4775-992D-927A60430784}" type="pres">
+      <dgm:prSet presAssocID="{39E59326-2239-4E9A-BDE5-20644B7628A1}" presName="childText" presStyleLbl="bgAcc1" presStyleIdx="9" presStyleCnt="15" custScaleX="113766" custLinFactNeighborX="4096">
+        <dgm:presLayoutVars>
+          <dgm:bulletEnabled val="1"/>
+        </dgm:presLayoutVars>
+      </dgm:prSet>
+      <dgm:spPr/>
+    </dgm:pt>
+    <dgm:pt modelId="{66E5747D-4768-4FC6-9131-00ECD310A84D}" type="pres">
+      <dgm:prSet presAssocID="{D19212DA-29A5-4CEC-B3EF-8F80BB89A34A}" presName="Name13" presStyleLbl="parChTrans1D2" presStyleIdx="10" presStyleCnt="15"/>
+      <dgm:spPr/>
+    </dgm:pt>
+    <dgm:pt modelId="{78F08B80-B887-417B-A556-AA10E35B3710}" type="pres">
+      <dgm:prSet presAssocID="{29D25691-DF59-464B-BF40-0AF0AE84EE11}" presName="childText" presStyleLbl="bgAcc1" presStyleIdx="10" presStyleCnt="15" custScaleX="113213" custLinFactNeighborX="4096">
+        <dgm:presLayoutVars>
+          <dgm:bulletEnabled val="1"/>
+        </dgm:presLayoutVars>
+      </dgm:prSet>
+      <dgm:spPr/>
+    </dgm:pt>
+    <dgm:pt modelId="{A8B1290B-5527-4692-85B3-66594CEBC24F}" type="pres">
+      <dgm:prSet presAssocID="{C4311C9C-8725-4012-9711-CAE4EB684441}" presName="root" presStyleCnt="0"/>
+      <dgm:spPr/>
+    </dgm:pt>
+    <dgm:pt modelId="{01656E7F-30DE-460E-B9ED-EE4793CCC5A0}" type="pres">
+      <dgm:prSet presAssocID="{C4311C9C-8725-4012-9711-CAE4EB684441}" presName="rootComposite" presStyleCnt="0"/>
+      <dgm:spPr/>
+    </dgm:pt>
+    <dgm:pt modelId="{37A69157-3315-4E98-907A-0A55586D5754}" type="pres">
+      <dgm:prSet presAssocID="{C4311C9C-8725-4012-9711-CAE4EB684441}" presName="rootText" presStyleLbl="node1" presStyleIdx="4" presStyleCnt="5" custLinFactNeighborX="-1357" custLinFactNeighborY="-115"/>
+      <dgm:spPr/>
+    </dgm:pt>
+    <dgm:pt modelId="{192590B0-12CB-4C0C-ABA2-275E263C7958}" type="pres">
+      <dgm:prSet presAssocID="{C4311C9C-8725-4012-9711-CAE4EB684441}" presName="rootConnector" presStyleLbl="node1" presStyleIdx="4" presStyleCnt="5"/>
+      <dgm:spPr/>
+    </dgm:pt>
+    <dgm:pt modelId="{2830F6B1-F4AF-4A6C-AEE0-BD6A26CE5028}" type="pres">
+      <dgm:prSet presAssocID="{C4311C9C-8725-4012-9711-CAE4EB684441}" presName="childShape" presStyleCnt="0"/>
+      <dgm:spPr/>
+    </dgm:pt>
+    <dgm:pt modelId="{BABD9D92-0B1C-46E4-8141-AD5E2C745A46}" type="pres">
+      <dgm:prSet presAssocID="{0CD4170C-8227-40B5-A721-FD109592398A}" presName="Name13" presStyleLbl="parChTrans1D2" presStyleIdx="11" presStyleCnt="15"/>
+      <dgm:spPr/>
+    </dgm:pt>
+    <dgm:pt modelId="{06E1A880-F68A-4DAD-8737-48DD0FEDAC6E}" type="pres">
+      <dgm:prSet presAssocID="{C84CC41A-54BC-4433-8404-0D37DCD89B5D}" presName="childText" presStyleLbl="bgAcc1" presStyleIdx="11" presStyleCnt="15" custScaleX="107150" custLinFactNeighborX="6531">
+        <dgm:presLayoutVars>
+          <dgm:bulletEnabled val="1"/>
+        </dgm:presLayoutVars>
+      </dgm:prSet>
+      <dgm:spPr/>
+    </dgm:pt>
+    <dgm:pt modelId="{A8FBDA45-2646-4869-BF99-DAF5C9E518FA}" type="pres">
+      <dgm:prSet presAssocID="{8FC19F3C-5EBD-4243-ABFD-75CA9DAFB4F1}" presName="Name13" presStyleLbl="parChTrans1D2" presStyleIdx="12" presStyleCnt="15"/>
+      <dgm:spPr/>
+    </dgm:pt>
+    <dgm:pt modelId="{C69C59A0-919E-43CC-9B6F-8F63925828D9}" type="pres">
+      <dgm:prSet presAssocID="{39D3B79D-C6ED-4305-801C-D85AB722F1C9}" presName="childText" presStyleLbl="bgAcc1" presStyleIdx="12" presStyleCnt="15" custScaleX="107150" custLinFactNeighborX="6531">
+        <dgm:presLayoutVars>
+          <dgm:bulletEnabled val="1"/>
+        </dgm:presLayoutVars>
+      </dgm:prSet>
+      <dgm:spPr/>
+    </dgm:pt>
+    <dgm:pt modelId="{76521B39-BB87-4537-9C0B-12EB37FE6FC1}" type="pres">
+      <dgm:prSet presAssocID="{FC212411-A452-4BA7-833F-B76D792B1EE7}" presName="Name13" presStyleLbl="parChTrans1D2" presStyleIdx="13" presStyleCnt="15"/>
+      <dgm:spPr/>
+    </dgm:pt>
+    <dgm:pt modelId="{0FF619DA-7F8E-4155-B7A5-409B3785DCD1}" type="pres">
+      <dgm:prSet presAssocID="{0C5C39FB-B191-44ED-9CEC-E287F7C0127D}" presName="childText" presStyleLbl="bgAcc1" presStyleIdx="13" presStyleCnt="15" custScaleX="107150" custLinFactNeighborX="6531">
+        <dgm:presLayoutVars>
+          <dgm:bulletEnabled val="1"/>
+        </dgm:presLayoutVars>
+      </dgm:prSet>
+      <dgm:spPr/>
+    </dgm:pt>
+    <dgm:pt modelId="{7E087423-1666-438F-B197-9EBAAFE332AA}" type="pres">
+      <dgm:prSet presAssocID="{A3A6C98C-754B-4ACD-A107-834F20AB8602}" presName="Name13" presStyleLbl="parChTrans1D2" presStyleIdx="14" presStyleCnt="15"/>
+      <dgm:spPr/>
+    </dgm:pt>
+    <dgm:pt modelId="{AAE2AFA8-A7B5-4902-88FD-4CD71D251D03}" type="pres">
+      <dgm:prSet presAssocID="{DFC28650-8359-4AD7-9A5F-A7494DD527BC}" presName="childText" presStyleLbl="bgAcc1" presStyleIdx="14" presStyleCnt="15" custScaleX="107150" custLinFactNeighborX="6531">
+        <dgm:presLayoutVars>
+          <dgm:bulletEnabled val="1"/>
+        </dgm:presLayoutVars>
+      </dgm:prSet>
+      <dgm:spPr/>
+    </dgm:pt>
+  </dgm:ptLst>
+  <dgm:cxnLst>
+    <dgm:cxn modelId="{DE724A0B-AC75-4A0D-9303-DC00184CDB2B}" type="presOf" srcId="{AF4CBFFF-2723-4E5D-8EF1-2835927CD919}" destId="{4D558C54-4903-4612-8A32-9AF61DD53EA6}" srcOrd="0" destOrd="0" presId="urn:microsoft.com/office/officeart/2005/8/layout/hierarchy3"/>
+    <dgm:cxn modelId="{A6254C0C-EC0D-4A2F-92B7-C5D8115E47A6}" type="presOf" srcId="{32390A3D-39C5-494C-A5BB-35467324D482}" destId="{E1BC08EE-9C07-4329-B870-B67D8BD118A1}" srcOrd="1" destOrd="0" presId="urn:microsoft.com/office/officeart/2005/8/layout/hierarchy3"/>
+    <dgm:cxn modelId="{7066020E-28A0-4616-996F-43ACFB0557CE}" srcId="{A732BCF8-A0BD-4330-B034-B4D91C828F0C}" destId="{55FF8F0C-F054-4A2B-AD80-6631FACD6DAA}" srcOrd="1" destOrd="0" parTransId="{EBD0DC9D-B784-4A1C-B642-446C37E30130}" sibTransId="{E9DF80B5-9399-4A6C-9B7C-80AFC93FFF53}"/>
+    <dgm:cxn modelId="{B8404B0F-0A0F-44D0-A683-816992CA9728}" type="presOf" srcId="{F3F8AFA8-9393-4DBE-81C9-2085524ADA85}" destId="{F29EE145-CCB0-4525-9F69-64EB324BB804}" srcOrd="0" destOrd="1" presId="urn:microsoft.com/office/officeart/2005/8/layout/hierarchy3"/>
+    <dgm:cxn modelId="{AF6A7012-D94F-47D6-84E0-63AF6D959523}" srcId="{EBE674F3-EF5D-4C9E-9733-29B63F215C2E}" destId="{BF850D6A-AF47-4C04-B1D6-207A4C04BA54}" srcOrd="2" destOrd="0" parTransId="{AF4CBFFF-2723-4E5D-8EF1-2835927CD919}" sibTransId="{18C556A1-AB38-41E3-B708-CED05BE0E2A0}"/>
+    <dgm:cxn modelId="{A158A213-AB50-482C-BD43-3FF535FF36EC}" type="presOf" srcId="{CEFE4242-4CB5-4EEC-B120-36367BC2723B}" destId="{CB7106B6-6B02-464D-A386-0A254DCED692}" srcOrd="0" destOrd="1" presId="urn:microsoft.com/office/officeart/2005/8/layout/hierarchy3"/>
+    <dgm:cxn modelId="{D108E519-410C-40A1-84D2-D534E8248F9D}" type="presOf" srcId="{9723E8BE-5F84-4DAA-84D9-67CC99319917}" destId="{F9DAA985-9620-4FE4-AD66-266F47B6FA22}" srcOrd="0" destOrd="0" presId="urn:microsoft.com/office/officeart/2005/8/layout/hierarchy3"/>
+    <dgm:cxn modelId="{6E430822-57BF-40A4-AEC5-95F1BE291FDA}" srcId="{92674A7D-9F8E-433E-B6FE-973D15789FBA}" destId="{94F084FD-4EC1-42B5-B7A1-5550FF7272E8}" srcOrd="2" destOrd="0" parTransId="{04AD0B39-88EE-4C31-9910-05A477FC97A8}" sibTransId="{F3C5FE23-F510-4537-8873-25A41BF8A397}"/>
+    <dgm:cxn modelId="{9FEA0C23-8718-4053-B8DA-924CDCDBAB6D}" srcId="{BF850D6A-AF47-4C04-B1D6-207A4C04BA54}" destId="{BAA90226-6408-4535-B066-216FD0D91207}" srcOrd="2" destOrd="0" parTransId="{1FC0747B-FF67-4F46-BE79-F37153BA92BE}" sibTransId="{13660A29-8218-4409-A449-81EFC6333EEA}"/>
+    <dgm:cxn modelId="{957ACB2A-F132-4EFB-8980-A7D66B81001D}" type="presOf" srcId="{C4311C9C-8725-4012-9711-CAE4EB684441}" destId="{37A69157-3315-4E98-907A-0A55586D5754}" srcOrd="0" destOrd="0" presId="urn:microsoft.com/office/officeart/2005/8/layout/hierarchy3"/>
+    <dgm:cxn modelId="{901CF233-8769-4F25-8701-16A566CF2658}" type="presOf" srcId="{90E28D94-2028-401E-9B70-135838FA9A71}" destId="{CB7106B6-6B02-464D-A386-0A254DCED692}" srcOrd="0" destOrd="4" presId="urn:microsoft.com/office/officeart/2005/8/layout/hierarchy3"/>
+    <dgm:cxn modelId="{D0B0D235-5CA4-4283-8722-808D58BACDBF}" srcId="{E063FF8F-A196-4FCF-9985-BBE8D75AB464}" destId="{1DD50209-CFC8-4EE9-8A45-5FC4068A78A7}" srcOrd="1" destOrd="0" parTransId="{12979586-0194-4CFE-835A-9DB10B2E7E35}" sibTransId="{9F21D73B-DA2D-43E2-97A6-CD8067255C08}"/>
+    <dgm:cxn modelId="{CB1B0B36-C422-48C7-AD50-9AFB3B0745BA}" type="presOf" srcId="{AB863383-3D2F-43D4-881E-0D9EECF48F2C}" destId="{918FDC91-912C-4837-A4A7-69E90C5EB43D}" srcOrd="0" destOrd="0" presId="urn:microsoft.com/office/officeart/2005/8/layout/hierarchy3"/>
+    <dgm:cxn modelId="{F46D983A-7F08-43E6-A1F3-D0F01E709E34}" type="presOf" srcId="{680FA358-D713-4A75-9248-86F5EB5D3CE9}" destId="{918FDC91-912C-4837-A4A7-69E90C5EB43D}" srcOrd="0" destOrd="1" presId="urn:microsoft.com/office/officeart/2005/8/layout/hierarchy3"/>
+    <dgm:cxn modelId="{1CF4303B-FD81-4D18-B3CE-1160DFB91EFD}" type="presOf" srcId="{DBF2B1DF-1C3C-47E3-8ADC-3A7FC114EC9D}" destId="{80594A75-FEF2-403E-BDA0-9CB9CF438F58}" srcOrd="0" destOrd="0" presId="urn:microsoft.com/office/officeart/2005/8/layout/hierarchy3"/>
+    <dgm:cxn modelId="{F311FE3C-5A59-4B2C-AD9C-820DE40E7CBD}" srcId="{92674A7D-9F8E-433E-B6FE-973D15789FBA}" destId="{66435B15-9121-4D62-BBB2-21D651FC5B46}" srcOrd="0" destOrd="0" parTransId="{04F9CB03-1C8A-4AB6-A47E-D6703B6E8FF1}" sibTransId="{BE22D09C-6F08-417F-99CE-3ED14640F3F1}"/>
+    <dgm:cxn modelId="{A9C0243E-1E6B-43B3-AE2B-5E9C2A66D3F6}" type="presOf" srcId="{FC212411-A452-4BA7-833F-B76D792B1EE7}" destId="{76521B39-BB87-4537-9C0B-12EB37FE6FC1}" srcOrd="0" destOrd="0" presId="urn:microsoft.com/office/officeart/2005/8/layout/hierarchy3"/>
+    <dgm:cxn modelId="{0398CA5B-DF8F-4197-9FAE-B64FDC4BBDF4}" srcId="{5093DA0F-469B-4023-AB57-CF42A298866A}" destId="{9D4C65DC-F093-4A82-9952-49D4FC72AC26}" srcOrd="1" destOrd="0" parTransId="{B7F9441B-CC42-423E-9432-932D07D85F65}" sibTransId="{A9BE0A94-81B1-4233-82CE-0BC1D072FB24}"/>
+    <dgm:cxn modelId="{8F27295D-C973-4163-A3F9-AAFA1B1B0AD0}" type="presOf" srcId="{38F2C55D-8C63-4C3F-A73C-FA2F83149A93}" destId="{F29EE145-CCB0-4525-9F69-64EB324BB804}" srcOrd="0" destOrd="2" presId="urn:microsoft.com/office/officeart/2005/8/layout/hierarchy3"/>
+    <dgm:cxn modelId="{A6D0B244-E36D-4177-9CB0-8FA1F719C6B5}" srcId="{C2CFBD6C-BD1D-4FD4-A0E1-C6BBDF23D2BC}" destId="{EBE674F3-EF5D-4C9E-9733-29B63F215C2E}" srcOrd="0" destOrd="0" parTransId="{11BFB214-94E1-4797-8F1D-8DC96473BF3A}" sibTransId="{152DD6EA-30C6-4EA0-9DC7-8234534978EE}"/>
+    <dgm:cxn modelId="{4794DE64-486D-444E-BDBA-EF110FC855BE}" type="presOf" srcId="{55FF8F0C-F054-4A2B-AD80-6631FACD6DAA}" destId="{CB7106B6-6B02-464D-A386-0A254DCED692}" srcOrd="0" destOrd="2" presId="urn:microsoft.com/office/officeart/2005/8/layout/hierarchy3"/>
+    <dgm:cxn modelId="{27DD0765-B877-426B-959D-2C5088B9FE6D}" type="presOf" srcId="{88C8038B-5DC7-4B38-8BEB-72722BEC3210}" destId="{9C3BE4CA-6CDD-439C-9B73-5E226A1B0B48}" srcOrd="0" destOrd="0" presId="urn:microsoft.com/office/officeart/2005/8/layout/hierarchy3"/>
+    <dgm:cxn modelId="{61D28145-D380-495E-AA6C-28D1CD736EEB}" type="presOf" srcId="{92674A7D-9F8E-433E-B6FE-973D15789FBA}" destId="{35A2B373-EAD0-4F8B-9E50-1FB6BCB4F85E}" srcOrd="0" destOrd="0" presId="urn:microsoft.com/office/officeart/2005/8/layout/hierarchy3"/>
+    <dgm:cxn modelId="{B9D54E46-87C8-4D37-90C5-84C6D0366D0B}" srcId="{BF850D6A-AF47-4C04-B1D6-207A4C04BA54}" destId="{C93926CD-EF84-43BC-AE79-FB9A91D4605A}" srcOrd="0" destOrd="0" parTransId="{35A623BC-04C6-432F-9454-BE7D069BFFD1}" sibTransId="{537401A0-EE9E-423D-94FF-DA93AEA79512}"/>
+    <dgm:cxn modelId="{36074F48-F88C-4CB7-9220-8924F85B1A01}" srcId="{C4311C9C-8725-4012-9711-CAE4EB684441}" destId="{C84CC41A-54BC-4433-8404-0D37DCD89B5D}" srcOrd="0" destOrd="0" parTransId="{0CD4170C-8227-40B5-A721-FD109592398A}" sibTransId="{C8FFA4AC-0EBA-4DFE-AD07-D7AE10EE808A}"/>
+    <dgm:cxn modelId="{26687568-657B-4A3E-AB59-0D45891A22C8}" srcId="{BF850D6A-AF47-4C04-B1D6-207A4C04BA54}" destId="{C46262A8-B23F-497D-B480-2A991A614A1C}" srcOrd="3" destOrd="0" parTransId="{2AD04DC6-4573-4CC6-A8E9-486F29183D6B}" sibTransId="{4B2D0E96-F642-4061-9199-D9C37BD6CC1E}"/>
+    <dgm:cxn modelId="{C8090C69-F63C-44F2-B8FC-D9E2A2C837F6}" srcId="{EBE674F3-EF5D-4C9E-9733-29B63F215C2E}" destId="{A732BCF8-A0BD-4330-B034-B4D91C828F0C}" srcOrd="1" destOrd="0" parTransId="{F8F4AFA3-61FE-4057-AC11-99D78D1F028C}" sibTransId="{C39027B5-4F0E-47E1-93C0-58618B0874E3}"/>
+    <dgm:cxn modelId="{8DE06A69-2D94-476A-9D67-3C4EB5748633}" type="presOf" srcId="{E9910EA0-5F68-45F7-989B-9D2C0EFB8038}" destId="{1180EE6A-87BD-4568-8D30-48B97CA1A37A}" srcOrd="0" destOrd="0" presId="urn:microsoft.com/office/officeart/2005/8/layout/hierarchy3"/>
+    <dgm:cxn modelId="{6C94AB6B-AEAE-418F-95D6-EFD5D309018E}" type="presOf" srcId="{0CD4170C-8227-40B5-A721-FD109592398A}" destId="{BABD9D92-0B1C-46E4-8141-AD5E2C745A46}" srcOrd="0" destOrd="0" presId="urn:microsoft.com/office/officeart/2005/8/layout/hierarchy3"/>
+    <dgm:cxn modelId="{8D7EC04B-DDD8-48E1-87DB-A127B60F46B1}" srcId="{9F1EE36E-49B0-4E79-AC44-4F79EE0C81F6}" destId="{4E960AED-7D05-4962-9737-D7DFF88E6C44}" srcOrd="2" destOrd="0" parTransId="{DBF2B1DF-1C3C-47E3-8ADC-3A7FC114EC9D}" sibTransId="{29A9359F-3437-4F73-82D2-8CAA9F9C8BA8}"/>
+    <dgm:cxn modelId="{EF22116C-A61C-4CC6-96B5-F80BDF204483}" type="presOf" srcId="{F8F4AFA3-61FE-4057-AC11-99D78D1F028C}" destId="{E6191948-143B-4638-8EDD-3551C56CB93D}" srcOrd="0" destOrd="0" presId="urn:microsoft.com/office/officeart/2005/8/layout/hierarchy3"/>
+    <dgm:cxn modelId="{B789996E-9458-4303-B589-6C9C74FA829A}" type="presOf" srcId="{EA4F7505-A562-4045-8761-9BFB15B597A3}" destId="{918FDC91-912C-4837-A4A7-69E90C5EB43D}" srcOrd="0" destOrd="2" presId="urn:microsoft.com/office/officeart/2005/8/layout/hierarchy3"/>
+    <dgm:cxn modelId="{EFA81A6F-FDA6-4508-9780-7C1C6343D87B}" type="presOf" srcId="{5093DA0F-469B-4023-AB57-CF42A298866A}" destId="{D283C5B1-0228-4521-BE43-83235501D744}" srcOrd="0" destOrd="0" presId="urn:microsoft.com/office/officeart/2005/8/layout/hierarchy3"/>
+    <dgm:cxn modelId="{301C526F-2F6A-4348-8A96-5983F47B0E4B}" srcId="{C2CFBD6C-BD1D-4FD4-A0E1-C6BBDF23D2BC}" destId="{DDF155B8-500B-429B-BE18-49C5742DF794}" srcOrd="1" destOrd="0" parTransId="{00241BD5-B48A-4217-9ACB-7BFC1545BADD}" sibTransId="{C664EC72-C7FA-455F-9A80-FCCEF95FAB65}"/>
+    <dgm:cxn modelId="{D07F5E70-20A8-4A18-8F2E-4AEF3B9EEB6C}" type="presOf" srcId="{A3A6C98C-754B-4ACD-A107-834F20AB8602}" destId="{7E087423-1666-438F-B197-9EBAAFE332AA}" srcOrd="0" destOrd="0" presId="urn:microsoft.com/office/officeart/2005/8/layout/hierarchy3"/>
+    <dgm:cxn modelId="{A9334C50-6015-4BC9-AFEB-297EA1A0FB5E}" srcId="{9F1EE36E-49B0-4E79-AC44-4F79EE0C81F6}" destId="{5093DA0F-469B-4023-AB57-CF42A298866A}" srcOrd="1" destOrd="0" parTransId="{88C8038B-5DC7-4B38-8BEB-72722BEC3210}" sibTransId="{E9B2B07D-D4C1-43E4-9BAE-953F75FC9113}"/>
+    <dgm:cxn modelId="{6FE67370-9F0C-4686-8843-0258E3F1BE2F}" type="presOf" srcId="{DD0F9D65-A13B-4EAA-BE5F-1E4865A8A901}" destId="{D283C5B1-0228-4521-BE43-83235501D744}" srcOrd="0" destOrd="1" presId="urn:microsoft.com/office/officeart/2005/8/layout/hierarchy3"/>
+    <dgm:cxn modelId="{2636DC51-5478-4594-9CEF-645506878D3E}" srcId="{48A72737-3A16-4041-8219-F9A49C97DD44}" destId="{38F2C55D-8C63-4C3F-A73C-FA2F83149A93}" srcOrd="1" destOrd="0" parTransId="{3B568424-5CE6-4B28-9439-49FA5B996205}" sibTransId="{A84B0B55-F6F0-478D-A84F-BE5E80ED7476}"/>
+    <dgm:cxn modelId="{E703C473-7AAF-433E-87AF-28F81EFA3137}" srcId="{AB863383-3D2F-43D4-881E-0D9EECF48F2C}" destId="{EA4F7505-A562-4045-8761-9BFB15B597A3}" srcOrd="1" destOrd="0" parTransId="{E3050CE3-146A-4E41-98C6-442F201B21B0}" sibTransId="{F3AA675D-FC75-4DD1-B492-0AEFE27589F7}"/>
+    <dgm:cxn modelId="{91901274-6AED-4BCF-90B9-2F2B802EC14E}" srcId="{C4311C9C-8725-4012-9711-CAE4EB684441}" destId="{39D3B79D-C6ED-4305-801C-D85AB722F1C9}" srcOrd="1" destOrd="0" parTransId="{8FC19F3C-5EBD-4243-ABFD-75CA9DAFB4F1}" sibTransId="{025FC3FA-F919-468B-A16B-969B31FBAF4A}"/>
+    <dgm:cxn modelId="{9DB1D275-173E-4B9C-9DA6-A8BB1E18155C}" type="presOf" srcId="{693E04EB-BED7-41B7-AC76-7E163895696E}" destId="{35A2B373-EAD0-4F8B-9E50-1FB6BCB4F85E}" srcOrd="0" destOrd="2" presId="urn:microsoft.com/office/officeart/2005/8/layout/hierarchy3"/>
+    <dgm:cxn modelId="{9CD06F56-972E-47E8-89D4-3BEA97D6DABE}" type="presOf" srcId="{4FE28377-F130-4C1F-B367-1BFE00A78105}" destId="{2CB48297-D998-4E5B-9309-769FDBE68E6C}" srcOrd="0" destOrd="2" presId="urn:microsoft.com/office/officeart/2005/8/layout/hierarchy3"/>
+    <dgm:cxn modelId="{F22D9C78-5259-4DBF-9F46-3DA09AC93C7A}" type="presOf" srcId="{A732BCF8-A0BD-4330-B034-B4D91C828F0C}" destId="{CB7106B6-6B02-464D-A386-0A254DCED692}" srcOrd="0" destOrd="0" presId="urn:microsoft.com/office/officeart/2005/8/layout/hierarchy3"/>
+    <dgm:cxn modelId="{2B4FC878-668B-452C-912F-C49F4C1D9486}" type="presOf" srcId="{C46262A8-B23F-497D-B480-2A991A614A1C}" destId="{2CB48297-D998-4E5B-9309-769FDBE68E6C}" srcOrd="0" destOrd="4" presId="urn:microsoft.com/office/officeart/2005/8/layout/hierarchy3"/>
+    <dgm:cxn modelId="{B522747D-A2AA-46C4-9307-2B84A54F20BB}" type="presOf" srcId="{BF850D6A-AF47-4C04-B1D6-207A4C04BA54}" destId="{2CB48297-D998-4E5B-9309-769FDBE68E6C}" srcOrd="0" destOrd="0" presId="urn:microsoft.com/office/officeart/2005/8/layout/hierarchy3"/>
+    <dgm:cxn modelId="{9A0B2C80-79BB-4C80-B7C2-DA1173F632E1}" type="presOf" srcId="{F670B762-F3E8-41C7-9D5A-DFACC86127E4}" destId="{3B303A3E-75AC-4DC3-8E89-97188008AE8B}" srcOrd="0" destOrd="0" presId="urn:microsoft.com/office/officeart/2005/8/layout/hierarchy3"/>
+    <dgm:cxn modelId="{97E72086-5EC6-4F64-A856-F3304892BE2C}" type="presOf" srcId="{39E59326-2239-4E9A-BDE5-20644B7628A1}" destId="{E0B17A26-9BE2-4775-992D-927A60430784}" srcOrd="0" destOrd="0" presId="urn:microsoft.com/office/officeart/2005/8/layout/hierarchy3"/>
+    <dgm:cxn modelId="{AC69D98E-C93D-4DCA-BD9B-6317F34FD2F4}" srcId="{C4311C9C-8725-4012-9711-CAE4EB684441}" destId="{DFC28650-8359-4AD7-9A5F-A7494DD527BC}" srcOrd="3" destOrd="0" parTransId="{A3A6C98C-754B-4ACD-A107-834F20AB8602}" sibTransId="{AE7EFEBD-10F8-4766-BC22-FD4934A75D01}"/>
+    <dgm:cxn modelId="{B8282D93-EF03-4972-B2D1-EC1BE93942AE}" srcId="{5093DA0F-469B-4023-AB57-CF42A298866A}" destId="{DD0F9D65-A13B-4EAA-BE5F-1E4865A8A901}" srcOrd="0" destOrd="0" parTransId="{D03B3389-C1CE-4475-980B-325D672DF582}" sibTransId="{8204D6CE-9333-459B-B326-72F75663327C}"/>
+    <dgm:cxn modelId="{A0560397-5832-4B5F-BC3B-3240EC710C22}" type="presOf" srcId="{C4311C9C-8725-4012-9711-CAE4EB684441}" destId="{192590B0-12CB-4C0C-ABA2-275E263C7958}" srcOrd="1" destOrd="0" presId="urn:microsoft.com/office/officeart/2005/8/layout/hierarchy3"/>
+    <dgm:cxn modelId="{349D4299-82D1-407A-B0E8-1442AFFFA934}" type="presOf" srcId="{8FC19F3C-5EBD-4243-ABFD-75CA9DAFB4F1}" destId="{A8FBDA45-2646-4869-BF99-DAF5C9E518FA}" srcOrd="0" destOrd="0" presId="urn:microsoft.com/office/officeart/2005/8/layout/hierarchy3"/>
+    <dgm:cxn modelId="{63C9649D-0A00-4884-B71D-EA822C192567}" type="presOf" srcId="{EF27CD16-1A2D-4C47-82FD-5DA7C57F2113}" destId="{A305FF97-D897-4695-93A2-E4B4F102682F}" srcOrd="0" destOrd="0" presId="urn:microsoft.com/office/officeart/2005/8/layout/hierarchy3"/>
+    <dgm:cxn modelId="{ED270CA0-6A9C-40D3-8C5E-D469E9904F42}" srcId="{9F1EE36E-49B0-4E79-AC44-4F79EE0C81F6}" destId="{2FBE5173-727E-4F1C-9CC0-ED0B828D8717}" srcOrd="3" destOrd="0" parTransId="{F670B762-F3E8-41C7-9D5A-DFACC86127E4}" sibTransId="{F3C8C561-187E-4BD9-B50C-145180554D36}"/>
+    <dgm:cxn modelId="{05F7D0A0-EECC-4810-BECE-8DB23487FC37}" srcId="{AB863383-3D2F-43D4-881E-0D9EECF48F2C}" destId="{680FA358-D713-4A75-9248-86F5EB5D3CE9}" srcOrd="0" destOrd="0" parTransId="{9346D3B9-8546-4175-86E1-3C0F90B80997}" sibTransId="{33C267D5-5378-4DEB-A17C-D080355680D6}"/>
+    <dgm:cxn modelId="{9B6099A6-700E-402A-AB4B-CAAABBF7117C}" type="presOf" srcId="{2FBE5173-727E-4F1C-9CC0-ED0B828D8717}" destId="{62E0A4E6-D326-452B-8845-93A178728308}" srcOrd="0" destOrd="0" presId="urn:microsoft.com/office/officeart/2005/8/layout/hierarchy3"/>
+    <dgm:cxn modelId="{C223D8A9-EE61-4BDE-930A-98C96CD48821}" type="presOf" srcId="{9D4C65DC-F093-4A82-9952-49D4FC72AC26}" destId="{D283C5B1-0228-4521-BE43-83235501D744}" srcOrd="0" destOrd="2" presId="urn:microsoft.com/office/officeart/2005/8/layout/hierarchy3"/>
+    <dgm:cxn modelId="{FBD038AA-4F9B-43C2-B933-6DF2BF044DDE}" srcId="{DDF155B8-500B-429B-BE18-49C5742DF794}" destId="{48A72737-3A16-4041-8219-F9A49C97DD44}" srcOrd="1" destOrd="0" parTransId="{038736BC-36A2-4AA3-8419-22F1D2B18337}" sibTransId="{EEC15506-3857-4210-A93B-F8160E1E475E}"/>
+    <dgm:cxn modelId="{3E9CC3AE-C2C2-408E-9FE1-7AB10D968FA2}" type="presOf" srcId="{48A72737-3A16-4041-8219-F9A49C97DD44}" destId="{F29EE145-CCB0-4525-9F69-64EB324BB804}" srcOrd="0" destOrd="0" presId="urn:microsoft.com/office/officeart/2005/8/layout/hierarchy3"/>
+    <dgm:cxn modelId="{F0351DB5-B5B7-417C-9A7E-1A17C30CD976}" srcId="{32390A3D-39C5-494C-A5BB-35467324D482}" destId="{39E59326-2239-4E9A-BDE5-20644B7628A1}" srcOrd="0" destOrd="0" parTransId="{28E10B9E-EF7A-4201-8C23-01EC072BE9D2}" sibTransId="{33A47B5C-A97C-4610-A679-BFC95B3BE413}"/>
+    <dgm:cxn modelId="{662CFFB6-C565-4607-9A50-8E568D9C89EB}" srcId="{A732BCF8-A0BD-4330-B034-B4D91C828F0C}" destId="{CEFE4242-4CB5-4EEC-B120-36367BC2723B}" srcOrd="0" destOrd="0" parTransId="{C4B7508B-803F-4D8C-8354-C5480B25E2D8}" sibTransId="{488A2B93-C384-482A-A862-3C62E9CDE99B}"/>
+    <dgm:cxn modelId="{08B972B8-FD9B-49A1-AB3C-0952B1220D86}" type="presOf" srcId="{DFC28650-8359-4AD7-9A5F-A7494DD527BC}" destId="{AAE2AFA8-A7B5-4902-88FD-4CD71D251D03}" srcOrd="0" destOrd="0" presId="urn:microsoft.com/office/officeart/2005/8/layout/hierarchy3"/>
+    <dgm:cxn modelId="{59E8D0B8-901A-4024-8C23-490E32F090E0}" type="presOf" srcId="{EBE674F3-EF5D-4C9E-9733-29B63F215C2E}" destId="{0D1B522D-4B0B-499D-BE2B-AC68FC568C91}" srcOrd="1" destOrd="0" presId="urn:microsoft.com/office/officeart/2005/8/layout/hierarchy3"/>
+    <dgm:cxn modelId="{3F0851B9-3088-4636-83C9-E6433893E1A6}" srcId="{48A72737-3A16-4041-8219-F9A49C97DD44}" destId="{F3F8AFA8-9393-4DBE-81C9-2085524ADA85}" srcOrd="0" destOrd="0" parTransId="{93592A1B-EAE1-4288-981A-BAEC83993C17}" sibTransId="{C12DBC60-AAA0-4C7C-8174-037D9E1C5EF5}"/>
+    <dgm:cxn modelId="{CDE25BBA-64E5-408E-8049-818B44519CED}" srcId="{32390A3D-39C5-494C-A5BB-35467324D482}" destId="{29D25691-DF59-464B-BF40-0AF0AE84EE11}" srcOrd="1" destOrd="0" parTransId="{D19212DA-29A5-4CEC-B3EF-8F80BB89A34A}" sibTransId="{E136C44D-4208-438E-9968-A40FDBD8A1B2}"/>
+    <dgm:cxn modelId="{EDC078BA-DC8D-4725-8BC9-BFF0BDBB67A8}" type="presOf" srcId="{9F1EE36E-49B0-4E79-AC44-4F79EE0C81F6}" destId="{D92F19D7-98B2-408B-9068-5F7C04E2F8CB}" srcOrd="0" destOrd="0" presId="urn:microsoft.com/office/officeart/2005/8/layout/hierarchy3"/>
+    <dgm:cxn modelId="{994713C1-8725-4807-8F35-92893B0DB8F5}" srcId="{EBE674F3-EF5D-4C9E-9733-29B63F215C2E}" destId="{92674A7D-9F8E-433E-B6FE-973D15789FBA}" srcOrd="0" destOrd="0" parTransId="{E9910EA0-5F68-45F7-989B-9D2C0EFB8038}" sibTransId="{CDBAAF99-35F9-4D40-B8FF-947F46687244}"/>
+    <dgm:cxn modelId="{AE8425C4-8DF6-4D0A-950B-9DF665113D25}" type="presOf" srcId="{94F084FD-4EC1-42B5-B7A1-5550FF7272E8}" destId="{35A2B373-EAD0-4F8B-9E50-1FB6BCB4F85E}" srcOrd="0" destOrd="3" presId="urn:microsoft.com/office/officeart/2005/8/layout/hierarchy3"/>
+    <dgm:cxn modelId="{F45C11C5-063C-459C-8031-6CE01A846BC3}" type="presOf" srcId="{C2CFBD6C-BD1D-4FD4-A0E1-C6BBDF23D2BC}" destId="{831EB92D-585E-47C1-A549-81AC7400B88C}" srcOrd="0" destOrd="0" presId="urn:microsoft.com/office/officeart/2005/8/layout/hierarchy3"/>
+    <dgm:cxn modelId="{B97E71C9-93EA-4861-9D7D-102878F1474A}" type="presOf" srcId="{038736BC-36A2-4AA3-8419-22F1D2B18337}" destId="{E749E475-4622-403A-BDB3-2DD964D19431}" srcOrd="0" destOrd="0" presId="urn:microsoft.com/office/officeart/2005/8/layout/hierarchy3"/>
+    <dgm:cxn modelId="{C93D17CB-0F51-4B58-9C09-524436B2F8BF}" type="presOf" srcId="{66435B15-9121-4D62-BBB2-21D651FC5B46}" destId="{35A2B373-EAD0-4F8B-9E50-1FB6BCB4F85E}" srcOrd="0" destOrd="1" presId="urn:microsoft.com/office/officeart/2005/8/layout/hierarchy3"/>
+    <dgm:cxn modelId="{C6C61ECC-05B1-45E7-8E86-9E30C171A8FC}" type="presOf" srcId="{EBE674F3-EF5D-4C9E-9733-29B63F215C2E}" destId="{A40FEF02-395E-4744-9745-E2E77C3C14FF}" srcOrd="0" destOrd="0" presId="urn:microsoft.com/office/officeart/2005/8/layout/hierarchy3"/>
+    <dgm:cxn modelId="{AB5E84CF-23A7-4572-B76F-639C4067090C}" type="presOf" srcId="{04CCD3EE-493E-4C05-9A37-19CF45239F52}" destId="{CB7106B6-6B02-464D-A386-0A254DCED692}" srcOrd="0" destOrd="3" presId="urn:microsoft.com/office/officeart/2005/8/layout/hierarchy3"/>
+    <dgm:cxn modelId="{79E37FD3-27F1-4E44-BFBF-F84DC22D5071}" srcId="{E063FF8F-A196-4FCF-9985-BBE8D75AB464}" destId="{B8C4B427-62C8-457B-B91D-5553C9C3147F}" srcOrd="0" destOrd="0" parTransId="{835C7361-1592-4D11-A517-463D9EAB8158}" sibTransId="{FB2CA5DD-8636-4821-BE62-6C4396E9A382}"/>
+    <dgm:cxn modelId="{DD419FD3-0744-442F-B2DD-539DB692968D}" type="presOf" srcId="{BAA90226-6408-4535-B066-216FD0D91207}" destId="{2CB48297-D998-4E5B-9309-769FDBE68E6C}" srcOrd="0" destOrd="3" presId="urn:microsoft.com/office/officeart/2005/8/layout/hierarchy3"/>
+    <dgm:cxn modelId="{73E6BBD6-BF17-4D80-8E5B-AE46A43FA205}" srcId="{C2CFBD6C-BD1D-4FD4-A0E1-C6BBDF23D2BC}" destId="{32390A3D-39C5-494C-A5BB-35467324D482}" srcOrd="3" destOrd="0" parTransId="{B4149DAD-FBB9-4710-8C6D-BB770D6B91CC}" sibTransId="{C9DC65D1-8FF3-4C66-BC4D-A7380443CAD7}"/>
+    <dgm:cxn modelId="{D536B2D7-5E94-4054-8ADA-8035CDB6DC61}" srcId="{BF850D6A-AF47-4C04-B1D6-207A4C04BA54}" destId="{4FE28377-F130-4C1F-B367-1BFE00A78105}" srcOrd="1" destOrd="0" parTransId="{63B7AFDB-7044-4B63-A573-3D5DCA8B42DB}" sibTransId="{8FB1FFFB-1E54-4AB5-9F89-EB93E1C4F369}"/>
+    <dgm:cxn modelId="{8E4CDFDE-1818-4804-888E-B5C61B985456}" srcId="{A732BCF8-A0BD-4330-B034-B4D91C828F0C}" destId="{90E28D94-2028-401E-9B70-135838FA9A71}" srcOrd="3" destOrd="0" parTransId="{79C5855D-6E48-458B-80A3-553576E557EF}" sibTransId="{337272DF-A03E-45A4-9AE3-01372C250278}"/>
+    <dgm:cxn modelId="{C8F933E1-2652-41B8-A395-737AC6045D8C}" type="presOf" srcId="{4E960AED-7D05-4962-9737-D7DFF88E6C44}" destId="{BEA0F57C-630C-449D-9DFC-88AF2A7746EC}" srcOrd="0" destOrd="0" presId="urn:microsoft.com/office/officeart/2005/8/layout/hierarchy3"/>
+    <dgm:cxn modelId="{A0E3E6E1-7E2F-4F9B-BECE-4B1279CF10CC}" srcId="{C2CFBD6C-BD1D-4FD4-A0E1-C6BBDF23D2BC}" destId="{9F1EE36E-49B0-4E79-AC44-4F79EE0C81F6}" srcOrd="2" destOrd="0" parTransId="{8C9D5A71-16E4-45ED-8CDC-9959E11B9560}" sibTransId="{53641790-0C2B-43F6-90BE-DAE96E73D651}"/>
+    <dgm:cxn modelId="{CF0119E7-1649-4B2D-BB24-A8A1B2A9D380}" type="presOf" srcId="{C93926CD-EF84-43BC-AE79-FB9A91D4605A}" destId="{2CB48297-D998-4E5B-9309-769FDBE68E6C}" srcOrd="0" destOrd="1" presId="urn:microsoft.com/office/officeart/2005/8/layout/hierarchy3"/>
+    <dgm:cxn modelId="{DC2C47E7-EB53-48AF-A88A-ECB1F6FC77BB}" type="presOf" srcId="{B8C4B427-62C8-457B-B91D-5553C9C3147F}" destId="{BAD9A852-521D-4339-98DF-B68E15E054BE}" srcOrd="0" destOrd="1" presId="urn:microsoft.com/office/officeart/2005/8/layout/hierarchy3"/>
+    <dgm:cxn modelId="{00B9E0E7-062A-461F-986B-ACA69C8D03CE}" type="presOf" srcId="{9F1EE36E-49B0-4E79-AC44-4F79EE0C81F6}" destId="{9D4E88E9-B324-4240-8F37-35755E4A70B5}" srcOrd="1" destOrd="0" presId="urn:microsoft.com/office/officeart/2005/8/layout/hierarchy3"/>
+    <dgm:cxn modelId="{497565ED-C1AF-44DA-A950-A5343F34FC60}" type="presOf" srcId="{D19212DA-29A5-4CEC-B3EF-8F80BB89A34A}" destId="{66E5747D-4768-4FC6-9131-00ECD310A84D}" srcOrd="0" destOrd="0" presId="urn:microsoft.com/office/officeart/2005/8/layout/hierarchy3"/>
+    <dgm:cxn modelId="{93A7F4EE-6389-4E58-8CA4-60D000CB49EB}" type="presOf" srcId="{DDF155B8-500B-429B-BE18-49C5742DF794}" destId="{AF2852D5-A87F-44EB-9EB5-C202A1813A37}" srcOrd="0" destOrd="0" presId="urn:microsoft.com/office/officeart/2005/8/layout/hierarchy3"/>
+    <dgm:cxn modelId="{B5D246EF-0645-4C98-BA13-8EA549A721B4}" type="presOf" srcId="{0C5C39FB-B191-44ED-9CEC-E287F7C0127D}" destId="{0FF619DA-7F8E-4155-B7A5-409B3785DCD1}" srcOrd="0" destOrd="0" presId="urn:microsoft.com/office/officeart/2005/8/layout/hierarchy3"/>
+    <dgm:cxn modelId="{AE375AEF-20DB-492B-AA66-40E09F0C02BD}" type="presOf" srcId="{29D25691-DF59-464B-BF40-0AF0AE84EE11}" destId="{78F08B80-B887-417B-A556-AA10E35B3710}" srcOrd="0" destOrd="0" presId="urn:microsoft.com/office/officeart/2005/8/layout/hierarchy3"/>
+    <dgm:cxn modelId="{8705EBF3-2C9A-47B1-A528-B3604FEFC772}" srcId="{C4311C9C-8725-4012-9711-CAE4EB684441}" destId="{0C5C39FB-B191-44ED-9CEC-E287F7C0127D}" srcOrd="2" destOrd="0" parTransId="{FC212411-A452-4BA7-833F-B76D792B1EE7}" sibTransId="{AFD50364-C918-46F8-A89B-7C2405172A86}"/>
+    <dgm:cxn modelId="{538EF9F3-000D-4EC3-95AC-383C8F3CDBDB}" srcId="{92674A7D-9F8E-433E-B6FE-973D15789FBA}" destId="{693E04EB-BED7-41B7-AC76-7E163895696E}" srcOrd="1" destOrd="0" parTransId="{B9357110-7276-4941-97DD-8A194571D1A8}" sibTransId="{F02C89EC-CDF9-4186-9AA7-E3D804E48924}"/>
+    <dgm:cxn modelId="{DDB260F8-1F86-4B95-8818-CFEA7D072F65}" type="presOf" srcId="{39D3B79D-C6ED-4305-801C-D85AB722F1C9}" destId="{C69C59A0-919E-43CC-9B6F-8F63925828D9}" srcOrd="0" destOrd="0" presId="urn:microsoft.com/office/officeart/2005/8/layout/hierarchy3"/>
+    <dgm:cxn modelId="{21A87DF8-6BF2-458B-9EFE-071FA170A7A9}" type="presOf" srcId="{E063FF8F-A196-4FCF-9985-BBE8D75AB464}" destId="{BAD9A852-521D-4339-98DF-B68E15E054BE}" srcOrd="0" destOrd="0" presId="urn:microsoft.com/office/officeart/2005/8/layout/hierarchy3"/>
+    <dgm:cxn modelId="{B738FDF8-FBFF-4F6F-9A6C-E2A7F0F4EC09}" srcId="{DDF155B8-500B-429B-BE18-49C5742DF794}" destId="{AB863383-3D2F-43D4-881E-0D9EECF48F2C}" srcOrd="0" destOrd="0" parTransId="{EF27CD16-1A2D-4C47-82FD-5DA7C57F2113}" sibTransId="{D6E267A2-21CF-4136-81CA-CC6F3EEF2796}"/>
+    <dgm:cxn modelId="{ED03B0F9-CBD9-4FFC-B8D7-F71EF7F05E14}" srcId="{C2CFBD6C-BD1D-4FD4-A0E1-C6BBDF23D2BC}" destId="{C4311C9C-8725-4012-9711-CAE4EB684441}" srcOrd="4" destOrd="0" parTransId="{74306523-25ED-4649-A493-BF16758D93E4}" sibTransId="{52A22263-CDBD-45A3-9773-FDEA4B352040}"/>
+    <dgm:cxn modelId="{E05107FB-4DEF-4A28-A7F4-992731321713}" type="presOf" srcId="{1DD50209-CFC8-4EE9-8A45-5FC4068A78A7}" destId="{BAD9A852-521D-4339-98DF-B68E15E054BE}" srcOrd="0" destOrd="2" presId="urn:microsoft.com/office/officeart/2005/8/layout/hierarchy3"/>
+    <dgm:cxn modelId="{9A5877FB-F466-46FB-B497-3C51E54FC802}" type="presOf" srcId="{C84CC41A-54BC-4433-8404-0D37DCD89B5D}" destId="{06E1A880-F68A-4DAD-8737-48DD0FEDAC6E}" srcOrd="0" destOrd="0" presId="urn:microsoft.com/office/officeart/2005/8/layout/hierarchy3"/>
+    <dgm:cxn modelId="{CE3B8DFB-E79C-430C-A3C2-FEE67E7075D0}" type="presOf" srcId="{DDF155B8-500B-429B-BE18-49C5742DF794}" destId="{6CBE146E-717B-4928-B54B-74FD6605A415}" srcOrd="1" destOrd="0" presId="urn:microsoft.com/office/officeart/2005/8/layout/hierarchy3"/>
+    <dgm:cxn modelId="{8B081CFD-5733-454E-B4CE-EDC3287E2DF5}" srcId="{9F1EE36E-49B0-4E79-AC44-4F79EE0C81F6}" destId="{E063FF8F-A196-4FCF-9985-BBE8D75AB464}" srcOrd="0" destOrd="0" parTransId="{9723E8BE-5F84-4DAA-84D9-67CC99319917}" sibTransId="{2A442E98-4302-475C-A512-8D971A2CDFCE}"/>
+    <dgm:cxn modelId="{B06A41FD-D5C7-48B0-8337-BDC54D53CA36}" type="presOf" srcId="{28E10B9E-EF7A-4201-8C23-01EC072BE9D2}" destId="{8C97F9A6-AB46-4405-ABCF-D34BEF3763F4}" srcOrd="0" destOrd="0" presId="urn:microsoft.com/office/officeart/2005/8/layout/hierarchy3"/>
+    <dgm:cxn modelId="{D20C26FE-3567-47B7-BFB9-20B6D3296015}" type="presOf" srcId="{32390A3D-39C5-494C-A5BB-35467324D482}" destId="{6237F84E-D336-4BC4-9292-DFE64E3A2CBF}" srcOrd="0" destOrd="0" presId="urn:microsoft.com/office/officeart/2005/8/layout/hierarchy3"/>
+    <dgm:cxn modelId="{356D61FE-F67B-4686-B422-6BDD468E65AD}" srcId="{A732BCF8-A0BD-4330-B034-B4D91C828F0C}" destId="{04CCD3EE-493E-4C05-9A37-19CF45239F52}" srcOrd="2" destOrd="0" parTransId="{450D607B-4BC6-493E-9DB2-DD4F27A85F47}" sibTransId="{3454E659-95E9-4159-B5B4-57923A280259}"/>
+    <dgm:cxn modelId="{0FD15861-F35E-44B6-B2BF-3D13B73472D7}" type="presParOf" srcId="{831EB92D-585E-47C1-A549-81AC7400B88C}" destId="{6476920F-139E-41C5-BA29-A1D28E4678A5}" srcOrd="0" destOrd="0" presId="urn:microsoft.com/office/officeart/2005/8/layout/hierarchy3"/>
+    <dgm:cxn modelId="{B85DFDBD-BE4D-4626-BEDF-D7332577300D}" type="presParOf" srcId="{6476920F-139E-41C5-BA29-A1D28E4678A5}" destId="{F6F00908-47CD-4AF3-997F-F1B6F1CF8D44}" srcOrd="0" destOrd="0" presId="urn:microsoft.com/office/officeart/2005/8/layout/hierarchy3"/>
+    <dgm:cxn modelId="{016EFF52-2457-4B8D-8F76-F2D6D161CB7B}" type="presParOf" srcId="{F6F00908-47CD-4AF3-997F-F1B6F1CF8D44}" destId="{A40FEF02-395E-4744-9745-E2E77C3C14FF}" srcOrd="0" destOrd="0" presId="urn:microsoft.com/office/officeart/2005/8/layout/hierarchy3"/>
+    <dgm:cxn modelId="{981B3C80-43C6-4BEB-A5A5-562C7C8E274A}" type="presParOf" srcId="{F6F00908-47CD-4AF3-997F-F1B6F1CF8D44}" destId="{0D1B522D-4B0B-499D-BE2B-AC68FC568C91}" srcOrd="1" destOrd="0" presId="urn:microsoft.com/office/officeart/2005/8/layout/hierarchy3"/>
+    <dgm:cxn modelId="{0C8B7B28-474F-4DE0-99E6-39F860E1EBD5}" type="presParOf" srcId="{6476920F-139E-41C5-BA29-A1D28E4678A5}" destId="{7CC447CF-BFE0-4251-BD7A-A82DD7365B7D}" srcOrd="1" destOrd="0" presId="urn:microsoft.com/office/officeart/2005/8/layout/hierarchy3"/>
+    <dgm:cxn modelId="{0161431C-0518-4B61-B396-22AD88E45E81}" type="presParOf" srcId="{7CC447CF-BFE0-4251-BD7A-A82DD7365B7D}" destId="{1180EE6A-87BD-4568-8D30-48B97CA1A37A}" srcOrd="0" destOrd="0" presId="urn:microsoft.com/office/officeart/2005/8/layout/hierarchy3"/>
+    <dgm:cxn modelId="{C9687DC3-83FF-461E-B68E-6675828288C0}" type="presParOf" srcId="{7CC447CF-BFE0-4251-BD7A-A82DD7365B7D}" destId="{35A2B373-EAD0-4F8B-9E50-1FB6BCB4F85E}" srcOrd="1" destOrd="0" presId="urn:microsoft.com/office/officeart/2005/8/layout/hierarchy3"/>
+    <dgm:cxn modelId="{1D8B9E62-82ED-444E-82F5-083F2D44082C}" type="presParOf" srcId="{7CC447CF-BFE0-4251-BD7A-A82DD7365B7D}" destId="{E6191948-143B-4638-8EDD-3551C56CB93D}" srcOrd="2" destOrd="0" presId="urn:microsoft.com/office/officeart/2005/8/layout/hierarchy3"/>
+    <dgm:cxn modelId="{5751E8EA-DC20-44B2-A3E9-22F6AD8DBC47}" type="presParOf" srcId="{7CC447CF-BFE0-4251-BD7A-A82DD7365B7D}" destId="{CB7106B6-6B02-464D-A386-0A254DCED692}" srcOrd="3" destOrd="0" presId="urn:microsoft.com/office/officeart/2005/8/layout/hierarchy3"/>
+    <dgm:cxn modelId="{334D385D-908C-4682-9DC4-47959F903F83}" type="presParOf" srcId="{7CC447CF-BFE0-4251-BD7A-A82DD7365B7D}" destId="{4D558C54-4903-4612-8A32-9AF61DD53EA6}" srcOrd="4" destOrd="0" presId="urn:microsoft.com/office/officeart/2005/8/layout/hierarchy3"/>
+    <dgm:cxn modelId="{00EEA171-05C9-4871-AD87-593077B4B3F5}" type="presParOf" srcId="{7CC447CF-BFE0-4251-BD7A-A82DD7365B7D}" destId="{2CB48297-D998-4E5B-9309-769FDBE68E6C}" srcOrd="5" destOrd="0" presId="urn:microsoft.com/office/officeart/2005/8/layout/hierarchy3"/>
+    <dgm:cxn modelId="{91EEDD97-242B-442A-BE63-BD839D7BBA0B}" type="presParOf" srcId="{831EB92D-585E-47C1-A549-81AC7400B88C}" destId="{8E6E91CB-443F-458C-85F4-2AFD1FEFE872}" srcOrd="1" destOrd="0" presId="urn:microsoft.com/office/officeart/2005/8/layout/hierarchy3"/>
+    <dgm:cxn modelId="{05085EE6-132E-48BF-8E79-A4C010D72C12}" type="presParOf" srcId="{8E6E91CB-443F-458C-85F4-2AFD1FEFE872}" destId="{EE531D07-8673-454F-A21E-5C8CF458F700}" srcOrd="0" destOrd="0" presId="urn:microsoft.com/office/officeart/2005/8/layout/hierarchy3"/>
+    <dgm:cxn modelId="{D54D2084-3E7A-459C-BD69-1EDE483C9F68}" type="presParOf" srcId="{EE531D07-8673-454F-A21E-5C8CF458F700}" destId="{AF2852D5-A87F-44EB-9EB5-C202A1813A37}" srcOrd="0" destOrd="0" presId="urn:microsoft.com/office/officeart/2005/8/layout/hierarchy3"/>
+    <dgm:cxn modelId="{8080BBB4-7897-46BF-8D9C-B4861548D39B}" type="presParOf" srcId="{EE531D07-8673-454F-A21E-5C8CF458F700}" destId="{6CBE146E-717B-4928-B54B-74FD6605A415}" srcOrd="1" destOrd="0" presId="urn:microsoft.com/office/officeart/2005/8/layout/hierarchy3"/>
+    <dgm:cxn modelId="{254F252A-478C-4290-BCB2-2C6B018B0953}" type="presParOf" srcId="{8E6E91CB-443F-458C-85F4-2AFD1FEFE872}" destId="{40E48E13-CAAD-4456-BF2C-B80D7F2C23F4}" srcOrd="1" destOrd="0" presId="urn:microsoft.com/office/officeart/2005/8/layout/hierarchy3"/>
+    <dgm:cxn modelId="{AA54E1FB-F86C-47A0-AC18-4BCE3C6FCBEB}" type="presParOf" srcId="{40E48E13-CAAD-4456-BF2C-B80D7F2C23F4}" destId="{A305FF97-D897-4695-93A2-E4B4F102682F}" srcOrd="0" destOrd="0" presId="urn:microsoft.com/office/officeart/2005/8/layout/hierarchy3"/>
+    <dgm:cxn modelId="{61810E8D-4133-4A38-B53D-8754A3D4B83A}" type="presParOf" srcId="{40E48E13-CAAD-4456-BF2C-B80D7F2C23F4}" destId="{918FDC91-912C-4837-A4A7-69E90C5EB43D}" srcOrd="1" destOrd="0" presId="urn:microsoft.com/office/officeart/2005/8/layout/hierarchy3"/>
+    <dgm:cxn modelId="{90B91F84-578F-4E45-82A3-BC14755BFD80}" type="presParOf" srcId="{40E48E13-CAAD-4456-BF2C-B80D7F2C23F4}" destId="{E749E475-4622-403A-BDB3-2DD964D19431}" srcOrd="2" destOrd="0" presId="urn:microsoft.com/office/officeart/2005/8/layout/hierarchy3"/>
+    <dgm:cxn modelId="{7BE7A4AB-F13B-4852-9008-3F05231E731C}" type="presParOf" srcId="{40E48E13-CAAD-4456-BF2C-B80D7F2C23F4}" destId="{F29EE145-CCB0-4525-9F69-64EB324BB804}" srcOrd="3" destOrd="0" presId="urn:microsoft.com/office/officeart/2005/8/layout/hierarchy3"/>
+    <dgm:cxn modelId="{FF7C9FBE-B8A6-4AB4-BBC5-84282CF82939}" type="presParOf" srcId="{831EB92D-585E-47C1-A549-81AC7400B88C}" destId="{4F2AD43F-12FF-4BB2-9723-399DEB69A0A2}" srcOrd="2" destOrd="0" presId="urn:microsoft.com/office/officeart/2005/8/layout/hierarchy3"/>
+    <dgm:cxn modelId="{EF8F1A33-7680-4B79-A6C9-AA2F97054E05}" type="presParOf" srcId="{4F2AD43F-12FF-4BB2-9723-399DEB69A0A2}" destId="{F2ACE749-11F0-4F13-838C-5FAD216BC9B4}" srcOrd="0" destOrd="0" presId="urn:microsoft.com/office/officeart/2005/8/layout/hierarchy3"/>
+    <dgm:cxn modelId="{AF5DA683-58A2-4E67-BBD3-04D2EA5E8620}" type="presParOf" srcId="{F2ACE749-11F0-4F13-838C-5FAD216BC9B4}" destId="{D92F19D7-98B2-408B-9068-5F7C04E2F8CB}" srcOrd="0" destOrd="0" presId="urn:microsoft.com/office/officeart/2005/8/layout/hierarchy3"/>
+    <dgm:cxn modelId="{E24635EB-3004-4B9A-86C1-E7090609E3A3}" type="presParOf" srcId="{F2ACE749-11F0-4F13-838C-5FAD216BC9B4}" destId="{9D4E88E9-B324-4240-8F37-35755E4A70B5}" srcOrd="1" destOrd="0" presId="urn:microsoft.com/office/officeart/2005/8/layout/hierarchy3"/>
+    <dgm:cxn modelId="{F7C34683-F6AE-4A4C-A64C-287B288FAD81}" type="presParOf" srcId="{4F2AD43F-12FF-4BB2-9723-399DEB69A0A2}" destId="{92F77310-59E2-472A-8743-7F0A479A7D97}" srcOrd="1" destOrd="0" presId="urn:microsoft.com/office/officeart/2005/8/layout/hierarchy3"/>
+    <dgm:cxn modelId="{10C8815B-3042-4679-83F6-C27E7C5B7ED1}" type="presParOf" srcId="{92F77310-59E2-472A-8743-7F0A479A7D97}" destId="{F9DAA985-9620-4FE4-AD66-266F47B6FA22}" srcOrd="0" destOrd="0" presId="urn:microsoft.com/office/officeart/2005/8/layout/hierarchy3"/>
+    <dgm:cxn modelId="{FABF7B5C-2400-4F5D-869D-698B49AD32DE}" type="presParOf" srcId="{92F77310-59E2-472A-8743-7F0A479A7D97}" destId="{BAD9A852-521D-4339-98DF-B68E15E054BE}" srcOrd="1" destOrd="0" presId="urn:microsoft.com/office/officeart/2005/8/layout/hierarchy3"/>
+    <dgm:cxn modelId="{B6128DF5-C640-4F8F-A302-96F4C2B0D26A}" type="presParOf" srcId="{92F77310-59E2-472A-8743-7F0A479A7D97}" destId="{9C3BE4CA-6CDD-439C-9B73-5E226A1B0B48}" srcOrd="2" destOrd="0" presId="urn:microsoft.com/office/officeart/2005/8/layout/hierarchy3"/>
+    <dgm:cxn modelId="{7E82E27A-801B-4866-924F-34A5327F54D7}" type="presParOf" srcId="{92F77310-59E2-472A-8743-7F0A479A7D97}" destId="{D283C5B1-0228-4521-BE43-83235501D744}" srcOrd="3" destOrd="0" presId="urn:microsoft.com/office/officeart/2005/8/layout/hierarchy3"/>
+    <dgm:cxn modelId="{FCCF20B7-21FD-4257-A576-93F730E2806A}" type="presParOf" srcId="{92F77310-59E2-472A-8743-7F0A479A7D97}" destId="{80594A75-FEF2-403E-BDA0-9CB9CF438F58}" srcOrd="4" destOrd="0" presId="urn:microsoft.com/office/officeart/2005/8/layout/hierarchy3"/>
+    <dgm:cxn modelId="{7BDE6BCF-75E5-4FC3-A3A5-2F082BEF8E10}" type="presParOf" srcId="{92F77310-59E2-472A-8743-7F0A479A7D97}" destId="{BEA0F57C-630C-449D-9DFC-88AF2A7746EC}" srcOrd="5" destOrd="0" presId="urn:microsoft.com/office/officeart/2005/8/layout/hierarchy3"/>
+    <dgm:cxn modelId="{563391EC-EC05-4AAB-AC31-390D7188EE85}" type="presParOf" srcId="{92F77310-59E2-472A-8743-7F0A479A7D97}" destId="{3B303A3E-75AC-4DC3-8E89-97188008AE8B}" srcOrd="6" destOrd="0" presId="urn:microsoft.com/office/officeart/2005/8/layout/hierarchy3"/>
+    <dgm:cxn modelId="{508456F1-BBFE-4B2D-968A-BB19EA16C880}" type="presParOf" srcId="{92F77310-59E2-472A-8743-7F0A479A7D97}" destId="{62E0A4E6-D326-452B-8845-93A178728308}" srcOrd="7" destOrd="0" presId="urn:microsoft.com/office/officeart/2005/8/layout/hierarchy3"/>
+    <dgm:cxn modelId="{B4E2246D-FCAC-4D79-AC37-32BBEE330DBF}" type="presParOf" srcId="{831EB92D-585E-47C1-A549-81AC7400B88C}" destId="{8B73E635-08CC-4DBF-A2B4-8284A5FDC4E2}" srcOrd="3" destOrd="0" presId="urn:microsoft.com/office/officeart/2005/8/layout/hierarchy3"/>
+    <dgm:cxn modelId="{79108C4B-CFB1-4734-BFDE-36D6804CFF21}" type="presParOf" srcId="{8B73E635-08CC-4DBF-A2B4-8284A5FDC4E2}" destId="{768B67BC-0FD0-48FC-A920-135F587A9504}" srcOrd="0" destOrd="0" presId="urn:microsoft.com/office/officeart/2005/8/layout/hierarchy3"/>
+    <dgm:cxn modelId="{53D8DB3E-CC99-4926-B1F8-9D0D6257E457}" type="presParOf" srcId="{768B67BC-0FD0-48FC-A920-135F587A9504}" destId="{6237F84E-D336-4BC4-9292-DFE64E3A2CBF}" srcOrd="0" destOrd="0" presId="urn:microsoft.com/office/officeart/2005/8/layout/hierarchy3"/>
+    <dgm:cxn modelId="{78953C05-E368-4E3E-ACA4-D9C952EF093A}" type="presParOf" srcId="{768B67BC-0FD0-48FC-A920-135F587A9504}" destId="{E1BC08EE-9C07-4329-B870-B67D8BD118A1}" srcOrd="1" destOrd="0" presId="urn:microsoft.com/office/officeart/2005/8/layout/hierarchy3"/>
+    <dgm:cxn modelId="{3F946908-5F72-4008-8694-EE5709B797A3}" type="presParOf" srcId="{8B73E635-08CC-4DBF-A2B4-8284A5FDC4E2}" destId="{5160BDE6-1DD2-4ADF-ABB4-8CB0B5D98CC4}" srcOrd="1" destOrd="0" presId="urn:microsoft.com/office/officeart/2005/8/layout/hierarchy3"/>
+    <dgm:cxn modelId="{0C2D309E-E6D0-439E-B22D-B2DC9B9F62D0}" type="presParOf" srcId="{5160BDE6-1DD2-4ADF-ABB4-8CB0B5D98CC4}" destId="{8C97F9A6-AB46-4405-ABCF-D34BEF3763F4}" srcOrd="0" destOrd="0" presId="urn:microsoft.com/office/officeart/2005/8/layout/hierarchy3"/>
+    <dgm:cxn modelId="{85E150A4-30C1-4103-89CC-74378076C69D}" type="presParOf" srcId="{5160BDE6-1DD2-4ADF-ABB4-8CB0B5D98CC4}" destId="{E0B17A26-9BE2-4775-992D-927A60430784}" srcOrd="1" destOrd="0" presId="urn:microsoft.com/office/officeart/2005/8/layout/hierarchy3"/>
+    <dgm:cxn modelId="{EF67BAD0-9BF9-4DC0-A26E-8951EA47631F}" type="presParOf" srcId="{5160BDE6-1DD2-4ADF-ABB4-8CB0B5D98CC4}" destId="{66E5747D-4768-4FC6-9131-00ECD310A84D}" srcOrd="2" destOrd="0" presId="urn:microsoft.com/office/officeart/2005/8/layout/hierarchy3"/>
+    <dgm:cxn modelId="{9B069A54-3836-44FB-A008-83B7B17AA475}" type="presParOf" srcId="{5160BDE6-1DD2-4ADF-ABB4-8CB0B5D98CC4}" destId="{78F08B80-B887-417B-A556-AA10E35B3710}" srcOrd="3" destOrd="0" presId="urn:microsoft.com/office/officeart/2005/8/layout/hierarchy3"/>
+    <dgm:cxn modelId="{BCA8AAFD-92DD-48B8-936E-57294F6F107C}" type="presParOf" srcId="{831EB92D-585E-47C1-A549-81AC7400B88C}" destId="{A8B1290B-5527-4692-85B3-66594CEBC24F}" srcOrd="4" destOrd="0" presId="urn:microsoft.com/office/officeart/2005/8/layout/hierarchy3"/>
+    <dgm:cxn modelId="{6DFE9C7E-7503-4889-9DE5-58C58D80FDC3}" type="presParOf" srcId="{A8B1290B-5527-4692-85B3-66594CEBC24F}" destId="{01656E7F-30DE-460E-B9ED-EE4793CCC5A0}" srcOrd="0" destOrd="0" presId="urn:microsoft.com/office/officeart/2005/8/layout/hierarchy3"/>
+    <dgm:cxn modelId="{C8D53086-3398-4288-B9E8-F73C3C389AB7}" type="presParOf" srcId="{01656E7F-30DE-460E-B9ED-EE4793CCC5A0}" destId="{37A69157-3315-4E98-907A-0A55586D5754}" srcOrd="0" destOrd="0" presId="urn:microsoft.com/office/officeart/2005/8/layout/hierarchy3"/>
+    <dgm:cxn modelId="{F7B2162E-884C-4268-9035-7CC15C2D2F88}" type="presParOf" srcId="{01656E7F-30DE-460E-B9ED-EE4793CCC5A0}" destId="{192590B0-12CB-4C0C-ABA2-275E263C7958}" srcOrd="1" destOrd="0" presId="urn:microsoft.com/office/officeart/2005/8/layout/hierarchy3"/>
+    <dgm:cxn modelId="{FD76B4F5-B332-4AC4-B1D0-33170DEE1480}" type="presParOf" srcId="{A8B1290B-5527-4692-85B3-66594CEBC24F}" destId="{2830F6B1-F4AF-4A6C-AEE0-BD6A26CE5028}" srcOrd="1" destOrd="0" presId="urn:microsoft.com/office/officeart/2005/8/layout/hierarchy3"/>
+    <dgm:cxn modelId="{CEA626AE-981F-4C58-B659-E83F2BBAEB00}" type="presParOf" srcId="{2830F6B1-F4AF-4A6C-AEE0-BD6A26CE5028}" destId="{BABD9D92-0B1C-46E4-8141-AD5E2C745A46}" srcOrd="0" destOrd="0" presId="urn:microsoft.com/office/officeart/2005/8/layout/hierarchy3"/>
+    <dgm:cxn modelId="{F00C60D1-447A-4AFF-9698-F611FE9900E0}" type="presParOf" srcId="{2830F6B1-F4AF-4A6C-AEE0-BD6A26CE5028}" destId="{06E1A880-F68A-4DAD-8737-48DD0FEDAC6E}" srcOrd="1" destOrd="0" presId="urn:microsoft.com/office/officeart/2005/8/layout/hierarchy3"/>
+    <dgm:cxn modelId="{04F3EAD7-9E6B-4FFA-A815-689B73245C58}" type="presParOf" srcId="{2830F6B1-F4AF-4A6C-AEE0-BD6A26CE5028}" destId="{A8FBDA45-2646-4869-BF99-DAF5C9E518FA}" srcOrd="2" destOrd="0" presId="urn:microsoft.com/office/officeart/2005/8/layout/hierarchy3"/>
+    <dgm:cxn modelId="{07233730-0BCB-45E2-A2E8-7B5D6348D5ED}" type="presParOf" srcId="{2830F6B1-F4AF-4A6C-AEE0-BD6A26CE5028}" destId="{C69C59A0-919E-43CC-9B6F-8F63925828D9}" srcOrd="3" destOrd="0" presId="urn:microsoft.com/office/officeart/2005/8/layout/hierarchy3"/>
+    <dgm:cxn modelId="{37922357-6208-454B-B29A-299364C3D8F9}" type="presParOf" srcId="{2830F6B1-F4AF-4A6C-AEE0-BD6A26CE5028}" destId="{76521B39-BB87-4537-9C0B-12EB37FE6FC1}" srcOrd="4" destOrd="0" presId="urn:microsoft.com/office/officeart/2005/8/layout/hierarchy3"/>
+    <dgm:cxn modelId="{D006E525-73F8-4224-B30F-CCE545553246}" type="presParOf" srcId="{2830F6B1-F4AF-4A6C-AEE0-BD6A26CE5028}" destId="{0FF619DA-7F8E-4155-B7A5-409B3785DCD1}" srcOrd="5" destOrd="0" presId="urn:microsoft.com/office/officeart/2005/8/layout/hierarchy3"/>
+    <dgm:cxn modelId="{54429EFB-8748-4CE2-B901-14A58F467DDC}" type="presParOf" srcId="{2830F6B1-F4AF-4A6C-AEE0-BD6A26CE5028}" destId="{7E087423-1666-438F-B197-9EBAAFE332AA}" srcOrd="6" destOrd="0" presId="urn:microsoft.com/office/officeart/2005/8/layout/hierarchy3"/>
+    <dgm:cxn modelId="{6F0749A2-CF18-404A-A09D-F27E82D98C4B}" type="presParOf" srcId="{2830F6B1-F4AF-4A6C-AEE0-BD6A26CE5028}" destId="{AAE2AFA8-A7B5-4902-88FD-4CD71D251D03}" srcOrd="7" destOrd="0" presId="urn:microsoft.com/office/officeart/2005/8/layout/hierarchy3"/>
+  </dgm:cxnLst>
+  <dgm:bg/>
+  <dgm:whole/>
+  <dgm:extLst>
+    <a:ext uri="http://schemas.microsoft.com/office/drawing/2008/diagram">
+      <dsp:dataModelExt xmlns:dsp="http://schemas.microsoft.com/office/drawing/2008/diagram" relId="rId6" minVer="http://schemas.openxmlformats.org/drawingml/2006/diagram"/>
+    </a:ext>
+  </dgm:extLst>
+</dgm:dataModel>
+</file>
+
+<file path=ppt/diagrams/drawing1.xml><?xml version="1.0" encoding="utf-8"?>
+<dsp:drawing xmlns:dgm="http://schemas.openxmlformats.org/drawingml/2006/diagram" xmlns:dsp="http://schemas.microsoft.com/office/drawing/2008/diagram" xmlns:a="http://schemas.openxmlformats.org/drawingml/2006/main">
+  <dsp:spTree>
+    <dsp:nvGrpSpPr>
+      <dsp:cNvPr id="0" name=""/>
+      <dsp:cNvGrpSpPr/>
+    </dsp:nvGrpSpPr>
+    <dsp:grpSpPr/>
+    <dsp:sp modelId="{A40FEF02-395E-4744-9745-E2E77C3C14FF}">
+      <dsp:nvSpPr>
+        <dsp:cNvPr id="0" name=""/>
+        <dsp:cNvSpPr/>
+      </dsp:nvSpPr>
+      <dsp:spPr>
+        <a:xfrm>
+          <a:off x="10734" y="202993"/>
+          <a:ext cx="1763998" cy="881999"/>
+        </a:xfrm>
+        <a:prstGeom prst="roundRect">
+          <a:avLst>
+            <a:gd name="adj" fmla="val 10000"/>
+          </a:avLst>
+        </a:prstGeom>
+        <a:solidFill>
+          <a:schemeClr val="accent1">
+            <a:hueOff val="0"/>
+            <a:satOff val="0"/>
+            <a:lumOff val="0"/>
+            <a:alphaOff val="0"/>
+          </a:schemeClr>
+        </a:solidFill>
+        <a:ln w="12700" cap="flat" cmpd="sng" algn="ctr">
+          <a:solidFill>
+            <a:schemeClr val="lt1">
+              <a:hueOff val="0"/>
+              <a:satOff val="0"/>
+              <a:lumOff val="0"/>
+              <a:alphaOff val="0"/>
+            </a:schemeClr>
+          </a:solidFill>
+          <a:prstDash val="solid"/>
+          <a:miter lim="800000"/>
+        </a:ln>
+        <a:effectLst/>
+      </dsp:spPr>
+      <dsp:style>
+        <a:lnRef idx="2">
+          <a:scrgbClr r="0" g="0" b="0"/>
+        </a:lnRef>
+        <a:fillRef idx="1">
+          <a:scrgbClr r="0" g="0" b="0"/>
+        </a:fillRef>
+        <a:effectRef idx="0">
+          <a:scrgbClr r="0" g="0" b="0"/>
+        </a:effectRef>
+        <a:fontRef idx="minor">
+          <a:schemeClr val="lt1"/>
+        </a:fontRef>
+      </dsp:style>
+      <dsp:txBody>
+        <a:bodyPr spcFirstLastPara="0" vert="horz" wrap="square" lIns="34290" tIns="22860" rIns="34290" bIns="22860" numCol="1" spcCol="1270" anchor="ctr" anchorCtr="0">
+          <a:noAutofit/>
+        </a:bodyPr>
+        <a:lstStyle/>
+        <a:p>
+          <a:pPr marL="0" lvl="0" indent="0" algn="ctr" defTabSz="800100">
+            <a:lnSpc>
+              <a:spcPct val="90000"/>
+            </a:lnSpc>
+            <a:spcBef>
+              <a:spcPct val="0"/>
+            </a:spcBef>
+            <a:spcAft>
+              <a:spcPct val="35000"/>
+            </a:spcAft>
+            <a:buNone/>
+          </a:pPr>
+          <a:r>
+            <a:rPr lang="de-DE" sz="1800" kern="1200" dirty="0">
+              <a:latin typeface="Bahnschrift" panose="020B0502040204020203" pitchFamily="34" charset="0"/>
+            </a:rPr>
+            <a:t>1. State-</a:t>
+          </a:r>
+          <a:r>
+            <a:rPr lang="de-DE" sz="1800" kern="1200" dirty="0" err="1">
+              <a:latin typeface="Bahnschrift" panose="020B0502040204020203" pitchFamily="34" charset="0"/>
+            </a:rPr>
+            <a:t>of</a:t>
+          </a:r>
+          <a:r>
+            <a:rPr lang="de-DE" sz="1800" kern="1200" dirty="0">
+              <a:latin typeface="Bahnschrift" panose="020B0502040204020203" pitchFamily="34" charset="0"/>
+            </a:rPr>
+            <a:t>-</a:t>
+          </a:r>
+          <a:r>
+            <a:rPr lang="de-DE" sz="1800" kern="1200" dirty="0" err="1">
+              <a:latin typeface="Bahnschrift" panose="020B0502040204020203" pitchFamily="34" charset="0"/>
+            </a:rPr>
+            <a:t>the</a:t>
+          </a:r>
+          <a:r>
+            <a:rPr lang="de-DE" sz="1800" kern="1200" dirty="0">
+              <a:latin typeface="Bahnschrift" panose="020B0502040204020203" pitchFamily="34" charset="0"/>
+            </a:rPr>
+            <a:t>-art </a:t>
+          </a:r>
+          <a:r>
+            <a:rPr lang="de-DE" sz="1800" kern="1200" dirty="0" err="1">
+              <a:latin typeface="Bahnschrift" panose="020B0502040204020203" pitchFamily="34" charset="0"/>
+            </a:rPr>
+            <a:t>research</a:t>
+          </a:r>
+          <a:endParaRPr lang="en-GB" sz="1800" kern="1200" dirty="0">
+            <a:latin typeface="Bahnschrift" panose="020B0502040204020203" pitchFamily="34" charset="0"/>
+          </a:endParaRPr>
+        </a:p>
+      </dsp:txBody>
+      <dsp:txXfrm>
+        <a:off x="36567" y="228826"/>
+        <a:ext cx="1712332" cy="830333"/>
+      </dsp:txXfrm>
+    </dsp:sp>
+    <dsp:sp modelId="{1180EE6A-87BD-4568-8D30-48B97CA1A37A}">
+      <dsp:nvSpPr>
+        <dsp:cNvPr id="0" name=""/>
+        <dsp:cNvSpPr/>
+      </dsp:nvSpPr>
+      <dsp:spPr>
+        <a:xfrm>
+          <a:off x="187134" y="1084993"/>
+          <a:ext cx="178149" cy="762223"/>
+        </a:xfrm>
+        <a:custGeom>
+          <a:avLst/>
+          <a:gdLst/>
+          <a:ahLst/>
+          <a:cxnLst/>
+          <a:rect l="0" t="0" r="0" b="0"/>
+          <a:pathLst>
+            <a:path>
+              <a:moveTo>
+                <a:pt x="0" y="0"/>
+              </a:moveTo>
+              <a:lnTo>
+                <a:pt x="0" y="762223"/>
+              </a:lnTo>
+              <a:lnTo>
+                <a:pt x="178149" y="762223"/>
+              </a:lnTo>
+            </a:path>
+          </a:pathLst>
+        </a:custGeom>
+        <a:noFill/>
+        <a:ln w="12700" cap="flat" cmpd="sng" algn="ctr">
+          <a:solidFill>
+            <a:schemeClr val="accent1">
+              <a:shade val="60000"/>
+              <a:hueOff val="0"/>
+              <a:satOff val="0"/>
+              <a:lumOff val="0"/>
+              <a:alphaOff val="0"/>
+            </a:schemeClr>
+          </a:solidFill>
+          <a:prstDash val="solid"/>
+          <a:miter lim="800000"/>
+        </a:ln>
+        <a:effectLst/>
+      </dsp:spPr>
+      <dsp:style>
+        <a:lnRef idx="2">
+          <a:scrgbClr r="0" g="0" b="0"/>
+        </a:lnRef>
+        <a:fillRef idx="0">
+          <a:scrgbClr r="0" g="0" b="0"/>
+        </a:fillRef>
+        <a:effectRef idx="0">
+          <a:scrgbClr r="0" g="0" b="0"/>
+        </a:effectRef>
+        <a:fontRef idx="minor"/>
+      </dsp:style>
+    </dsp:sp>
+    <dsp:sp modelId="{35A2B373-EAD0-4F8B-9E50-1FB6BCB4F85E}">
+      <dsp:nvSpPr>
+        <dsp:cNvPr id="0" name=""/>
+        <dsp:cNvSpPr/>
+      </dsp:nvSpPr>
+      <dsp:spPr>
+        <a:xfrm>
+          <a:off x="365283" y="1305492"/>
+          <a:ext cx="2402397" cy="1083448"/>
+        </a:xfrm>
+        <a:prstGeom prst="roundRect">
+          <a:avLst>
+            <a:gd name="adj" fmla="val 10000"/>
+          </a:avLst>
+        </a:prstGeom>
+        <a:solidFill>
+          <a:schemeClr val="lt1">
+            <a:alpha val="90000"/>
+            <a:hueOff val="0"/>
+            <a:satOff val="0"/>
+            <a:lumOff val="0"/>
+            <a:alphaOff val="0"/>
+          </a:schemeClr>
+        </a:solidFill>
+        <a:ln w="12700" cap="flat" cmpd="sng" algn="ctr">
+          <a:solidFill>
+            <a:schemeClr val="accent1">
+              <a:hueOff val="0"/>
+              <a:satOff val="0"/>
+              <a:lumOff val="0"/>
+              <a:alphaOff val="0"/>
+            </a:schemeClr>
+          </a:solidFill>
+          <a:prstDash val="solid"/>
+          <a:miter lim="800000"/>
+        </a:ln>
+        <a:effectLst/>
+      </dsp:spPr>
+      <dsp:style>
+        <a:lnRef idx="2">
+          <a:scrgbClr r="0" g="0" b="0"/>
+        </a:lnRef>
+        <a:fillRef idx="1">
+          <a:scrgbClr r="0" g="0" b="0"/>
+        </a:fillRef>
+        <a:effectRef idx="0">
+          <a:scrgbClr r="0" g="0" b="0"/>
+        </a:effectRef>
+        <a:fontRef idx="minor"/>
+      </dsp:style>
+      <dsp:txBody>
+        <a:bodyPr spcFirstLastPara="0" vert="horz" wrap="square" lIns="30480" tIns="20320" rIns="30480" bIns="20320" numCol="1" spcCol="1270" anchor="t" anchorCtr="0">
+          <a:noAutofit/>
+        </a:bodyPr>
+        <a:lstStyle/>
+        <a:p>
+          <a:pPr marL="0" lvl="0" indent="0" algn="l" defTabSz="711200">
+            <a:lnSpc>
+              <a:spcPct val="90000"/>
+            </a:lnSpc>
+            <a:spcBef>
+              <a:spcPct val="0"/>
+            </a:spcBef>
+            <a:spcAft>
+              <a:spcPct val="35000"/>
+            </a:spcAft>
+            <a:buNone/>
+          </a:pPr>
+          <a:r>
+            <a:rPr lang="de-DE" sz="1600" kern="1200" dirty="0">
+              <a:latin typeface="Bahnschrift" panose="020B0502040204020203" pitchFamily="34" charset="0"/>
+            </a:rPr>
+            <a:t>1.1. Market Research</a:t>
+          </a:r>
+          <a:endParaRPr lang="en-GB" sz="1600" kern="1200" dirty="0">
+            <a:latin typeface="Bahnschrift" panose="020B0502040204020203" pitchFamily="34" charset="0"/>
+          </a:endParaRPr>
+        </a:p>
+        <a:p>
+          <a:pPr marL="114300" lvl="1" indent="-114300" algn="l" defTabSz="622300">
+            <a:lnSpc>
+              <a:spcPct val="90000"/>
+            </a:lnSpc>
+            <a:spcBef>
+              <a:spcPct val="0"/>
+            </a:spcBef>
+            <a:spcAft>
+              <a:spcPct val="15000"/>
+            </a:spcAft>
+            <a:buChar char="•"/>
+          </a:pPr>
+          <a:r>
+            <a:rPr lang="de-DE" sz="1400" b="0" i="0" kern="1200" dirty="0">
+              <a:latin typeface="Bahnschrift" panose="020B0502040204020203" pitchFamily="34" charset="0"/>
+            </a:rPr>
+            <a:t>1.1.1. Bike-</a:t>
+          </a:r>
+          <a:r>
+            <a:rPr lang="de-DE" sz="1400" b="0" i="0" kern="1200" dirty="0" err="1">
+              <a:latin typeface="Bahnschrift" panose="020B0502040204020203" pitchFamily="34" charset="0"/>
+            </a:rPr>
+            <a:t>renting</a:t>
+          </a:r>
+          <a:r>
+            <a:rPr lang="de-DE" sz="1400" b="0" i="0" kern="1200" dirty="0">
+              <a:latin typeface="Bahnschrift" panose="020B0502040204020203" pitchFamily="34" charset="0"/>
+            </a:rPr>
+            <a:t> Services </a:t>
+          </a:r>
+          <a:endParaRPr lang="en-GB" sz="1400" b="0" i="0" kern="1200" dirty="0">
+            <a:latin typeface="Bahnschrift" panose="020B0502040204020203" pitchFamily="34" charset="0"/>
+          </a:endParaRPr>
+        </a:p>
+        <a:p>
+          <a:pPr marL="114300" lvl="1" indent="-114300" algn="l" defTabSz="622300">
+            <a:lnSpc>
+              <a:spcPct val="90000"/>
+            </a:lnSpc>
+            <a:spcBef>
+              <a:spcPct val="0"/>
+            </a:spcBef>
+            <a:spcAft>
+              <a:spcPct val="15000"/>
+            </a:spcAft>
+            <a:buChar char="•"/>
+          </a:pPr>
+          <a:r>
+            <a:rPr lang="en-GB" sz="1400" b="0" i="0" kern="1200" dirty="0">
+              <a:latin typeface="Bahnschrift" panose="020B0502040204020203" pitchFamily="34" charset="0"/>
+            </a:rPr>
+            <a:t>1.1.2. IOTA Use-cases</a:t>
+          </a:r>
+        </a:p>
+        <a:p>
+          <a:pPr marL="114300" lvl="1" indent="-114300" algn="l" defTabSz="622300">
+            <a:lnSpc>
+              <a:spcPct val="90000"/>
+            </a:lnSpc>
+            <a:spcBef>
+              <a:spcPct val="0"/>
+            </a:spcBef>
+            <a:spcAft>
+              <a:spcPct val="15000"/>
+            </a:spcAft>
+            <a:buChar char="•"/>
+          </a:pPr>
+          <a:r>
+            <a:rPr lang="en-GB" sz="1400" b="0" i="0" kern="1200" dirty="0">
+              <a:latin typeface="Bahnschrift" panose="020B0502040204020203" pitchFamily="34" charset="0"/>
+            </a:rPr>
+            <a:t>1.1.3. System Requirements</a:t>
+          </a:r>
+        </a:p>
+      </dsp:txBody>
+      <dsp:txXfrm>
+        <a:off x="397016" y="1337225"/>
+        <a:ext cx="2338931" cy="1019982"/>
+      </dsp:txXfrm>
+    </dsp:sp>
+    <dsp:sp modelId="{E6191948-143B-4638-8EDD-3551C56CB93D}">
+      <dsp:nvSpPr>
+        <dsp:cNvPr id="0" name=""/>
+        <dsp:cNvSpPr/>
+      </dsp:nvSpPr>
+      <dsp:spPr>
+        <a:xfrm>
+          <a:off x="187134" y="1084993"/>
+          <a:ext cx="178149" cy="2270129"/>
+        </a:xfrm>
+        <a:custGeom>
+          <a:avLst/>
+          <a:gdLst/>
+          <a:ahLst/>
+          <a:cxnLst/>
+          <a:rect l="0" t="0" r="0" b="0"/>
+          <a:pathLst>
+            <a:path>
+              <a:moveTo>
+                <a:pt x="0" y="0"/>
+              </a:moveTo>
+              <a:lnTo>
+                <a:pt x="0" y="2270129"/>
+              </a:lnTo>
+              <a:lnTo>
+                <a:pt x="178149" y="2270129"/>
+              </a:lnTo>
+            </a:path>
+          </a:pathLst>
+        </a:custGeom>
+        <a:noFill/>
+        <a:ln w="12700" cap="flat" cmpd="sng" algn="ctr">
+          <a:solidFill>
+            <a:schemeClr val="accent1">
+              <a:shade val="60000"/>
+              <a:hueOff val="0"/>
+              <a:satOff val="0"/>
+              <a:lumOff val="0"/>
+              <a:alphaOff val="0"/>
+            </a:schemeClr>
+          </a:solidFill>
+          <a:prstDash val="solid"/>
+          <a:miter lim="800000"/>
+        </a:ln>
+        <a:effectLst/>
+      </dsp:spPr>
+      <dsp:style>
+        <a:lnRef idx="2">
+          <a:scrgbClr r="0" g="0" b="0"/>
+        </a:lnRef>
+        <a:fillRef idx="0">
+          <a:scrgbClr r="0" g="0" b="0"/>
+        </a:fillRef>
+        <a:effectRef idx="0">
+          <a:scrgbClr r="0" g="0" b="0"/>
+        </a:effectRef>
+        <a:fontRef idx="minor"/>
+      </dsp:style>
+    </dsp:sp>
+    <dsp:sp modelId="{CB7106B6-6B02-464D-A386-0A254DCED692}">
+      <dsp:nvSpPr>
+        <dsp:cNvPr id="0" name=""/>
+        <dsp:cNvSpPr/>
+      </dsp:nvSpPr>
+      <dsp:spPr>
+        <a:xfrm>
+          <a:off x="365283" y="2610252"/>
+          <a:ext cx="2571896" cy="1489741"/>
+        </a:xfrm>
+        <a:prstGeom prst="roundRect">
+          <a:avLst>
+            <a:gd name="adj" fmla="val 10000"/>
+          </a:avLst>
+        </a:prstGeom>
+        <a:solidFill>
+          <a:schemeClr val="lt1">
+            <a:alpha val="90000"/>
+            <a:hueOff val="0"/>
+            <a:satOff val="0"/>
+            <a:lumOff val="0"/>
+            <a:alphaOff val="0"/>
+          </a:schemeClr>
+        </a:solidFill>
+        <a:ln w="12700" cap="flat" cmpd="sng" algn="ctr">
+          <a:solidFill>
+            <a:schemeClr val="accent1">
+              <a:hueOff val="0"/>
+              <a:satOff val="0"/>
+              <a:lumOff val="0"/>
+              <a:alphaOff val="0"/>
+            </a:schemeClr>
+          </a:solidFill>
+          <a:prstDash val="solid"/>
+          <a:miter lim="800000"/>
+        </a:ln>
+        <a:effectLst/>
+      </dsp:spPr>
+      <dsp:style>
+        <a:lnRef idx="2">
+          <a:scrgbClr r="0" g="0" b="0"/>
+        </a:lnRef>
+        <a:fillRef idx="1">
+          <a:scrgbClr r="0" g="0" b="0"/>
+        </a:fillRef>
+        <a:effectRef idx="0">
+          <a:scrgbClr r="0" g="0" b="0"/>
+        </a:effectRef>
+        <a:fontRef idx="minor"/>
+      </dsp:style>
+      <dsp:txBody>
+        <a:bodyPr spcFirstLastPara="0" vert="horz" wrap="square" lIns="30480" tIns="20320" rIns="30480" bIns="20320" numCol="1" spcCol="1270" anchor="t" anchorCtr="0">
+          <a:noAutofit/>
+        </a:bodyPr>
+        <a:lstStyle/>
+        <a:p>
+          <a:pPr marL="0" lvl="0" indent="0" algn="l" defTabSz="711200">
+            <a:lnSpc>
+              <a:spcPct val="90000"/>
+            </a:lnSpc>
+            <a:spcBef>
+              <a:spcPct val="0"/>
+            </a:spcBef>
+            <a:spcAft>
+              <a:spcPct val="35000"/>
+            </a:spcAft>
+            <a:buNone/>
+          </a:pPr>
+          <a:r>
+            <a:rPr lang="de-DE" sz="1600" kern="1200" dirty="0">
+              <a:latin typeface="Bahnschrift" panose="020B0502040204020203" pitchFamily="34" charset="0"/>
+            </a:rPr>
+            <a:t>1.2. Hardware Research</a:t>
+          </a:r>
+          <a:endParaRPr lang="en-GB" sz="1600" kern="1200" dirty="0">
+            <a:latin typeface="Bahnschrift" panose="020B0502040204020203" pitchFamily="34" charset="0"/>
+          </a:endParaRPr>
+        </a:p>
+        <a:p>
+          <a:pPr marL="114300" lvl="1" indent="-114300" algn="l" defTabSz="622300">
+            <a:lnSpc>
+              <a:spcPct val="90000"/>
+            </a:lnSpc>
+            <a:spcBef>
+              <a:spcPct val="0"/>
+            </a:spcBef>
+            <a:spcAft>
+              <a:spcPct val="15000"/>
+            </a:spcAft>
+            <a:buChar char="•"/>
+          </a:pPr>
+          <a:r>
+            <a:rPr lang="en-GB" sz="1400" b="0" kern="1200" dirty="0">
+              <a:latin typeface="Bahnschrift" panose="020B0502040204020203" pitchFamily="34" charset="0"/>
+            </a:rPr>
+            <a:t>1.2.1. Firmware Requirements</a:t>
+          </a:r>
+        </a:p>
+        <a:p>
+          <a:pPr marL="114300" lvl="1" indent="-114300" algn="l" defTabSz="622300">
+            <a:lnSpc>
+              <a:spcPct val="90000"/>
+            </a:lnSpc>
+            <a:spcBef>
+              <a:spcPct val="0"/>
+            </a:spcBef>
+            <a:spcAft>
+              <a:spcPct val="15000"/>
+            </a:spcAft>
+            <a:buChar char="•"/>
+          </a:pPr>
+          <a:r>
+            <a:rPr lang="de-DE" sz="1400" b="0" kern="1200" dirty="0">
+              <a:latin typeface="Bahnschrift" panose="020B0502040204020203" pitchFamily="34" charset="0"/>
+            </a:rPr>
+            <a:t>1.2.2. Power </a:t>
+          </a:r>
+          <a:r>
+            <a:rPr lang="de-DE" sz="1400" b="0" kern="1200" dirty="0" err="1">
+              <a:latin typeface="Bahnschrift" panose="020B0502040204020203" pitchFamily="34" charset="0"/>
+            </a:rPr>
+            <a:t>Requirements</a:t>
+          </a:r>
+          <a:endParaRPr lang="en-GB" sz="1400" b="0" kern="1200" dirty="0">
+            <a:latin typeface="Bahnschrift" panose="020B0502040204020203" pitchFamily="34" charset="0"/>
+          </a:endParaRPr>
+        </a:p>
+        <a:p>
+          <a:pPr marL="114300" lvl="1" indent="-114300" algn="l" defTabSz="622300">
+            <a:lnSpc>
+              <a:spcPct val="90000"/>
+            </a:lnSpc>
+            <a:spcBef>
+              <a:spcPct val="0"/>
+            </a:spcBef>
+            <a:spcAft>
+              <a:spcPct val="15000"/>
+            </a:spcAft>
+            <a:buChar char="•"/>
+          </a:pPr>
+          <a:r>
+            <a:rPr lang="en-GB" sz="1400" b="0" kern="1200" dirty="0">
+              <a:latin typeface="Bahnschrift" panose="020B0502040204020203" pitchFamily="34" charset="0"/>
+            </a:rPr>
+            <a:t>1.2.3. Connectivity</a:t>
+          </a:r>
+        </a:p>
+        <a:p>
+          <a:pPr marL="114300" lvl="1" indent="-114300" algn="l" defTabSz="622300">
+            <a:lnSpc>
+              <a:spcPct val="90000"/>
+            </a:lnSpc>
+            <a:spcBef>
+              <a:spcPct val="0"/>
+            </a:spcBef>
+            <a:spcAft>
+              <a:spcPct val="15000"/>
+            </a:spcAft>
+            <a:buChar char="•"/>
+          </a:pPr>
+          <a:r>
+            <a:rPr lang="en-GB" sz="1400" b="0" kern="1200" dirty="0">
+              <a:latin typeface="Bahnschrift" panose="020B0502040204020203" pitchFamily="34" charset="0"/>
+            </a:rPr>
+            <a:t>1.2.4. Sensors &amp; triggers</a:t>
+          </a:r>
+        </a:p>
+      </dsp:txBody>
+      <dsp:txXfrm>
+        <a:off x="408916" y="2653885"/>
+        <a:ext cx="2484630" cy="1402475"/>
+      </dsp:txXfrm>
+    </dsp:sp>
+    <dsp:sp modelId="{4D558C54-4903-4612-8A32-9AF61DD53EA6}">
+      <dsp:nvSpPr>
+        <dsp:cNvPr id="0" name=""/>
+        <dsp:cNvSpPr/>
+      </dsp:nvSpPr>
+      <dsp:spPr>
+        <a:xfrm>
+          <a:off x="187134" y="1084993"/>
+          <a:ext cx="168878" cy="3923133"/>
+        </a:xfrm>
+        <a:custGeom>
+          <a:avLst/>
+          <a:gdLst/>
+          <a:ahLst/>
+          <a:cxnLst/>
+          <a:rect l="0" t="0" r="0" b="0"/>
+          <a:pathLst>
+            <a:path>
+              <a:moveTo>
+                <a:pt x="0" y="0"/>
+              </a:moveTo>
+              <a:lnTo>
+                <a:pt x="0" y="3923133"/>
+              </a:lnTo>
+              <a:lnTo>
+                <a:pt x="168878" y="3923133"/>
+              </a:lnTo>
+            </a:path>
+          </a:pathLst>
+        </a:custGeom>
+        <a:noFill/>
+        <a:ln w="12700" cap="flat" cmpd="sng" algn="ctr">
+          <a:solidFill>
+            <a:schemeClr val="accent1">
+              <a:shade val="60000"/>
+              <a:hueOff val="0"/>
+              <a:satOff val="0"/>
+              <a:lumOff val="0"/>
+              <a:alphaOff val="0"/>
+            </a:schemeClr>
+          </a:solidFill>
+          <a:prstDash val="solid"/>
+          <a:miter lim="800000"/>
+        </a:ln>
+        <a:effectLst/>
+      </dsp:spPr>
+      <dsp:style>
+        <a:lnRef idx="2">
+          <a:scrgbClr r="0" g="0" b="0"/>
+        </a:lnRef>
+        <a:fillRef idx="0">
+          <a:scrgbClr r="0" g="0" b="0"/>
+        </a:fillRef>
+        <a:effectRef idx="0">
+          <a:scrgbClr r="0" g="0" b="0"/>
+        </a:effectRef>
+        <a:fontRef idx="minor"/>
+      </dsp:style>
+    </dsp:sp>
+    <dsp:sp modelId="{2CB48297-D998-4E5B-9309-769FDBE68E6C}">
+      <dsp:nvSpPr>
+        <dsp:cNvPr id="0" name=""/>
+        <dsp:cNvSpPr/>
+      </dsp:nvSpPr>
+      <dsp:spPr>
+        <a:xfrm>
+          <a:off x="356012" y="4347050"/>
+          <a:ext cx="2597791" cy="1322152"/>
+        </a:xfrm>
+        <a:prstGeom prst="roundRect">
+          <a:avLst>
+            <a:gd name="adj" fmla="val 10000"/>
+          </a:avLst>
+        </a:prstGeom>
+        <a:solidFill>
+          <a:schemeClr val="lt1">
+            <a:alpha val="90000"/>
+            <a:hueOff val="0"/>
+            <a:satOff val="0"/>
+            <a:lumOff val="0"/>
+            <a:alphaOff val="0"/>
+          </a:schemeClr>
+        </a:solidFill>
+        <a:ln w="12700" cap="flat" cmpd="sng" algn="ctr">
+          <a:solidFill>
+            <a:schemeClr val="accent1">
+              <a:hueOff val="0"/>
+              <a:satOff val="0"/>
+              <a:lumOff val="0"/>
+              <a:alphaOff val="0"/>
+            </a:schemeClr>
+          </a:solidFill>
+          <a:prstDash val="solid"/>
+          <a:miter lim="800000"/>
+        </a:ln>
+        <a:effectLst/>
+      </dsp:spPr>
+      <dsp:style>
+        <a:lnRef idx="2">
+          <a:scrgbClr r="0" g="0" b="0"/>
+        </a:lnRef>
+        <a:fillRef idx="1">
+          <a:scrgbClr r="0" g="0" b="0"/>
+        </a:fillRef>
+        <a:effectRef idx="0">
+          <a:scrgbClr r="0" g="0" b="0"/>
+        </a:effectRef>
+        <a:fontRef idx="minor"/>
+      </dsp:style>
+      <dsp:txBody>
+        <a:bodyPr spcFirstLastPara="0" vert="horz" wrap="square" lIns="30480" tIns="20320" rIns="30480" bIns="20320" numCol="1" spcCol="1270" anchor="t" anchorCtr="0">
+          <a:noAutofit/>
+        </a:bodyPr>
+        <a:lstStyle/>
+        <a:p>
+          <a:pPr marL="0" lvl="0" indent="0" algn="l" defTabSz="711200">
+            <a:lnSpc>
+              <a:spcPct val="90000"/>
+            </a:lnSpc>
+            <a:spcBef>
+              <a:spcPct val="0"/>
+            </a:spcBef>
+            <a:spcAft>
+              <a:spcPct val="35000"/>
+            </a:spcAft>
+            <a:buNone/>
+          </a:pPr>
+          <a:r>
+            <a:rPr lang="de-DE" sz="1600" kern="1200" dirty="0">
+              <a:latin typeface="Bahnschrift" panose="020B0502040204020203" pitchFamily="34" charset="0"/>
+            </a:rPr>
+            <a:t>1.3. </a:t>
+          </a:r>
+          <a:r>
+            <a:rPr lang="de-DE" sz="1600" kern="1200" dirty="0" err="1">
+              <a:latin typeface="Bahnschrift" panose="020B0502040204020203" pitchFamily="34" charset="0"/>
+            </a:rPr>
+            <a:t>Sofware</a:t>
+          </a:r>
+          <a:r>
+            <a:rPr lang="de-DE" sz="1600" kern="1200" dirty="0">
+              <a:latin typeface="Bahnschrift" panose="020B0502040204020203" pitchFamily="34" charset="0"/>
+            </a:rPr>
+            <a:t> Research</a:t>
+          </a:r>
+          <a:endParaRPr lang="en-GB" sz="1600" kern="1200" dirty="0">
+            <a:latin typeface="Bahnschrift" panose="020B0502040204020203" pitchFamily="34" charset="0"/>
+          </a:endParaRPr>
+        </a:p>
+        <a:p>
+          <a:pPr marL="114300" lvl="1" indent="-114300" algn="l" defTabSz="622300">
+            <a:lnSpc>
+              <a:spcPct val="90000"/>
+            </a:lnSpc>
+            <a:spcBef>
+              <a:spcPct val="0"/>
+            </a:spcBef>
+            <a:spcAft>
+              <a:spcPct val="15000"/>
+            </a:spcAft>
+            <a:buChar char="•"/>
+          </a:pPr>
+          <a:r>
+            <a:rPr lang="en-GB" sz="1400" b="0" kern="1200" dirty="0">
+              <a:latin typeface="Bahnschrift" panose="020B0502040204020203" pitchFamily="34" charset="0"/>
+            </a:rPr>
+            <a:t>1.3.1. IOTA Transaction API</a:t>
+          </a:r>
+        </a:p>
+        <a:p>
+          <a:pPr marL="114300" lvl="1" indent="-114300" algn="l" defTabSz="622300">
+            <a:lnSpc>
+              <a:spcPct val="90000"/>
+            </a:lnSpc>
+            <a:spcBef>
+              <a:spcPct val="0"/>
+            </a:spcBef>
+            <a:spcAft>
+              <a:spcPct val="15000"/>
+            </a:spcAft>
+            <a:buChar char="•"/>
+          </a:pPr>
+          <a:r>
+            <a:rPr lang="en-GB" sz="1400" b="0" kern="1200" dirty="0">
+              <a:latin typeface="Bahnschrift" panose="020B0502040204020203" pitchFamily="34" charset="0"/>
+            </a:rPr>
+            <a:t>1.3.2. REST API</a:t>
+          </a:r>
+        </a:p>
+        <a:p>
+          <a:pPr marL="114300" lvl="1" indent="-114300" algn="l" defTabSz="622300">
+            <a:lnSpc>
+              <a:spcPct val="90000"/>
+            </a:lnSpc>
+            <a:spcBef>
+              <a:spcPct val="0"/>
+            </a:spcBef>
+            <a:spcAft>
+              <a:spcPct val="15000"/>
+            </a:spcAft>
+            <a:buChar char="•"/>
+          </a:pPr>
+          <a:r>
+            <a:rPr lang="en-GB" sz="1400" b="0" kern="1200" dirty="0">
+              <a:latin typeface="Bahnschrift" panose="020B0502040204020203" pitchFamily="34" charset="0"/>
+            </a:rPr>
+            <a:t>1.3.3. Web Templating API</a:t>
+          </a:r>
+        </a:p>
+        <a:p>
+          <a:pPr marL="114300" lvl="1" indent="-114300" algn="l" defTabSz="622300">
+            <a:lnSpc>
+              <a:spcPct val="90000"/>
+            </a:lnSpc>
+            <a:spcBef>
+              <a:spcPct val="0"/>
+            </a:spcBef>
+            <a:spcAft>
+              <a:spcPct val="15000"/>
+            </a:spcAft>
+            <a:buChar char="•"/>
+          </a:pPr>
+          <a:r>
+            <a:rPr lang="en-GB" sz="1400" b="0" kern="1200" dirty="0">
+              <a:latin typeface="Bahnschrift" panose="020B0502040204020203" pitchFamily="34" charset="0"/>
+            </a:rPr>
+            <a:t>1.3.4. Software Requirements</a:t>
+          </a:r>
+        </a:p>
+      </dsp:txBody>
+      <dsp:txXfrm>
+        <a:off x="394737" y="4385775"/>
+        <a:ext cx="2520341" cy="1244702"/>
+      </dsp:txXfrm>
+    </dsp:sp>
+    <dsp:sp modelId="{AF2852D5-A87F-44EB-9EB5-C202A1813A37}">
+      <dsp:nvSpPr>
+        <dsp:cNvPr id="0" name=""/>
+        <dsp:cNvSpPr/>
+      </dsp:nvSpPr>
+      <dsp:spPr>
+        <a:xfrm>
+          <a:off x="2916901" y="202993"/>
+          <a:ext cx="1879135" cy="881999"/>
+        </a:xfrm>
+        <a:prstGeom prst="roundRect">
+          <a:avLst>
+            <a:gd name="adj" fmla="val 10000"/>
+          </a:avLst>
+        </a:prstGeom>
+        <a:solidFill>
+          <a:schemeClr val="accent1">
+            <a:hueOff val="0"/>
+            <a:satOff val="0"/>
+            <a:lumOff val="0"/>
+            <a:alphaOff val="0"/>
+          </a:schemeClr>
+        </a:solidFill>
+        <a:ln w="12700" cap="flat" cmpd="sng" algn="ctr">
+          <a:solidFill>
+            <a:schemeClr val="lt1">
+              <a:hueOff val="0"/>
+              <a:satOff val="0"/>
+              <a:lumOff val="0"/>
+              <a:alphaOff val="0"/>
+            </a:schemeClr>
+          </a:solidFill>
+          <a:prstDash val="solid"/>
+          <a:miter lim="800000"/>
+        </a:ln>
+        <a:effectLst/>
+      </dsp:spPr>
+      <dsp:style>
+        <a:lnRef idx="2">
+          <a:scrgbClr r="0" g="0" b="0"/>
+        </a:lnRef>
+        <a:fillRef idx="1">
+          <a:scrgbClr r="0" g="0" b="0"/>
+        </a:fillRef>
+        <a:effectRef idx="0">
+          <a:scrgbClr r="0" g="0" b="0"/>
+        </a:effectRef>
+        <a:fontRef idx="minor">
+          <a:schemeClr val="lt1"/>
+        </a:fontRef>
+      </dsp:style>
+      <dsp:txBody>
+        <a:bodyPr spcFirstLastPara="0" vert="horz" wrap="square" lIns="34290" tIns="22860" rIns="34290" bIns="22860" numCol="1" spcCol="1270" anchor="ctr" anchorCtr="0">
+          <a:noAutofit/>
+        </a:bodyPr>
+        <a:lstStyle/>
+        <a:p>
+          <a:pPr marL="0" lvl="0" indent="0" algn="ctr" defTabSz="800100">
+            <a:lnSpc>
+              <a:spcPct val="90000"/>
+            </a:lnSpc>
+            <a:spcBef>
+              <a:spcPct val="0"/>
+            </a:spcBef>
+            <a:spcAft>
+              <a:spcPct val="35000"/>
+            </a:spcAft>
+            <a:buNone/>
+          </a:pPr>
+          <a:r>
+            <a:rPr lang="de-DE" sz="1800" kern="1200" dirty="0">
+              <a:latin typeface="Bahnschrift" panose="020B0502040204020203" pitchFamily="34" charset="0"/>
+            </a:rPr>
+            <a:t>2. Software Implementation</a:t>
+          </a:r>
+          <a:endParaRPr lang="en-GB" sz="1800" kern="1200" dirty="0">
+            <a:latin typeface="Bahnschrift" panose="020B0502040204020203" pitchFamily="34" charset="0"/>
+          </a:endParaRPr>
+        </a:p>
+      </dsp:txBody>
+      <dsp:txXfrm>
+        <a:off x="2942734" y="228826"/>
+        <a:ext cx="1827469" cy="830333"/>
+      </dsp:txXfrm>
+    </dsp:sp>
+    <dsp:sp modelId="{A305FF97-D897-4695-93A2-E4B4F102682F}">
+      <dsp:nvSpPr>
+        <dsp:cNvPr id="0" name=""/>
+        <dsp:cNvSpPr/>
+      </dsp:nvSpPr>
+      <dsp:spPr>
+        <a:xfrm>
+          <a:off x="3104814" y="1084993"/>
+          <a:ext cx="187917" cy="840924"/>
+        </a:xfrm>
+        <a:custGeom>
+          <a:avLst/>
+          <a:gdLst/>
+          <a:ahLst/>
+          <a:cxnLst/>
+          <a:rect l="0" t="0" r="0" b="0"/>
+          <a:pathLst>
+            <a:path>
+              <a:moveTo>
+                <a:pt x="0" y="0"/>
+              </a:moveTo>
+              <a:lnTo>
+                <a:pt x="0" y="840924"/>
+              </a:lnTo>
+              <a:lnTo>
+                <a:pt x="187917" y="840924"/>
+              </a:lnTo>
+            </a:path>
+          </a:pathLst>
+        </a:custGeom>
+        <a:noFill/>
+        <a:ln w="12700" cap="flat" cmpd="sng" algn="ctr">
+          <a:solidFill>
+            <a:schemeClr val="accent1">
+              <a:shade val="60000"/>
+              <a:hueOff val="0"/>
+              <a:satOff val="0"/>
+              <a:lumOff val="0"/>
+              <a:alphaOff val="0"/>
+            </a:schemeClr>
+          </a:solidFill>
+          <a:prstDash val="solid"/>
+          <a:miter lim="800000"/>
+        </a:ln>
+        <a:effectLst/>
+      </dsp:spPr>
+      <dsp:style>
+        <a:lnRef idx="2">
+          <a:scrgbClr r="0" g="0" b="0"/>
+        </a:lnRef>
+        <a:fillRef idx="0">
+          <a:scrgbClr r="0" g="0" b="0"/>
+        </a:fillRef>
+        <a:effectRef idx="0">
+          <a:scrgbClr r="0" g="0" b="0"/>
+        </a:effectRef>
+        <a:fontRef idx="minor"/>
+      </dsp:style>
+    </dsp:sp>
+    <dsp:sp modelId="{918FDC91-912C-4837-A4A7-69E90C5EB43D}">
+      <dsp:nvSpPr>
+        <dsp:cNvPr id="0" name=""/>
+        <dsp:cNvSpPr/>
+      </dsp:nvSpPr>
+      <dsp:spPr>
+        <a:xfrm>
+          <a:off x="3292731" y="1305492"/>
+          <a:ext cx="1799490" cy="1240849"/>
+        </a:xfrm>
+        <a:prstGeom prst="roundRect">
+          <a:avLst>
+            <a:gd name="adj" fmla="val 10000"/>
+          </a:avLst>
+        </a:prstGeom>
+        <a:solidFill>
+          <a:schemeClr val="lt1">
+            <a:alpha val="90000"/>
+            <a:hueOff val="0"/>
+            <a:satOff val="0"/>
+            <a:lumOff val="0"/>
+            <a:alphaOff val="0"/>
+          </a:schemeClr>
+        </a:solidFill>
+        <a:ln w="12700" cap="flat" cmpd="sng" algn="ctr">
+          <a:solidFill>
+            <a:schemeClr val="accent1">
+              <a:hueOff val="0"/>
+              <a:satOff val="0"/>
+              <a:lumOff val="0"/>
+              <a:alphaOff val="0"/>
+            </a:schemeClr>
+          </a:solidFill>
+          <a:prstDash val="solid"/>
+          <a:miter lim="800000"/>
+        </a:ln>
+        <a:effectLst/>
+      </dsp:spPr>
+      <dsp:style>
+        <a:lnRef idx="2">
+          <a:scrgbClr r="0" g="0" b="0"/>
+        </a:lnRef>
+        <a:fillRef idx="1">
+          <a:scrgbClr r="0" g="0" b="0"/>
+        </a:fillRef>
+        <a:effectRef idx="0">
+          <a:scrgbClr r="0" g="0" b="0"/>
+        </a:effectRef>
+        <a:fontRef idx="minor"/>
+      </dsp:style>
+      <dsp:txBody>
+        <a:bodyPr spcFirstLastPara="0" vert="horz" wrap="square" lIns="30480" tIns="20320" rIns="30480" bIns="20320" numCol="1" spcCol="1270" anchor="t" anchorCtr="0">
+          <a:noAutofit/>
+        </a:bodyPr>
+        <a:lstStyle/>
+        <a:p>
+          <a:pPr marL="0" lvl="0" indent="0" algn="l" defTabSz="711200">
+            <a:lnSpc>
+              <a:spcPct val="90000"/>
+            </a:lnSpc>
+            <a:spcBef>
+              <a:spcPct val="0"/>
+            </a:spcBef>
+            <a:spcAft>
+              <a:spcPct val="35000"/>
+            </a:spcAft>
+            <a:buNone/>
+          </a:pPr>
+          <a:r>
+            <a:rPr lang="de-DE" sz="1600" kern="1200" dirty="0">
+              <a:latin typeface="Bahnschrift" panose="020B0502040204020203" pitchFamily="34" charset="0"/>
+            </a:rPr>
+            <a:t>2.1. Backend Development</a:t>
+          </a:r>
+          <a:endParaRPr lang="en-GB" sz="1600" kern="1200" dirty="0">
+            <a:latin typeface="Bahnschrift" panose="020B0502040204020203" pitchFamily="34" charset="0"/>
+          </a:endParaRPr>
+        </a:p>
+        <a:p>
+          <a:pPr marL="114300" lvl="1" indent="-114300" algn="l" defTabSz="622300">
+            <a:lnSpc>
+              <a:spcPct val="90000"/>
+            </a:lnSpc>
+            <a:spcBef>
+              <a:spcPct val="0"/>
+            </a:spcBef>
+            <a:spcAft>
+              <a:spcPct val="15000"/>
+            </a:spcAft>
+            <a:buChar char="•"/>
+          </a:pPr>
+          <a:r>
+            <a:rPr lang="en-GB" sz="1400" b="0" kern="1200" dirty="0">
+              <a:latin typeface="Bahnschrift" panose="020B0502040204020203" pitchFamily="34" charset="0"/>
+            </a:rPr>
+            <a:t>2.1.1. Database Infrastructure</a:t>
+          </a:r>
+        </a:p>
+        <a:p>
+          <a:pPr marL="114300" lvl="1" indent="-114300" algn="l" defTabSz="622300">
+            <a:lnSpc>
+              <a:spcPct val="90000"/>
+            </a:lnSpc>
+            <a:spcBef>
+              <a:spcPct val="0"/>
+            </a:spcBef>
+            <a:spcAft>
+              <a:spcPct val="15000"/>
+            </a:spcAft>
+            <a:buChar char="•"/>
+          </a:pPr>
+          <a:r>
+            <a:rPr lang="en-GB" sz="1400" b="0" kern="1200" dirty="0">
+              <a:latin typeface="Bahnschrift" panose="020B0502040204020203" pitchFamily="34" charset="0"/>
+            </a:rPr>
+            <a:t>2.1.2. REST API</a:t>
+          </a:r>
+        </a:p>
+      </dsp:txBody>
+      <dsp:txXfrm>
+        <a:off x="3329074" y="1341835"/>
+        <a:ext cx="1726804" cy="1168163"/>
+      </dsp:txXfrm>
+    </dsp:sp>
+    <dsp:sp modelId="{E749E475-4622-403A-BDB3-2DD964D19431}">
+      <dsp:nvSpPr>
+        <dsp:cNvPr id="0" name=""/>
+        <dsp:cNvSpPr/>
+      </dsp:nvSpPr>
+      <dsp:spPr>
+        <a:xfrm>
+          <a:off x="3104814" y="1084993"/>
+          <a:ext cx="187917" cy="2434093"/>
+        </a:xfrm>
+        <a:custGeom>
+          <a:avLst/>
+          <a:gdLst/>
+          <a:ahLst/>
+          <a:cxnLst/>
+          <a:rect l="0" t="0" r="0" b="0"/>
+          <a:pathLst>
+            <a:path>
+              <a:moveTo>
+                <a:pt x="0" y="0"/>
+              </a:moveTo>
+              <a:lnTo>
+                <a:pt x="0" y="2434093"/>
+              </a:lnTo>
+              <a:lnTo>
+                <a:pt x="187917" y="2434093"/>
+              </a:lnTo>
+            </a:path>
+          </a:pathLst>
+        </a:custGeom>
+        <a:noFill/>
+        <a:ln w="12700" cap="flat" cmpd="sng" algn="ctr">
+          <a:solidFill>
+            <a:schemeClr val="accent1">
+              <a:shade val="60000"/>
+              <a:hueOff val="0"/>
+              <a:satOff val="0"/>
+              <a:lumOff val="0"/>
+              <a:alphaOff val="0"/>
+            </a:schemeClr>
+          </a:solidFill>
+          <a:prstDash val="solid"/>
+          <a:miter lim="800000"/>
+        </a:ln>
+        <a:effectLst/>
+      </dsp:spPr>
+      <dsp:style>
+        <a:lnRef idx="2">
+          <a:scrgbClr r="0" g="0" b="0"/>
+        </a:lnRef>
+        <a:fillRef idx="0">
+          <a:scrgbClr r="0" g="0" b="0"/>
+        </a:fillRef>
+        <a:effectRef idx="0">
+          <a:scrgbClr r="0" g="0" b="0"/>
+        </a:effectRef>
+        <a:fontRef idx="minor"/>
+      </dsp:style>
+    </dsp:sp>
+    <dsp:sp modelId="{F29EE145-CCB0-4525-9F69-64EB324BB804}">
+      <dsp:nvSpPr>
+        <dsp:cNvPr id="0" name=""/>
+        <dsp:cNvSpPr/>
+      </dsp:nvSpPr>
+      <dsp:spPr>
+        <a:xfrm>
+          <a:off x="3292731" y="2779455"/>
+          <a:ext cx="1848727" cy="1479262"/>
+        </a:xfrm>
+        <a:prstGeom prst="roundRect">
+          <a:avLst>
+            <a:gd name="adj" fmla="val 10000"/>
+          </a:avLst>
+        </a:prstGeom>
+        <a:solidFill>
+          <a:schemeClr val="lt1">
+            <a:alpha val="90000"/>
+            <a:hueOff val="0"/>
+            <a:satOff val="0"/>
+            <a:lumOff val="0"/>
+            <a:alphaOff val="0"/>
+          </a:schemeClr>
+        </a:solidFill>
+        <a:ln w="12700" cap="flat" cmpd="sng" algn="ctr">
+          <a:solidFill>
+            <a:schemeClr val="accent1">
+              <a:hueOff val="0"/>
+              <a:satOff val="0"/>
+              <a:lumOff val="0"/>
+              <a:alphaOff val="0"/>
+            </a:schemeClr>
+          </a:solidFill>
+          <a:prstDash val="solid"/>
+          <a:miter lim="800000"/>
+        </a:ln>
+        <a:effectLst/>
+      </dsp:spPr>
+      <dsp:style>
+        <a:lnRef idx="2">
+          <a:scrgbClr r="0" g="0" b="0"/>
+        </a:lnRef>
+        <a:fillRef idx="1">
+          <a:scrgbClr r="0" g="0" b="0"/>
+        </a:fillRef>
+        <a:effectRef idx="0">
+          <a:scrgbClr r="0" g="0" b="0"/>
+        </a:effectRef>
+        <a:fontRef idx="minor"/>
+      </dsp:style>
+      <dsp:txBody>
+        <a:bodyPr spcFirstLastPara="0" vert="horz" wrap="square" lIns="30480" tIns="20320" rIns="30480" bIns="20320" numCol="1" spcCol="1270" anchor="t" anchorCtr="0">
+          <a:noAutofit/>
+        </a:bodyPr>
+        <a:lstStyle/>
+        <a:p>
+          <a:pPr marL="0" lvl="0" indent="0" algn="l" defTabSz="711200">
+            <a:lnSpc>
+              <a:spcPct val="90000"/>
+            </a:lnSpc>
+            <a:spcBef>
+              <a:spcPct val="0"/>
+            </a:spcBef>
+            <a:spcAft>
+              <a:spcPct val="35000"/>
+            </a:spcAft>
+            <a:buNone/>
+          </a:pPr>
+          <a:r>
+            <a:rPr lang="de-DE" sz="1600" kern="1200" dirty="0">
+              <a:latin typeface="Bahnschrift" panose="020B0502040204020203" pitchFamily="34" charset="0"/>
+            </a:rPr>
+            <a:t>2.2. Frontend Development</a:t>
+          </a:r>
+          <a:endParaRPr lang="en-GB" sz="1600" kern="1200" dirty="0">
+            <a:latin typeface="Bahnschrift" panose="020B0502040204020203" pitchFamily="34" charset="0"/>
+          </a:endParaRPr>
+        </a:p>
+        <a:p>
+          <a:pPr marL="114300" lvl="1" indent="-114300" algn="l" defTabSz="622300">
+            <a:lnSpc>
+              <a:spcPct val="90000"/>
+            </a:lnSpc>
+            <a:spcBef>
+              <a:spcPct val="0"/>
+            </a:spcBef>
+            <a:spcAft>
+              <a:spcPct val="15000"/>
+            </a:spcAft>
+            <a:buChar char="•"/>
+          </a:pPr>
+          <a:r>
+            <a:rPr lang="de-DE" sz="1400" b="0" kern="1200" dirty="0">
+              <a:latin typeface="Bahnschrift" panose="020B0502040204020203" pitchFamily="34" charset="0"/>
+            </a:rPr>
+            <a:t>2.2.1. Web Interface </a:t>
+          </a:r>
+          <a:r>
+            <a:rPr lang="de-DE" sz="1400" b="0" kern="1200" dirty="0" err="1">
+              <a:latin typeface="Bahnschrift" panose="020B0502040204020203" pitchFamily="34" charset="0"/>
+            </a:rPr>
+            <a:t>for</a:t>
+          </a:r>
+          <a:r>
+            <a:rPr lang="de-DE" sz="1400" b="0" kern="1200" dirty="0">
+              <a:latin typeface="Bahnschrift" panose="020B0502040204020203" pitchFamily="34" charset="0"/>
+            </a:rPr>
+            <a:t> User</a:t>
+          </a:r>
+          <a:endParaRPr lang="en-GB" sz="1400" b="0" kern="1200" dirty="0">
+            <a:latin typeface="Bahnschrift" panose="020B0502040204020203" pitchFamily="34" charset="0"/>
+          </a:endParaRPr>
+        </a:p>
+        <a:p>
+          <a:pPr marL="114300" lvl="1" indent="-114300" algn="l" defTabSz="622300">
+            <a:lnSpc>
+              <a:spcPct val="90000"/>
+            </a:lnSpc>
+            <a:spcBef>
+              <a:spcPct val="0"/>
+            </a:spcBef>
+            <a:spcAft>
+              <a:spcPct val="15000"/>
+            </a:spcAft>
+            <a:buChar char="•"/>
+          </a:pPr>
+          <a:r>
+            <a:rPr lang="de-DE" sz="1400" b="0" kern="1200" dirty="0">
+              <a:latin typeface="Bahnschrift" panose="020B0502040204020203" pitchFamily="34" charset="0"/>
+            </a:rPr>
+            <a:t>2.2.2. Web Interface </a:t>
+          </a:r>
+          <a:r>
+            <a:rPr lang="de-DE" sz="1400" b="0" kern="1200" dirty="0" err="1">
+              <a:latin typeface="Bahnschrift" panose="020B0502040204020203" pitchFamily="34" charset="0"/>
+            </a:rPr>
+            <a:t>for</a:t>
+          </a:r>
+          <a:r>
+            <a:rPr lang="de-DE" sz="1400" b="0" kern="1200" dirty="0">
+              <a:latin typeface="Bahnschrift" panose="020B0502040204020203" pitchFamily="34" charset="0"/>
+            </a:rPr>
+            <a:t> Admin</a:t>
+          </a:r>
+          <a:endParaRPr lang="en-GB" sz="1400" b="0" kern="1200" dirty="0">
+            <a:latin typeface="Bahnschrift" panose="020B0502040204020203" pitchFamily="34" charset="0"/>
+          </a:endParaRPr>
+        </a:p>
+      </dsp:txBody>
+      <dsp:txXfrm>
+        <a:off x="3336057" y="2822781"/>
+        <a:ext cx="1762075" cy="1392610"/>
+      </dsp:txXfrm>
+    </dsp:sp>
+    <dsp:sp modelId="{D92F19D7-98B2-408B-9068-5F7C04E2F8CB}">
+      <dsp:nvSpPr>
+        <dsp:cNvPr id="0" name=""/>
+        <dsp:cNvSpPr/>
+      </dsp:nvSpPr>
+      <dsp:spPr>
+        <a:xfrm>
+          <a:off x="5199427" y="202993"/>
+          <a:ext cx="1763998" cy="881999"/>
+        </a:xfrm>
+        <a:prstGeom prst="roundRect">
+          <a:avLst>
+            <a:gd name="adj" fmla="val 10000"/>
+          </a:avLst>
+        </a:prstGeom>
+        <a:solidFill>
+          <a:schemeClr val="accent1">
+            <a:hueOff val="0"/>
+            <a:satOff val="0"/>
+            <a:lumOff val="0"/>
+            <a:alphaOff val="0"/>
+          </a:schemeClr>
+        </a:solidFill>
+        <a:ln w="12700" cap="flat" cmpd="sng" algn="ctr">
+          <a:solidFill>
+            <a:schemeClr val="lt1">
+              <a:hueOff val="0"/>
+              <a:satOff val="0"/>
+              <a:lumOff val="0"/>
+              <a:alphaOff val="0"/>
+            </a:schemeClr>
+          </a:solidFill>
+          <a:prstDash val="solid"/>
+          <a:miter lim="800000"/>
+        </a:ln>
+        <a:effectLst/>
+      </dsp:spPr>
+      <dsp:style>
+        <a:lnRef idx="2">
+          <a:scrgbClr r="0" g="0" b="0"/>
+        </a:lnRef>
+        <a:fillRef idx="1">
+          <a:scrgbClr r="0" g="0" b="0"/>
+        </a:fillRef>
+        <a:effectRef idx="0">
+          <a:scrgbClr r="0" g="0" b="0"/>
+        </a:effectRef>
+        <a:fontRef idx="minor">
+          <a:schemeClr val="lt1"/>
+        </a:fontRef>
+      </dsp:style>
+      <dsp:txBody>
+        <a:bodyPr spcFirstLastPara="0" vert="horz" wrap="square" lIns="34290" tIns="22860" rIns="34290" bIns="22860" numCol="1" spcCol="1270" anchor="ctr" anchorCtr="0">
+          <a:noAutofit/>
+        </a:bodyPr>
+        <a:lstStyle/>
+        <a:p>
+          <a:pPr marL="0" lvl="0" indent="0" algn="ctr" defTabSz="800100">
+            <a:lnSpc>
+              <a:spcPct val="90000"/>
+            </a:lnSpc>
+            <a:spcBef>
+              <a:spcPct val="0"/>
+            </a:spcBef>
+            <a:spcAft>
+              <a:spcPct val="35000"/>
+            </a:spcAft>
+            <a:buNone/>
+          </a:pPr>
+          <a:r>
+            <a:rPr lang="de-DE" sz="1800" kern="1200" dirty="0">
+              <a:latin typeface="Bahnschrift" panose="020B0502040204020203" pitchFamily="34" charset="0"/>
+            </a:rPr>
+            <a:t>  3. Firmware &amp; Hardware Implementation</a:t>
+          </a:r>
+          <a:endParaRPr lang="en-GB" sz="1800" kern="1200" dirty="0">
+            <a:latin typeface="Bahnschrift" panose="020B0502040204020203" pitchFamily="34" charset="0"/>
+          </a:endParaRPr>
+        </a:p>
+      </dsp:txBody>
+      <dsp:txXfrm>
+        <a:off x="5225260" y="228826"/>
+        <a:ext cx="1712332" cy="830333"/>
+      </dsp:txXfrm>
+    </dsp:sp>
+    <dsp:sp modelId="{F9DAA985-9620-4FE4-AD66-266F47B6FA22}">
+      <dsp:nvSpPr>
+        <dsp:cNvPr id="0" name=""/>
+        <dsp:cNvSpPr/>
+      </dsp:nvSpPr>
+      <dsp:spPr>
+        <a:xfrm>
+          <a:off x="5375827" y="1084993"/>
+          <a:ext cx="191658" cy="784247"/>
+        </a:xfrm>
+        <a:custGeom>
+          <a:avLst/>
+          <a:gdLst/>
+          <a:ahLst/>
+          <a:cxnLst/>
+          <a:rect l="0" t="0" r="0" b="0"/>
+          <a:pathLst>
+            <a:path>
+              <a:moveTo>
+                <a:pt x="0" y="0"/>
+              </a:moveTo>
+              <a:lnTo>
+                <a:pt x="0" y="784247"/>
+              </a:lnTo>
+              <a:lnTo>
+                <a:pt x="191658" y="784247"/>
+              </a:lnTo>
+            </a:path>
+          </a:pathLst>
+        </a:custGeom>
+        <a:noFill/>
+        <a:ln w="12700" cap="flat" cmpd="sng" algn="ctr">
+          <a:solidFill>
+            <a:schemeClr val="accent1">
+              <a:shade val="60000"/>
+              <a:hueOff val="0"/>
+              <a:satOff val="0"/>
+              <a:lumOff val="0"/>
+              <a:alphaOff val="0"/>
+            </a:schemeClr>
+          </a:solidFill>
+          <a:prstDash val="solid"/>
+          <a:miter lim="800000"/>
+        </a:ln>
+        <a:effectLst/>
+      </dsp:spPr>
+      <dsp:style>
+        <a:lnRef idx="2">
+          <a:scrgbClr r="0" g="0" b="0"/>
+        </a:lnRef>
+        <a:fillRef idx="0">
+          <a:scrgbClr r="0" g="0" b="0"/>
+        </a:fillRef>
+        <a:effectRef idx="0">
+          <a:scrgbClr r="0" g="0" b="0"/>
+        </a:effectRef>
+        <a:fontRef idx="minor"/>
+      </dsp:style>
+    </dsp:sp>
+    <dsp:sp modelId="{BAD9A852-521D-4339-98DF-B68E15E054BE}">
+      <dsp:nvSpPr>
+        <dsp:cNvPr id="0" name=""/>
+        <dsp:cNvSpPr/>
+      </dsp:nvSpPr>
+      <dsp:spPr>
+        <a:xfrm>
+          <a:off x="5567485" y="1302247"/>
+          <a:ext cx="2246770" cy="1133986"/>
+        </a:xfrm>
+        <a:prstGeom prst="roundRect">
+          <a:avLst>
+            <a:gd name="adj" fmla="val 10000"/>
+          </a:avLst>
+        </a:prstGeom>
+        <a:solidFill>
+          <a:schemeClr val="lt1">
+            <a:alpha val="90000"/>
+            <a:hueOff val="0"/>
+            <a:satOff val="0"/>
+            <a:lumOff val="0"/>
+            <a:alphaOff val="0"/>
+          </a:schemeClr>
+        </a:solidFill>
+        <a:ln w="12700" cap="flat" cmpd="sng" algn="ctr">
+          <a:solidFill>
+            <a:schemeClr val="accent1">
+              <a:hueOff val="0"/>
+              <a:satOff val="0"/>
+              <a:lumOff val="0"/>
+              <a:alphaOff val="0"/>
+            </a:schemeClr>
+          </a:solidFill>
+          <a:prstDash val="solid"/>
+          <a:miter lim="800000"/>
+        </a:ln>
+        <a:effectLst/>
+      </dsp:spPr>
+      <dsp:style>
+        <a:lnRef idx="2">
+          <a:scrgbClr r="0" g="0" b="0"/>
+        </a:lnRef>
+        <a:fillRef idx="1">
+          <a:scrgbClr r="0" g="0" b="0"/>
+        </a:fillRef>
+        <a:effectRef idx="0">
+          <a:scrgbClr r="0" g="0" b="0"/>
+        </a:effectRef>
+        <a:fontRef idx="minor"/>
+      </dsp:style>
+      <dsp:txBody>
+        <a:bodyPr spcFirstLastPara="0" vert="horz" wrap="square" lIns="30480" tIns="20320" rIns="30480" bIns="20320" numCol="1" spcCol="1270" anchor="t" anchorCtr="0">
+          <a:noAutofit/>
+        </a:bodyPr>
+        <a:lstStyle/>
+        <a:p>
+          <a:pPr marL="0" lvl="0" indent="0" algn="l" defTabSz="711200">
+            <a:lnSpc>
+              <a:spcPct val="90000"/>
+            </a:lnSpc>
+            <a:spcBef>
+              <a:spcPct val="0"/>
+            </a:spcBef>
+            <a:spcAft>
+              <a:spcPct val="35000"/>
+            </a:spcAft>
+            <a:buNone/>
+          </a:pPr>
+          <a:r>
+            <a:rPr lang="de-DE" sz="1600" kern="1200" dirty="0">
+              <a:latin typeface="Bahnschrift" panose="020B0502040204020203" pitchFamily="34" charset="0"/>
+            </a:rPr>
+            <a:t>3.1. Mobile Connectivity</a:t>
+          </a:r>
+          <a:endParaRPr lang="en-GB" sz="1200" kern="1200" dirty="0">
+            <a:latin typeface="Bahnschrift" panose="020B0502040204020203" pitchFamily="34" charset="0"/>
+          </a:endParaRPr>
+        </a:p>
+        <a:p>
+          <a:pPr marL="114300" lvl="1" indent="-114300" algn="l" defTabSz="622300">
+            <a:lnSpc>
+              <a:spcPct val="90000"/>
+            </a:lnSpc>
+            <a:spcBef>
+              <a:spcPct val="0"/>
+            </a:spcBef>
+            <a:spcAft>
+              <a:spcPct val="15000"/>
+            </a:spcAft>
+            <a:buFont typeface="Arial" panose="020B0604020202020204" pitchFamily="34" charset="0"/>
+            <a:buChar char="•"/>
+          </a:pPr>
+          <a:r>
+            <a:rPr lang="de-DE" sz="1400" b="0" kern="1200" dirty="0">
+              <a:latin typeface="Bahnschrift" panose="020B0502040204020203" pitchFamily="34" charset="0"/>
+            </a:rPr>
+            <a:t>3.1.1. Internet, SMS &amp; Calls</a:t>
+          </a:r>
+          <a:endParaRPr lang="en-GB" sz="1400" b="0" kern="1200" dirty="0">
+            <a:latin typeface="Bahnschrift" panose="020B0502040204020203" pitchFamily="34" charset="0"/>
+          </a:endParaRPr>
+        </a:p>
+        <a:p>
+          <a:pPr marL="114300" lvl="1" indent="-114300" algn="l" defTabSz="622300">
+            <a:lnSpc>
+              <a:spcPct val="90000"/>
+            </a:lnSpc>
+            <a:spcBef>
+              <a:spcPct val="0"/>
+            </a:spcBef>
+            <a:spcAft>
+              <a:spcPct val="15000"/>
+            </a:spcAft>
+            <a:buFont typeface="Arial" panose="020B0604020202020204" pitchFamily="34" charset="0"/>
+            <a:buChar char="•"/>
+          </a:pPr>
+          <a:r>
+            <a:rPr lang="de-DE" sz="1400" b="0" kern="1200" dirty="0">
+              <a:latin typeface="Bahnschrift" panose="020B0502040204020203" pitchFamily="34" charset="0"/>
+            </a:rPr>
+            <a:t>3.1.2. </a:t>
+          </a:r>
+          <a:r>
+            <a:rPr lang="de-DE" sz="1400" b="0" kern="1200" dirty="0" err="1">
+              <a:latin typeface="Bahnschrift" panose="020B0502040204020203" pitchFamily="34" charset="0"/>
+            </a:rPr>
+            <a:t>RESTful</a:t>
+          </a:r>
+          <a:r>
+            <a:rPr lang="de-DE" sz="1400" b="0" kern="1200" dirty="0">
+              <a:latin typeface="Bahnschrift" panose="020B0502040204020203" pitchFamily="34" charset="0"/>
+            </a:rPr>
+            <a:t> </a:t>
+          </a:r>
+          <a:r>
+            <a:rPr lang="de-DE" sz="1400" b="0" kern="1200" dirty="0" err="1">
+              <a:latin typeface="Bahnschrift" panose="020B0502040204020203" pitchFamily="34" charset="0"/>
+            </a:rPr>
+            <a:t>Requests</a:t>
+          </a:r>
+          <a:endParaRPr lang="en-GB" sz="1400" b="0" kern="1200" dirty="0">
+            <a:latin typeface="Bahnschrift" panose="020B0502040204020203" pitchFamily="34" charset="0"/>
+          </a:endParaRPr>
+        </a:p>
+      </dsp:txBody>
+      <dsp:txXfrm>
+        <a:off x="5600698" y="1335460"/>
+        <a:ext cx="2180344" cy="1067560"/>
+      </dsp:txXfrm>
+    </dsp:sp>
+    <dsp:sp modelId="{9C3BE4CA-6CDD-439C-9B73-5E226A1B0B48}">
+      <dsp:nvSpPr>
+        <dsp:cNvPr id="0" name=""/>
+        <dsp:cNvSpPr/>
+      </dsp:nvSpPr>
+      <dsp:spPr>
+        <a:xfrm>
+          <a:off x="5375827" y="1084993"/>
+          <a:ext cx="202990" cy="2057845"/>
+        </a:xfrm>
+        <a:custGeom>
+          <a:avLst/>
+          <a:gdLst/>
+          <a:ahLst/>
+          <a:cxnLst/>
+          <a:rect l="0" t="0" r="0" b="0"/>
+          <a:pathLst>
+            <a:path>
+              <a:moveTo>
+                <a:pt x="0" y="0"/>
+              </a:moveTo>
+              <a:lnTo>
+                <a:pt x="0" y="2057845"/>
+              </a:lnTo>
+              <a:lnTo>
+                <a:pt x="202990" y="2057845"/>
+              </a:lnTo>
+            </a:path>
+          </a:pathLst>
+        </a:custGeom>
+        <a:noFill/>
+        <a:ln w="12700" cap="flat" cmpd="sng" algn="ctr">
+          <a:solidFill>
+            <a:schemeClr val="accent1">
+              <a:shade val="60000"/>
+              <a:hueOff val="0"/>
+              <a:satOff val="0"/>
+              <a:lumOff val="0"/>
+              <a:alphaOff val="0"/>
+            </a:schemeClr>
+          </a:solidFill>
+          <a:prstDash val="solid"/>
+          <a:miter lim="800000"/>
+        </a:ln>
+        <a:effectLst/>
+      </dsp:spPr>
+      <dsp:style>
+        <a:lnRef idx="2">
+          <a:scrgbClr r="0" g="0" b="0"/>
+        </a:lnRef>
+        <a:fillRef idx="0">
+          <a:scrgbClr r="0" g="0" b="0"/>
+        </a:fillRef>
+        <a:effectRef idx="0">
+          <a:scrgbClr r="0" g="0" b="0"/>
+        </a:effectRef>
+        <a:fontRef idx="minor"/>
+      </dsp:style>
+    </dsp:sp>
+    <dsp:sp modelId="{D283C5B1-0228-4521-BE43-83235501D744}">
+      <dsp:nvSpPr>
+        <dsp:cNvPr id="0" name=""/>
+        <dsp:cNvSpPr/>
+      </dsp:nvSpPr>
+      <dsp:spPr>
+        <a:xfrm>
+          <a:off x="5578817" y="2588960"/>
+          <a:ext cx="2230103" cy="1107755"/>
+        </a:xfrm>
+        <a:prstGeom prst="roundRect">
+          <a:avLst>
+            <a:gd name="adj" fmla="val 10000"/>
+          </a:avLst>
+        </a:prstGeom>
+        <a:solidFill>
+          <a:schemeClr val="lt1">
+            <a:alpha val="90000"/>
+            <a:hueOff val="0"/>
+            <a:satOff val="0"/>
+            <a:lumOff val="0"/>
+            <a:alphaOff val="0"/>
+          </a:schemeClr>
+        </a:solidFill>
+        <a:ln w="12700" cap="flat" cmpd="sng" algn="ctr">
+          <a:solidFill>
+            <a:schemeClr val="accent1">
+              <a:hueOff val="0"/>
+              <a:satOff val="0"/>
+              <a:lumOff val="0"/>
+              <a:alphaOff val="0"/>
+            </a:schemeClr>
+          </a:solidFill>
+          <a:prstDash val="solid"/>
+          <a:miter lim="800000"/>
+        </a:ln>
+        <a:effectLst/>
+      </dsp:spPr>
+      <dsp:style>
+        <a:lnRef idx="2">
+          <a:scrgbClr r="0" g="0" b="0"/>
+        </a:lnRef>
+        <a:fillRef idx="1">
+          <a:scrgbClr r="0" g="0" b="0"/>
+        </a:fillRef>
+        <a:effectRef idx="0">
+          <a:scrgbClr r="0" g="0" b="0"/>
+        </a:effectRef>
+        <a:fontRef idx="minor"/>
+      </dsp:style>
+      <dsp:txBody>
+        <a:bodyPr spcFirstLastPara="0" vert="horz" wrap="square" lIns="30480" tIns="20320" rIns="30480" bIns="20320" numCol="1" spcCol="1270" anchor="t" anchorCtr="0">
+          <a:noAutofit/>
+        </a:bodyPr>
+        <a:lstStyle/>
+        <a:p>
+          <a:pPr marL="0" lvl="0" indent="0" algn="l" defTabSz="711200">
+            <a:lnSpc>
+              <a:spcPct val="90000"/>
+            </a:lnSpc>
+            <a:spcBef>
+              <a:spcPct val="0"/>
+            </a:spcBef>
+            <a:spcAft>
+              <a:spcPct val="35000"/>
+            </a:spcAft>
+            <a:buNone/>
+          </a:pPr>
+          <a:r>
+            <a:rPr lang="de-DE" sz="1600" kern="1200" dirty="0">
+              <a:latin typeface="Bahnschrift" panose="020B0502040204020203" pitchFamily="34" charset="0"/>
+            </a:rPr>
+            <a:t>3.3. </a:t>
+          </a:r>
+          <a:r>
+            <a:rPr lang="de-DE" sz="1600" kern="1200" dirty="0" err="1">
+              <a:latin typeface="Bahnschrift" panose="020B0502040204020203" pitchFamily="34" charset="0"/>
+            </a:rPr>
+            <a:t>Peripherals</a:t>
+          </a:r>
+          <a:endParaRPr lang="en-GB" sz="1200" kern="1200" dirty="0">
+            <a:latin typeface="Bahnschrift" panose="020B0502040204020203" pitchFamily="34" charset="0"/>
+          </a:endParaRPr>
+        </a:p>
+        <a:p>
+          <a:pPr marL="114300" lvl="1" indent="-114300" algn="l" defTabSz="622300">
+            <a:lnSpc>
+              <a:spcPct val="90000"/>
+            </a:lnSpc>
+            <a:spcBef>
+              <a:spcPct val="0"/>
+            </a:spcBef>
+            <a:spcAft>
+              <a:spcPct val="15000"/>
+            </a:spcAft>
+            <a:buChar char="•"/>
+          </a:pPr>
+          <a:r>
+            <a:rPr lang="de-DE" sz="1400" b="0" kern="1200" dirty="0">
+              <a:latin typeface="Bahnschrift" panose="020B0502040204020203" pitchFamily="34" charset="0"/>
+            </a:rPr>
+            <a:t>3.3.1. Sensor Integration</a:t>
+          </a:r>
+          <a:endParaRPr lang="en-GB" sz="1400" b="0" kern="1200" dirty="0">
+            <a:latin typeface="Bahnschrift" panose="020B0502040204020203" pitchFamily="34" charset="0"/>
+          </a:endParaRPr>
+        </a:p>
+        <a:p>
+          <a:pPr marL="114300" lvl="1" indent="-114300" algn="l" defTabSz="622300">
+            <a:lnSpc>
+              <a:spcPct val="90000"/>
+            </a:lnSpc>
+            <a:spcBef>
+              <a:spcPct val="0"/>
+            </a:spcBef>
+            <a:spcAft>
+              <a:spcPct val="15000"/>
+            </a:spcAft>
+            <a:buChar char="•"/>
+          </a:pPr>
+          <a:r>
+            <a:rPr lang="de-DE" sz="1400" b="0" kern="1200" dirty="0">
+              <a:latin typeface="Bahnschrift" panose="020B0502040204020203" pitchFamily="34" charset="0"/>
+            </a:rPr>
+            <a:t>3.3.2. Human </a:t>
+          </a:r>
+          <a:r>
+            <a:rPr lang="de-DE" sz="1400" b="0" kern="1200" dirty="0" err="1">
+              <a:latin typeface="Bahnschrift" panose="020B0502040204020203" pitchFamily="34" charset="0"/>
+            </a:rPr>
+            <a:t>Machine</a:t>
+          </a:r>
+          <a:r>
+            <a:rPr lang="de-DE" sz="1400" b="0" kern="1200" dirty="0">
+              <a:latin typeface="Bahnschrift" panose="020B0502040204020203" pitchFamily="34" charset="0"/>
+            </a:rPr>
+            <a:t> Interface</a:t>
+          </a:r>
+          <a:endParaRPr lang="en-GB" sz="1400" b="0" kern="1200" dirty="0">
+            <a:latin typeface="Bahnschrift" panose="020B0502040204020203" pitchFamily="34" charset="0"/>
+          </a:endParaRPr>
+        </a:p>
+      </dsp:txBody>
+      <dsp:txXfrm>
+        <a:off x="5611262" y="2621405"/>
+        <a:ext cx="2165213" cy="1042865"/>
+      </dsp:txXfrm>
+    </dsp:sp>
+    <dsp:sp modelId="{80594A75-FEF2-403E-BDA0-9CB9CF438F58}">
+      <dsp:nvSpPr>
+        <dsp:cNvPr id="0" name=""/>
+        <dsp:cNvSpPr/>
+      </dsp:nvSpPr>
+      <dsp:spPr>
+        <a:xfrm>
+          <a:off x="5375827" y="1084993"/>
+          <a:ext cx="211344" cy="3135375"/>
+        </a:xfrm>
+        <a:custGeom>
+          <a:avLst/>
+          <a:gdLst/>
+          <a:ahLst/>
+          <a:cxnLst/>
+          <a:rect l="0" t="0" r="0" b="0"/>
+          <a:pathLst>
+            <a:path>
+              <a:moveTo>
+                <a:pt x="0" y="0"/>
+              </a:moveTo>
+              <a:lnTo>
+                <a:pt x="0" y="3135375"/>
+              </a:lnTo>
+              <a:lnTo>
+                <a:pt x="211344" y="3135375"/>
+              </a:lnTo>
+            </a:path>
+          </a:pathLst>
+        </a:custGeom>
+        <a:noFill/>
+        <a:ln w="12700" cap="flat" cmpd="sng" algn="ctr">
+          <a:solidFill>
+            <a:schemeClr val="accent1">
+              <a:shade val="60000"/>
+              <a:hueOff val="0"/>
+              <a:satOff val="0"/>
+              <a:lumOff val="0"/>
+              <a:alphaOff val="0"/>
+            </a:schemeClr>
+          </a:solidFill>
+          <a:prstDash val="solid"/>
+          <a:miter lim="800000"/>
+        </a:ln>
+        <a:effectLst/>
+      </dsp:spPr>
+      <dsp:style>
+        <a:lnRef idx="2">
+          <a:scrgbClr r="0" g="0" b="0"/>
+        </a:lnRef>
+        <a:fillRef idx="0">
+          <a:scrgbClr r="0" g="0" b="0"/>
+        </a:fillRef>
+        <a:effectRef idx="0">
+          <a:scrgbClr r="0" g="0" b="0"/>
+        </a:effectRef>
+        <a:fontRef idx="minor"/>
+      </dsp:style>
+    </dsp:sp>
+    <dsp:sp modelId="{BEA0F57C-630C-449D-9DFC-88AF2A7746EC}">
+      <dsp:nvSpPr>
+        <dsp:cNvPr id="0" name=""/>
+        <dsp:cNvSpPr/>
+      </dsp:nvSpPr>
+      <dsp:spPr>
+        <a:xfrm>
+          <a:off x="5587171" y="3898209"/>
+          <a:ext cx="2154054" cy="644318"/>
+        </a:xfrm>
+        <a:prstGeom prst="roundRect">
+          <a:avLst>
+            <a:gd name="adj" fmla="val 10000"/>
+          </a:avLst>
+        </a:prstGeom>
+        <a:solidFill>
+          <a:schemeClr val="lt1">
+            <a:alpha val="90000"/>
+            <a:hueOff val="0"/>
+            <a:satOff val="0"/>
+            <a:lumOff val="0"/>
+            <a:alphaOff val="0"/>
+          </a:schemeClr>
+        </a:solidFill>
+        <a:ln w="12700" cap="flat" cmpd="sng" algn="ctr">
+          <a:solidFill>
+            <a:schemeClr val="accent1">
+              <a:hueOff val="0"/>
+              <a:satOff val="0"/>
+              <a:lumOff val="0"/>
+              <a:alphaOff val="0"/>
+            </a:schemeClr>
+          </a:solidFill>
+          <a:prstDash val="solid"/>
+          <a:miter lim="800000"/>
+        </a:ln>
+        <a:effectLst/>
+      </dsp:spPr>
+      <dsp:style>
+        <a:lnRef idx="2">
+          <a:scrgbClr r="0" g="0" b="0"/>
+        </a:lnRef>
+        <a:fillRef idx="1">
+          <a:scrgbClr r="0" g="0" b="0"/>
+        </a:fillRef>
+        <a:effectRef idx="0">
+          <a:scrgbClr r="0" g="0" b="0"/>
+        </a:effectRef>
+        <a:fontRef idx="minor"/>
+      </dsp:style>
+      <dsp:txBody>
+        <a:bodyPr spcFirstLastPara="0" vert="horz" wrap="square" lIns="30480" tIns="20320" rIns="30480" bIns="20320" numCol="1" spcCol="1270" anchor="ctr" anchorCtr="0">
+          <a:noAutofit/>
+        </a:bodyPr>
+        <a:lstStyle/>
+        <a:p>
+          <a:pPr marL="0" lvl="0" indent="0" algn="ctr" defTabSz="711200">
+            <a:lnSpc>
+              <a:spcPct val="90000"/>
+            </a:lnSpc>
+            <a:spcBef>
+              <a:spcPct val="0"/>
+            </a:spcBef>
+            <a:spcAft>
+              <a:spcPct val="35000"/>
+            </a:spcAft>
+            <a:buNone/>
+          </a:pPr>
+          <a:r>
+            <a:rPr lang="en-GB" sz="1600" kern="1200" dirty="0">
+              <a:latin typeface="Bahnschrift" panose="020B0502040204020203" pitchFamily="34" charset="0"/>
+            </a:rPr>
+            <a:t>3.4. Power System </a:t>
+          </a:r>
+        </a:p>
+      </dsp:txBody>
+      <dsp:txXfrm>
+        <a:off x="5606042" y="3917080"/>
+        <a:ext cx="2116312" cy="606576"/>
+      </dsp:txXfrm>
+    </dsp:sp>
+    <dsp:sp modelId="{3B303A3E-75AC-4DC3-8E89-97188008AE8B}">
+      <dsp:nvSpPr>
+        <dsp:cNvPr id="0" name=""/>
+        <dsp:cNvSpPr/>
+      </dsp:nvSpPr>
+      <dsp:spPr>
+        <a:xfrm>
+          <a:off x="5375827" y="1084993"/>
+          <a:ext cx="232879" cy="3974734"/>
+        </a:xfrm>
+        <a:custGeom>
+          <a:avLst/>
+          <a:gdLst/>
+          <a:ahLst/>
+          <a:cxnLst/>
+          <a:rect l="0" t="0" r="0" b="0"/>
+          <a:pathLst>
+            <a:path>
+              <a:moveTo>
+                <a:pt x="0" y="0"/>
+              </a:moveTo>
+              <a:lnTo>
+                <a:pt x="0" y="3974734"/>
+              </a:lnTo>
+              <a:lnTo>
+                <a:pt x="232879" y="3974734"/>
+              </a:lnTo>
+            </a:path>
+          </a:pathLst>
+        </a:custGeom>
+        <a:noFill/>
+        <a:ln w="12700" cap="flat" cmpd="sng" algn="ctr">
+          <a:solidFill>
+            <a:schemeClr val="accent1">
+              <a:shade val="60000"/>
+              <a:hueOff val="0"/>
+              <a:satOff val="0"/>
+              <a:lumOff val="0"/>
+              <a:alphaOff val="0"/>
+            </a:schemeClr>
+          </a:solidFill>
+          <a:prstDash val="solid"/>
+          <a:miter lim="800000"/>
+        </a:ln>
+        <a:effectLst/>
+      </dsp:spPr>
+      <dsp:style>
+        <a:lnRef idx="2">
+          <a:scrgbClr r="0" g="0" b="0"/>
+        </a:lnRef>
+        <a:fillRef idx="0">
+          <a:scrgbClr r="0" g="0" b="0"/>
+        </a:fillRef>
+        <a:effectRef idx="0">
+          <a:scrgbClr r="0" g="0" b="0"/>
+        </a:effectRef>
+        <a:fontRef idx="minor"/>
+      </dsp:style>
+    </dsp:sp>
+    <dsp:sp modelId="{62E0A4E6-D326-452B-8845-93A178728308}">
+      <dsp:nvSpPr>
+        <dsp:cNvPr id="0" name=""/>
+        <dsp:cNvSpPr/>
+      </dsp:nvSpPr>
+      <dsp:spPr>
+        <a:xfrm>
+          <a:off x="5608706" y="4730287"/>
+          <a:ext cx="2138531" cy="658880"/>
+        </a:xfrm>
+        <a:prstGeom prst="roundRect">
+          <a:avLst>
+            <a:gd name="adj" fmla="val 10000"/>
+          </a:avLst>
+        </a:prstGeom>
+        <a:solidFill>
+          <a:schemeClr val="lt1">
+            <a:alpha val="90000"/>
+            <a:hueOff val="0"/>
+            <a:satOff val="0"/>
+            <a:lumOff val="0"/>
+            <a:alphaOff val="0"/>
+          </a:schemeClr>
+        </a:solidFill>
+        <a:ln w="12700" cap="flat" cmpd="sng" algn="ctr">
+          <a:solidFill>
+            <a:schemeClr val="accent1">
+              <a:hueOff val="0"/>
+              <a:satOff val="0"/>
+              <a:lumOff val="0"/>
+              <a:alphaOff val="0"/>
+            </a:schemeClr>
+          </a:solidFill>
+          <a:prstDash val="solid"/>
+          <a:miter lim="800000"/>
+        </a:ln>
+        <a:effectLst/>
+      </dsp:spPr>
+      <dsp:style>
+        <a:lnRef idx="2">
+          <a:scrgbClr r="0" g="0" b="0"/>
+        </a:lnRef>
+        <a:fillRef idx="1">
+          <a:scrgbClr r="0" g="0" b="0"/>
+        </a:fillRef>
+        <a:effectRef idx="0">
+          <a:scrgbClr r="0" g="0" b="0"/>
+        </a:effectRef>
+        <a:fontRef idx="minor"/>
+      </dsp:style>
+      <dsp:txBody>
+        <a:bodyPr spcFirstLastPara="0" vert="horz" wrap="square" lIns="30480" tIns="20320" rIns="30480" bIns="20320" numCol="1" spcCol="1270" anchor="ctr" anchorCtr="0">
+          <a:noAutofit/>
+        </a:bodyPr>
+        <a:lstStyle/>
+        <a:p>
+          <a:pPr marL="0" lvl="0" indent="0" algn="ctr" defTabSz="711200">
+            <a:lnSpc>
+              <a:spcPct val="90000"/>
+            </a:lnSpc>
+            <a:spcBef>
+              <a:spcPct val="0"/>
+            </a:spcBef>
+            <a:spcAft>
+              <a:spcPct val="35000"/>
+            </a:spcAft>
+            <a:buNone/>
+          </a:pPr>
+          <a:r>
+            <a:rPr lang="en-GB" sz="1600" kern="1200" dirty="0">
+              <a:latin typeface="Bahnschrift" panose="020B0502040204020203" pitchFamily="34" charset="0"/>
+            </a:rPr>
+            <a:t>3.5. PCB Prototype</a:t>
+          </a:r>
+        </a:p>
+      </dsp:txBody>
+      <dsp:txXfrm>
+        <a:off x="5628004" y="4749585"/>
+        <a:ext cx="2099935" cy="620284"/>
+      </dsp:txXfrm>
+    </dsp:sp>
+    <dsp:sp modelId="{6237F84E-D336-4BC4-9292-DFE64E3A2CBF}">
+      <dsp:nvSpPr>
+        <dsp:cNvPr id="0" name=""/>
+        <dsp:cNvSpPr/>
+      </dsp:nvSpPr>
+      <dsp:spPr>
+        <a:xfrm>
+          <a:off x="7998117" y="202993"/>
+          <a:ext cx="1763998" cy="881999"/>
+        </a:xfrm>
+        <a:prstGeom prst="roundRect">
+          <a:avLst>
+            <a:gd name="adj" fmla="val 10000"/>
+          </a:avLst>
+        </a:prstGeom>
+        <a:solidFill>
+          <a:schemeClr val="accent1">
+            <a:hueOff val="0"/>
+            <a:satOff val="0"/>
+            <a:lumOff val="0"/>
+            <a:alphaOff val="0"/>
+          </a:schemeClr>
+        </a:solidFill>
+        <a:ln w="12700" cap="flat" cmpd="sng" algn="ctr">
+          <a:solidFill>
+            <a:schemeClr val="lt1">
+              <a:hueOff val="0"/>
+              <a:satOff val="0"/>
+              <a:lumOff val="0"/>
+              <a:alphaOff val="0"/>
+            </a:schemeClr>
+          </a:solidFill>
+          <a:prstDash val="solid"/>
+          <a:miter lim="800000"/>
+        </a:ln>
+        <a:effectLst/>
+      </dsp:spPr>
+      <dsp:style>
+        <a:lnRef idx="2">
+          <a:scrgbClr r="0" g="0" b="0"/>
+        </a:lnRef>
+        <a:fillRef idx="1">
+          <a:scrgbClr r="0" g="0" b="0"/>
+        </a:fillRef>
+        <a:effectRef idx="0">
+          <a:scrgbClr r="0" g="0" b="0"/>
+        </a:effectRef>
+        <a:fontRef idx="minor">
+          <a:schemeClr val="lt1"/>
+        </a:fontRef>
+      </dsp:style>
+      <dsp:txBody>
+        <a:bodyPr spcFirstLastPara="0" vert="horz" wrap="square" lIns="34290" tIns="22860" rIns="34290" bIns="22860" numCol="1" spcCol="1270" anchor="ctr" anchorCtr="0">
+          <a:noAutofit/>
+        </a:bodyPr>
+        <a:lstStyle/>
+        <a:p>
+          <a:pPr marL="0" lvl="0" indent="0" algn="ctr" defTabSz="800100">
+            <a:lnSpc>
+              <a:spcPct val="90000"/>
+            </a:lnSpc>
+            <a:spcBef>
+              <a:spcPct val="0"/>
+            </a:spcBef>
+            <a:spcAft>
+              <a:spcPct val="35000"/>
+            </a:spcAft>
+            <a:buNone/>
+          </a:pPr>
+          <a:r>
+            <a:rPr lang="en-GB" sz="1800" kern="1200" dirty="0">
+              <a:latin typeface="Bahnschrift" panose="020B0502040204020203" pitchFamily="34" charset="0"/>
+            </a:rPr>
+            <a:t>4. System Integration</a:t>
+          </a:r>
+        </a:p>
+      </dsp:txBody>
+      <dsp:txXfrm>
+        <a:off x="8023950" y="228826"/>
+        <a:ext cx="1712332" cy="830333"/>
+      </dsp:txXfrm>
+    </dsp:sp>
+    <dsp:sp modelId="{8C97F9A6-AB46-4405-ABCF-D34BEF3763F4}">
+      <dsp:nvSpPr>
+        <dsp:cNvPr id="0" name=""/>
+        <dsp:cNvSpPr/>
+      </dsp:nvSpPr>
+      <dsp:spPr>
+        <a:xfrm>
+          <a:off x="8174517" y="1084993"/>
+          <a:ext cx="241276" cy="661499"/>
+        </a:xfrm>
+        <a:custGeom>
+          <a:avLst/>
+          <a:gdLst/>
+          <a:ahLst/>
+          <a:cxnLst/>
+          <a:rect l="0" t="0" r="0" b="0"/>
+          <a:pathLst>
+            <a:path>
+              <a:moveTo>
+                <a:pt x="0" y="0"/>
+              </a:moveTo>
+              <a:lnTo>
+                <a:pt x="0" y="661499"/>
+              </a:lnTo>
+              <a:lnTo>
+                <a:pt x="241276" y="661499"/>
+              </a:lnTo>
+            </a:path>
+          </a:pathLst>
+        </a:custGeom>
+        <a:noFill/>
+        <a:ln w="12700" cap="flat" cmpd="sng" algn="ctr">
+          <a:solidFill>
+            <a:schemeClr val="accent1">
+              <a:shade val="60000"/>
+              <a:hueOff val="0"/>
+              <a:satOff val="0"/>
+              <a:lumOff val="0"/>
+              <a:alphaOff val="0"/>
+            </a:schemeClr>
+          </a:solidFill>
+          <a:prstDash val="solid"/>
+          <a:miter lim="800000"/>
+        </a:ln>
+        <a:effectLst/>
+      </dsp:spPr>
+      <dsp:style>
+        <a:lnRef idx="2">
+          <a:scrgbClr r="0" g="0" b="0"/>
+        </a:lnRef>
+        <a:fillRef idx="0">
+          <a:scrgbClr r="0" g="0" b="0"/>
+        </a:fillRef>
+        <a:effectRef idx="0">
+          <a:scrgbClr r="0" g="0" b="0"/>
+        </a:effectRef>
+        <a:fontRef idx="minor"/>
+      </dsp:style>
+    </dsp:sp>
+    <dsp:sp modelId="{E0B17A26-9BE2-4775-992D-927A60430784}">
+      <dsp:nvSpPr>
+        <dsp:cNvPr id="0" name=""/>
+        <dsp:cNvSpPr/>
+      </dsp:nvSpPr>
+      <dsp:spPr>
+        <a:xfrm>
+          <a:off x="8415793" y="1305492"/>
+          <a:ext cx="1605464" cy="881999"/>
+        </a:xfrm>
+        <a:prstGeom prst="roundRect">
+          <a:avLst>
+            <a:gd name="adj" fmla="val 10000"/>
+          </a:avLst>
+        </a:prstGeom>
+        <a:solidFill>
+          <a:schemeClr val="lt1">
+            <a:alpha val="90000"/>
+            <a:hueOff val="0"/>
+            <a:satOff val="0"/>
+            <a:lumOff val="0"/>
+            <a:alphaOff val="0"/>
+          </a:schemeClr>
+        </a:solidFill>
+        <a:ln w="12700" cap="flat" cmpd="sng" algn="ctr">
+          <a:solidFill>
+            <a:schemeClr val="accent1">
+              <a:hueOff val="0"/>
+              <a:satOff val="0"/>
+              <a:lumOff val="0"/>
+              <a:alphaOff val="0"/>
+            </a:schemeClr>
+          </a:solidFill>
+          <a:prstDash val="solid"/>
+          <a:miter lim="800000"/>
+        </a:ln>
+        <a:effectLst/>
+      </dsp:spPr>
+      <dsp:style>
+        <a:lnRef idx="2">
+          <a:scrgbClr r="0" g="0" b="0"/>
+        </a:lnRef>
+        <a:fillRef idx="1">
+          <a:scrgbClr r="0" g="0" b="0"/>
+        </a:fillRef>
+        <a:effectRef idx="0">
+          <a:scrgbClr r="0" g="0" b="0"/>
+        </a:effectRef>
+        <a:fontRef idx="minor"/>
+      </dsp:style>
+      <dsp:txBody>
+        <a:bodyPr spcFirstLastPara="0" vert="horz" wrap="square" lIns="30480" tIns="20320" rIns="30480" bIns="20320" numCol="1" spcCol="1270" anchor="ctr" anchorCtr="0">
+          <a:noAutofit/>
+        </a:bodyPr>
+        <a:lstStyle/>
+        <a:p>
+          <a:pPr marL="0" lvl="0" indent="0" algn="ctr" defTabSz="711200">
+            <a:lnSpc>
+              <a:spcPct val="90000"/>
+            </a:lnSpc>
+            <a:spcBef>
+              <a:spcPct val="0"/>
+            </a:spcBef>
+            <a:spcAft>
+              <a:spcPct val="35000"/>
+            </a:spcAft>
+            <a:buNone/>
+          </a:pPr>
+          <a:r>
+            <a:rPr lang="en-GB" sz="1600" kern="1200" dirty="0">
+              <a:latin typeface="Bahnschrift" panose="020B0502040204020203" pitchFamily="34" charset="0"/>
+            </a:rPr>
+            <a:t>4.1. Hardware enclosure</a:t>
+          </a:r>
+        </a:p>
+      </dsp:txBody>
+      <dsp:txXfrm>
+        <a:off x="8441626" y="1331325"/>
+        <a:ext cx="1553798" cy="830333"/>
+      </dsp:txXfrm>
+    </dsp:sp>
+    <dsp:sp modelId="{66E5747D-4768-4FC6-9131-00ECD310A84D}">
+      <dsp:nvSpPr>
+        <dsp:cNvPr id="0" name=""/>
+        <dsp:cNvSpPr/>
+      </dsp:nvSpPr>
+      <dsp:spPr>
+        <a:xfrm>
+          <a:off x="8174517" y="1084993"/>
+          <a:ext cx="241276" cy="1763998"/>
+        </a:xfrm>
+        <a:custGeom>
+          <a:avLst/>
+          <a:gdLst/>
+          <a:ahLst/>
+          <a:cxnLst/>
+          <a:rect l="0" t="0" r="0" b="0"/>
+          <a:pathLst>
+            <a:path>
+              <a:moveTo>
+                <a:pt x="0" y="0"/>
+              </a:moveTo>
+              <a:lnTo>
+                <a:pt x="0" y="1763998"/>
+              </a:lnTo>
+              <a:lnTo>
+                <a:pt x="241276" y="1763998"/>
+              </a:lnTo>
+            </a:path>
+          </a:pathLst>
+        </a:custGeom>
+        <a:noFill/>
+        <a:ln w="12700" cap="flat" cmpd="sng" algn="ctr">
+          <a:solidFill>
+            <a:schemeClr val="accent1">
+              <a:shade val="60000"/>
+              <a:hueOff val="0"/>
+              <a:satOff val="0"/>
+              <a:lumOff val="0"/>
+              <a:alphaOff val="0"/>
+            </a:schemeClr>
+          </a:solidFill>
+          <a:prstDash val="solid"/>
+          <a:miter lim="800000"/>
+        </a:ln>
+        <a:effectLst/>
+      </dsp:spPr>
+      <dsp:style>
+        <a:lnRef idx="2">
+          <a:scrgbClr r="0" g="0" b="0"/>
+        </a:lnRef>
+        <a:fillRef idx="0">
+          <a:scrgbClr r="0" g="0" b="0"/>
+        </a:fillRef>
+        <a:effectRef idx="0">
+          <a:scrgbClr r="0" g="0" b="0"/>
+        </a:effectRef>
+        <a:fontRef idx="minor"/>
+      </dsp:style>
+    </dsp:sp>
+    <dsp:sp modelId="{78F08B80-B887-417B-A556-AA10E35B3710}">
+      <dsp:nvSpPr>
+        <dsp:cNvPr id="0" name=""/>
+        <dsp:cNvSpPr/>
+      </dsp:nvSpPr>
+      <dsp:spPr>
+        <a:xfrm>
+          <a:off x="8415793" y="2407992"/>
+          <a:ext cx="1597660" cy="881999"/>
+        </a:xfrm>
+        <a:prstGeom prst="roundRect">
+          <a:avLst>
+            <a:gd name="adj" fmla="val 10000"/>
+          </a:avLst>
+        </a:prstGeom>
+        <a:solidFill>
+          <a:schemeClr val="lt1">
+            <a:alpha val="90000"/>
+            <a:hueOff val="0"/>
+            <a:satOff val="0"/>
+            <a:lumOff val="0"/>
+            <a:alphaOff val="0"/>
+          </a:schemeClr>
+        </a:solidFill>
+        <a:ln w="12700" cap="flat" cmpd="sng" algn="ctr">
+          <a:solidFill>
+            <a:schemeClr val="accent1">
+              <a:hueOff val="0"/>
+              <a:satOff val="0"/>
+              <a:lumOff val="0"/>
+              <a:alphaOff val="0"/>
+            </a:schemeClr>
+          </a:solidFill>
+          <a:prstDash val="solid"/>
+          <a:miter lim="800000"/>
+        </a:ln>
+        <a:effectLst/>
+      </dsp:spPr>
+      <dsp:style>
+        <a:lnRef idx="2">
+          <a:scrgbClr r="0" g="0" b="0"/>
+        </a:lnRef>
+        <a:fillRef idx="1">
+          <a:scrgbClr r="0" g="0" b="0"/>
+        </a:fillRef>
+        <a:effectRef idx="0">
+          <a:scrgbClr r="0" g="0" b="0"/>
+        </a:effectRef>
+        <a:fontRef idx="minor"/>
+      </dsp:style>
+      <dsp:txBody>
+        <a:bodyPr spcFirstLastPara="0" vert="horz" wrap="square" lIns="30480" tIns="20320" rIns="30480" bIns="20320" numCol="1" spcCol="1270" anchor="ctr" anchorCtr="0">
+          <a:noAutofit/>
+        </a:bodyPr>
+        <a:lstStyle/>
+        <a:p>
+          <a:pPr marL="0" lvl="0" indent="0" algn="ctr" defTabSz="711200">
+            <a:lnSpc>
+              <a:spcPct val="90000"/>
+            </a:lnSpc>
+            <a:spcBef>
+              <a:spcPct val="0"/>
+            </a:spcBef>
+            <a:spcAft>
+              <a:spcPct val="35000"/>
+            </a:spcAft>
+            <a:buNone/>
+          </a:pPr>
+          <a:r>
+            <a:rPr lang="en-GB" sz="1600" kern="1200" dirty="0">
+              <a:latin typeface="Bahnschrift" panose="020B0502040204020203" pitchFamily="34" charset="0"/>
+            </a:rPr>
+            <a:t>4.2. Implementation Testing</a:t>
+          </a:r>
+        </a:p>
+      </dsp:txBody>
+      <dsp:txXfrm>
+        <a:off x="8441626" y="2433825"/>
+        <a:ext cx="1545994" cy="830333"/>
+      </dsp:txXfrm>
+    </dsp:sp>
+    <dsp:sp modelId="{37A69157-3315-4E98-907A-0A55586D5754}">
+      <dsp:nvSpPr>
+        <dsp:cNvPr id="0" name=""/>
+        <dsp:cNvSpPr/>
+      </dsp:nvSpPr>
+      <dsp:spPr>
+        <a:xfrm>
+          <a:off x="10186252" y="201979"/>
+          <a:ext cx="1763998" cy="881999"/>
+        </a:xfrm>
+        <a:prstGeom prst="roundRect">
+          <a:avLst>
+            <a:gd name="adj" fmla="val 10000"/>
+          </a:avLst>
+        </a:prstGeom>
+        <a:solidFill>
+          <a:schemeClr val="accent1">
+            <a:hueOff val="0"/>
+            <a:satOff val="0"/>
+            <a:lumOff val="0"/>
+            <a:alphaOff val="0"/>
+          </a:schemeClr>
+        </a:solidFill>
+        <a:ln w="12700" cap="flat" cmpd="sng" algn="ctr">
+          <a:solidFill>
+            <a:schemeClr val="lt1">
+              <a:hueOff val="0"/>
+              <a:satOff val="0"/>
+              <a:lumOff val="0"/>
+              <a:alphaOff val="0"/>
+            </a:schemeClr>
+          </a:solidFill>
+          <a:prstDash val="solid"/>
+          <a:miter lim="800000"/>
+        </a:ln>
+        <a:effectLst/>
+      </dsp:spPr>
+      <dsp:style>
+        <a:lnRef idx="2">
+          <a:scrgbClr r="0" g="0" b="0"/>
+        </a:lnRef>
+        <a:fillRef idx="1">
+          <a:scrgbClr r="0" g="0" b="0"/>
+        </a:fillRef>
+        <a:effectRef idx="0">
+          <a:scrgbClr r="0" g="0" b="0"/>
+        </a:effectRef>
+        <a:fontRef idx="minor">
+          <a:schemeClr val="lt1"/>
+        </a:fontRef>
+      </dsp:style>
+      <dsp:txBody>
+        <a:bodyPr spcFirstLastPara="0" vert="horz" wrap="square" lIns="34290" tIns="22860" rIns="34290" bIns="22860" numCol="1" spcCol="1270" anchor="ctr" anchorCtr="0">
+          <a:noAutofit/>
+        </a:bodyPr>
+        <a:lstStyle/>
+        <a:p>
+          <a:pPr marL="0" lvl="0" indent="0" algn="ctr" defTabSz="800100">
+            <a:lnSpc>
+              <a:spcPct val="90000"/>
+            </a:lnSpc>
+            <a:spcBef>
+              <a:spcPct val="0"/>
+            </a:spcBef>
+            <a:spcAft>
+              <a:spcPct val="35000"/>
+            </a:spcAft>
+            <a:buNone/>
+          </a:pPr>
+          <a:r>
+            <a:rPr lang="de-DE" sz="1800" kern="1200" dirty="0">
+              <a:latin typeface="Bahnschrift" panose="020B0502040204020203" pitchFamily="34" charset="0"/>
+            </a:rPr>
+            <a:t>5. </a:t>
+          </a:r>
+          <a:r>
+            <a:rPr lang="de-DE" sz="1800" kern="1200" dirty="0" err="1">
+              <a:latin typeface="Bahnschrift" panose="020B0502040204020203" pitchFamily="34" charset="0"/>
+            </a:rPr>
+            <a:t>Documentation</a:t>
+          </a:r>
+          <a:r>
+            <a:rPr lang="de-DE" sz="1800" kern="1200" dirty="0">
+              <a:latin typeface="Bahnschrift" panose="020B0502040204020203" pitchFamily="34" charset="0"/>
+            </a:rPr>
+            <a:t> &amp; Report</a:t>
+          </a:r>
+          <a:endParaRPr lang="en-GB" sz="1800" kern="1200" dirty="0">
+            <a:latin typeface="Bahnschrift" panose="020B0502040204020203" pitchFamily="34" charset="0"/>
+          </a:endParaRPr>
+        </a:p>
+      </dsp:txBody>
+      <dsp:txXfrm>
+        <a:off x="10212085" y="227812"/>
+        <a:ext cx="1712332" cy="830333"/>
+      </dsp:txXfrm>
+    </dsp:sp>
+    <dsp:sp modelId="{BABD9D92-0B1C-46E4-8141-AD5E2C745A46}">
+      <dsp:nvSpPr>
+        <dsp:cNvPr id="0" name=""/>
+        <dsp:cNvSpPr/>
+      </dsp:nvSpPr>
+      <dsp:spPr>
+        <a:xfrm>
+          <a:off x="10362651" y="1083978"/>
+          <a:ext cx="207755" cy="662513"/>
+        </a:xfrm>
+        <a:custGeom>
+          <a:avLst/>
+          <a:gdLst/>
+          <a:ahLst/>
+          <a:cxnLst/>
+          <a:rect l="0" t="0" r="0" b="0"/>
+          <a:pathLst>
+            <a:path>
+              <a:moveTo>
+                <a:pt x="0" y="0"/>
+              </a:moveTo>
+              <a:lnTo>
+                <a:pt x="0" y="662513"/>
+              </a:lnTo>
+              <a:lnTo>
+                <a:pt x="207755" y="662513"/>
+              </a:lnTo>
+            </a:path>
+          </a:pathLst>
+        </a:custGeom>
+        <a:noFill/>
+        <a:ln w="12700" cap="flat" cmpd="sng" algn="ctr">
+          <a:solidFill>
+            <a:schemeClr val="accent1">
+              <a:shade val="60000"/>
+              <a:hueOff val="0"/>
+              <a:satOff val="0"/>
+              <a:lumOff val="0"/>
+              <a:alphaOff val="0"/>
+            </a:schemeClr>
+          </a:solidFill>
+          <a:prstDash val="solid"/>
+          <a:miter lim="800000"/>
+        </a:ln>
+        <a:effectLst/>
+      </dsp:spPr>
+      <dsp:style>
+        <a:lnRef idx="2">
+          <a:scrgbClr r="0" g="0" b="0"/>
+        </a:lnRef>
+        <a:fillRef idx="0">
+          <a:scrgbClr r="0" g="0" b="0"/>
+        </a:fillRef>
+        <a:effectRef idx="0">
+          <a:scrgbClr r="0" g="0" b="0"/>
+        </a:effectRef>
+        <a:fontRef idx="minor"/>
+      </dsp:style>
+    </dsp:sp>
+    <dsp:sp modelId="{06E1A880-F68A-4DAD-8737-48DD0FEDAC6E}">
+      <dsp:nvSpPr>
+        <dsp:cNvPr id="0" name=""/>
+        <dsp:cNvSpPr/>
+      </dsp:nvSpPr>
+      <dsp:spPr>
+        <a:xfrm>
+          <a:off x="10570407" y="1305492"/>
+          <a:ext cx="1512099" cy="881999"/>
+        </a:xfrm>
+        <a:prstGeom prst="roundRect">
+          <a:avLst>
+            <a:gd name="adj" fmla="val 10000"/>
+          </a:avLst>
+        </a:prstGeom>
+        <a:solidFill>
+          <a:schemeClr val="lt1">
+            <a:alpha val="90000"/>
+            <a:hueOff val="0"/>
+            <a:satOff val="0"/>
+            <a:lumOff val="0"/>
+            <a:alphaOff val="0"/>
+          </a:schemeClr>
+        </a:solidFill>
+        <a:ln w="12700" cap="flat" cmpd="sng" algn="ctr">
+          <a:solidFill>
+            <a:schemeClr val="accent1">
+              <a:hueOff val="0"/>
+              <a:satOff val="0"/>
+              <a:lumOff val="0"/>
+              <a:alphaOff val="0"/>
+            </a:schemeClr>
+          </a:solidFill>
+          <a:prstDash val="solid"/>
+          <a:miter lim="800000"/>
+        </a:ln>
+        <a:effectLst/>
+      </dsp:spPr>
+      <dsp:style>
+        <a:lnRef idx="2">
+          <a:scrgbClr r="0" g="0" b="0"/>
+        </a:lnRef>
+        <a:fillRef idx="1">
+          <a:scrgbClr r="0" g="0" b="0"/>
+        </a:fillRef>
+        <a:effectRef idx="0">
+          <a:scrgbClr r="0" g="0" b="0"/>
+        </a:effectRef>
+        <a:fontRef idx="minor"/>
+      </dsp:style>
+      <dsp:txBody>
+        <a:bodyPr spcFirstLastPara="0" vert="horz" wrap="square" lIns="30480" tIns="20320" rIns="30480" bIns="20320" numCol="1" spcCol="1270" anchor="ctr" anchorCtr="0">
+          <a:noAutofit/>
+        </a:bodyPr>
+        <a:lstStyle/>
+        <a:p>
+          <a:pPr marL="0" lvl="0" indent="0" algn="ctr" defTabSz="711200">
+            <a:lnSpc>
+              <a:spcPct val="90000"/>
+            </a:lnSpc>
+            <a:spcBef>
+              <a:spcPct val="0"/>
+            </a:spcBef>
+            <a:spcAft>
+              <a:spcPct val="35000"/>
+            </a:spcAft>
+            <a:buNone/>
+          </a:pPr>
+          <a:r>
+            <a:rPr lang="de-DE" sz="1600" kern="1200" dirty="0">
+              <a:latin typeface="Bahnschrift" panose="020B0502040204020203" pitchFamily="34" charset="0"/>
+            </a:rPr>
+            <a:t>5.1. Project Handbook</a:t>
+          </a:r>
+          <a:endParaRPr lang="en-GB" sz="1600" kern="1200" dirty="0">
+            <a:latin typeface="Bahnschrift" panose="020B0502040204020203" pitchFamily="34" charset="0"/>
+          </a:endParaRPr>
+        </a:p>
+      </dsp:txBody>
+      <dsp:txXfrm>
+        <a:off x="10596240" y="1331325"/>
+        <a:ext cx="1460433" cy="830333"/>
+      </dsp:txXfrm>
+    </dsp:sp>
+    <dsp:sp modelId="{A8FBDA45-2646-4869-BF99-DAF5C9E518FA}">
+      <dsp:nvSpPr>
+        <dsp:cNvPr id="0" name=""/>
+        <dsp:cNvSpPr/>
+      </dsp:nvSpPr>
+      <dsp:spPr>
+        <a:xfrm>
+          <a:off x="10362651" y="1083978"/>
+          <a:ext cx="207755" cy="1765013"/>
+        </a:xfrm>
+        <a:custGeom>
+          <a:avLst/>
+          <a:gdLst/>
+          <a:ahLst/>
+          <a:cxnLst/>
+          <a:rect l="0" t="0" r="0" b="0"/>
+          <a:pathLst>
+            <a:path>
+              <a:moveTo>
+                <a:pt x="0" y="0"/>
+              </a:moveTo>
+              <a:lnTo>
+                <a:pt x="0" y="1765013"/>
+              </a:lnTo>
+              <a:lnTo>
+                <a:pt x="207755" y="1765013"/>
+              </a:lnTo>
+            </a:path>
+          </a:pathLst>
+        </a:custGeom>
+        <a:noFill/>
+        <a:ln w="12700" cap="flat" cmpd="sng" algn="ctr">
+          <a:solidFill>
+            <a:schemeClr val="accent1">
+              <a:shade val="60000"/>
+              <a:hueOff val="0"/>
+              <a:satOff val="0"/>
+              <a:lumOff val="0"/>
+              <a:alphaOff val="0"/>
+            </a:schemeClr>
+          </a:solidFill>
+          <a:prstDash val="solid"/>
+          <a:miter lim="800000"/>
+        </a:ln>
+        <a:effectLst/>
+      </dsp:spPr>
+      <dsp:style>
+        <a:lnRef idx="2">
+          <a:scrgbClr r="0" g="0" b="0"/>
+        </a:lnRef>
+        <a:fillRef idx="0">
+          <a:scrgbClr r="0" g="0" b="0"/>
+        </a:fillRef>
+        <a:effectRef idx="0">
+          <a:scrgbClr r="0" g="0" b="0"/>
+        </a:effectRef>
+        <a:fontRef idx="minor"/>
+      </dsp:style>
+    </dsp:sp>
+    <dsp:sp modelId="{C69C59A0-919E-43CC-9B6F-8F63925828D9}">
+      <dsp:nvSpPr>
+        <dsp:cNvPr id="0" name=""/>
+        <dsp:cNvSpPr/>
+      </dsp:nvSpPr>
+      <dsp:spPr>
+        <a:xfrm>
+          <a:off x="10570407" y="2407992"/>
+          <a:ext cx="1512099" cy="881999"/>
+        </a:xfrm>
+        <a:prstGeom prst="roundRect">
+          <a:avLst>
+            <a:gd name="adj" fmla="val 10000"/>
+          </a:avLst>
+        </a:prstGeom>
+        <a:solidFill>
+          <a:schemeClr val="lt1">
+            <a:alpha val="90000"/>
+            <a:hueOff val="0"/>
+            <a:satOff val="0"/>
+            <a:lumOff val="0"/>
+            <a:alphaOff val="0"/>
+          </a:schemeClr>
+        </a:solidFill>
+        <a:ln w="12700" cap="flat" cmpd="sng" algn="ctr">
+          <a:solidFill>
+            <a:schemeClr val="accent1">
+              <a:hueOff val="0"/>
+              <a:satOff val="0"/>
+              <a:lumOff val="0"/>
+              <a:alphaOff val="0"/>
+            </a:schemeClr>
+          </a:solidFill>
+          <a:prstDash val="solid"/>
+          <a:miter lim="800000"/>
+        </a:ln>
+        <a:effectLst/>
+      </dsp:spPr>
+      <dsp:style>
+        <a:lnRef idx="2">
+          <a:scrgbClr r="0" g="0" b="0"/>
+        </a:lnRef>
+        <a:fillRef idx="1">
+          <a:scrgbClr r="0" g="0" b="0"/>
+        </a:fillRef>
+        <a:effectRef idx="0">
+          <a:scrgbClr r="0" g="0" b="0"/>
+        </a:effectRef>
+        <a:fontRef idx="minor"/>
+      </dsp:style>
+      <dsp:txBody>
+        <a:bodyPr spcFirstLastPara="0" vert="horz" wrap="square" lIns="30480" tIns="20320" rIns="30480" bIns="20320" numCol="1" spcCol="1270" anchor="ctr" anchorCtr="0">
+          <a:noAutofit/>
+        </a:bodyPr>
+        <a:lstStyle/>
+        <a:p>
+          <a:pPr marL="0" lvl="0" indent="0" algn="ctr" defTabSz="711200">
+            <a:lnSpc>
+              <a:spcPct val="90000"/>
+            </a:lnSpc>
+            <a:spcBef>
+              <a:spcPct val="0"/>
+            </a:spcBef>
+            <a:spcAft>
+              <a:spcPct val="35000"/>
+            </a:spcAft>
+            <a:buNone/>
+          </a:pPr>
+          <a:r>
+            <a:rPr lang="de-DE" sz="1600" kern="1200" dirty="0">
+              <a:latin typeface="Bahnschrift" panose="020B0502040204020203" pitchFamily="34" charset="0"/>
+            </a:rPr>
+            <a:t>5.2. Scientific Report &amp; Poster</a:t>
+          </a:r>
+          <a:endParaRPr lang="en-GB" sz="1600" kern="1200" dirty="0">
+            <a:latin typeface="Bahnschrift" panose="020B0502040204020203" pitchFamily="34" charset="0"/>
+          </a:endParaRPr>
+        </a:p>
+      </dsp:txBody>
+      <dsp:txXfrm>
+        <a:off x="10596240" y="2433825"/>
+        <a:ext cx="1460433" cy="830333"/>
+      </dsp:txXfrm>
+    </dsp:sp>
+    <dsp:sp modelId="{76521B39-BB87-4537-9C0B-12EB37FE6FC1}">
+      <dsp:nvSpPr>
+        <dsp:cNvPr id="0" name=""/>
+        <dsp:cNvSpPr/>
+      </dsp:nvSpPr>
+      <dsp:spPr>
+        <a:xfrm>
+          <a:off x="10362651" y="1083978"/>
+          <a:ext cx="207755" cy="2867512"/>
+        </a:xfrm>
+        <a:custGeom>
+          <a:avLst/>
+          <a:gdLst/>
+          <a:ahLst/>
+          <a:cxnLst/>
+          <a:rect l="0" t="0" r="0" b="0"/>
+          <a:pathLst>
+            <a:path>
+              <a:moveTo>
+                <a:pt x="0" y="0"/>
+              </a:moveTo>
+              <a:lnTo>
+                <a:pt x="0" y="2867512"/>
+              </a:lnTo>
+              <a:lnTo>
+                <a:pt x="207755" y="2867512"/>
+              </a:lnTo>
+            </a:path>
+          </a:pathLst>
+        </a:custGeom>
+        <a:noFill/>
+        <a:ln w="12700" cap="flat" cmpd="sng" algn="ctr">
+          <a:solidFill>
+            <a:schemeClr val="accent1">
+              <a:shade val="60000"/>
+              <a:hueOff val="0"/>
+              <a:satOff val="0"/>
+              <a:lumOff val="0"/>
+              <a:alphaOff val="0"/>
+            </a:schemeClr>
+          </a:solidFill>
+          <a:prstDash val="solid"/>
+          <a:miter lim="800000"/>
+        </a:ln>
+        <a:effectLst/>
+      </dsp:spPr>
+      <dsp:style>
+        <a:lnRef idx="2">
+          <a:scrgbClr r="0" g="0" b="0"/>
+        </a:lnRef>
+        <a:fillRef idx="0">
+          <a:scrgbClr r="0" g="0" b="0"/>
+        </a:fillRef>
+        <a:effectRef idx="0">
+          <a:scrgbClr r="0" g="0" b="0"/>
+        </a:effectRef>
+        <a:fontRef idx="minor"/>
+      </dsp:style>
+    </dsp:sp>
+    <dsp:sp modelId="{0FF619DA-7F8E-4155-B7A5-409B3785DCD1}">
+      <dsp:nvSpPr>
+        <dsp:cNvPr id="0" name=""/>
+        <dsp:cNvSpPr/>
+      </dsp:nvSpPr>
+      <dsp:spPr>
+        <a:xfrm>
+          <a:off x="10570407" y="3510491"/>
+          <a:ext cx="1512099" cy="881999"/>
+        </a:xfrm>
+        <a:prstGeom prst="roundRect">
+          <a:avLst>
+            <a:gd name="adj" fmla="val 10000"/>
+          </a:avLst>
+        </a:prstGeom>
+        <a:solidFill>
+          <a:schemeClr val="lt1">
+            <a:alpha val="90000"/>
+            <a:hueOff val="0"/>
+            <a:satOff val="0"/>
+            <a:lumOff val="0"/>
+            <a:alphaOff val="0"/>
+          </a:schemeClr>
+        </a:solidFill>
+        <a:ln w="12700" cap="flat" cmpd="sng" algn="ctr">
+          <a:solidFill>
+            <a:schemeClr val="accent1">
+              <a:hueOff val="0"/>
+              <a:satOff val="0"/>
+              <a:lumOff val="0"/>
+              <a:alphaOff val="0"/>
+            </a:schemeClr>
+          </a:solidFill>
+          <a:prstDash val="solid"/>
+          <a:miter lim="800000"/>
+        </a:ln>
+        <a:effectLst/>
+      </dsp:spPr>
+      <dsp:style>
+        <a:lnRef idx="2">
+          <a:scrgbClr r="0" g="0" b="0"/>
+        </a:lnRef>
+        <a:fillRef idx="1">
+          <a:scrgbClr r="0" g="0" b="0"/>
+        </a:fillRef>
+        <a:effectRef idx="0">
+          <a:scrgbClr r="0" g="0" b="0"/>
+        </a:effectRef>
+        <a:fontRef idx="minor"/>
+      </dsp:style>
+      <dsp:txBody>
+        <a:bodyPr spcFirstLastPara="0" vert="horz" wrap="square" lIns="30480" tIns="20320" rIns="30480" bIns="20320" numCol="1" spcCol="1270" anchor="ctr" anchorCtr="0">
+          <a:noAutofit/>
+        </a:bodyPr>
+        <a:lstStyle/>
+        <a:p>
+          <a:pPr marL="0" lvl="0" indent="0" algn="ctr" defTabSz="711200">
+            <a:lnSpc>
+              <a:spcPct val="90000"/>
+            </a:lnSpc>
+            <a:spcBef>
+              <a:spcPct val="0"/>
+            </a:spcBef>
+            <a:spcAft>
+              <a:spcPct val="35000"/>
+            </a:spcAft>
+            <a:buNone/>
+          </a:pPr>
+          <a:r>
+            <a:rPr lang="de-DE" sz="1600" kern="1200" dirty="0">
+              <a:latin typeface="Bahnschrift" panose="020B0502040204020203" pitchFamily="34" charset="0"/>
+            </a:rPr>
+            <a:t>5.3. Software </a:t>
+          </a:r>
+          <a:r>
+            <a:rPr lang="de-DE" sz="1600" kern="1200" dirty="0" err="1">
+              <a:latin typeface="Bahnschrift" panose="020B0502040204020203" pitchFamily="34" charset="0"/>
+            </a:rPr>
+            <a:t>Documentation</a:t>
+          </a:r>
+          <a:endParaRPr lang="en-GB" sz="1600" kern="1200" dirty="0">
+            <a:latin typeface="Bahnschrift" panose="020B0502040204020203" pitchFamily="34" charset="0"/>
+          </a:endParaRPr>
+        </a:p>
+      </dsp:txBody>
+      <dsp:txXfrm>
+        <a:off x="10596240" y="3536324"/>
+        <a:ext cx="1460433" cy="830333"/>
+      </dsp:txXfrm>
+    </dsp:sp>
+    <dsp:sp modelId="{7E087423-1666-438F-B197-9EBAAFE332AA}">
+      <dsp:nvSpPr>
+        <dsp:cNvPr id="0" name=""/>
+        <dsp:cNvSpPr/>
+      </dsp:nvSpPr>
+      <dsp:spPr>
+        <a:xfrm>
+          <a:off x="10362651" y="1083978"/>
+          <a:ext cx="207755" cy="3970011"/>
+        </a:xfrm>
+        <a:custGeom>
+          <a:avLst/>
+          <a:gdLst/>
+          <a:ahLst/>
+          <a:cxnLst/>
+          <a:rect l="0" t="0" r="0" b="0"/>
+          <a:pathLst>
+            <a:path>
+              <a:moveTo>
+                <a:pt x="0" y="0"/>
+              </a:moveTo>
+              <a:lnTo>
+                <a:pt x="0" y="3970011"/>
+              </a:lnTo>
+              <a:lnTo>
+                <a:pt x="207755" y="3970011"/>
+              </a:lnTo>
+            </a:path>
+          </a:pathLst>
+        </a:custGeom>
+        <a:noFill/>
+        <a:ln w="12700" cap="flat" cmpd="sng" algn="ctr">
+          <a:solidFill>
+            <a:schemeClr val="accent1">
+              <a:shade val="60000"/>
+              <a:hueOff val="0"/>
+              <a:satOff val="0"/>
+              <a:lumOff val="0"/>
+              <a:alphaOff val="0"/>
+            </a:schemeClr>
+          </a:solidFill>
+          <a:prstDash val="solid"/>
+          <a:miter lim="800000"/>
+        </a:ln>
+        <a:effectLst/>
+      </dsp:spPr>
+      <dsp:style>
+        <a:lnRef idx="2">
+          <a:scrgbClr r="0" g="0" b="0"/>
+        </a:lnRef>
+        <a:fillRef idx="0">
+          <a:scrgbClr r="0" g="0" b="0"/>
+        </a:fillRef>
+        <a:effectRef idx="0">
+          <a:scrgbClr r="0" g="0" b="0"/>
+        </a:effectRef>
+        <a:fontRef idx="minor"/>
+      </dsp:style>
+    </dsp:sp>
+    <dsp:sp modelId="{AAE2AFA8-A7B5-4902-88FD-4CD71D251D03}">
+      <dsp:nvSpPr>
+        <dsp:cNvPr id="0" name=""/>
+        <dsp:cNvSpPr/>
+      </dsp:nvSpPr>
+      <dsp:spPr>
+        <a:xfrm>
+          <a:off x="10570407" y="4612990"/>
+          <a:ext cx="1512099" cy="881999"/>
+        </a:xfrm>
+        <a:prstGeom prst="roundRect">
+          <a:avLst>
+            <a:gd name="adj" fmla="val 10000"/>
+          </a:avLst>
+        </a:prstGeom>
+        <a:solidFill>
+          <a:schemeClr val="lt1">
+            <a:alpha val="90000"/>
+            <a:hueOff val="0"/>
+            <a:satOff val="0"/>
+            <a:lumOff val="0"/>
+            <a:alphaOff val="0"/>
+          </a:schemeClr>
+        </a:solidFill>
+        <a:ln w="12700" cap="flat" cmpd="sng" algn="ctr">
+          <a:solidFill>
+            <a:schemeClr val="accent1">
+              <a:hueOff val="0"/>
+              <a:satOff val="0"/>
+              <a:lumOff val="0"/>
+              <a:alphaOff val="0"/>
+            </a:schemeClr>
+          </a:solidFill>
+          <a:prstDash val="solid"/>
+          <a:miter lim="800000"/>
+        </a:ln>
+        <a:effectLst/>
+      </dsp:spPr>
+      <dsp:style>
+        <a:lnRef idx="2">
+          <a:scrgbClr r="0" g="0" b="0"/>
+        </a:lnRef>
+        <a:fillRef idx="1">
+          <a:scrgbClr r="0" g="0" b="0"/>
+        </a:fillRef>
+        <a:effectRef idx="0">
+          <a:scrgbClr r="0" g="0" b="0"/>
+        </a:effectRef>
+        <a:fontRef idx="minor"/>
+      </dsp:style>
+      <dsp:txBody>
+        <a:bodyPr spcFirstLastPara="0" vert="horz" wrap="square" lIns="30480" tIns="20320" rIns="30480" bIns="20320" numCol="1" spcCol="1270" anchor="ctr" anchorCtr="0">
+          <a:noAutofit/>
+        </a:bodyPr>
+        <a:lstStyle/>
+        <a:p>
+          <a:pPr marL="0" lvl="0" indent="0" algn="ctr" defTabSz="711200">
+            <a:lnSpc>
+              <a:spcPct val="90000"/>
+            </a:lnSpc>
+            <a:spcBef>
+              <a:spcPct val="0"/>
+            </a:spcBef>
+            <a:spcAft>
+              <a:spcPct val="35000"/>
+            </a:spcAft>
+            <a:buNone/>
+          </a:pPr>
+          <a:r>
+            <a:rPr lang="de-DE" sz="1600" kern="1200" dirty="0">
+              <a:latin typeface="Bahnschrift" panose="020B0502040204020203" pitchFamily="34" charset="0"/>
+            </a:rPr>
+            <a:t>5.4. Hardware </a:t>
+          </a:r>
+          <a:r>
+            <a:rPr lang="de-DE" sz="1600" kern="1200" dirty="0" err="1">
+              <a:latin typeface="Bahnschrift" panose="020B0502040204020203" pitchFamily="34" charset="0"/>
+            </a:rPr>
+            <a:t>Documentation</a:t>
+          </a:r>
+          <a:endParaRPr lang="en-GB" sz="1600" kern="1200" dirty="0">
+            <a:latin typeface="Bahnschrift" panose="020B0502040204020203" pitchFamily="34" charset="0"/>
+          </a:endParaRPr>
+        </a:p>
+      </dsp:txBody>
+      <dsp:txXfrm>
+        <a:off x="10596240" y="4638823"/>
+        <a:ext cx="1460433" cy="830333"/>
+      </dsp:txXfrm>
+    </dsp:sp>
+  </dsp:spTree>
+</dsp:drawing>
+</file>
+
+<file path=ppt/diagrams/layout1.xml><?xml version="1.0" encoding="utf-8"?>
+<dgm:layoutDef xmlns:dgm="http://schemas.openxmlformats.org/drawingml/2006/diagram" xmlns:a="http://schemas.openxmlformats.org/drawingml/2006/main" uniqueId="urn:microsoft.com/office/officeart/2005/8/layout/hierarchy3">
+  <dgm:title val=""/>
+  <dgm:desc val=""/>
+  <dgm:catLst>
+    <dgm:cat type="hierarchy" pri="7000"/>
+    <dgm:cat type="list" pri="23000"/>
+    <dgm:cat type="relationship" pri="15000"/>
+    <dgm:cat type="convert" pri="7000"/>
+  </dgm:catLst>
+  <dgm:sampData>
+    <dgm:dataModel>
+      <dgm:ptLst>
+        <dgm:pt modelId="0" type="doc"/>
+        <dgm:pt modelId="1">
+          <dgm:prSet phldr="1"/>
+        </dgm:pt>
+        <dgm:pt modelId="11">
+          <dgm:prSet phldr="1"/>
+        </dgm:pt>
+        <dgm:pt modelId="12">
+          <dgm:prSet phldr="1"/>
+        </dgm:pt>
+        <dgm:pt modelId="2">
+          <dgm:prSet phldr="1"/>
+        </dgm:pt>
+        <dgm:pt modelId="21">
+          <dgm:prSet phldr="1"/>
+        </dgm:pt>
+        <dgm:pt modelId="22">
+          <dgm:prSet phldr="1"/>
+        </dgm:pt>
+      </dgm:ptLst>
+      <dgm:cxnLst>
+        <dgm:cxn modelId="4" srcId="0" destId="1" srcOrd="0" destOrd="0"/>
+        <dgm:cxn modelId="5" srcId="1" destId="11" srcOrd="0" destOrd="0"/>
+        <dgm:cxn modelId="6" srcId="1" destId="12" srcOrd="1" destOrd="0"/>
+        <dgm:cxn modelId="7" srcId="0" destId="2" srcOrd="1" destOrd="0"/>
+        <dgm:cxn modelId="8" srcId="2" destId="21" srcOrd="0" destOrd="0"/>
+        <dgm:cxn modelId="9" srcId="2" destId="22" srcOrd="1" destOrd="0"/>
+      </dgm:cxnLst>
+      <dgm:bg/>
+      <dgm:whole/>
+    </dgm:dataModel>
+  </dgm:sampData>
+  <dgm:styleData>
+    <dgm:dataModel>
+      <dgm:ptLst>
+        <dgm:pt modelId="0" type="doc"/>
+        <dgm:pt modelId="1"/>
+        <dgm:pt modelId="11"/>
+        <dgm:pt modelId="2"/>
+        <dgm:pt modelId="21"/>
+      </dgm:ptLst>
+      <dgm:cxnLst>
+        <dgm:cxn modelId="4" srcId="0" destId="1" srcOrd="0" destOrd="0"/>
+        <dgm:cxn modelId="5" srcId="0" destId="2" srcOrd="1" destOrd="0"/>
+        <dgm:cxn modelId="13" srcId="1" destId="11" srcOrd="0" destOrd="0"/>
+        <dgm:cxn modelId="23" srcId="2" destId="21" srcOrd="0" destOrd="0"/>
+      </dgm:cxnLst>
+      <dgm:bg/>
+      <dgm:whole/>
+    </dgm:dataModel>
+  </dgm:styleData>
+  <dgm:clrData>
+    <dgm:dataModel>
+      <dgm:ptLst>
+        <dgm:pt modelId="0" type="doc"/>
+        <dgm:pt modelId="1"/>
+        <dgm:pt modelId="11"/>
+        <dgm:pt modelId="2"/>
+        <dgm:pt modelId="21"/>
+        <dgm:pt modelId="3"/>
+        <dgm:pt modelId="31"/>
+        <dgm:pt modelId="4"/>
+        <dgm:pt modelId="41"/>
+      </dgm:ptLst>
+      <dgm:cxnLst>
+        <dgm:cxn modelId="5" srcId="0" destId="1" srcOrd="0" destOrd="0"/>
+        <dgm:cxn modelId="6" srcId="0" destId="2" srcOrd="1" destOrd="0"/>
+        <dgm:cxn modelId="7" srcId="0" destId="3" srcOrd="2" destOrd="0"/>
+        <dgm:cxn modelId="8" srcId="0" destId="4" srcOrd="3" destOrd="0"/>
+        <dgm:cxn modelId="13" srcId="1" destId="11" srcOrd="0" destOrd="0"/>
+        <dgm:cxn modelId="23" srcId="2" destId="21" srcOrd="0" destOrd="0"/>
+        <dgm:cxn modelId="33" srcId="3" destId="31" srcOrd="0" destOrd="0"/>
+        <dgm:cxn modelId="43" srcId="4" destId="41" srcOrd="0" destOrd="0"/>
+      </dgm:cxnLst>
+      <dgm:bg/>
+      <dgm:whole/>
+    </dgm:dataModel>
+  </dgm:clrData>
+  <dgm:layoutNode name="diagram">
+    <dgm:varLst>
+      <dgm:chPref val="1"/>
+      <dgm:dir/>
+      <dgm:animOne val="branch"/>
+      <dgm:animLvl val="lvl"/>
+      <dgm:resizeHandles/>
+    </dgm:varLst>
+    <dgm:choose name="Name0">
+      <dgm:if name="Name1" func="var" arg="dir" op="equ" val="norm">
+        <dgm:alg type="hierChild">
+          <dgm:param type="linDir" val="fromL"/>
+        </dgm:alg>
+      </dgm:if>
+      <dgm:else name="Name2">
+        <dgm:alg type="hierChild">
+          <dgm:param type="linDir" val="fromR"/>
+        </dgm:alg>
+      </dgm:else>
+    </dgm:choose>
+    <dgm:shape xmlns:r="http://schemas.openxmlformats.org/officeDocument/2006/relationships" r:blip="">
+      <dgm:adjLst/>
+    </dgm:shape>
+    <dgm:presOf/>
+    <dgm:constrLst>
+      <dgm:constr type="primFontSz" for="des" forName="rootText" op="equ" val="65"/>
+      <dgm:constr type="primFontSz" for="des" forName="childText" op="equ" val="65"/>
+      <dgm:constr type="w" for="des" forName="rootComposite" refType="w"/>
+      <dgm:constr type="h" for="des" forName="rootComposite" refType="w" fact="0.5"/>
+      <dgm:constr type="w" for="des" forName="childText" refType="w" refFor="des" refForName="rootComposite" fact="0.8"/>
+      <dgm:constr type="h" for="des" forName="childText" refType="h" refFor="des" refForName="rootComposite"/>
+      <dgm:constr type="sibSp" refType="w" refFor="des" refForName="rootComposite" fact="0.25"/>
+      <dgm:constr type="sibSp" for="des" forName="childShape" refType="h" refFor="des" refForName="childText" fact="0.25"/>
+      <dgm:constr type="sp" for="des" forName="root" refType="h" refFor="des" refForName="childText" fact="0.25"/>
+    </dgm:constrLst>
+    <dgm:ruleLst/>
+    <dgm:forEach name="Name3" axis="ch">
+      <dgm:forEach name="Name4" axis="self" ptType="node" cnt="1">
+        <dgm:layoutNode name="root">
+          <dgm:choose name="Name5">
+            <dgm:if name="Name6" func="var" arg="dir" op="equ" val="norm">
+              <dgm:alg type="hierRoot">
+                <dgm:param type="hierAlign" val="tL"/>
+              </dgm:alg>
+            </dgm:if>
+            <dgm:else name="Name7">
+              <dgm:alg type="hierRoot">
+                <dgm:param type="hierAlign" val="tR"/>
+              </dgm:alg>
+            </dgm:else>
+          </dgm:choose>
+          <dgm:shape xmlns:r="http://schemas.openxmlformats.org/officeDocument/2006/relationships" r:blip="">
+            <dgm:adjLst/>
+          </dgm:shape>
+          <dgm:presOf/>
+          <dgm:constrLst>
+            <dgm:constr type="alignOff" val="0.2"/>
+          </dgm:constrLst>
+          <dgm:ruleLst/>
+          <dgm:layoutNode name="rootComposite">
+            <dgm:alg type="composite"/>
+            <dgm:shape xmlns:r="http://schemas.openxmlformats.org/officeDocument/2006/relationships" r:blip="">
+              <dgm:adjLst/>
+            </dgm:shape>
+            <dgm:presOf axis="self" ptType="node" cnt="1"/>
+            <dgm:choose name="Name8">
+              <dgm:if name="Name9" func="var" arg="dir" op="equ" val="norm">
+                <dgm:constrLst>
+                  <dgm:constr type="l" for="ch" forName="rootText"/>
+                  <dgm:constr type="t" for="ch" forName="rootText"/>
+                  <dgm:constr type="w" for="ch" forName="rootText" refType="w"/>
+                  <dgm:constr type="h" for="ch" forName="rootText" refType="h"/>
+                  <dgm:constr type="l" for="ch" forName="rootConnector"/>
+                  <dgm:constr type="t" for="ch" forName="rootConnector"/>
+                  <dgm:constr type="w" for="ch" forName="rootConnector" refType="w" refFor="ch" refForName="rootText" fact="0.2"/>
+                  <dgm:constr type="h" for="ch" forName="rootConnector" refType="h" refFor="ch" refForName="rootText"/>
+                </dgm:constrLst>
+              </dgm:if>
+              <dgm:else name="Name10">
+                <dgm:constrLst>
+                  <dgm:constr type="l" for="ch" forName="rootText"/>
+                  <dgm:constr type="t" for="ch" forName="rootText"/>
+                  <dgm:constr type="w" for="ch" forName="rootText" refType="w"/>
+                  <dgm:constr type="h" for="ch" forName="rootText" refType="h"/>
+                  <dgm:constr type="r" for="ch" forName="rootConnector" refType="w"/>
+                  <dgm:constr type="t" for="ch" forName="rootConnector"/>
+                  <dgm:constr type="w" for="ch" forName="rootConnector" refType="w" refFor="ch" refForName="rootText" fact="0.2"/>
+                  <dgm:constr type="h" for="ch" forName="rootConnector" refType="h" refFor="ch" refForName="rootText"/>
+                </dgm:constrLst>
+              </dgm:else>
+            </dgm:choose>
+            <dgm:ruleLst/>
+            <dgm:layoutNode name="rootText" styleLbl="node1">
+              <dgm:alg type="tx"/>
+              <dgm:shape xmlns:r="http://schemas.openxmlformats.org/officeDocument/2006/relationships" type="roundRect" r:blip="">
+                <dgm:adjLst>
+                  <dgm:adj idx="1" val="0.1"/>
+                </dgm:adjLst>
+              </dgm:shape>
+              <dgm:presOf axis="self" ptType="node" cnt="1"/>
+              <dgm:constrLst>
+                <dgm:constr type="tMarg" refType="primFontSz" fact="0.1"/>
+                <dgm:constr type="bMarg" refType="primFontSz" fact="0.1"/>
+                <dgm:constr type="lMarg" refType="primFontSz" fact="0.15"/>
+                <dgm:constr type="rMarg" refType="primFontSz" fact="0.15"/>
+              </dgm:constrLst>
+              <dgm:ruleLst>
+                <dgm:rule type="primFontSz" val="5" fact="NaN" max="NaN"/>
+              </dgm:ruleLst>
+            </dgm:layoutNode>
+            <dgm:layoutNode name="rootConnector" moveWith="rootText">
+              <dgm:alg type="sp"/>
+              <dgm:shape xmlns:r="http://schemas.openxmlformats.org/officeDocument/2006/relationships" type="roundRect" r:blip="" hideGeom="1">
+                <dgm:adjLst>
+                  <dgm:adj idx="1" val="0.1"/>
+                </dgm:adjLst>
+              </dgm:shape>
+              <dgm:presOf axis="self" ptType="node" cnt="1"/>
+              <dgm:constrLst/>
+              <dgm:ruleLst/>
+            </dgm:layoutNode>
+          </dgm:layoutNode>
+          <dgm:layoutNode name="childShape">
+            <dgm:alg type="hierChild">
+              <dgm:param type="chAlign" val="l"/>
+              <dgm:param type="linDir" val="fromT"/>
+            </dgm:alg>
+            <dgm:shape xmlns:r="http://schemas.openxmlformats.org/officeDocument/2006/relationships" r:blip="">
+              <dgm:adjLst/>
+            </dgm:shape>
+            <dgm:presOf/>
+            <dgm:constrLst/>
+            <dgm:ruleLst/>
+            <dgm:forEach name="Name11" axis="ch">
+              <dgm:forEach name="Name12" axis="self" ptType="parTrans" cnt="1">
+                <dgm:layoutNode name="Name13">
+                  <dgm:choose name="Name14">
+                    <dgm:if name="Name15" func="var" arg="dir" op="equ" val="norm">
+                      <dgm:alg type="conn">
+                        <dgm:param type="dim" val="1D"/>
+                        <dgm:param type="endSty" val="noArr"/>
+                        <dgm:param type="connRout" val="bend"/>
+                        <dgm:param type="srcNode" val="rootConnector"/>
+                        <dgm:param type="begPts" val="bCtr"/>
+                        <dgm:param type="endPts" val="midL"/>
+                      </dgm:alg>
+                    </dgm:if>
+                    <dgm:else name="Name16">
+                      <dgm:alg type="conn">
+                        <dgm:param type="dim" val="1D"/>
+                        <dgm:param type="endSty" val="noArr"/>
+                        <dgm:param type="connRout" val="bend"/>
+                        <dgm:param type="srcNode" val="rootConnector"/>
+                        <dgm:param type="begPts" val="bCtr"/>
+                        <dgm:param type="endPts" val="midR"/>
+                      </dgm:alg>
+                    </dgm:else>
+                  </dgm:choose>
+                  <dgm:shape xmlns:r="http://schemas.openxmlformats.org/officeDocument/2006/relationships" type="conn" r:blip="">
+                    <dgm:adjLst/>
+                  </dgm:shape>
+                  <dgm:presOf axis="self"/>
+                  <dgm:constrLst>
+                    <dgm:constr type="begPad"/>
+                    <dgm:constr type="endPad"/>
+                  </dgm:constrLst>
+                  <dgm:ruleLst/>
+                </dgm:layoutNode>
+              </dgm:forEach>
+              <dgm:forEach name="Name17" axis="self" ptType="node">
+                <dgm:layoutNode name="childText" styleLbl="bgAcc1">
+                  <dgm:varLst>
+                    <dgm:bulletEnabled val="1"/>
+                  </dgm:varLst>
+                  <dgm:alg type="tx"/>
+                  <dgm:shape xmlns:r="http://schemas.openxmlformats.org/officeDocument/2006/relationships" type="roundRect" r:blip="">
+                    <dgm:adjLst>
+                      <dgm:adj idx="1" val="0.1"/>
+                    </dgm:adjLst>
+                  </dgm:shape>
+                  <dgm:presOf axis="self desOrSelf" ptType="node node" st="1 1" cnt="1 0"/>
+                  <dgm:constrLst>
+                    <dgm:constr type="tMarg" refType="primFontSz" fact="0.1"/>
+                    <dgm:constr type="bMarg" refType="primFontSz" fact="0.1"/>
+                    <dgm:constr type="lMarg" refType="primFontSz" fact="0.15"/>
+                    <dgm:constr type="rMarg" refType="primFontSz" fact="0.15"/>
+                  </dgm:constrLst>
+                  <dgm:ruleLst>
+                    <dgm:rule type="primFontSz" val="5" fact="NaN" max="NaN"/>
+                  </dgm:ruleLst>
+                </dgm:layoutNode>
+              </dgm:forEach>
+            </dgm:forEach>
+          </dgm:layoutNode>
+        </dgm:layoutNode>
+      </dgm:forEach>
+    </dgm:forEach>
+  </dgm:layoutNode>
+</dgm:layoutDef>
+</file>
+
+<file path=ppt/diagrams/quickStyle1.xml><?xml version="1.0" encoding="utf-8"?>
+<dgm:styleDef xmlns:dgm="http://schemas.openxmlformats.org/drawingml/2006/diagram" xmlns:a="http://schemas.openxmlformats.org/drawingml/2006/main" uniqueId="urn:microsoft.com/office/officeart/2005/8/quickstyle/simple1">
+  <dgm:title val=""/>
+  <dgm:desc val=""/>
+  <dgm:catLst>
+    <dgm:cat type="simple" pri="10100"/>
+  </dgm:catLst>
+  <dgm:scene3d>
+    <a:camera prst="orthographicFront"/>
+    <a:lightRig rig="threePt" dir="t"/>
+  </dgm:scene3d>
+  <dgm:styleLbl name="node0">
+    <dgm:scene3d>
+      <a:camera prst="orthographicFront"/>
+      <a:lightRig rig="threePt" dir="t"/>
+    </dgm:scene3d>
+    <dgm:sp3d/>
+    <dgm:txPr/>
+    <dgm:style>
+      <a:lnRef idx="2">
+        <a:scrgbClr r="0" g="0" b="0"/>
+      </a:lnRef>
+      <a:fillRef idx="1">
+        <a:scrgbClr r="0" g="0" b="0"/>
+      </a:fillRef>
+      <a:effectRef idx="0">
+        <a:scrgbClr r="0" g="0" b="0"/>
+      </a:effectRef>
+      <a:fontRef idx="minor">
+        <a:schemeClr val="lt1"/>
+      </a:fontRef>
+    </dgm:style>
+  </dgm:styleLbl>
+  <dgm:styleLbl name="lnNode1">
+    <dgm:scene3d>
+      <a:camera prst="orthographicFront"/>
+      <a:lightRig rig="threePt" dir="t"/>
+    </dgm:scene3d>
+    <dgm:sp3d/>
+    <dgm:txPr/>
+    <dgm:style>
+      <a:lnRef idx="2">
+        <a:scrgbClr r="0" g="0" b="0"/>
+      </a:lnRef>
+      <a:fillRef idx="1">
+        <a:scrgbClr r="0" g="0" b="0"/>
+      </a:fillRef>
+      <a:effectRef idx="0">
+        <a:scrgbClr r="0" g="0" b="0"/>
+      </a:effectRef>
+      <a:fontRef idx="minor">
+        <a:schemeClr val="lt1"/>
+      </a:fontRef>
+    </dgm:style>
+  </dgm:styleLbl>
+  <dgm:styleLbl name="vennNode1">
+    <dgm:scene3d>
+      <a:camera prst="orthographicFront"/>
+      <a:lightRig rig="threePt" dir="t"/>
+    </dgm:scene3d>
+    <dgm:sp3d/>
+    <dgm:txPr/>
+    <dgm:style>
+      <a:lnRef idx="2">
+        <a:scrgbClr r="0" g="0" b="0"/>
+      </a:lnRef>
+      <a:fillRef idx="1">
+        <a:scrgbClr r="0" g="0" b="0"/>
+      </a:fillRef>
+      <a:effectRef idx="0">
+        <a:scrgbClr r="0" g="0" b="0"/>
+      </a:effectRef>
+      <a:fontRef idx="minor">
+        <a:schemeClr val="tx1"/>
+      </a:fontRef>
+    </dgm:style>
+  </dgm:styleLbl>
+  <dgm:styleLbl name="alignNode1">
+    <dgm:scene3d>
+      <a:camera prst="orthographicFront"/>
+      <a:lightRig rig="threePt" dir="t"/>
+    </dgm:scene3d>
+    <dgm:sp3d/>
+    <dgm:txPr/>
+    <dgm:style>
+      <a:lnRef idx="2">
+        <a:scrgbClr r="0" g="0" b="0"/>
+      </a:lnRef>
+      <a:fillRef idx="1">
+        <a:scrgbClr r="0" g="0" b="0"/>
+      </a:fillRef>
+      <a:effectRef idx="0">
+        <a:scrgbClr r="0" g="0" b="0"/>
+      </a:effectRef>
+      <a:fontRef idx="minor">
+        <a:schemeClr val="lt1"/>
+      </a:fontRef>
+    </dgm:style>
+  </dgm:styleLbl>
+  <dgm:styleLbl name="node1">
+    <dgm:scene3d>
+      <a:camera prst="orthographicFront"/>
+      <a:lightRig rig="threePt" dir="t"/>
+    </dgm:scene3d>
+    <dgm:sp3d/>
+    <dgm:txPr/>
+    <dgm:style>
+      <a:lnRef idx="2">
+        <a:scrgbClr r="0" g="0" b="0"/>
+      </a:lnRef>
+      <a:fillRef idx="1">
+        <a:scrgbClr r="0" g="0" b="0"/>
+      </a:fillRef>
+      <a:effectRef idx="0">
+        <a:scrgbClr r="0" g="0" b="0"/>
+      </a:effectRef>
+      <a:fontRef idx="minor">
+        <a:schemeClr val="lt1"/>
+      </a:fontRef>
+    </dgm:style>
+  </dgm:styleLbl>
+  <dgm:styleLbl name="node2">
+    <dgm:scene3d>
+      <a:camera prst="orthographicFront"/>
+      <a:lightRig rig="threePt" dir="t"/>
+    </dgm:scene3d>
+    <dgm:sp3d/>
+    <dgm:txPr/>
+    <dgm:style>
+      <a:lnRef idx="2">
+        <a:scrgbClr r="0" g="0" b="0"/>
+      </a:lnRef>
+      <a:fillRef idx="1">
+        <a:scrgbClr r="0" g="0" b="0"/>
+      </a:fillRef>
+      <a:effectRef idx="0">
+        <a:scrgbClr r="0" g="0" b="0"/>
+      </a:effectRef>
+      <a:fontRef idx="minor">
+        <a:schemeClr val="lt1"/>
+      </a:fontRef>
+    </dgm:style>
+  </dgm:styleLbl>
+  <dgm:styleLbl name="node3">
+    <dgm:scene3d>
+      <a:camera prst="orthographicFront"/>
+      <a:lightRig rig="threePt" dir="t"/>
+    </dgm:scene3d>
+    <dgm:sp3d/>
+    <dgm:txPr/>
+    <dgm:style>
+      <a:lnRef idx="2">
+        <a:scrgbClr r="0" g="0" b="0"/>
+      </a:lnRef>
+      <a:fillRef idx="1">
+        <a:scrgbClr r="0" g="0" b="0"/>
+      </a:fillRef>
+      <a:effectRef idx="0">
+        <a:scrgbClr r="0" g="0" b="0"/>
+      </a:effectRef>
+      <a:fontRef idx="minor">
+        <a:schemeClr val="lt1"/>
+      </a:fontRef>
+    </dgm:style>
+  </dgm:styleLbl>
+  <dgm:styleLbl name="node4">
+    <dgm:scene3d>
+      <a:camera prst="orthographicFront"/>
+      <a:lightRig rig="threePt" dir="t"/>
+    </dgm:scene3d>
+    <dgm:sp3d/>
+    <dgm:txPr/>
+    <dgm:style>
+      <a:lnRef idx="2">
+        <a:scrgbClr r="0" g="0" b="0"/>
+      </a:lnRef>
+      <a:fillRef idx="1">
+        <a:scrgbClr r="0" g="0" b="0"/>
+      </a:fillRef>
+      <a:effectRef idx="0">
+        <a:scrgbClr r="0" g="0" b="0"/>
+      </a:effectRef>
+      <a:fontRef idx="minor">
+        <a:schemeClr val="lt1"/>
+      </a:fontRef>
+    </dgm:style>
+  </dgm:styleLbl>
+  <dgm:styleLbl name="fgImgPlace1">
+    <dgm:scene3d>
+      <a:camera prst="orthographicFront"/>
+      <a:lightRig rig="threePt" dir="t"/>
+    </dgm:scene3d>
+    <dgm:sp3d/>
+    <dgm:txPr/>
+    <dgm:style>
+      <a:lnRef idx="2">
+        <a:scrgbClr r="0" g="0" b="0"/>
+      </a:lnRef>
+      <a:fillRef idx="1">
+        <a:scrgbClr r="0" g="0" b="0"/>
+      </a:fillRef>
+      <a:effectRef idx="0">
+        <a:scrgbClr r="0" g="0" b="0"/>
+      </a:effectRef>
+      <a:fontRef idx="minor"/>
+    </dgm:style>
+  </dgm:styleLbl>
+  <dgm:styleLbl name="alignImgPlace1">
+    <dgm:scene3d>
+      <a:camera prst="orthographicFront"/>
+      <a:lightRig rig="threePt" dir="t"/>
+    </dgm:scene3d>
+    <dgm:sp3d/>
+    <dgm:txPr/>
+    <dgm:style>
+      <a:lnRef idx="2">
+        <a:scrgbClr r="0" g="0" b="0"/>
+      </a:lnRef>
+      <a:fillRef idx="1">
+        <a:scrgbClr r="0" g="0" b="0"/>
+      </a:fillRef>
+      <a:effectRef idx="0">
+        <a:scrgbClr r="0" g="0" b="0"/>
+      </a:effectRef>
+      <a:fontRef idx="minor"/>
+    </dgm:style>
+  </dgm:styleLbl>
+  <dgm:styleLbl name="bgImgPlace1">
+    <dgm:scene3d>
+      <a:camera prst="orthographicFront"/>
+      <a:lightRig rig="threePt" dir="t"/>
+    </dgm:scene3d>
+    <dgm:sp3d/>
+    <dgm:txPr/>
+    <dgm:style>
+      <a:lnRef idx="2">
+        <a:scrgbClr r="0" g="0" b="0"/>
+      </a:lnRef>
+      <a:fillRef idx="1">
+        <a:scrgbClr r="0" g="0" b="0"/>
+      </a:fillRef>
+      <a:effectRef idx="0">
+        <a:scrgbClr r="0" g="0" b="0"/>
+      </a:effectRef>
+      <a:fontRef idx="minor"/>
+    </dgm:style>
+  </dgm:styleLbl>
+  <dgm:styleLbl name="sibTrans2D1">
+    <dgm:scene3d>
+      <a:camera prst="orthographicFront"/>
+      <a:lightRig rig="threePt" dir="t"/>
+    </dgm:scene3d>
+    <dgm:sp3d/>
+    <dgm:txPr/>
+    <dgm:style>
+      <a:lnRef idx="0">
+        <a:scrgbClr r="0" g="0" b="0"/>
+      </a:lnRef>
+      <a:fillRef idx="1">
+        <a:scrgbClr r="0" g="0" b="0"/>
+      </a:fillRef>
+      <a:effectRef idx="0">
+        <a:scrgbClr r="0" g="0" b="0"/>
+      </a:effectRef>
+      <a:fontRef idx="minor">
+        <a:schemeClr val="lt1"/>
+      </a:fontRef>
+    </dgm:style>
+  </dgm:styleLbl>
+  <dgm:styleLbl name="fgSibTrans2D1">
+    <dgm:scene3d>
+      <a:camera prst="orthographicFront"/>
+      <a:lightRig rig="threePt" dir="t"/>
+    </dgm:scene3d>
+    <dgm:sp3d/>
+    <dgm:txPr/>
+    <dgm:style>
+      <a:lnRef idx="0">
+        <a:scrgbClr r="0" g="0" b="0"/>
+      </a:lnRef>
+      <a:fillRef idx="1">
+        <a:scrgbClr r="0" g="0" b="0"/>
+      </a:fillRef>
+      <a:effectRef idx="0">
+        <a:scrgbClr r="0" g="0" b="0"/>
+      </a:effectRef>
+      <a:fontRef idx="minor">
+        <a:schemeClr val="lt1"/>
+      </a:fontRef>
+    </dgm:style>
+  </dgm:styleLbl>
+  <dgm:styleLbl name="bgSibTrans2D1">
+    <dgm:scene3d>
+      <a:camera prst="orthographicFront"/>
+      <a:lightRig rig="threePt" dir="t"/>
+    </dgm:scene3d>
+    <dgm:sp3d/>
+    <dgm:txPr/>
+    <dgm:style>
+      <a:lnRef idx="0">
+        <a:scrgbClr r="0" g="0" b="0"/>
+      </a:lnRef>
+      <a:fillRef idx="1">
+        <a:scrgbClr r="0" g="0" b="0"/>
+      </a:fillRef>
+      <a:effectRef idx="0">
+        <a:scrgbClr r="0" g="0" b="0"/>
+      </a:effectRef>
+      <a:fontRef idx="minor">
+        <a:schemeClr val="lt1"/>
+      </a:fontRef>
+    </dgm:style>
+  </dgm:styleLbl>
+  <dgm:styleLbl name="sibTrans1D1">
+    <dgm:scene3d>
+      <a:camera prst="orthographicFront"/>
+      <a:lightRig rig="threePt" dir="t"/>
+    </dgm:scene3d>
+    <dgm:sp3d/>
+    <dgm:txPr/>
+    <dgm:style>
+      <a:lnRef idx="1">
+        <a:scrgbClr r="0" g="0" b="0"/>
+      </a:lnRef>
+      <a:fillRef idx="0">
+        <a:scrgbClr r="0" g="0" b="0"/>
+      </a:fillRef>
+      <a:effectRef idx="0">
+        <a:scrgbClr r="0" g="0" b="0"/>
+      </a:effectRef>
+      <a:fontRef idx="minor"/>
+    </dgm:style>
+  </dgm:styleLbl>
+  <dgm:styleLbl name="callout">
+    <dgm:scene3d>
+      <a:camera prst="orthographicFront"/>
+      <a:lightRig rig="threePt" dir="t"/>
+    </dgm:scene3d>
+    <dgm:sp3d/>
+    <dgm:txPr/>
+    <dgm:style>
+      <a:lnRef idx="2">
+        <a:scrgbClr r="0" g="0" b="0"/>
+      </a:lnRef>
+      <a:fillRef idx="1">
+        <a:scrgbClr r="0" g="0" b="0"/>
+      </a:fillRef>
+      <a:effectRef idx="0">
+        <a:scrgbClr r="0" g="0" b="0"/>
+      </a:effectRef>
+      <a:fontRef idx="minor"/>
+    </dgm:style>
+  </dgm:styleLbl>
+  <dgm:styleLbl name="asst0">
+    <dgm:scene3d>
+      <a:camera prst="orthographicFront"/>
+      <a:lightRig rig="threePt" dir="t"/>
+    </dgm:scene3d>
+    <dgm:sp3d/>
+    <dgm:txPr/>
+    <dgm:style>
+      <a:lnRef idx="2">
+        <a:scrgbClr r="0" g="0" b="0"/>
+      </a:lnRef>
+      <a:fillRef idx="1">
+        <a:scrgbClr r="0" g="0" b="0"/>
+      </a:fillRef>
+      <a:effectRef idx="0">
+        <a:scrgbClr r="0" g="0" b="0"/>
+      </a:effectRef>
+      <a:fontRef idx="minor">
+        <a:schemeClr val="lt1"/>
+      </a:fontRef>
+    </dgm:style>
+  </dgm:styleLbl>
+  <dgm:styleLbl name="asst1">
+    <dgm:scene3d>
+      <a:camera prst="orthographicFront"/>
+      <a:lightRig rig="threePt" dir="t"/>
+    </dgm:scene3d>
+    <dgm:sp3d/>
+    <dgm:txPr/>
+    <dgm:style>
+      <a:lnRef idx="2">
+        <a:scrgbClr r="0" g="0" b="0"/>
+      </a:lnRef>
+      <a:fillRef idx="1">
+        <a:scrgbClr r="0" g="0" b="0"/>
+      </a:fillRef>
+      <a:effectRef idx="0">
+        <a:scrgbClr r="0" g="0" b="0"/>
+      </a:effectRef>
+      <a:fontRef idx="minor">
+        <a:schemeClr val="lt1"/>
+      </a:fontRef>
+    </dgm:style>
+  </dgm:styleLbl>
+  <dgm:styleLbl name="asst2">
+    <dgm:scene3d>
+      <a:camera prst="orthographicFront"/>
+      <a:lightRig rig="threePt" dir="t"/>
+    </dgm:scene3d>
+    <dgm:sp3d/>
+    <dgm:txPr/>
+    <dgm:style>
+      <a:lnRef idx="2">
+        <a:scrgbClr r="0" g="0" b="0"/>
+      </a:lnRef>
+      <a:fillRef idx="1">
+        <a:scrgbClr r="0" g="0" b="0"/>
+      </a:fillRef>
+      <a:effectRef idx="0">
+        <a:scrgbClr r="0" g="0" b="0"/>
+      </a:effectRef>
+      <a:fontRef idx="minor">
+        <a:schemeClr val="lt1"/>
+      </a:fontRef>
+    </dgm:style>
+  </dgm:styleLbl>
+  <dgm:styleLbl name="asst3">
+    <dgm:scene3d>
+      <a:camera prst="orthographicFront"/>
+      <a:lightRig rig="threePt" dir="t"/>
+    </dgm:scene3d>
+    <dgm:sp3d/>
+    <dgm:txPr/>
+    <dgm:style>
+      <a:lnRef idx="2">
+        <a:scrgbClr r="0" g="0" b="0"/>
+      </a:lnRef>
+      <a:fillRef idx="1">
+        <a:scrgbClr r="0" g="0" b="0"/>
+      </a:fillRef>
+      <a:effectRef idx="0">
+        <a:scrgbClr r="0" g="0" b="0"/>
+      </a:effectRef>
+      <a:fontRef idx="minor">
+        <a:schemeClr val="lt1"/>
+      </a:fontRef>
+    </dgm:style>
+  </dgm:styleLbl>
+  <dgm:styleLbl name="asst4">
+    <dgm:scene3d>
+      <a:camera prst="orthographicFront"/>
+      <a:lightRig rig="threePt" dir="t"/>
+    </dgm:scene3d>
+    <dgm:sp3d/>
+    <dgm:txPr/>
+    <dgm:style>
+      <a:lnRef idx="2">
+        <a:scrgbClr r="0" g="0" b="0"/>
+      </a:lnRef>
+      <a:fillRef idx="1">
+        <a:scrgbClr r="0" g="0" b="0"/>
+      </a:fillRef>
+      <a:effectRef idx="0">
+        <a:scrgbClr r="0" g="0" b="0"/>
+      </a:effectRef>
+      <a:fontRef idx="minor">
+        <a:schemeClr val="lt1"/>
+      </a:fontRef>
+    </dgm:style>
+  </dgm:styleLbl>
+  <dgm:styleLbl name="parChTrans2D1">
+    <dgm:scene3d>
+      <a:camera prst="orthographicFront"/>
+      <a:lightRig rig="threePt" dir="t"/>
+    </dgm:scene3d>
+    <dgm:sp3d/>
+    <dgm:txPr/>
+    <dgm:style>
+      <a:lnRef idx="2">
+        <a:scrgbClr r="0" g="0" b="0"/>
+      </a:lnRef>
+      <a:fillRef idx="1">
+        <a:scrgbClr r="0" g="0" b="0"/>
+      </a:fillRef>
+      <a:effectRef idx="0">
+        <a:scrgbClr r="0" g="0" b="0"/>
+      </a:effectRef>
+      <a:fontRef idx="minor">
+        <a:schemeClr val="lt1"/>
+      </a:fontRef>
+    </dgm:style>
+  </dgm:styleLbl>
+  <dgm:styleLbl name="parChTrans2D2">
+    <dgm:scene3d>
+      <a:camera prst="orthographicFront"/>
+      <a:lightRig rig="threePt" dir="t"/>
+    </dgm:scene3d>
+    <dgm:sp3d/>
+    <dgm:txPr/>
+    <dgm:style>
+      <a:lnRef idx="2">
+        <a:scrgbClr r="0" g="0" b="0"/>
+      </a:lnRef>
+      <a:fillRef idx="1">
+        <a:scrgbClr r="0" g="0" b="0"/>
+      </a:fillRef>
+      <a:effectRef idx="0">
+        <a:scrgbClr r="0" g="0" b="0"/>
+      </a:effectRef>
+      <a:fontRef idx="minor">
+        <a:schemeClr val="lt1"/>
+      </a:fontRef>
+    </dgm:style>
+  </dgm:styleLbl>
+  <dgm:styleLbl name="parChTrans2D3">
+    <dgm:scene3d>
+      <a:camera prst="orthographicFront"/>
+      <a:lightRig rig="threePt" dir="t"/>
+    </dgm:scene3d>
+    <dgm:sp3d/>
+    <dgm:txPr/>
+    <dgm:style>
+      <a:lnRef idx="2">
+        <a:scrgbClr r="0" g="0" b="0"/>
+      </a:lnRef>
+      <a:fillRef idx="1">
+        <a:scrgbClr r="0" g="0" b="0"/>
+      </a:fillRef>
+      <a:effectRef idx="0">
+        <a:scrgbClr r="0" g="0" b="0"/>
+      </a:effectRef>
+      <a:fontRef idx="minor">
+        <a:schemeClr val="lt1"/>
+      </a:fontRef>
+    </dgm:style>
+  </dgm:styleLbl>
+  <dgm:styleLbl name="parChTrans2D4">
+    <dgm:scene3d>
+      <a:camera prst="orthographicFront"/>
+      <a:lightRig rig="threePt" dir="t"/>
+    </dgm:scene3d>
+    <dgm:sp3d/>
+    <dgm:txPr/>
+    <dgm:style>
+      <a:lnRef idx="2">
+        <a:scrgbClr r="0" g="0" b="0"/>
+      </a:lnRef>
+      <a:fillRef idx="1">
+        <a:scrgbClr r="0" g="0" b="0"/>
+      </a:fillRef>
+      <a:effectRef idx="0">
+        <a:scrgbClr r="0" g="0" b="0"/>
+      </a:effectRef>
+      <a:fontRef idx="minor">
+        <a:schemeClr val="lt1"/>
+      </a:fontRef>
+    </dgm:style>
+  </dgm:styleLbl>
+  <dgm:styleLbl name="parChTrans1D1">
+    <dgm:scene3d>
+      <a:camera prst="orthographicFront"/>
+      <a:lightRig rig="threePt" dir="t"/>
+    </dgm:scene3d>
+    <dgm:sp3d/>
+    <dgm:txPr/>
+    <dgm:style>
+      <a:lnRef idx="2">
+        <a:scrgbClr r="0" g="0" b="0"/>
+      </a:lnRef>
+      <a:fillRef idx="0">
+        <a:scrgbClr r="0" g="0" b="0"/>
+      </a:fillRef>
+      <a:effectRef idx="0">
+        <a:scrgbClr r="0" g="0" b="0"/>
+      </a:effectRef>
+      <a:fontRef idx="minor"/>
+    </dgm:style>
+  </dgm:styleLbl>
+  <dgm:styleLbl name="parChTrans1D2">
+    <dgm:scene3d>
+      <a:camera prst="orthographicFront"/>
+      <a:lightRig rig="threePt" dir="t"/>
+    </dgm:scene3d>
+    <dgm:sp3d/>
+    <dgm:txPr/>
+    <dgm:style>
+      <a:lnRef idx="2">
+        <a:scrgbClr r="0" g="0" b="0"/>
+      </a:lnRef>
+      <a:fillRef idx="0">
+        <a:scrgbClr r="0" g="0" b="0"/>
+      </a:fillRef>
+      <a:effectRef idx="0">
+        <a:scrgbClr r="0" g="0" b="0"/>
+      </a:effectRef>
+      <a:fontRef idx="minor"/>
+    </dgm:style>
+  </dgm:styleLbl>
+  <dgm:styleLbl name="parChTrans1D3">
+    <dgm:scene3d>
+      <a:camera prst="orthographicFront"/>
+      <a:lightRig rig="threePt" dir="t"/>
+    </dgm:scene3d>
+    <dgm:sp3d/>
+    <dgm:txPr/>
+    <dgm:style>
+      <a:lnRef idx="2">
+        <a:scrgbClr r="0" g="0" b="0"/>
+      </a:lnRef>
+      <a:fillRef idx="0">
+        <a:scrgbClr r="0" g="0" b="0"/>
+      </a:fillRef>
+      <a:effectRef idx="0">
+        <a:scrgbClr r="0" g="0" b="0"/>
+      </a:effectRef>
+      <a:fontRef idx="minor"/>
+    </dgm:style>
+  </dgm:styleLbl>
+  <dgm:styleLbl name="parChTrans1D4">
+    <dgm:scene3d>
+      <a:camera prst="orthographicFront"/>
+      <a:lightRig rig="threePt" dir="t"/>
+    </dgm:scene3d>
+    <dgm:sp3d/>
+    <dgm:txPr/>
+    <dgm:style>
+      <a:lnRef idx="2">
+        <a:scrgbClr r="0" g="0" b="0"/>
+      </a:lnRef>
+      <a:fillRef idx="0">
+        <a:scrgbClr r="0" g="0" b="0"/>
+      </a:fillRef>
+      <a:effectRef idx="0">
+        <a:scrgbClr r="0" g="0" b="0"/>
+      </a:effectRef>
+      <a:fontRef idx="minor"/>
+    </dgm:style>
+  </dgm:styleLbl>
+  <dgm:styleLbl name="fgAcc1">
+    <dgm:scene3d>
+      <a:camera prst="orthographicFront"/>
+      <a:lightRig rig="threePt" dir="t"/>
+    </dgm:scene3d>
+    <dgm:sp3d/>
+    <dgm:txPr/>
+    <dgm:style>
+      <a:lnRef idx="2">
+        <a:scrgbClr r="0" g="0" b="0"/>
+      </a:lnRef>
+      <a:fillRef idx="1">
+        <a:scrgbClr r="0" g="0" b="0"/>
+      </a:fillRef>
+      <a:effectRef idx="0">
+        <a:scrgbClr r="0" g="0" b="0"/>
+      </a:effectRef>
+      <a:fontRef idx="minor"/>
+    </dgm:style>
+  </dgm:styleLbl>
+  <dgm:styleLbl name="conFgAcc1">
+    <dgm:scene3d>
+      <a:camera prst="orthographicFront"/>
+      <a:lightRig rig="threePt" dir="t"/>
+    </dgm:scene3d>
+    <dgm:sp3d/>
+    <dgm:txPr/>
+    <dgm:style>
+      <a:lnRef idx="2">
+        <a:scrgbClr r="0" g="0" b="0"/>
+      </a:lnRef>
+      <a:fillRef idx="1">
+        <a:scrgbClr r="0" g="0" b="0"/>
+      </a:fillRef>
+      <a:effectRef idx="0">
+        <a:scrgbClr r="0" g="0" b="0"/>
+      </a:effectRef>
+      <a:fontRef idx="minor"/>
+    </dgm:style>
+  </dgm:styleLbl>
+  <dgm:styleLbl name="alignAcc1">
+    <dgm:scene3d>
+      <a:camera prst="orthographicFront"/>
+      <a:lightRig rig="threePt" dir="t"/>
+    </dgm:scene3d>
+    <dgm:sp3d/>
+    <dgm:txPr/>
+    <dgm:style>
+      <a:lnRef idx="2">
+        <a:scrgbClr r="0" g="0" b="0"/>
+      </a:lnRef>
+      <a:fillRef idx="1">
+        <a:scrgbClr r="0" g="0" b="0"/>
+      </a:fillRef>
+      <a:effectRef idx="0">
+        <a:scrgbClr r="0" g="0" b="0"/>
+      </a:effectRef>
+      <a:fontRef idx="minor"/>
+    </dgm:style>
+  </dgm:styleLbl>
+  <dgm:styleLbl name="trAlignAcc1">
+    <dgm:scene3d>
+      <a:camera prst="orthographicFront"/>
+      <a:lightRig rig="threePt" dir="t"/>
+    </dgm:scene3d>
+    <dgm:sp3d/>
+    <dgm:txPr/>
+    <dgm:style>
+      <a:lnRef idx="1">
+        <a:scrgbClr r="0" g="0" b="0"/>
+      </a:lnRef>
+      <a:fillRef idx="1">
+        <a:scrgbClr r="0" g="0" b="0"/>
+      </a:fillRef>
+      <a:effectRef idx="0">
+        <a:scrgbClr r="0" g="0" b="0"/>
+      </a:effectRef>
+      <a:fontRef idx="minor"/>
+    </dgm:style>
+  </dgm:styleLbl>
+  <dgm:styleLbl name="bgAcc1">
+    <dgm:scene3d>
+      <a:camera prst="orthographicFront"/>
+      <a:lightRig rig="threePt" dir="t"/>
+    </dgm:scene3d>
+    <dgm:sp3d/>
+    <dgm:txPr/>
+    <dgm:style>
+      <a:lnRef idx="2">
+        <a:scrgbClr r="0" g="0" b="0"/>
+      </a:lnRef>
+      <a:fillRef idx="1">
+        <a:scrgbClr r="0" g="0" b="0"/>
+      </a:fillRef>
+      <a:effectRef idx="0">
+        <a:scrgbClr r="0" g="0" b="0"/>
+      </a:effectRef>
+      <a:fontRef idx="minor"/>
+    </dgm:style>
+  </dgm:styleLbl>
+  <dgm:styleLbl name="solidFgAcc1">
+    <dgm:scene3d>
+      <a:camera prst="orthographicFront"/>
+      <a:lightRig rig="threePt" dir="t"/>
+    </dgm:scene3d>
+    <dgm:sp3d/>
+    <dgm:txPr/>
+    <dgm:style>
+      <a:lnRef idx="2">
+        <a:scrgbClr r="0" g="0" b="0"/>
+      </a:lnRef>
+      <a:fillRef idx="1">
+        <a:scrgbClr r="0" g="0" b="0"/>
+      </a:fillRef>
+      <a:effectRef idx="0">
+        <a:scrgbClr r="0" g="0" b="0"/>
+      </a:effectRef>
+      <a:fontRef idx="minor"/>
+    </dgm:style>
+  </dgm:styleLbl>
+  <dgm:styleLbl name="solidAlignAcc1">
+    <dgm:scene3d>
+      <a:camera prst="orthographicFront"/>
+      <a:lightRig rig="threePt" dir="t"/>
+    </dgm:scene3d>
+    <dgm:sp3d/>
+    <dgm:txPr/>
+    <dgm:style>
+      <a:lnRef idx="2">
+        <a:scrgbClr r="0" g="0" b="0"/>
+      </a:lnRef>
+      <a:fillRef idx="1">
+        <a:scrgbClr r="0" g="0" b="0"/>
+      </a:fillRef>
+      <a:effectRef idx="0">
+        <a:scrgbClr r="0" g="0" b="0"/>
+      </a:effectRef>
+      <a:fontRef idx="minor"/>
+    </dgm:style>
+  </dgm:styleLbl>
+  <dgm:styleLbl name="solidBgAcc1">
+    <dgm:scene3d>
+      <a:camera prst="orthographicFront"/>
+      <a:lightRig rig="threePt" dir="t"/>
+    </dgm:scene3d>
+    <dgm:sp3d/>
+    <dgm:txPr/>
+    <dgm:style>
+      <a:lnRef idx="2">
+        <a:scrgbClr r="0" g="0" b="0"/>
+      </a:lnRef>
+      <a:fillRef idx="1">
+        <a:scrgbClr r="0" g="0" b="0"/>
+      </a:fillRef>
+      <a:effectRef idx="0">
+        <a:scrgbClr r="0" g="0" b="0"/>
+      </a:effectRef>
+      <a:fontRef idx="minor"/>
+    </dgm:style>
+  </dgm:styleLbl>
+  <dgm:styleLbl name="fgAccFollowNode1">
+    <dgm:scene3d>
+      <a:camera prst="orthographicFront"/>
+      <a:lightRig rig="threePt" dir="t"/>
+    </dgm:scene3d>
+    <dgm:sp3d/>
+    <dgm:txPr/>
+    <dgm:style>
+      <a:lnRef idx="2">
+        <a:scrgbClr r="0" g="0" b="0"/>
+      </a:lnRef>
+      <a:fillRef idx="1">
+        <a:scrgbClr r="0" g="0" b="0"/>
+      </a:fillRef>
+      <a:effectRef idx="0">
+        <a:scrgbClr r="0" g="0" b="0"/>
+      </a:effectRef>
+      <a:fontRef idx="minor"/>
+    </dgm:style>
+  </dgm:styleLbl>
+  <dgm:styleLbl name="alignAccFollowNode1">
+    <dgm:scene3d>
+      <a:camera prst="orthographicFront"/>
+      <a:lightRig rig="threePt" dir="t"/>
+    </dgm:scene3d>
+    <dgm:sp3d/>
+    <dgm:txPr/>
+    <dgm:style>
+      <a:lnRef idx="2">
+        <a:scrgbClr r="0" g="0" b="0"/>
+      </a:lnRef>
+      <a:fillRef idx="1">
+        <a:scrgbClr r="0" g="0" b="0"/>
+      </a:fillRef>
+      <a:effectRef idx="0">
+        <a:scrgbClr r="0" g="0" b="0"/>
+      </a:effectRef>
+      <a:fontRef idx="minor"/>
+    </dgm:style>
+  </dgm:styleLbl>
+  <dgm:styleLbl name="bgAccFollowNode1">
+    <dgm:scene3d>
+      <a:camera prst="orthographicFront"/>
+      <a:lightRig rig="threePt" dir="t"/>
+    </dgm:scene3d>
+    <dgm:sp3d/>
+    <dgm:txPr/>
+    <dgm:style>
+      <a:lnRef idx="2">
+        <a:scrgbClr r="0" g="0" b="0"/>
+      </a:lnRef>
+      <a:fillRef idx="1">
+        <a:scrgbClr r="0" g="0" b="0"/>
+      </a:fillRef>
+      <a:effectRef idx="0">
+        <a:scrgbClr r="0" g="0" b="0"/>
+      </a:effectRef>
+      <a:fontRef idx="minor"/>
+    </dgm:style>
+  </dgm:styleLbl>
+  <dgm:styleLbl name="fgAcc0">
+    <dgm:scene3d>
+      <a:camera prst="orthographicFront"/>
+      <a:lightRig rig="threePt" dir="t"/>
+    </dgm:scene3d>
+    <dgm:sp3d/>
+    <dgm:txPr/>
+    <dgm:style>
+      <a:lnRef idx="2">
+        <a:scrgbClr r="0" g="0" b="0"/>
+      </a:lnRef>
+      <a:fillRef idx="1">
+        <a:scrgbClr r="0" g="0" b="0"/>
+      </a:fillRef>
+      <a:effectRef idx="0">
+        <a:scrgbClr r="0" g="0" b="0"/>
+      </a:effectRef>
+      <a:fontRef idx="minor"/>
+    </dgm:style>
+  </dgm:styleLbl>
+  <dgm:styleLbl name="fgAcc2">
+    <dgm:scene3d>
+      <a:camera prst="orthographicFront"/>
+      <a:lightRig rig="threePt" dir="t"/>
+    </dgm:scene3d>
+    <dgm:sp3d/>
+    <dgm:txPr/>
+    <dgm:style>
+      <a:lnRef idx="2">
+        <a:scrgbClr r="0" g="0" b="0"/>
+      </a:lnRef>
+      <a:fillRef idx="1">
+        <a:scrgbClr r="0" g="0" b="0"/>
+      </a:fillRef>
+      <a:effectRef idx="0">
+        <a:scrgbClr r="0" g="0" b="0"/>
+      </a:effectRef>
+      <a:fontRef idx="minor"/>
+    </dgm:style>
+  </dgm:styleLbl>
+  <dgm:styleLbl name="fgAcc3">
+    <dgm:scene3d>
+      <a:camera prst="orthographicFront"/>
+      <a:lightRig rig="threePt" dir="t"/>
+    </dgm:scene3d>
+    <dgm:sp3d/>
+    <dgm:txPr/>
+    <dgm:style>
+      <a:lnRef idx="2">
+        <a:scrgbClr r="0" g="0" b="0"/>
+      </a:lnRef>
+      <a:fillRef idx="1">
+        <a:scrgbClr r="0" g="0" b="0"/>
+      </a:fillRef>
+      <a:effectRef idx="0">
+        <a:scrgbClr r="0" g="0" b="0"/>
+      </a:effectRef>
+      <a:fontRef idx="minor"/>
+    </dgm:style>
+  </dgm:styleLbl>
+  <dgm:styleLbl name="fgAcc4">
+    <dgm:scene3d>
+      <a:camera prst="orthographicFront"/>
+      <a:lightRig rig="threePt" dir="t"/>
+    </dgm:scene3d>
+    <dgm:sp3d/>
+    <dgm:txPr/>
+    <dgm:style>
+      <a:lnRef idx="2">
+        <a:scrgbClr r="0" g="0" b="0"/>
+      </a:lnRef>
+      <a:fillRef idx="1">
+        <a:scrgbClr r="0" g="0" b="0"/>
+      </a:fillRef>
+      <a:effectRef idx="0">
+        <a:scrgbClr r="0" g="0" b="0"/>
+      </a:effectRef>
+      <a:fontRef idx="minor"/>
+    </dgm:style>
+  </dgm:styleLbl>
+  <dgm:styleLbl name="bgShp">
+    <dgm:scene3d>
+      <a:camera prst="orthographicFront"/>
+      <a:lightRig rig="threePt" dir="t"/>
+    </dgm:scene3d>
+    <dgm:sp3d/>
+    <dgm:txPr/>
+    <dgm:style>
+      <a:lnRef idx="0">
+        <a:scrgbClr r="0" g="0" b="0"/>
+      </a:lnRef>
+      <a:fillRef idx="1">
+        <a:scrgbClr r="0" g="0" b="0"/>
+      </a:fillRef>
+      <a:effectRef idx="0">
+        <a:scrgbClr r="0" g="0" b="0"/>
+      </a:effectRef>
+      <a:fontRef idx="minor"/>
+    </dgm:style>
+  </dgm:styleLbl>
+  <dgm:styleLbl name="dkBgShp">
+    <dgm:scene3d>
+      <a:camera prst="orthographicFront"/>
+      <a:lightRig rig="threePt" dir="t"/>
+    </dgm:scene3d>
+    <dgm:sp3d/>
+    <dgm:txPr/>
+    <dgm:style>
+      <a:lnRef idx="0">
+        <a:scrgbClr r="0" g="0" b="0"/>
+      </a:lnRef>
+      <a:fillRef idx="1">
+        <a:scrgbClr r="0" g="0" b="0"/>
+      </a:fillRef>
+      <a:effectRef idx="0">
+        <a:scrgbClr r="0" g="0" b="0"/>
+      </a:effectRef>
+      <a:fontRef idx="minor"/>
+    </dgm:style>
+  </dgm:styleLbl>
+  <dgm:styleLbl name="trBgShp">
+    <dgm:scene3d>
+      <a:camera prst="orthographicFront"/>
+      <a:lightRig rig="threePt" dir="t"/>
+    </dgm:scene3d>
+    <dgm:sp3d/>
+    <dgm:txPr/>
+    <dgm:style>
+      <a:lnRef idx="0">
+        <a:scrgbClr r="0" g="0" b="0"/>
+      </a:lnRef>
+      <a:fillRef idx="1">
+        <a:scrgbClr r="0" g="0" b="0"/>
+      </a:fillRef>
+      <a:effectRef idx="0">
+        <a:scrgbClr r="0" g="0" b="0"/>
+      </a:effectRef>
+      <a:fontRef idx="minor"/>
+    </dgm:style>
+  </dgm:styleLbl>
+  <dgm:styleLbl name="fgShp">
+    <dgm:scene3d>
+      <a:camera prst="orthographicFront"/>
+      <a:lightRig rig="threePt" dir="t"/>
+    </dgm:scene3d>
+    <dgm:sp3d/>
+    <dgm:txPr/>
+    <dgm:style>
+      <a:lnRef idx="2">
+        <a:scrgbClr r="0" g="0" b="0"/>
+      </a:lnRef>
+      <a:fillRef idx="1">
+        <a:scrgbClr r="0" g="0" b="0"/>
+      </a:fillRef>
+      <a:effectRef idx="0">
+        <a:scrgbClr r="0" g="0" b="0"/>
+      </a:effectRef>
+      <a:fontRef idx="minor"/>
+    </dgm:style>
+  </dgm:styleLbl>
+  <dgm:styleLbl name="revTx">
+    <dgm:scene3d>
+      <a:camera prst="orthographicFront"/>
+      <a:lightRig rig="threePt" dir="t"/>
+    </dgm:scene3d>
+    <dgm:sp3d/>
+    <dgm:txPr/>
+    <dgm:style>
+      <a:lnRef idx="0">
+        <a:scrgbClr r="0" g="0" b="0"/>
+      </a:lnRef>
+      <a:fillRef idx="0">
+        <a:scrgbClr r="0" g="0" b="0"/>
+      </a:fillRef>
+      <a:effectRef idx="0">
+        <a:scrgbClr r="0" g="0" b="0"/>
+      </a:effectRef>
+      <a:fontRef idx="minor"/>
+    </dgm:style>
+  </dgm:styleLbl>
+</dgm:styleDef>
 </file>
 
 <file path=ppt/notesMasters/notesMaster1.xml><?xml version="1.0" encoding="utf-8"?>
@@ -214,7 +7748,7 @@
           <a:p>
             <a:fld id="{A953723F-4AB1-47AC-BCA9-24E93B9D0EF5}" type="datetimeFigureOut">
               <a:rPr lang="en-US" smtClean="0"/>
-              <a:t>10/7/2019</a:t>
+              <a:t>10/11/2019</a:t>
             </a:fld>
             <a:endParaRPr lang="en-US"/>
           </a:p>
@@ -715,7 +8249,7 @@
           <a:p>
             <a:fld id="{24662DDC-1136-4354-A6C5-66DD31C43927}" type="datetimeFigureOut">
               <a:rPr lang="en-US" smtClean="0"/>
-              <a:t>10/7/2019</a:t>
+              <a:t>10/11/2019</a:t>
             </a:fld>
             <a:endParaRPr lang="en-US"/>
           </a:p>
@@ -915,7 +8449,7 @@
           <a:p>
             <a:fld id="{24662DDC-1136-4354-A6C5-66DD31C43927}" type="datetimeFigureOut">
               <a:rPr lang="en-US" smtClean="0"/>
-              <a:t>10/7/2019</a:t>
+              <a:t>10/11/2019</a:t>
             </a:fld>
             <a:endParaRPr lang="en-US"/>
           </a:p>
@@ -1125,7 +8659,7 @@
           <a:p>
             <a:fld id="{24662DDC-1136-4354-A6C5-66DD31C43927}" type="datetimeFigureOut">
               <a:rPr lang="en-US" smtClean="0"/>
-              <a:t>10/7/2019</a:t>
+              <a:t>10/11/2019</a:t>
             </a:fld>
             <a:endParaRPr lang="en-US"/>
           </a:p>
@@ -1325,7 +8859,7 @@
           <a:p>
             <a:fld id="{24662DDC-1136-4354-A6C5-66DD31C43927}" type="datetimeFigureOut">
               <a:rPr lang="en-US" smtClean="0"/>
-              <a:t>10/7/2019</a:t>
+              <a:t>10/11/2019</a:t>
             </a:fld>
             <a:endParaRPr lang="en-US"/>
           </a:p>
@@ -1601,7 +9135,7 @@
           <a:p>
             <a:fld id="{24662DDC-1136-4354-A6C5-66DD31C43927}" type="datetimeFigureOut">
               <a:rPr lang="en-US" smtClean="0"/>
-              <a:t>10/7/2019</a:t>
+              <a:t>10/11/2019</a:t>
             </a:fld>
             <a:endParaRPr lang="en-US"/>
           </a:p>
@@ -1869,7 +9403,7 @@
           <a:p>
             <a:fld id="{24662DDC-1136-4354-A6C5-66DD31C43927}" type="datetimeFigureOut">
               <a:rPr lang="en-US" smtClean="0"/>
-              <a:t>10/7/2019</a:t>
+              <a:t>10/11/2019</a:t>
             </a:fld>
             <a:endParaRPr lang="en-US"/>
           </a:p>
@@ -2284,7 +9818,7 @@
           <a:p>
             <a:fld id="{24662DDC-1136-4354-A6C5-66DD31C43927}" type="datetimeFigureOut">
               <a:rPr lang="en-US" smtClean="0"/>
-              <a:t>10/7/2019</a:t>
+              <a:t>10/11/2019</a:t>
             </a:fld>
             <a:endParaRPr lang="en-US"/>
           </a:p>
@@ -2426,7 +9960,7 @@
           <a:p>
             <a:fld id="{24662DDC-1136-4354-A6C5-66DD31C43927}" type="datetimeFigureOut">
               <a:rPr lang="en-US" smtClean="0"/>
-              <a:t>10/7/2019</a:t>
+              <a:t>10/11/2019</a:t>
             </a:fld>
             <a:endParaRPr lang="en-US"/>
           </a:p>
@@ -2539,7 +10073,7 @@
           <a:p>
             <a:fld id="{24662DDC-1136-4354-A6C5-66DD31C43927}" type="datetimeFigureOut">
               <a:rPr lang="en-US" smtClean="0"/>
-              <a:t>10/7/2019</a:t>
+              <a:t>10/11/2019</a:t>
             </a:fld>
             <a:endParaRPr lang="en-US"/>
           </a:p>
@@ -2852,7 +10386,7 @@
           <a:p>
             <a:fld id="{24662DDC-1136-4354-A6C5-66DD31C43927}" type="datetimeFigureOut">
               <a:rPr lang="en-US" smtClean="0"/>
-              <a:t>10/7/2019</a:t>
+              <a:t>10/11/2019</a:t>
             </a:fld>
             <a:endParaRPr lang="en-US"/>
           </a:p>
@@ -3141,7 +10675,7 @@
           <a:p>
             <a:fld id="{24662DDC-1136-4354-A6C5-66DD31C43927}" type="datetimeFigureOut">
               <a:rPr lang="en-US" smtClean="0"/>
-              <a:t>10/7/2019</a:t>
+              <a:t>10/11/2019</a:t>
             </a:fld>
             <a:endParaRPr lang="en-US"/>
           </a:p>
@@ -3384,7 +10918,7 @@
           <a:p>
             <a:fld id="{24662DDC-1136-4354-A6C5-66DD31C43927}" type="datetimeFigureOut">
               <a:rPr lang="en-US" smtClean="0"/>
-              <a:t>10/7/2019</a:t>
+              <a:t>10/11/2019</a:t>
             </a:fld>
             <a:endParaRPr lang="en-US"/>
           </a:p>
@@ -13968,45 +21502,6 @@
           </a:graphicData>
         </a:graphic>
       </p:graphicFrame>
-      <p:cxnSp>
-        <p:nvCxnSpPr>
-          <p:cNvPr id="19" name="Gerade Verbindung mit Pfeil 18">
-            <a:extLst>
-              <a:ext uri="{FF2B5EF4-FFF2-40B4-BE49-F238E27FC236}">
-                <a16:creationId xmlns:a16="http://schemas.microsoft.com/office/drawing/2014/main" id="{33C937B2-E632-42A1-9445-D057D85A992D}"/>
-              </a:ext>
-            </a:extLst>
-          </p:cNvPr>
-          <p:cNvCxnSpPr/>
-          <p:nvPr/>
-        </p:nvCxnSpPr>
-        <p:spPr>
-          <a:xfrm>
-            <a:off x="4251574" y="1677879"/>
-            <a:ext cx="1826670" cy="0"/>
-          </a:xfrm>
-          <a:prstGeom prst="straightConnector1">
-            <a:avLst/>
-          </a:prstGeom>
-          <a:ln w="38100">
-            <a:tailEnd type="triangle"/>
-          </a:ln>
-        </p:spPr>
-        <p:style>
-          <a:lnRef idx="1">
-            <a:schemeClr val="accent1"/>
-          </a:lnRef>
-          <a:fillRef idx="0">
-            <a:schemeClr val="accent1"/>
-          </a:fillRef>
-          <a:effectRef idx="0">
-            <a:schemeClr val="accent1"/>
-          </a:effectRef>
-          <a:fontRef idx="minor">
-            <a:schemeClr val="tx1"/>
-          </a:fontRef>
-        </p:style>
-      </p:cxnSp>
       <p:sp>
         <p:nvSpPr>
           <p:cNvPr id="2" name="Rechteck 1">
@@ -14125,16 +21620,20 @@
               </a:ext>
             </a:extLst>
           </p:cNvPr>
-          <p:cNvCxnSpPr/>
+          <p:cNvCxnSpPr>
+            <a:cxnSpLocks/>
+          </p:cNvCxnSpPr>
           <p:nvPr/>
         </p:nvCxnSpPr>
         <p:spPr>
           <a:xfrm rot="10800000" flipV="1">
-            <a:off x="4251574" y="2361459"/>
-            <a:ext cx="1844426" cy="665825"/>
+            <a:off x="4251574" y="2697188"/>
+            <a:ext cx="1826670" cy="330096"/>
           </a:xfrm>
           <a:prstGeom prst="bentConnector3">
-            <a:avLst/>
+            <a:avLst>
+              <a:gd name="adj1" fmla="val 63122"/>
+            </a:avLst>
           </a:prstGeom>
           <a:ln w="38100">
             <a:tailEnd type="triangle"/>
@@ -14164,17 +21663,20 @@
               </a:ext>
             </a:extLst>
           </p:cNvPr>
-          <p:cNvCxnSpPr/>
+          <p:cNvCxnSpPr>
+            <a:cxnSpLocks/>
+            <a:stCxn id="8" idx="1"/>
+          </p:cNvCxnSpPr>
           <p:nvPr/>
         </p:nvCxnSpPr>
         <p:spPr>
           <a:xfrm rot="10800000" flipV="1">
-            <a:off x="4251574" y="2702383"/>
-            <a:ext cx="1826670" cy="702390"/>
+            <a:off x="4251574" y="3032385"/>
+            <a:ext cx="1844426" cy="372388"/>
           </a:xfrm>
           <a:prstGeom prst="bentConnector3">
             <a:avLst>
-              <a:gd name="adj1" fmla="val 34448"/>
+              <a:gd name="adj1" fmla="val 50000"/>
             </a:avLst>
           </a:prstGeom>
           <a:ln w="38100">
@@ -14945,10 +22447,1728 @@
           </a:graphicData>
         </a:graphic>
       </p:graphicFrame>
+      <p:cxnSp>
+        <p:nvCxnSpPr>
+          <p:cNvPr id="16" name="Verbinder: gewinkelt 15">
+            <a:extLst>
+              <a:ext uri="{FF2B5EF4-FFF2-40B4-BE49-F238E27FC236}">
+                <a16:creationId xmlns:a16="http://schemas.microsoft.com/office/drawing/2014/main" id="{78078FB7-4F97-493C-90E5-28D433464C3B}"/>
+              </a:ext>
+            </a:extLst>
+          </p:cNvPr>
+          <p:cNvCxnSpPr/>
+          <p:nvPr/>
+        </p:nvCxnSpPr>
+        <p:spPr>
+          <a:xfrm>
+            <a:off x="4251574" y="1651247"/>
+            <a:ext cx="1844426" cy="346229"/>
+          </a:xfrm>
+          <a:prstGeom prst="bentConnector3">
+            <a:avLst/>
+          </a:prstGeom>
+          <a:ln w="38100">
+            <a:tailEnd type="triangle"/>
+          </a:ln>
+        </p:spPr>
+        <p:style>
+          <a:lnRef idx="1">
+            <a:schemeClr val="accent1"/>
+          </a:lnRef>
+          <a:fillRef idx="0">
+            <a:schemeClr val="accent1"/>
+          </a:fillRef>
+          <a:effectRef idx="0">
+            <a:schemeClr val="accent1"/>
+          </a:effectRef>
+          <a:fontRef idx="minor">
+            <a:schemeClr val="tx1"/>
+          </a:fontRef>
+        </p:style>
+      </p:cxnSp>
     </p:spTree>
     <p:extLst>
       <p:ext uri="{BB962C8B-B14F-4D97-AF65-F5344CB8AC3E}">
         <p14:creationId xmlns:p14="http://schemas.microsoft.com/office/powerpoint/2010/main" val="3701638579"/>
+      </p:ext>
+    </p:extLst>
+  </p:cSld>
+  <p:clrMapOvr>
+    <a:masterClrMapping/>
+  </p:clrMapOvr>
+</p:sld>
+</file>
+
+<file path=ppt/slides/slide6.xml><?xml version="1.0" encoding="utf-8"?>
+<p:sld xmlns:a="http://schemas.openxmlformats.org/drawingml/2006/main" xmlns:r="http://schemas.openxmlformats.org/officeDocument/2006/relationships" xmlns:p="http://schemas.openxmlformats.org/presentationml/2006/main">
+  <p:cSld>
+    <p:spTree>
+      <p:nvGrpSpPr>
+        <p:cNvPr id="1" name=""/>
+        <p:cNvGrpSpPr/>
+        <p:nvPr/>
+      </p:nvGrpSpPr>
+      <p:grpSpPr>
+        <a:xfrm>
+          <a:off x="0" y="0"/>
+          <a:ext cx="0" cy="0"/>
+          <a:chOff x="0" y="0"/>
+          <a:chExt cx="0" cy="0"/>
+        </a:xfrm>
+      </p:grpSpPr>
+      <p:graphicFrame>
+        <p:nvGraphicFramePr>
+          <p:cNvPr id="5" name="Diagramm 4">
+            <a:extLst>
+              <a:ext uri="{FF2B5EF4-FFF2-40B4-BE49-F238E27FC236}">
+                <a16:creationId xmlns:a16="http://schemas.microsoft.com/office/drawing/2014/main" id="{27514E13-4837-44FD-8E33-1F9141052B22}"/>
+              </a:ext>
+            </a:extLst>
+          </p:cNvPr>
+          <p:cNvGraphicFramePr/>
+          <p:nvPr>
+            <p:extLst>
+              <p:ext uri="{D42A27DB-BD31-4B8C-83A1-F6EECF244321}">
+                <p14:modId xmlns:p14="http://schemas.microsoft.com/office/powerpoint/2010/main" val="3822526767"/>
+              </p:ext>
+            </p:extLst>
+          </p:nvPr>
+        </p:nvGraphicFramePr>
+        <p:xfrm>
+          <a:off x="0" y="953363"/>
+          <a:ext cx="12082507" cy="5844828"/>
+        </p:xfrm>
+        <a:graphic>
+          <a:graphicData uri="http://schemas.openxmlformats.org/drawingml/2006/diagram">
+            <dgm:relIds xmlns:dgm="http://schemas.openxmlformats.org/drawingml/2006/diagram" xmlns:r="http://schemas.openxmlformats.org/officeDocument/2006/relationships" r:dm="rId2" r:lo="rId3" r:qs="rId4" r:cs="rId5"/>
+          </a:graphicData>
+        </a:graphic>
+      </p:graphicFrame>
+      <p:grpSp>
+        <p:nvGrpSpPr>
+          <p:cNvPr id="6" name="Gruppieren 5">
+            <a:extLst>
+              <a:ext uri="{FF2B5EF4-FFF2-40B4-BE49-F238E27FC236}">
+                <a16:creationId xmlns:a16="http://schemas.microsoft.com/office/drawing/2014/main" id="{79B5B5A2-FDCD-4563-BB4E-BB28542C04BE}"/>
+              </a:ext>
+            </a:extLst>
+          </p:cNvPr>
+          <p:cNvGrpSpPr/>
+          <p:nvPr/>
+        </p:nvGrpSpPr>
+        <p:grpSpPr>
+          <a:xfrm>
+            <a:off x="4043093" y="1126"/>
+            <a:ext cx="3579940" cy="777447"/>
+            <a:chOff x="2370057" y="2508"/>
+            <a:chExt cx="1526976" cy="777447"/>
+          </a:xfrm>
+        </p:grpSpPr>
+        <p:sp>
+          <p:nvSpPr>
+            <p:cNvPr id="20" name="Abgerundetes Rechteck 5">
+              <a:extLst>
+                <a:ext uri="{FF2B5EF4-FFF2-40B4-BE49-F238E27FC236}">
+                  <a16:creationId xmlns:a16="http://schemas.microsoft.com/office/drawing/2014/main" id="{2CA5FBD3-FE15-4BA6-9E7C-0A24088774A0}"/>
+                </a:ext>
+              </a:extLst>
+            </p:cNvPr>
+            <p:cNvSpPr/>
+            <p:nvPr/>
+          </p:nvSpPr>
+          <p:spPr>
+            <a:xfrm>
+              <a:off x="2370057" y="2508"/>
+              <a:ext cx="1526976" cy="763488"/>
+            </a:xfrm>
+            <a:prstGeom prst="roundRect">
+              <a:avLst>
+                <a:gd name="adj" fmla="val 10000"/>
+              </a:avLst>
+            </a:prstGeom>
+          </p:spPr>
+          <p:style>
+            <a:lnRef idx="2">
+              <a:schemeClr val="lt1">
+                <a:hueOff val="0"/>
+                <a:satOff val="0"/>
+                <a:lumOff val="0"/>
+                <a:alphaOff val="0"/>
+              </a:schemeClr>
+            </a:lnRef>
+            <a:fillRef idx="1">
+              <a:schemeClr val="accent1">
+                <a:hueOff val="0"/>
+                <a:satOff val="0"/>
+                <a:lumOff val="0"/>
+                <a:alphaOff val="0"/>
+              </a:schemeClr>
+            </a:fillRef>
+            <a:effectRef idx="0">
+              <a:schemeClr val="accent1">
+                <a:hueOff val="0"/>
+                <a:satOff val="0"/>
+                <a:lumOff val="0"/>
+                <a:alphaOff val="0"/>
+              </a:schemeClr>
+            </a:effectRef>
+            <a:fontRef idx="minor">
+              <a:schemeClr val="lt1"/>
+            </a:fontRef>
+          </p:style>
+          <p:txBody>
+            <a:bodyPr/>
+            <a:lstStyle/>
+            <a:p>
+              <a:endParaRPr lang="en-US"/>
+            </a:p>
+          </p:txBody>
+        </p:sp>
+        <p:sp>
+          <p:nvSpPr>
+            <p:cNvPr id="21" name="Abgerundetes Rechteck 4">
+              <a:extLst>
+                <a:ext uri="{FF2B5EF4-FFF2-40B4-BE49-F238E27FC236}">
+                  <a16:creationId xmlns:a16="http://schemas.microsoft.com/office/drawing/2014/main" id="{06FDBCAB-A9F3-4BB5-A250-67622349074D}"/>
+                </a:ext>
+              </a:extLst>
+            </p:cNvPr>
+            <p:cNvSpPr/>
+            <p:nvPr/>
+          </p:nvSpPr>
+          <p:spPr>
+            <a:xfrm>
+              <a:off x="2469609" y="61191"/>
+              <a:ext cx="1327870" cy="718764"/>
+            </a:xfrm>
+            <a:prstGeom prst="rect">
+              <a:avLst/>
+            </a:prstGeom>
+          </p:spPr>
+          <p:style>
+            <a:lnRef idx="0">
+              <a:scrgbClr r="0" g="0" b="0"/>
+            </a:lnRef>
+            <a:fillRef idx="0">
+              <a:scrgbClr r="0" g="0" b="0"/>
+            </a:fillRef>
+            <a:effectRef idx="0">
+              <a:scrgbClr r="0" g="0" b="0"/>
+            </a:effectRef>
+            <a:fontRef idx="minor">
+              <a:schemeClr val="lt1"/>
+            </a:fontRef>
+          </p:style>
+          <p:txBody>
+            <a:bodyPr spcFirstLastPara="0" vert="horz" wrap="square" lIns="30480" tIns="20320" rIns="30480" bIns="20320" numCol="1" spcCol="1270" anchor="ctr" anchorCtr="0">
+              <a:noAutofit/>
+            </a:bodyPr>
+            <a:lstStyle>
+              <a:defPPr marR="0" lvl="0" algn="l" rtl="0">
+                <a:lnSpc>
+                  <a:spcPct val="100000"/>
+                </a:lnSpc>
+                <a:spcBef>
+                  <a:spcPts val="0"/>
+                </a:spcBef>
+                <a:spcAft>
+                  <a:spcPts val="0"/>
+                </a:spcAft>
+              </a:defPPr>
+              <a:lvl1pPr marR="0" lvl="0" algn="l" rtl="0">
+                <a:lnSpc>
+                  <a:spcPct val="100000"/>
+                </a:lnSpc>
+                <a:spcBef>
+                  <a:spcPts val="0"/>
+                </a:spcBef>
+                <a:spcAft>
+                  <a:spcPts val="0"/>
+                </a:spcAft>
+                <a:buClr>
+                  <a:srgbClr val="000000"/>
+                </a:buClr>
+                <a:buFont typeface="Arial"/>
+                <a:defRPr sz="1400" b="0" i="0" u="none" strike="noStrike" cap="none">
+                  <a:solidFill>
+                    <a:schemeClr val="lt1"/>
+                  </a:solidFill>
+                  <a:latin typeface="+mn-lt"/>
+                  <a:ea typeface="+mn-ea"/>
+                  <a:cs typeface="+mn-cs"/>
+                  <a:sym typeface="Arial"/>
+                </a:defRPr>
+              </a:lvl1pPr>
+              <a:lvl2pPr marR="0" lvl="1" algn="l" rtl="0">
+                <a:lnSpc>
+                  <a:spcPct val="100000"/>
+                </a:lnSpc>
+                <a:spcBef>
+                  <a:spcPts val="0"/>
+                </a:spcBef>
+                <a:spcAft>
+                  <a:spcPts val="0"/>
+                </a:spcAft>
+                <a:buClr>
+                  <a:srgbClr val="000000"/>
+                </a:buClr>
+                <a:buFont typeface="Arial"/>
+                <a:defRPr sz="1400" b="0" i="0" u="none" strike="noStrike" cap="none">
+                  <a:solidFill>
+                    <a:schemeClr val="lt1"/>
+                  </a:solidFill>
+                  <a:latin typeface="+mn-lt"/>
+                  <a:ea typeface="+mn-ea"/>
+                  <a:cs typeface="+mn-cs"/>
+                  <a:sym typeface="Arial"/>
+                </a:defRPr>
+              </a:lvl2pPr>
+              <a:lvl3pPr marR="0" lvl="2" algn="l" rtl="0">
+                <a:lnSpc>
+                  <a:spcPct val="100000"/>
+                </a:lnSpc>
+                <a:spcBef>
+                  <a:spcPts val="0"/>
+                </a:spcBef>
+                <a:spcAft>
+                  <a:spcPts val="0"/>
+                </a:spcAft>
+                <a:buClr>
+                  <a:srgbClr val="000000"/>
+                </a:buClr>
+                <a:buFont typeface="Arial"/>
+                <a:defRPr sz="1400" b="0" i="0" u="none" strike="noStrike" cap="none">
+                  <a:solidFill>
+                    <a:schemeClr val="lt1"/>
+                  </a:solidFill>
+                  <a:latin typeface="+mn-lt"/>
+                  <a:ea typeface="+mn-ea"/>
+                  <a:cs typeface="+mn-cs"/>
+                  <a:sym typeface="Arial"/>
+                </a:defRPr>
+              </a:lvl3pPr>
+              <a:lvl4pPr marR="0" lvl="3" algn="l" rtl="0">
+                <a:lnSpc>
+                  <a:spcPct val="100000"/>
+                </a:lnSpc>
+                <a:spcBef>
+                  <a:spcPts val="0"/>
+                </a:spcBef>
+                <a:spcAft>
+                  <a:spcPts val="0"/>
+                </a:spcAft>
+                <a:buClr>
+                  <a:srgbClr val="000000"/>
+                </a:buClr>
+                <a:buFont typeface="Arial"/>
+                <a:defRPr sz="1400" b="0" i="0" u="none" strike="noStrike" cap="none">
+                  <a:solidFill>
+                    <a:schemeClr val="lt1"/>
+                  </a:solidFill>
+                  <a:latin typeface="+mn-lt"/>
+                  <a:ea typeface="+mn-ea"/>
+                  <a:cs typeface="+mn-cs"/>
+                  <a:sym typeface="Arial"/>
+                </a:defRPr>
+              </a:lvl4pPr>
+              <a:lvl5pPr marR="0" lvl="4" algn="l" rtl="0">
+                <a:lnSpc>
+                  <a:spcPct val="100000"/>
+                </a:lnSpc>
+                <a:spcBef>
+                  <a:spcPts val="0"/>
+                </a:spcBef>
+                <a:spcAft>
+                  <a:spcPts val="0"/>
+                </a:spcAft>
+                <a:buClr>
+                  <a:srgbClr val="000000"/>
+                </a:buClr>
+                <a:buFont typeface="Arial"/>
+                <a:defRPr sz="1400" b="0" i="0" u="none" strike="noStrike" cap="none">
+                  <a:solidFill>
+                    <a:schemeClr val="lt1"/>
+                  </a:solidFill>
+                  <a:latin typeface="+mn-lt"/>
+                  <a:ea typeface="+mn-ea"/>
+                  <a:cs typeface="+mn-cs"/>
+                  <a:sym typeface="Arial"/>
+                </a:defRPr>
+              </a:lvl5pPr>
+              <a:lvl6pPr marR="0" lvl="5" algn="l" rtl="0">
+                <a:lnSpc>
+                  <a:spcPct val="100000"/>
+                </a:lnSpc>
+                <a:spcBef>
+                  <a:spcPts val="0"/>
+                </a:spcBef>
+                <a:spcAft>
+                  <a:spcPts val="0"/>
+                </a:spcAft>
+                <a:buClr>
+                  <a:srgbClr val="000000"/>
+                </a:buClr>
+                <a:buFont typeface="Arial"/>
+                <a:defRPr sz="1400" b="0" i="0" u="none" strike="noStrike" cap="none">
+                  <a:solidFill>
+                    <a:schemeClr val="lt1"/>
+                  </a:solidFill>
+                  <a:latin typeface="+mn-lt"/>
+                  <a:ea typeface="+mn-ea"/>
+                  <a:cs typeface="+mn-cs"/>
+                  <a:sym typeface="Arial"/>
+                </a:defRPr>
+              </a:lvl6pPr>
+              <a:lvl7pPr marR="0" lvl="6" algn="l" rtl="0">
+                <a:lnSpc>
+                  <a:spcPct val="100000"/>
+                </a:lnSpc>
+                <a:spcBef>
+                  <a:spcPts val="0"/>
+                </a:spcBef>
+                <a:spcAft>
+                  <a:spcPts val="0"/>
+                </a:spcAft>
+                <a:buClr>
+                  <a:srgbClr val="000000"/>
+                </a:buClr>
+                <a:buFont typeface="Arial"/>
+                <a:defRPr sz="1400" b="0" i="0" u="none" strike="noStrike" cap="none">
+                  <a:solidFill>
+                    <a:schemeClr val="lt1"/>
+                  </a:solidFill>
+                  <a:latin typeface="+mn-lt"/>
+                  <a:ea typeface="+mn-ea"/>
+                  <a:cs typeface="+mn-cs"/>
+                  <a:sym typeface="Arial"/>
+                </a:defRPr>
+              </a:lvl7pPr>
+              <a:lvl8pPr marR="0" lvl="7" algn="l" rtl="0">
+                <a:lnSpc>
+                  <a:spcPct val="100000"/>
+                </a:lnSpc>
+                <a:spcBef>
+                  <a:spcPts val="0"/>
+                </a:spcBef>
+                <a:spcAft>
+                  <a:spcPts val="0"/>
+                </a:spcAft>
+                <a:buClr>
+                  <a:srgbClr val="000000"/>
+                </a:buClr>
+                <a:buFont typeface="Arial"/>
+                <a:defRPr sz="1400" b="0" i="0" u="none" strike="noStrike" cap="none">
+                  <a:solidFill>
+                    <a:schemeClr val="lt1"/>
+                  </a:solidFill>
+                  <a:latin typeface="+mn-lt"/>
+                  <a:ea typeface="+mn-ea"/>
+                  <a:cs typeface="+mn-cs"/>
+                  <a:sym typeface="Arial"/>
+                </a:defRPr>
+              </a:lvl8pPr>
+              <a:lvl9pPr marR="0" lvl="8" algn="l" rtl="0">
+                <a:lnSpc>
+                  <a:spcPct val="100000"/>
+                </a:lnSpc>
+                <a:spcBef>
+                  <a:spcPts val="0"/>
+                </a:spcBef>
+                <a:spcAft>
+                  <a:spcPts val="0"/>
+                </a:spcAft>
+                <a:buClr>
+                  <a:srgbClr val="000000"/>
+                </a:buClr>
+                <a:buFont typeface="Arial"/>
+                <a:defRPr sz="1400" b="0" i="0" u="none" strike="noStrike" cap="none">
+                  <a:solidFill>
+                    <a:schemeClr val="lt1"/>
+                  </a:solidFill>
+                  <a:latin typeface="+mn-lt"/>
+                  <a:ea typeface="+mn-ea"/>
+                  <a:cs typeface="+mn-cs"/>
+                  <a:sym typeface="Arial"/>
+                </a:defRPr>
+              </a:lvl9pPr>
+            </a:lstStyle>
+            <a:p>
+              <a:pPr lvl="0" algn="ctr" defTabSz="711200">
+                <a:lnSpc>
+                  <a:spcPct val="90000"/>
+                </a:lnSpc>
+                <a:spcBef>
+                  <a:spcPct val="0"/>
+                </a:spcBef>
+                <a:spcAft>
+                  <a:spcPct val="35000"/>
+                </a:spcAft>
+              </a:pPr>
+              <a:r>
+                <a:rPr lang="de-DE" sz="2000" kern="1200" dirty="0" err="1"/>
+                <a:t>Biokta</a:t>
+              </a:r>
+              <a:r>
+                <a:rPr lang="de-DE" sz="2000" kern="1200" dirty="0"/>
+                <a:t> </a:t>
+              </a:r>
+              <a:r>
+                <a:rPr lang="en-US" sz="2000" dirty="0"/>
+                <a:t>- Distributed ledger-based bike renting system</a:t>
+              </a:r>
+              <a:endParaRPr lang="en-GB" sz="2000" kern="1200" dirty="0"/>
+            </a:p>
+          </p:txBody>
+        </p:sp>
+      </p:grpSp>
+      <p:cxnSp>
+        <p:nvCxnSpPr>
+          <p:cNvPr id="3" name="Gerader Verbinder 2">
+            <a:extLst>
+              <a:ext uri="{FF2B5EF4-FFF2-40B4-BE49-F238E27FC236}">
+                <a16:creationId xmlns:a16="http://schemas.microsoft.com/office/drawing/2014/main" id="{E87D2C81-E404-4FA2-AF38-4B729F473C14}"/>
+              </a:ext>
+            </a:extLst>
+          </p:cNvPr>
+          <p:cNvCxnSpPr/>
+          <p:nvPr/>
+        </p:nvCxnSpPr>
+        <p:spPr>
+          <a:xfrm>
+            <a:off x="1012054" y="976536"/>
+            <a:ext cx="9845336" cy="0"/>
+          </a:xfrm>
+          <a:prstGeom prst="line">
+            <a:avLst/>
+          </a:prstGeom>
+          <a:noFill/>
+          <a:ln w="12700" cap="flat" cmpd="sng" algn="ctr">
+            <a:solidFill>
+              <a:srgbClr val="4472C4">
+                <a:shade val="60000"/>
+                <a:hueOff val="0"/>
+                <a:satOff val="0"/>
+                <a:lumOff val="0"/>
+                <a:alphaOff val="0"/>
+              </a:srgbClr>
+            </a:solidFill>
+            <a:prstDash val="solid"/>
+            <a:miter lim="800000"/>
+          </a:ln>
+          <a:effectLst/>
+        </p:spPr>
+      </p:cxnSp>
+      <p:cxnSp>
+        <p:nvCxnSpPr>
+          <p:cNvPr id="7" name="Gerader Verbinder 6">
+            <a:extLst>
+              <a:ext uri="{FF2B5EF4-FFF2-40B4-BE49-F238E27FC236}">
+                <a16:creationId xmlns:a16="http://schemas.microsoft.com/office/drawing/2014/main" id="{1F2A1EDF-40AD-4FC5-B559-68D5D4E8A0E3}"/>
+              </a:ext>
+            </a:extLst>
+          </p:cNvPr>
+          <p:cNvCxnSpPr>
+            <a:cxnSpLocks/>
+            <a:stCxn id="20" idx="2"/>
+          </p:cNvCxnSpPr>
+          <p:nvPr/>
+        </p:nvCxnSpPr>
+        <p:spPr>
+          <a:xfrm flipH="1">
+            <a:off x="5833061" y="764614"/>
+            <a:ext cx="2" cy="220807"/>
+          </a:xfrm>
+          <a:prstGeom prst="line">
+            <a:avLst/>
+          </a:prstGeom>
+          <a:noFill/>
+          <a:ln w="12700" cap="flat" cmpd="sng" algn="ctr">
+            <a:solidFill>
+              <a:srgbClr val="4472C4">
+                <a:shade val="60000"/>
+                <a:hueOff val="0"/>
+                <a:satOff val="0"/>
+                <a:lumOff val="0"/>
+                <a:alphaOff val="0"/>
+              </a:srgbClr>
+            </a:solidFill>
+            <a:prstDash val="solid"/>
+            <a:miter lim="800000"/>
+          </a:ln>
+          <a:effectLst/>
+        </p:spPr>
+      </p:cxnSp>
+      <p:cxnSp>
+        <p:nvCxnSpPr>
+          <p:cNvPr id="11" name="Gerader Verbinder 10">
+            <a:extLst>
+              <a:ext uri="{FF2B5EF4-FFF2-40B4-BE49-F238E27FC236}">
+                <a16:creationId xmlns:a16="http://schemas.microsoft.com/office/drawing/2014/main" id="{E48D441F-D5C2-458F-B879-30855AC8FCA8}"/>
+              </a:ext>
+            </a:extLst>
+          </p:cNvPr>
+          <p:cNvCxnSpPr>
+            <a:cxnSpLocks/>
+          </p:cNvCxnSpPr>
+          <p:nvPr/>
+        </p:nvCxnSpPr>
+        <p:spPr>
+          <a:xfrm flipH="1">
+            <a:off x="3943597" y="985421"/>
+            <a:ext cx="2" cy="220807"/>
+          </a:xfrm>
+          <a:prstGeom prst="line">
+            <a:avLst/>
+          </a:prstGeom>
+          <a:noFill/>
+          <a:ln w="12700" cap="flat" cmpd="sng" algn="ctr">
+            <a:solidFill>
+              <a:srgbClr val="4472C4">
+                <a:shade val="60000"/>
+                <a:hueOff val="0"/>
+                <a:satOff val="0"/>
+                <a:lumOff val="0"/>
+                <a:alphaOff val="0"/>
+              </a:srgbClr>
+            </a:solidFill>
+            <a:prstDash val="solid"/>
+            <a:miter lim="800000"/>
+          </a:ln>
+          <a:effectLst/>
+        </p:spPr>
+      </p:cxnSp>
+      <p:cxnSp>
+        <p:nvCxnSpPr>
+          <p:cNvPr id="12" name="Gerader Verbinder 11">
+            <a:extLst>
+              <a:ext uri="{FF2B5EF4-FFF2-40B4-BE49-F238E27FC236}">
+                <a16:creationId xmlns:a16="http://schemas.microsoft.com/office/drawing/2014/main" id="{A5A6B346-0C7F-43CA-A3DF-BF279B5B30CF}"/>
+              </a:ext>
+            </a:extLst>
+          </p:cNvPr>
+          <p:cNvCxnSpPr>
+            <a:cxnSpLocks/>
+          </p:cNvCxnSpPr>
+          <p:nvPr/>
+        </p:nvCxnSpPr>
+        <p:spPr>
+          <a:xfrm flipH="1">
+            <a:off x="1012054" y="985421"/>
+            <a:ext cx="2" cy="220807"/>
+          </a:xfrm>
+          <a:prstGeom prst="line">
+            <a:avLst/>
+          </a:prstGeom>
+          <a:noFill/>
+          <a:ln w="12700" cap="flat" cmpd="sng" algn="ctr">
+            <a:solidFill>
+              <a:srgbClr val="4472C4">
+                <a:shade val="60000"/>
+                <a:hueOff val="0"/>
+                <a:satOff val="0"/>
+                <a:lumOff val="0"/>
+                <a:alphaOff val="0"/>
+              </a:srgbClr>
+            </a:solidFill>
+            <a:prstDash val="solid"/>
+            <a:miter lim="800000"/>
+          </a:ln>
+          <a:effectLst/>
+        </p:spPr>
+      </p:cxnSp>
+      <p:cxnSp>
+        <p:nvCxnSpPr>
+          <p:cNvPr id="13" name="Gerader Verbinder 12">
+            <a:extLst>
+              <a:ext uri="{FF2B5EF4-FFF2-40B4-BE49-F238E27FC236}">
+                <a16:creationId xmlns:a16="http://schemas.microsoft.com/office/drawing/2014/main" id="{DE68618D-392D-40B3-A1BB-2CFB5E6FE7AD}"/>
+              </a:ext>
+            </a:extLst>
+          </p:cNvPr>
+          <p:cNvCxnSpPr>
+            <a:cxnSpLocks/>
+          </p:cNvCxnSpPr>
+          <p:nvPr/>
+        </p:nvCxnSpPr>
+        <p:spPr>
+          <a:xfrm flipH="1">
+            <a:off x="6249880" y="985421"/>
+            <a:ext cx="2" cy="220807"/>
+          </a:xfrm>
+          <a:prstGeom prst="line">
+            <a:avLst/>
+          </a:prstGeom>
+          <a:noFill/>
+          <a:ln w="12700" cap="flat" cmpd="sng" algn="ctr">
+            <a:solidFill>
+              <a:srgbClr val="4472C4">
+                <a:shade val="60000"/>
+                <a:hueOff val="0"/>
+                <a:satOff val="0"/>
+                <a:lumOff val="0"/>
+                <a:alphaOff val="0"/>
+              </a:srgbClr>
+            </a:solidFill>
+            <a:prstDash val="solid"/>
+            <a:miter lim="800000"/>
+          </a:ln>
+          <a:effectLst/>
+        </p:spPr>
+      </p:cxnSp>
+      <p:cxnSp>
+        <p:nvCxnSpPr>
+          <p:cNvPr id="14" name="Gerader Verbinder 13">
+            <a:extLst>
+              <a:ext uri="{FF2B5EF4-FFF2-40B4-BE49-F238E27FC236}">
+                <a16:creationId xmlns:a16="http://schemas.microsoft.com/office/drawing/2014/main" id="{8A939B10-BB1A-4B02-A190-E88331A2CD66}"/>
+              </a:ext>
+            </a:extLst>
+          </p:cNvPr>
+          <p:cNvCxnSpPr>
+            <a:cxnSpLocks/>
+          </p:cNvCxnSpPr>
+          <p:nvPr/>
+        </p:nvCxnSpPr>
+        <p:spPr>
+          <a:xfrm flipH="1">
+            <a:off x="8556163" y="985421"/>
+            <a:ext cx="2" cy="220807"/>
+          </a:xfrm>
+          <a:prstGeom prst="line">
+            <a:avLst/>
+          </a:prstGeom>
+          <a:noFill/>
+          <a:ln w="12700" cap="flat" cmpd="sng" algn="ctr">
+            <a:solidFill>
+              <a:srgbClr val="4472C4">
+                <a:shade val="60000"/>
+                <a:hueOff val="0"/>
+                <a:satOff val="0"/>
+                <a:lumOff val="0"/>
+                <a:alphaOff val="0"/>
+              </a:srgbClr>
+            </a:solidFill>
+            <a:prstDash val="solid"/>
+            <a:miter lim="800000"/>
+          </a:ln>
+          <a:effectLst/>
+        </p:spPr>
+      </p:cxnSp>
+      <p:cxnSp>
+        <p:nvCxnSpPr>
+          <p:cNvPr id="15" name="Gerader Verbinder 14">
+            <a:extLst>
+              <a:ext uri="{FF2B5EF4-FFF2-40B4-BE49-F238E27FC236}">
+                <a16:creationId xmlns:a16="http://schemas.microsoft.com/office/drawing/2014/main" id="{5FB0023B-33D7-46F7-A4F9-026536DD9A08}"/>
+              </a:ext>
+            </a:extLst>
+          </p:cNvPr>
+          <p:cNvCxnSpPr>
+            <a:cxnSpLocks/>
+          </p:cNvCxnSpPr>
+          <p:nvPr/>
+        </p:nvCxnSpPr>
+        <p:spPr>
+          <a:xfrm flipH="1">
+            <a:off x="10846600" y="985421"/>
+            <a:ext cx="2" cy="220807"/>
+          </a:xfrm>
+          <a:prstGeom prst="line">
+            <a:avLst/>
+          </a:prstGeom>
+          <a:noFill/>
+          <a:ln w="12700" cap="flat" cmpd="sng" algn="ctr">
+            <a:solidFill>
+              <a:srgbClr val="4472C4">
+                <a:shade val="60000"/>
+                <a:hueOff val="0"/>
+                <a:satOff val="0"/>
+                <a:lumOff val="0"/>
+                <a:alphaOff val="0"/>
+              </a:srgbClr>
+            </a:solidFill>
+            <a:prstDash val="solid"/>
+            <a:miter lim="800000"/>
+          </a:ln>
+          <a:effectLst/>
+        </p:spPr>
+      </p:cxnSp>
+    </p:spTree>
+    <p:extLst>
+      <p:ext uri="{BB962C8B-B14F-4D97-AF65-F5344CB8AC3E}">
+        <p14:creationId xmlns:p14="http://schemas.microsoft.com/office/powerpoint/2010/main" val="2625134653"/>
+      </p:ext>
+    </p:extLst>
+  </p:cSld>
+  <p:clrMapOvr>
+    <a:masterClrMapping/>
+  </p:clrMapOvr>
+</p:sld>
+</file>
+
+<file path=ppt/slides/slide7.xml><?xml version="1.0" encoding="utf-8"?>
+<p:sld xmlns:a="http://schemas.openxmlformats.org/drawingml/2006/main" xmlns:r="http://schemas.openxmlformats.org/officeDocument/2006/relationships" xmlns:p="http://schemas.openxmlformats.org/presentationml/2006/main">
+  <p:cSld>
+    <p:spTree>
+      <p:nvGrpSpPr>
+        <p:cNvPr id="1" name=""/>
+        <p:cNvGrpSpPr/>
+        <p:nvPr/>
+      </p:nvGrpSpPr>
+      <p:grpSpPr>
+        <a:xfrm>
+          <a:off x="0" y="0"/>
+          <a:ext cx="0" cy="0"/>
+          <a:chOff x="0" y="0"/>
+          <a:chExt cx="0" cy="0"/>
+        </a:xfrm>
+      </p:grpSpPr>
+      <p:sp>
+        <p:nvSpPr>
+          <p:cNvPr id="21" name="Rechteck 20">
+            <a:extLst>
+              <a:ext uri="{FF2B5EF4-FFF2-40B4-BE49-F238E27FC236}">
+                <a16:creationId xmlns:a16="http://schemas.microsoft.com/office/drawing/2014/main" id="{562BBF38-64C0-4A6D-AC38-724A258FBB2B}"/>
+              </a:ext>
+            </a:extLst>
+          </p:cNvPr>
+          <p:cNvSpPr/>
+          <p:nvPr/>
+        </p:nvSpPr>
+        <p:spPr>
+          <a:xfrm>
+            <a:off x="1393796" y="2466513"/>
+            <a:ext cx="9001957" cy="3622089"/>
+          </a:xfrm>
+          <a:prstGeom prst="rect">
+            <a:avLst/>
+          </a:prstGeom>
+          <a:solidFill>
+            <a:schemeClr val="accent1">
+              <a:lumMod val="20000"/>
+              <a:lumOff val="80000"/>
+            </a:schemeClr>
+          </a:solidFill>
+          <a:ln w="28575"/>
+        </p:spPr>
+        <p:style>
+          <a:lnRef idx="2">
+            <a:schemeClr val="accent1">
+              <a:shade val="50000"/>
+            </a:schemeClr>
+          </a:lnRef>
+          <a:fillRef idx="1">
+            <a:schemeClr val="accent1"/>
+          </a:fillRef>
+          <a:effectRef idx="0">
+            <a:schemeClr val="accent1"/>
+          </a:effectRef>
+          <a:fontRef idx="minor">
+            <a:schemeClr val="lt1"/>
+          </a:fontRef>
+        </p:style>
+        <p:txBody>
+          <a:bodyPr rtlCol="0" anchor="ctr"/>
+          <a:lstStyle/>
+          <a:p>
+            <a:pPr algn="ctr"/>
+            <a:endParaRPr lang="en-US" dirty="0" err="1">
+              <a:solidFill>
+                <a:schemeClr val="tx1"/>
+              </a:solidFill>
+            </a:endParaRPr>
+          </a:p>
+        </p:txBody>
+      </p:sp>
+      <p:sp>
+        <p:nvSpPr>
+          <p:cNvPr id="8" name="Rechteck 7">
+            <a:extLst>
+              <a:ext uri="{FF2B5EF4-FFF2-40B4-BE49-F238E27FC236}">
+                <a16:creationId xmlns:a16="http://schemas.microsoft.com/office/drawing/2014/main" id="{F8EB38CD-97D6-4A10-A2BA-0081604BAD27}"/>
+              </a:ext>
+            </a:extLst>
+          </p:cNvPr>
+          <p:cNvSpPr/>
+          <p:nvPr/>
+        </p:nvSpPr>
+        <p:spPr>
+          <a:xfrm>
+            <a:off x="4758432" y="959156"/>
+            <a:ext cx="2272683" cy="1083077"/>
+          </a:xfrm>
+          <a:prstGeom prst="rect">
+            <a:avLst/>
+          </a:prstGeom>
+          <a:solidFill>
+            <a:schemeClr val="accent1">
+              <a:lumMod val="60000"/>
+              <a:lumOff val="40000"/>
+            </a:schemeClr>
+          </a:solidFill>
+          <a:ln w="28575">
+            <a:noFill/>
+          </a:ln>
+        </p:spPr>
+        <p:style>
+          <a:lnRef idx="2">
+            <a:schemeClr val="accent1">
+              <a:shade val="50000"/>
+            </a:schemeClr>
+          </a:lnRef>
+          <a:fillRef idx="1">
+            <a:schemeClr val="accent1"/>
+          </a:fillRef>
+          <a:effectRef idx="0">
+            <a:schemeClr val="accent1"/>
+          </a:effectRef>
+          <a:fontRef idx="minor">
+            <a:schemeClr val="lt1"/>
+          </a:fontRef>
+        </p:style>
+        <p:txBody>
+          <a:bodyPr rtlCol="0" anchor="t"/>
+          <a:lstStyle/>
+          <a:p>
+            <a:pPr algn="ctr"/>
+            <a:r>
+              <a:rPr lang="de-DE" dirty="0">
+                <a:solidFill>
+                  <a:schemeClr val="tx1"/>
+                </a:solidFill>
+              </a:rPr>
+              <a:t>Project Client</a:t>
+            </a:r>
+            <a:endParaRPr lang="en-US" dirty="0" err="1">
+              <a:solidFill>
+                <a:schemeClr val="tx1"/>
+              </a:solidFill>
+            </a:endParaRPr>
+          </a:p>
+        </p:txBody>
+      </p:sp>
+      <p:sp>
+        <p:nvSpPr>
+          <p:cNvPr id="9" name="Rechteck 8">
+            <a:extLst>
+              <a:ext uri="{FF2B5EF4-FFF2-40B4-BE49-F238E27FC236}">
+                <a16:creationId xmlns:a16="http://schemas.microsoft.com/office/drawing/2014/main" id="{30C971F8-8074-4384-AAC4-AE6D10A6AFDF}"/>
+              </a:ext>
+            </a:extLst>
+          </p:cNvPr>
+          <p:cNvSpPr/>
+          <p:nvPr/>
+        </p:nvSpPr>
+        <p:spPr>
+          <a:xfrm>
+            <a:off x="4984813" y="1389724"/>
+            <a:ext cx="1819923" cy="381739"/>
+          </a:xfrm>
+          <a:prstGeom prst="rect">
+            <a:avLst/>
+          </a:prstGeom>
+          <a:solidFill>
+            <a:schemeClr val="bg1"/>
+          </a:solidFill>
+          <a:ln w="28575"/>
+        </p:spPr>
+        <p:style>
+          <a:lnRef idx="2">
+            <a:schemeClr val="accent1">
+              <a:shade val="50000"/>
+            </a:schemeClr>
+          </a:lnRef>
+          <a:fillRef idx="1">
+            <a:schemeClr val="accent1"/>
+          </a:fillRef>
+          <a:effectRef idx="0">
+            <a:schemeClr val="accent1"/>
+          </a:effectRef>
+          <a:fontRef idx="minor">
+            <a:schemeClr val="lt1"/>
+          </a:fontRef>
+        </p:style>
+        <p:txBody>
+          <a:bodyPr rtlCol="0" anchor="ctr"/>
+          <a:lstStyle/>
+          <a:p>
+            <a:pPr algn="ctr"/>
+            <a:r>
+              <a:rPr lang="de-DE" sz="1600" dirty="0">
+                <a:solidFill>
+                  <a:schemeClr val="tx1"/>
+                </a:solidFill>
+              </a:rPr>
+              <a:t>Prof. Dr. Timo Kahl</a:t>
+            </a:r>
+            <a:endParaRPr lang="en-US" sz="1600" dirty="0" err="1">
+              <a:solidFill>
+                <a:schemeClr val="tx1"/>
+              </a:solidFill>
+            </a:endParaRPr>
+          </a:p>
+        </p:txBody>
+      </p:sp>
+      <p:sp>
+        <p:nvSpPr>
+          <p:cNvPr id="10" name="Rechteck 9">
+            <a:extLst>
+              <a:ext uri="{FF2B5EF4-FFF2-40B4-BE49-F238E27FC236}">
+                <a16:creationId xmlns:a16="http://schemas.microsoft.com/office/drawing/2014/main" id="{2D63E2CD-3127-4BF6-8877-148CBAAFAD40}"/>
+              </a:ext>
+            </a:extLst>
+          </p:cNvPr>
+          <p:cNvSpPr/>
+          <p:nvPr/>
+        </p:nvSpPr>
+        <p:spPr>
+          <a:xfrm>
+            <a:off x="3281779" y="2826797"/>
+            <a:ext cx="2272683" cy="1083077"/>
+          </a:xfrm>
+          <a:prstGeom prst="rect">
+            <a:avLst/>
+          </a:prstGeom>
+          <a:solidFill>
+            <a:schemeClr val="accent1">
+              <a:lumMod val="60000"/>
+              <a:lumOff val="40000"/>
+            </a:schemeClr>
+          </a:solidFill>
+          <a:ln w="28575">
+            <a:noFill/>
+          </a:ln>
+        </p:spPr>
+        <p:style>
+          <a:lnRef idx="2">
+            <a:schemeClr val="accent1">
+              <a:shade val="50000"/>
+            </a:schemeClr>
+          </a:lnRef>
+          <a:fillRef idx="1">
+            <a:schemeClr val="accent1"/>
+          </a:fillRef>
+          <a:effectRef idx="0">
+            <a:schemeClr val="accent1"/>
+          </a:effectRef>
+          <a:fontRef idx="minor">
+            <a:schemeClr val="lt1"/>
+          </a:fontRef>
+        </p:style>
+        <p:txBody>
+          <a:bodyPr rtlCol="0" anchor="t"/>
+          <a:lstStyle/>
+          <a:p>
+            <a:pPr algn="ctr"/>
+            <a:r>
+              <a:rPr lang="de-DE" dirty="0">
+                <a:solidFill>
+                  <a:schemeClr val="tx1"/>
+                </a:solidFill>
+              </a:rPr>
+              <a:t>Project Leader</a:t>
+            </a:r>
+            <a:endParaRPr lang="en-US" dirty="0" err="1">
+              <a:solidFill>
+                <a:schemeClr val="tx1"/>
+              </a:solidFill>
+            </a:endParaRPr>
+          </a:p>
+        </p:txBody>
+      </p:sp>
+      <p:sp>
+        <p:nvSpPr>
+          <p:cNvPr id="11" name="Rechteck 10">
+            <a:extLst>
+              <a:ext uri="{FF2B5EF4-FFF2-40B4-BE49-F238E27FC236}">
+                <a16:creationId xmlns:a16="http://schemas.microsoft.com/office/drawing/2014/main" id="{85D9E72D-D8FD-4095-9AFA-52ADEE14E0F6}"/>
+              </a:ext>
+            </a:extLst>
+          </p:cNvPr>
+          <p:cNvSpPr/>
+          <p:nvPr/>
+        </p:nvSpPr>
+        <p:spPr>
+          <a:xfrm>
+            <a:off x="3508160" y="3257365"/>
+            <a:ext cx="1819923" cy="381739"/>
+          </a:xfrm>
+          <a:prstGeom prst="rect">
+            <a:avLst/>
+          </a:prstGeom>
+          <a:solidFill>
+            <a:schemeClr val="bg1"/>
+          </a:solidFill>
+          <a:ln w="28575"/>
+        </p:spPr>
+        <p:style>
+          <a:lnRef idx="2">
+            <a:schemeClr val="accent1">
+              <a:shade val="50000"/>
+            </a:schemeClr>
+          </a:lnRef>
+          <a:fillRef idx="1">
+            <a:schemeClr val="accent1"/>
+          </a:fillRef>
+          <a:effectRef idx="0">
+            <a:schemeClr val="accent1"/>
+          </a:effectRef>
+          <a:fontRef idx="minor">
+            <a:schemeClr val="lt1"/>
+          </a:fontRef>
+        </p:style>
+        <p:txBody>
+          <a:bodyPr rtlCol="0" anchor="ctr"/>
+          <a:lstStyle/>
+          <a:p>
+            <a:pPr algn="ctr"/>
+            <a:r>
+              <a:rPr lang="de-DE" sz="1600" dirty="0">
+                <a:solidFill>
+                  <a:schemeClr val="tx1"/>
+                </a:solidFill>
+              </a:rPr>
+              <a:t>Thi Yen Thu Nguyen</a:t>
+            </a:r>
+            <a:endParaRPr lang="en-US" sz="1600" dirty="0" err="1">
+              <a:solidFill>
+                <a:schemeClr val="tx1"/>
+              </a:solidFill>
+            </a:endParaRPr>
+          </a:p>
+        </p:txBody>
+      </p:sp>
+      <p:sp>
+        <p:nvSpPr>
+          <p:cNvPr id="12" name="Rechteck 11">
+            <a:extLst>
+              <a:ext uri="{FF2B5EF4-FFF2-40B4-BE49-F238E27FC236}">
+                <a16:creationId xmlns:a16="http://schemas.microsoft.com/office/drawing/2014/main" id="{DE04A097-5942-406C-95A1-5F78E548434D}"/>
+              </a:ext>
+            </a:extLst>
+          </p:cNvPr>
+          <p:cNvSpPr/>
+          <p:nvPr/>
+        </p:nvSpPr>
+        <p:spPr>
+          <a:xfrm>
+            <a:off x="6406720" y="2826797"/>
+            <a:ext cx="2272683" cy="1083077"/>
+          </a:xfrm>
+          <a:prstGeom prst="rect">
+            <a:avLst/>
+          </a:prstGeom>
+          <a:solidFill>
+            <a:schemeClr val="accent1">
+              <a:lumMod val="60000"/>
+              <a:lumOff val="40000"/>
+            </a:schemeClr>
+          </a:solidFill>
+          <a:ln w="28575">
+            <a:noFill/>
+          </a:ln>
+        </p:spPr>
+        <p:style>
+          <a:lnRef idx="2">
+            <a:schemeClr val="accent1">
+              <a:shade val="50000"/>
+            </a:schemeClr>
+          </a:lnRef>
+          <a:fillRef idx="1">
+            <a:schemeClr val="accent1"/>
+          </a:fillRef>
+          <a:effectRef idx="0">
+            <a:schemeClr val="accent1"/>
+          </a:effectRef>
+          <a:fontRef idx="minor">
+            <a:schemeClr val="lt1"/>
+          </a:fontRef>
+        </p:style>
+        <p:txBody>
+          <a:bodyPr rtlCol="0" anchor="t"/>
+          <a:lstStyle/>
+          <a:p>
+            <a:pPr algn="ctr"/>
+            <a:r>
+              <a:rPr lang="de-DE" dirty="0">
+                <a:solidFill>
+                  <a:schemeClr val="tx1"/>
+                </a:solidFill>
+              </a:rPr>
+              <a:t>Project Member</a:t>
+            </a:r>
+            <a:endParaRPr lang="en-US" dirty="0" err="1">
+              <a:solidFill>
+                <a:schemeClr val="tx1"/>
+              </a:solidFill>
+            </a:endParaRPr>
+          </a:p>
+        </p:txBody>
+      </p:sp>
+      <p:sp>
+        <p:nvSpPr>
+          <p:cNvPr id="13" name="Rechteck 12">
+            <a:extLst>
+              <a:ext uri="{FF2B5EF4-FFF2-40B4-BE49-F238E27FC236}">
+                <a16:creationId xmlns:a16="http://schemas.microsoft.com/office/drawing/2014/main" id="{E45CF52D-6338-4CF7-9604-1EBE7B124687}"/>
+              </a:ext>
+            </a:extLst>
+          </p:cNvPr>
+          <p:cNvSpPr/>
+          <p:nvPr/>
+        </p:nvSpPr>
+        <p:spPr>
+          <a:xfrm>
+            <a:off x="6633101" y="3257365"/>
+            <a:ext cx="1819923" cy="381739"/>
+          </a:xfrm>
+          <a:prstGeom prst="rect">
+            <a:avLst/>
+          </a:prstGeom>
+          <a:solidFill>
+            <a:schemeClr val="bg1"/>
+          </a:solidFill>
+          <a:ln w="28575"/>
+        </p:spPr>
+        <p:style>
+          <a:lnRef idx="2">
+            <a:schemeClr val="accent1">
+              <a:shade val="50000"/>
+            </a:schemeClr>
+          </a:lnRef>
+          <a:fillRef idx="1">
+            <a:schemeClr val="accent1"/>
+          </a:fillRef>
+          <a:effectRef idx="0">
+            <a:schemeClr val="accent1"/>
+          </a:effectRef>
+          <a:fontRef idx="minor">
+            <a:schemeClr val="lt1"/>
+          </a:fontRef>
+        </p:style>
+        <p:txBody>
+          <a:bodyPr rtlCol="0" anchor="ctr"/>
+          <a:lstStyle/>
+          <a:p>
+            <a:pPr algn="ctr"/>
+            <a:r>
+              <a:rPr lang="de-DE" sz="1600" dirty="0">
+                <a:solidFill>
+                  <a:schemeClr val="tx1"/>
+                </a:solidFill>
+              </a:rPr>
+              <a:t>Andreas Markwart</a:t>
+            </a:r>
+            <a:endParaRPr lang="en-US" sz="1600" dirty="0" err="1">
+              <a:solidFill>
+                <a:schemeClr val="tx1"/>
+              </a:solidFill>
+            </a:endParaRPr>
+          </a:p>
+        </p:txBody>
+      </p:sp>
+      <p:sp>
+        <p:nvSpPr>
+          <p:cNvPr id="14" name="Rechteck 13">
+            <a:extLst>
+              <a:ext uri="{FF2B5EF4-FFF2-40B4-BE49-F238E27FC236}">
+                <a16:creationId xmlns:a16="http://schemas.microsoft.com/office/drawing/2014/main" id="{B4DF185E-25DD-444C-AED3-8912CDA21542}"/>
+              </a:ext>
+            </a:extLst>
+          </p:cNvPr>
+          <p:cNvSpPr/>
+          <p:nvPr/>
+        </p:nvSpPr>
+        <p:spPr>
+          <a:xfrm>
+            <a:off x="1882066" y="4395926"/>
+            <a:ext cx="2272683" cy="1083077"/>
+          </a:xfrm>
+          <a:prstGeom prst="rect">
+            <a:avLst/>
+          </a:prstGeom>
+          <a:solidFill>
+            <a:schemeClr val="accent1">
+              <a:lumMod val="60000"/>
+              <a:lumOff val="40000"/>
+            </a:schemeClr>
+          </a:solidFill>
+          <a:ln w="28575">
+            <a:noFill/>
+          </a:ln>
+        </p:spPr>
+        <p:style>
+          <a:lnRef idx="2">
+            <a:schemeClr val="accent1">
+              <a:shade val="50000"/>
+            </a:schemeClr>
+          </a:lnRef>
+          <a:fillRef idx="1">
+            <a:schemeClr val="accent1"/>
+          </a:fillRef>
+          <a:effectRef idx="0">
+            <a:schemeClr val="accent1"/>
+          </a:effectRef>
+          <a:fontRef idx="minor">
+            <a:schemeClr val="lt1"/>
+          </a:fontRef>
+        </p:style>
+        <p:txBody>
+          <a:bodyPr rtlCol="0" anchor="t"/>
+          <a:lstStyle/>
+          <a:p>
+            <a:pPr algn="ctr"/>
+            <a:r>
+              <a:rPr lang="de-DE" dirty="0">
+                <a:solidFill>
+                  <a:schemeClr val="tx1"/>
+                </a:solidFill>
+              </a:rPr>
+              <a:t>Project Member</a:t>
+            </a:r>
+            <a:endParaRPr lang="en-US" dirty="0" err="1">
+              <a:solidFill>
+                <a:schemeClr val="tx1"/>
+              </a:solidFill>
+            </a:endParaRPr>
+          </a:p>
+        </p:txBody>
+      </p:sp>
+      <p:sp>
+        <p:nvSpPr>
+          <p:cNvPr id="15" name="Rechteck 14">
+            <a:extLst>
+              <a:ext uri="{FF2B5EF4-FFF2-40B4-BE49-F238E27FC236}">
+                <a16:creationId xmlns:a16="http://schemas.microsoft.com/office/drawing/2014/main" id="{AB598B35-DEE9-49C3-9665-F40014CC53FE}"/>
+              </a:ext>
+            </a:extLst>
+          </p:cNvPr>
+          <p:cNvSpPr/>
+          <p:nvPr/>
+        </p:nvSpPr>
+        <p:spPr>
+          <a:xfrm>
+            <a:off x="2108447" y="4826494"/>
+            <a:ext cx="1819923" cy="381739"/>
+          </a:xfrm>
+          <a:prstGeom prst="rect">
+            <a:avLst/>
+          </a:prstGeom>
+          <a:solidFill>
+            <a:schemeClr val="bg1"/>
+          </a:solidFill>
+          <a:ln w="28575"/>
+        </p:spPr>
+        <p:style>
+          <a:lnRef idx="2">
+            <a:schemeClr val="accent1">
+              <a:shade val="50000"/>
+            </a:schemeClr>
+          </a:lnRef>
+          <a:fillRef idx="1">
+            <a:schemeClr val="accent1"/>
+          </a:fillRef>
+          <a:effectRef idx="0">
+            <a:schemeClr val="accent1"/>
+          </a:effectRef>
+          <a:fontRef idx="minor">
+            <a:schemeClr val="lt1"/>
+          </a:fontRef>
+        </p:style>
+        <p:txBody>
+          <a:bodyPr rtlCol="0" anchor="ctr"/>
+          <a:lstStyle/>
+          <a:p>
+            <a:pPr algn="ctr"/>
+            <a:r>
+              <a:rPr lang="de-DE" sz="1600" dirty="0">
+                <a:solidFill>
+                  <a:schemeClr val="tx1"/>
+                </a:solidFill>
+              </a:rPr>
+              <a:t>Francisco Susana</a:t>
+            </a:r>
+            <a:endParaRPr lang="en-US" sz="1600" dirty="0" err="1">
+              <a:solidFill>
+                <a:schemeClr val="tx1"/>
+              </a:solidFill>
+            </a:endParaRPr>
+          </a:p>
+        </p:txBody>
+      </p:sp>
+      <p:sp>
+        <p:nvSpPr>
+          <p:cNvPr id="16" name="Rechteck 15">
+            <a:extLst>
+              <a:ext uri="{FF2B5EF4-FFF2-40B4-BE49-F238E27FC236}">
+                <a16:creationId xmlns:a16="http://schemas.microsoft.com/office/drawing/2014/main" id="{D3239A0A-ECEC-42CB-8BD9-AD9558254FC3}"/>
+              </a:ext>
+            </a:extLst>
+          </p:cNvPr>
+          <p:cNvSpPr/>
+          <p:nvPr/>
+        </p:nvSpPr>
+        <p:spPr>
+          <a:xfrm>
+            <a:off x="4746594" y="4395926"/>
+            <a:ext cx="2272683" cy="1083077"/>
+          </a:xfrm>
+          <a:prstGeom prst="rect">
+            <a:avLst/>
+          </a:prstGeom>
+          <a:solidFill>
+            <a:schemeClr val="accent1">
+              <a:lumMod val="60000"/>
+              <a:lumOff val="40000"/>
+            </a:schemeClr>
+          </a:solidFill>
+          <a:ln w="28575">
+            <a:noFill/>
+          </a:ln>
+        </p:spPr>
+        <p:style>
+          <a:lnRef idx="2">
+            <a:schemeClr val="accent1">
+              <a:shade val="50000"/>
+            </a:schemeClr>
+          </a:lnRef>
+          <a:fillRef idx="1">
+            <a:schemeClr val="accent1"/>
+          </a:fillRef>
+          <a:effectRef idx="0">
+            <a:schemeClr val="accent1"/>
+          </a:effectRef>
+          <a:fontRef idx="minor">
+            <a:schemeClr val="lt1"/>
+          </a:fontRef>
+        </p:style>
+        <p:txBody>
+          <a:bodyPr rtlCol="0" anchor="t"/>
+          <a:lstStyle/>
+          <a:p>
+            <a:pPr algn="ctr"/>
+            <a:r>
+              <a:rPr lang="de-DE" dirty="0">
+                <a:solidFill>
+                  <a:schemeClr val="tx1"/>
+                </a:solidFill>
+              </a:rPr>
+              <a:t>Project Member</a:t>
+            </a:r>
+            <a:endParaRPr lang="en-US" dirty="0" err="1">
+              <a:solidFill>
+                <a:schemeClr val="tx1"/>
+              </a:solidFill>
+            </a:endParaRPr>
+          </a:p>
+        </p:txBody>
+      </p:sp>
+      <p:sp>
+        <p:nvSpPr>
+          <p:cNvPr id="17" name="Rechteck 16">
+            <a:extLst>
+              <a:ext uri="{FF2B5EF4-FFF2-40B4-BE49-F238E27FC236}">
+                <a16:creationId xmlns:a16="http://schemas.microsoft.com/office/drawing/2014/main" id="{3BD503C3-A7D1-4637-894C-2007DD2FFFF6}"/>
+              </a:ext>
+            </a:extLst>
+          </p:cNvPr>
+          <p:cNvSpPr/>
+          <p:nvPr/>
+        </p:nvSpPr>
+        <p:spPr>
+          <a:xfrm>
+            <a:off x="4879020" y="4826494"/>
+            <a:ext cx="2046302" cy="381739"/>
+          </a:xfrm>
+          <a:prstGeom prst="rect">
+            <a:avLst/>
+          </a:prstGeom>
+          <a:solidFill>
+            <a:schemeClr val="bg1"/>
+          </a:solidFill>
+          <a:ln w="28575"/>
+        </p:spPr>
+        <p:style>
+          <a:lnRef idx="2">
+            <a:schemeClr val="accent1">
+              <a:shade val="50000"/>
+            </a:schemeClr>
+          </a:lnRef>
+          <a:fillRef idx="1">
+            <a:schemeClr val="accent1"/>
+          </a:fillRef>
+          <a:effectRef idx="0">
+            <a:schemeClr val="accent1"/>
+          </a:effectRef>
+          <a:fontRef idx="minor">
+            <a:schemeClr val="lt1"/>
+          </a:fontRef>
+        </p:style>
+        <p:txBody>
+          <a:bodyPr rtlCol="0" anchor="ctr"/>
+          <a:lstStyle/>
+          <a:p>
+            <a:pPr algn="ctr"/>
+            <a:r>
+              <a:rPr lang="de-DE" sz="1600" dirty="0">
+                <a:solidFill>
+                  <a:schemeClr val="tx1"/>
+                </a:solidFill>
+              </a:rPr>
+              <a:t>Sarah-Maria </a:t>
+            </a:r>
+            <a:r>
+              <a:rPr lang="de-DE" sz="1600" dirty="0" err="1">
+                <a:solidFill>
+                  <a:schemeClr val="tx1"/>
+                </a:solidFill>
+              </a:rPr>
+              <a:t>Rostalski</a:t>
+            </a:r>
+            <a:endParaRPr lang="en-US" sz="1600" dirty="0" err="1">
+              <a:solidFill>
+                <a:schemeClr val="tx1"/>
+              </a:solidFill>
+            </a:endParaRPr>
+          </a:p>
+        </p:txBody>
+      </p:sp>
+      <p:sp>
+        <p:nvSpPr>
+          <p:cNvPr id="18" name="Rechteck 17">
+            <a:extLst>
+              <a:ext uri="{FF2B5EF4-FFF2-40B4-BE49-F238E27FC236}">
+                <a16:creationId xmlns:a16="http://schemas.microsoft.com/office/drawing/2014/main" id="{E0117D28-E9C3-4179-998E-9F2822ADCEF7}"/>
+              </a:ext>
+            </a:extLst>
+          </p:cNvPr>
+          <p:cNvSpPr/>
+          <p:nvPr/>
+        </p:nvSpPr>
+        <p:spPr>
+          <a:xfrm>
+            <a:off x="7611122" y="4395926"/>
+            <a:ext cx="2272683" cy="1083077"/>
+          </a:xfrm>
+          <a:prstGeom prst="rect">
+            <a:avLst/>
+          </a:prstGeom>
+          <a:solidFill>
+            <a:schemeClr val="accent1">
+              <a:lumMod val="60000"/>
+              <a:lumOff val="40000"/>
+            </a:schemeClr>
+          </a:solidFill>
+          <a:ln w="28575">
+            <a:noFill/>
+          </a:ln>
+        </p:spPr>
+        <p:style>
+          <a:lnRef idx="2">
+            <a:schemeClr val="accent1">
+              <a:shade val="50000"/>
+            </a:schemeClr>
+          </a:lnRef>
+          <a:fillRef idx="1">
+            <a:schemeClr val="accent1"/>
+          </a:fillRef>
+          <a:effectRef idx="0">
+            <a:schemeClr val="accent1"/>
+          </a:effectRef>
+          <a:fontRef idx="minor">
+            <a:schemeClr val="lt1"/>
+          </a:fontRef>
+        </p:style>
+        <p:txBody>
+          <a:bodyPr rtlCol="0" anchor="t"/>
+          <a:lstStyle/>
+          <a:p>
+            <a:pPr algn="ctr"/>
+            <a:r>
+              <a:rPr lang="de-DE" dirty="0">
+                <a:solidFill>
+                  <a:schemeClr val="tx1"/>
+                </a:solidFill>
+              </a:rPr>
+              <a:t>Project Member</a:t>
+            </a:r>
+            <a:endParaRPr lang="en-US" dirty="0" err="1">
+              <a:solidFill>
+                <a:schemeClr val="tx1"/>
+              </a:solidFill>
+            </a:endParaRPr>
+          </a:p>
+        </p:txBody>
+      </p:sp>
+      <p:sp>
+        <p:nvSpPr>
+          <p:cNvPr id="19" name="Rechteck 18">
+            <a:extLst>
+              <a:ext uri="{FF2B5EF4-FFF2-40B4-BE49-F238E27FC236}">
+                <a16:creationId xmlns:a16="http://schemas.microsoft.com/office/drawing/2014/main" id="{B53DB397-32F6-41C3-8CD3-1B1DE3CFE564}"/>
+              </a:ext>
+            </a:extLst>
+          </p:cNvPr>
+          <p:cNvSpPr/>
+          <p:nvPr/>
+        </p:nvSpPr>
+        <p:spPr>
+          <a:xfrm>
+            <a:off x="7837503" y="4826494"/>
+            <a:ext cx="1819923" cy="381739"/>
+          </a:xfrm>
+          <a:prstGeom prst="rect">
+            <a:avLst/>
+          </a:prstGeom>
+          <a:solidFill>
+            <a:schemeClr val="bg1"/>
+          </a:solidFill>
+          <a:ln w="28575"/>
+        </p:spPr>
+        <p:style>
+          <a:lnRef idx="2">
+            <a:schemeClr val="accent1">
+              <a:shade val="50000"/>
+            </a:schemeClr>
+          </a:lnRef>
+          <a:fillRef idx="1">
+            <a:schemeClr val="accent1"/>
+          </a:fillRef>
+          <a:effectRef idx="0">
+            <a:schemeClr val="accent1"/>
+          </a:effectRef>
+          <a:fontRef idx="minor">
+            <a:schemeClr val="lt1"/>
+          </a:fontRef>
+        </p:style>
+        <p:txBody>
+          <a:bodyPr rtlCol="0" anchor="ctr"/>
+          <a:lstStyle/>
+          <a:p>
+            <a:pPr algn="ctr"/>
+            <a:r>
+              <a:rPr lang="de-DE" sz="1600" dirty="0">
+                <a:solidFill>
+                  <a:schemeClr val="tx1"/>
+                </a:solidFill>
+              </a:rPr>
+              <a:t>Nader </a:t>
+            </a:r>
+            <a:r>
+              <a:rPr lang="de-DE" sz="1600" dirty="0" err="1">
+                <a:solidFill>
+                  <a:schemeClr val="tx1"/>
+                </a:solidFill>
+              </a:rPr>
+              <a:t>Kaake</a:t>
+            </a:r>
+            <a:endParaRPr lang="en-US" sz="1600" dirty="0" err="1">
+              <a:solidFill>
+                <a:schemeClr val="tx1"/>
+              </a:solidFill>
+            </a:endParaRPr>
+          </a:p>
+        </p:txBody>
+      </p:sp>
+      <p:sp>
+        <p:nvSpPr>
+          <p:cNvPr id="22" name="Rechteck 21">
+            <a:extLst>
+              <a:ext uri="{FF2B5EF4-FFF2-40B4-BE49-F238E27FC236}">
+                <a16:creationId xmlns:a16="http://schemas.microsoft.com/office/drawing/2014/main" id="{30EAD125-9ABB-46EF-91C6-C498689E115E}"/>
+              </a:ext>
+            </a:extLst>
+          </p:cNvPr>
+          <p:cNvSpPr/>
+          <p:nvPr/>
+        </p:nvSpPr>
+        <p:spPr>
+          <a:xfrm>
+            <a:off x="843379" y="769398"/>
+            <a:ext cx="10102788" cy="5853344"/>
+          </a:xfrm>
+          <a:prstGeom prst="rect">
+            <a:avLst/>
+          </a:prstGeom>
+          <a:noFill/>
+          <a:ln w="28575"/>
+        </p:spPr>
+        <p:style>
+          <a:lnRef idx="2">
+            <a:schemeClr val="accent1">
+              <a:shade val="50000"/>
+            </a:schemeClr>
+          </a:lnRef>
+          <a:fillRef idx="1">
+            <a:schemeClr val="accent1"/>
+          </a:fillRef>
+          <a:effectRef idx="0">
+            <a:schemeClr val="accent1"/>
+          </a:effectRef>
+          <a:fontRef idx="minor">
+            <a:schemeClr val="lt1"/>
+          </a:fontRef>
+        </p:style>
+        <p:txBody>
+          <a:bodyPr rtlCol="0" anchor="ctr"/>
+          <a:lstStyle/>
+          <a:p>
+            <a:pPr algn="ctr"/>
+            <a:endParaRPr lang="en-US" dirty="0" err="1">
+              <a:solidFill>
+                <a:schemeClr val="tx1"/>
+              </a:solidFill>
+            </a:endParaRPr>
+          </a:p>
+        </p:txBody>
+      </p:sp>
+      <p:cxnSp>
+        <p:nvCxnSpPr>
+          <p:cNvPr id="28" name="Gerader Verbinder 27">
+            <a:extLst>
+              <a:ext uri="{FF2B5EF4-FFF2-40B4-BE49-F238E27FC236}">
+                <a16:creationId xmlns:a16="http://schemas.microsoft.com/office/drawing/2014/main" id="{02836497-83FB-4969-9798-01B3324434A6}"/>
+              </a:ext>
+            </a:extLst>
+          </p:cNvPr>
+          <p:cNvCxnSpPr>
+            <a:stCxn id="8" idx="2"/>
+            <a:endCxn id="21" idx="0"/>
+          </p:cNvCxnSpPr>
+          <p:nvPr/>
+        </p:nvCxnSpPr>
+        <p:spPr>
+          <a:xfrm>
+            <a:off x="5894774" y="2042233"/>
+            <a:ext cx="1" cy="424280"/>
+          </a:xfrm>
+          <a:prstGeom prst="line">
+            <a:avLst/>
+          </a:prstGeom>
+          <a:noFill/>
+          <a:ln w="28575"/>
+        </p:spPr>
+        <p:style>
+          <a:lnRef idx="2">
+            <a:schemeClr val="accent1">
+              <a:shade val="50000"/>
+            </a:schemeClr>
+          </a:lnRef>
+          <a:fillRef idx="1">
+            <a:schemeClr val="accent1"/>
+          </a:fillRef>
+          <a:effectRef idx="0">
+            <a:schemeClr val="accent1"/>
+          </a:effectRef>
+          <a:fontRef idx="minor">
+            <a:schemeClr val="lt1"/>
+          </a:fontRef>
+        </p:style>
+      </p:cxnSp>
+    </p:spTree>
+    <p:extLst>
+      <p:ext uri="{BB962C8B-B14F-4D97-AF65-F5344CB8AC3E}">
+        <p14:creationId xmlns:p14="http://schemas.microsoft.com/office/powerpoint/2010/main" val="2920094557"/>
       </p:ext>
     </p:extLst>
   </p:cSld>
@@ -15278,26 +24498,24 @@
     </a:spDef>
     <a:lnDef>
       <a:spPr>
-        <a:ln w="38100">
-          <a:tailEnd type="triangle"/>
+        <a:noFill/>
+        <a:ln w="12700" cap="flat" cmpd="sng" algn="ctr">
+          <a:solidFill>
+            <a:srgbClr val="4472C4">
+              <a:shade val="60000"/>
+              <a:hueOff val="0"/>
+              <a:satOff val="0"/>
+              <a:lumOff val="0"/>
+              <a:alphaOff val="0"/>
+            </a:srgbClr>
+          </a:solidFill>
+          <a:prstDash val="solid"/>
+          <a:miter lim="800000"/>
         </a:ln>
+        <a:effectLst/>
       </a:spPr>
       <a:bodyPr/>
       <a:lstStyle/>
-      <a:style>
-        <a:lnRef idx="1">
-          <a:schemeClr val="accent1"/>
-        </a:lnRef>
-        <a:fillRef idx="0">
-          <a:schemeClr val="accent1"/>
-        </a:fillRef>
-        <a:effectRef idx="0">
-          <a:schemeClr val="accent1"/>
-        </a:effectRef>
-        <a:fontRef idx="minor">
-          <a:schemeClr val="tx1"/>
-        </a:fontRef>
-      </a:style>
     </a:lnDef>
   </a:objectDefaults>
   <a:extraClrSchemeLst/>

--- a/misc/Concept.pptx
+++ b/misc/Concept.pptx
@@ -1277,7 +1277,19 @@
             <a:rPr lang="de-DE" sz="1600" dirty="0">
               <a:latin typeface="Bahnschrift" panose="020B0502040204020203" pitchFamily="34" charset="0"/>
             </a:rPr>
-            <a:t>2.2. Frontend Development</a:t>
+            <a:t>2.2. </a:t>
+          </a:r>
+          <a:r>
+            <a:rPr lang="de-DE" sz="1600">
+              <a:latin typeface="Bahnschrift" panose="020B0502040204020203" pitchFamily="34" charset="0"/>
+            </a:rPr>
+            <a:t>Web </a:t>
+          </a:r>
+          <a:r>
+            <a:rPr lang="de-DE" sz="1600" dirty="0">
+              <a:latin typeface="Bahnschrift" panose="020B0502040204020203" pitchFamily="34" charset="0"/>
+            </a:rPr>
+            <a:t>Development</a:t>
           </a:r>
           <a:endParaRPr lang="en-GB" sz="1600" dirty="0">
             <a:latin typeface="Bahnschrift" panose="020B0502040204020203" pitchFamily="34" charset="0"/>
@@ -1371,7 +1383,7 @@
             <a:rPr lang="de-DE" sz="1600" dirty="0">
               <a:latin typeface="Bahnschrift" panose="020B0502040204020203" pitchFamily="34" charset="0"/>
             </a:rPr>
-            <a:t>3.3. </a:t>
+            <a:t>3.2. </a:t>
           </a:r>
           <a:r>
             <a:rPr lang="de-DE" sz="1600" dirty="0" err="1">
@@ -2344,7 +2356,7 @@
             <a:rPr lang="en-GB" sz="1600" dirty="0">
               <a:latin typeface="Bahnschrift" panose="020B0502040204020203" pitchFamily="34" charset="0"/>
             </a:rPr>
-            <a:t>3.4. Power System </a:t>
+            <a:t>3.3. Power System </a:t>
           </a:r>
         </a:p>
       </dgm:t>
@@ -2626,10 +2638,16 @@
         <a:p>
           <a:pPr algn="ctr"/>
           <a:r>
+            <a:rPr lang="en-GB" sz="1600">
+              <a:latin typeface="Bahnschrift" panose="020B0502040204020203" pitchFamily="34" charset="0"/>
+            </a:rPr>
+            <a:t>3.4. </a:t>
+          </a:r>
+          <a:r>
             <a:rPr lang="en-GB" sz="1600" dirty="0">
               <a:latin typeface="Bahnschrift" panose="020B0502040204020203" pitchFamily="34" charset="0"/>
             </a:rPr>
-            <a:t>3.5. PCB Prototype</a:t>
+            <a:t>PCB Prototype</a:t>
           </a:r>
         </a:p>
       </dgm:t>
@@ -2672,7 +2690,7 @@
             <a:rPr lang="de-DE" sz="1400" b="0" dirty="0">
               <a:latin typeface="Bahnschrift" panose="020B0502040204020203" pitchFamily="34" charset="0"/>
             </a:rPr>
-            <a:t>3.3.1. Sensor Integration</a:t>
+            <a:t>3.2.1. Sensor Integration</a:t>
           </a:r>
           <a:endParaRPr lang="en-GB" sz="1400" b="0" dirty="0">
             <a:latin typeface="Bahnschrift" panose="020B0502040204020203" pitchFamily="34" charset="0"/>
@@ -2718,7 +2736,7 @@
             <a:rPr lang="de-DE" sz="1400" b="0" dirty="0">
               <a:latin typeface="Bahnschrift" panose="020B0502040204020203" pitchFamily="34" charset="0"/>
             </a:rPr>
-            <a:t>3.3.2. Human </a:t>
+            <a:t>3.2.2. Human </a:t>
           </a:r>
           <a:r>
             <a:rPr lang="de-DE" sz="1400" b="0" dirty="0" err="1">
@@ -4430,7 +4448,19 @@
             <a:rPr lang="de-DE" sz="1600" kern="1200" dirty="0">
               <a:latin typeface="Bahnschrift" panose="020B0502040204020203" pitchFamily="34" charset="0"/>
             </a:rPr>
-            <a:t>2.2. Frontend Development</a:t>
+            <a:t>2.2. </a:t>
+          </a:r>
+          <a:r>
+            <a:rPr lang="de-DE" sz="1600" kern="1200">
+              <a:latin typeface="Bahnschrift" panose="020B0502040204020203" pitchFamily="34" charset="0"/>
+            </a:rPr>
+            <a:t>Web </a:t>
+          </a:r>
+          <a:r>
+            <a:rPr lang="de-DE" sz="1600" kern="1200" dirty="0">
+              <a:latin typeface="Bahnschrift" panose="020B0502040204020203" pitchFamily="34" charset="0"/>
+            </a:rPr>
+            <a:t>Development</a:t>
           </a:r>
           <a:endParaRPr lang="en-GB" sz="1600" kern="1200" dirty="0">
             <a:latin typeface="Bahnschrift" panose="020B0502040204020203" pitchFamily="34" charset="0"/>
@@ -4937,7 +4967,7 @@
             <a:rPr lang="de-DE" sz="1600" kern="1200" dirty="0">
               <a:latin typeface="Bahnschrift" panose="020B0502040204020203" pitchFamily="34" charset="0"/>
             </a:rPr>
-            <a:t>3.3. </a:t>
+            <a:t>3.2. </a:t>
           </a:r>
           <a:r>
             <a:rPr lang="de-DE" sz="1600" kern="1200" dirty="0" err="1">
@@ -4966,7 +4996,7 @@
             <a:rPr lang="de-DE" sz="1400" b="0" kern="1200" dirty="0">
               <a:latin typeface="Bahnschrift" panose="020B0502040204020203" pitchFamily="34" charset="0"/>
             </a:rPr>
-            <a:t>3.3.1. Sensor Integration</a:t>
+            <a:t>3.2.1. Sensor Integration</a:t>
           </a:r>
           <a:endParaRPr lang="en-GB" sz="1400" b="0" kern="1200" dirty="0">
             <a:latin typeface="Bahnschrift" panose="020B0502040204020203" pitchFamily="34" charset="0"/>
@@ -4989,7 +5019,7 @@
             <a:rPr lang="de-DE" sz="1400" b="0" kern="1200" dirty="0">
               <a:latin typeface="Bahnschrift" panose="020B0502040204020203" pitchFamily="34" charset="0"/>
             </a:rPr>
-            <a:t>3.3.2. Human </a:t>
+            <a:t>3.2.2. Human </a:t>
           </a:r>
           <a:r>
             <a:rPr lang="de-DE" sz="1400" b="0" kern="1200" dirty="0" err="1">
@@ -5144,7 +5174,7 @@
             <a:rPr lang="en-GB" sz="1600" kern="1200" dirty="0">
               <a:latin typeface="Bahnschrift" panose="020B0502040204020203" pitchFamily="34" charset="0"/>
             </a:rPr>
-            <a:t>3.4. Power System </a:t>
+            <a:t>3.3. Power System </a:t>
           </a:r>
         </a:p>
       </dsp:txBody>
@@ -5281,10 +5311,16 @@
             <a:buNone/>
           </a:pPr>
           <a:r>
+            <a:rPr lang="en-GB" sz="1600" kern="1200">
+              <a:latin typeface="Bahnschrift" panose="020B0502040204020203" pitchFamily="34" charset="0"/>
+            </a:rPr>
+            <a:t>3.4. </a:t>
+          </a:r>
+          <a:r>
             <a:rPr lang="en-GB" sz="1600" kern="1200" dirty="0">
               <a:latin typeface="Bahnschrift" panose="020B0502040204020203" pitchFamily="34" charset="0"/>
             </a:rPr>
-            <a:t>3.5. PCB Prototype</a:t>
+            <a:t>PCB Prototype</a:t>
           </a:r>
         </a:p>
       </dsp:txBody>
@@ -7748,7 +7784,7 @@
           <a:p>
             <a:fld id="{A953723F-4AB1-47AC-BCA9-24E93B9D0EF5}" type="datetimeFigureOut">
               <a:rPr lang="en-US" smtClean="0"/>
-              <a:t>10/11/2019</a:t>
+              <a:t>10/24/2019</a:t>
             </a:fld>
             <a:endParaRPr lang="en-US"/>
           </a:p>
@@ -8249,7 +8285,7 @@
           <a:p>
             <a:fld id="{24662DDC-1136-4354-A6C5-66DD31C43927}" type="datetimeFigureOut">
               <a:rPr lang="en-US" smtClean="0"/>
-              <a:t>10/11/2019</a:t>
+              <a:t>10/24/2019</a:t>
             </a:fld>
             <a:endParaRPr lang="en-US"/>
           </a:p>
@@ -8449,7 +8485,7 @@
           <a:p>
             <a:fld id="{24662DDC-1136-4354-A6C5-66DD31C43927}" type="datetimeFigureOut">
               <a:rPr lang="en-US" smtClean="0"/>
-              <a:t>10/11/2019</a:t>
+              <a:t>10/24/2019</a:t>
             </a:fld>
             <a:endParaRPr lang="en-US"/>
           </a:p>
@@ -8659,7 +8695,7 @@
           <a:p>
             <a:fld id="{24662DDC-1136-4354-A6C5-66DD31C43927}" type="datetimeFigureOut">
               <a:rPr lang="en-US" smtClean="0"/>
-              <a:t>10/11/2019</a:t>
+              <a:t>10/24/2019</a:t>
             </a:fld>
             <a:endParaRPr lang="en-US"/>
           </a:p>
@@ -8859,7 +8895,7 @@
           <a:p>
             <a:fld id="{24662DDC-1136-4354-A6C5-66DD31C43927}" type="datetimeFigureOut">
               <a:rPr lang="en-US" smtClean="0"/>
-              <a:t>10/11/2019</a:t>
+              <a:t>10/24/2019</a:t>
             </a:fld>
             <a:endParaRPr lang="en-US"/>
           </a:p>
@@ -9135,7 +9171,7 @@
           <a:p>
             <a:fld id="{24662DDC-1136-4354-A6C5-66DD31C43927}" type="datetimeFigureOut">
               <a:rPr lang="en-US" smtClean="0"/>
-              <a:t>10/11/2019</a:t>
+              <a:t>10/24/2019</a:t>
             </a:fld>
             <a:endParaRPr lang="en-US"/>
           </a:p>
@@ -9403,7 +9439,7 @@
           <a:p>
             <a:fld id="{24662DDC-1136-4354-A6C5-66DD31C43927}" type="datetimeFigureOut">
               <a:rPr lang="en-US" smtClean="0"/>
-              <a:t>10/11/2019</a:t>
+              <a:t>10/24/2019</a:t>
             </a:fld>
             <a:endParaRPr lang="en-US"/>
           </a:p>
@@ -9818,7 +9854,7 @@
           <a:p>
             <a:fld id="{24662DDC-1136-4354-A6C5-66DD31C43927}" type="datetimeFigureOut">
               <a:rPr lang="en-US" smtClean="0"/>
-              <a:t>10/11/2019</a:t>
+              <a:t>10/24/2019</a:t>
             </a:fld>
             <a:endParaRPr lang="en-US"/>
           </a:p>
@@ -9960,7 +9996,7 @@
           <a:p>
             <a:fld id="{24662DDC-1136-4354-A6C5-66DD31C43927}" type="datetimeFigureOut">
               <a:rPr lang="en-US" smtClean="0"/>
-              <a:t>10/11/2019</a:t>
+              <a:t>10/24/2019</a:t>
             </a:fld>
             <a:endParaRPr lang="en-US"/>
           </a:p>
@@ -10073,7 +10109,7 @@
           <a:p>
             <a:fld id="{24662DDC-1136-4354-A6C5-66DD31C43927}" type="datetimeFigureOut">
               <a:rPr lang="en-US" smtClean="0"/>
-              <a:t>10/11/2019</a:t>
+              <a:t>10/24/2019</a:t>
             </a:fld>
             <a:endParaRPr lang="en-US"/>
           </a:p>
@@ -10386,7 +10422,7 @@
           <a:p>
             <a:fld id="{24662DDC-1136-4354-A6C5-66DD31C43927}" type="datetimeFigureOut">
               <a:rPr lang="en-US" smtClean="0"/>
-              <a:t>10/11/2019</a:t>
+              <a:t>10/24/2019</a:t>
             </a:fld>
             <a:endParaRPr lang="en-US"/>
           </a:p>
@@ -10675,7 +10711,7 @@
           <a:p>
             <a:fld id="{24662DDC-1136-4354-A6C5-66DD31C43927}" type="datetimeFigureOut">
               <a:rPr lang="en-US" smtClean="0"/>
-              <a:t>10/11/2019</a:t>
+              <a:t>10/24/2019</a:t>
             </a:fld>
             <a:endParaRPr lang="en-US"/>
           </a:p>
@@ -10918,7 +10954,7 @@
           <a:p>
             <a:fld id="{24662DDC-1136-4354-A6C5-66DD31C43927}" type="datetimeFigureOut">
               <a:rPr lang="en-US" smtClean="0"/>
-              <a:t>10/11/2019</a:t>
+              <a:t>10/24/2019</a:t>
             </a:fld>
             <a:endParaRPr lang="en-US"/>
           </a:p>
@@ -22529,7 +22565,7 @@
           <p:nvPr>
             <p:extLst>
               <p:ext uri="{D42A27DB-BD31-4B8C-83A1-F6EECF244321}">
-                <p14:modId xmlns:p14="http://schemas.microsoft.com/office/powerpoint/2010/main" val="3822526767"/>
+                <p14:modId xmlns:p14="http://schemas.microsoft.com/office/powerpoint/2010/main" val="1852218503"/>
               </p:ext>
             </p:extLst>
           </p:nvPr>
@@ -22906,7 +22942,7 @@
               </a:pPr>
               <a:r>
                 <a:rPr lang="de-DE" sz="2000" kern="1200" dirty="0" err="1"/>
-                <a:t>Biokta</a:t>
+                <a:t>Bikota</a:t>
               </a:r>
               <a:r>
                 <a:rPr lang="de-DE" sz="2000" kern="1200" dirty="0"/>
